--- a/2022-dyalog-Text_Processing/2022 - Dyalog - Text Processing in APL.pptx
+++ b/2022-dyalog-Text_Processing/2022 - Dyalog - Text Processing in APL.pptx
@@ -5,59 +5,61 @@
     <p:sldMasterId id="2147483674" r:id="rId1"/>
   </p:sldMasterIdLst>
   <p:notesMasterIdLst>
-    <p:notesMasterId r:id="rId52"/>
+    <p:notesMasterId r:id="rId54"/>
   </p:notesMasterIdLst>
   <p:sldIdLst>
     <p:sldId id="258" r:id="rId2"/>
     <p:sldId id="306" r:id="rId3"/>
     <p:sldId id="307" r:id="rId4"/>
-    <p:sldId id="308" r:id="rId5"/>
-    <p:sldId id="309" r:id="rId6"/>
-    <p:sldId id="310" r:id="rId7"/>
-    <p:sldId id="347" r:id="rId8"/>
-    <p:sldId id="311" r:id="rId9"/>
-    <p:sldId id="312" r:id="rId10"/>
-    <p:sldId id="313" r:id="rId11"/>
-    <p:sldId id="314" r:id="rId12"/>
-    <p:sldId id="350" r:id="rId13"/>
-    <p:sldId id="315" r:id="rId14"/>
-    <p:sldId id="343" r:id="rId15"/>
-    <p:sldId id="319" r:id="rId16"/>
-    <p:sldId id="320" r:id="rId17"/>
-    <p:sldId id="322" r:id="rId18"/>
-    <p:sldId id="341" r:id="rId19"/>
-    <p:sldId id="340" r:id="rId20"/>
-    <p:sldId id="342" r:id="rId21"/>
-    <p:sldId id="317" r:id="rId22"/>
-    <p:sldId id="321" r:id="rId23"/>
-    <p:sldId id="318" r:id="rId24"/>
-    <p:sldId id="349" r:id="rId25"/>
-    <p:sldId id="323" r:id="rId26"/>
-    <p:sldId id="324" r:id="rId27"/>
-    <p:sldId id="325" r:id="rId28"/>
-    <p:sldId id="326" r:id="rId29"/>
-    <p:sldId id="327" r:id="rId30"/>
-    <p:sldId id="348" r:id="rId31"/>
-    <p:sldId id="345" r:id="rId32"/>
-    <p:sldId id="331" r:id="rId33"/>
-    <p:sldId id="328" r:id="rId34"/>
-    <p:sldId id="344" r:id="rId35"/>
-    <p:sldId id="359" r:id="rId36"/>
-    <p:sldId id="332" r:id="rId37"/>
-    <p:sldId id="351" r:id="rId38"/>
-    <p:sldId id="352" r:id="rId39"/>
-    <p:sldId id="353" r:id="rId40"/>
-    <p:sldId id="354" r:id="rId41"/>
-    <p:sldId id="329" r:id="rId42"/>
-    <p:sldId id="346" r:id="rId43"/>
-    <p:sldId id="355" r:id="rId44"/>
-    <p:sldId id="356" r:id="rId45"/>
-    <p:sldId id="358" r:id="rId46"/>
-    <p:sldId id="336" r:id="rId47"/>
-    <p:sldId id="337" r:id="rId48"/>
-    <p:sldId id="338" r:id="rId49"/>
-    <p:sldId id="339" r:id="rId50"/>
-    <p:sldId id="305" r:id="rId51"/>
+    <p:sldId id="360" r:id="rId5"/>
+    <p:sldId id="361" r:id="rId6"/>
+    <p:sldId id="308" r:id="rId7"/>
+    <p:sldId id="309" r:id="rId8"/>
+    <p:sldId id="310" r:id="rId9"/>
+    <p:sldId id="347" r:id="rId10"/>
+    <p:sldId id="311" r:id="rId11"/>
+    <p:sldId id="312" r:id="rId12"/>
+    <p:sldId id="313" r:id="rId13"/>
+    <p:sldId id="314" r:id="rId14"/>
+    <p:sldId id="350" r:id="rId15"/>
+    <p:sldId id="315" r:id="rId16"/>
+    <p:sldId id="343" r:id="rId17"/>
+    <p:sldId id="319" r:id="rId18"/>
+    <p:sldId id="320" r:id="rId19"/>
+    <p:sldId id="322" r:id="rId20"/>
+    <p:sldId id="341" r:id="rId21"/>
+    <p:sldId id="340" r:id="rId22"/>
+    <p:sldId id="342" r:id="rId23"/>
+    <p:sldId id="317" r:id="rId24"/>
+    <p:sldId id="321" r:id="rId25"/>
+    <p:sldId id="318" r:id="rId26"/>
+    <p:sldId id="349" r:id="rId27"/>
+    <p:sldId id="323" r:id="rId28"/>
+    <p:sldId id="324" r:id="rId29"/>
+    <p:sldId id="325" r:id="rId30"/>
+    <p:sldId id="326" r:id="rId31"/>
+    <p:sldId id="327" r:id="rId32"/>
+    <p:sldId id="348" r:id="rId33"/>
+    <p:sldId id="345" r:id="rId34"/>
+    <p:sldId id="331" r:id="rId35"/>
+    <p:sldId id="328" r:id="rId36"/>
+    <p:sldId id="344" r:id="rId37"/>
+    <p:sldId id="359" r:id="rId38"/>
+    <p:sldId id="332" r:id="rId39"/>
+    <p:sldId id="351" r:id="rId40"/>
+    <p:sldId id="352" r:id="rId41"/>
+    <p:sldId id="353" r:id="rId42"/>
+    <p:sldId id="354" r:id="rId43"/>
+    <p:sldId id="329" r:id="rId44"/>
+    <p:sldId id="346" r:id="rId45"/>
+    <p:sldId id="355" r:id="rId46"/>
+    <p:sldId id="356" r:id="rId47"/>
+    <p:sldId id="358" r:id="rId48"/>
+    <p:sldId id="336" r:id="rId49"/>
+    <p:sldId id="337" r:id="rId50"/>
+    <p:sldId id="338" r:id="rId51"/>
+    <p:sldId id="339" r:id="rId52"/>
+    <p:sldId id="305" r:id="rId53"/>
   </p:sldIdLst>
   <p:sldSz cx="12192000" cy="6858000"/>
   <p:notesSz cx="6858000" cy="9144000"/>
@@ -164,16 +166,781 @@
 </p:presentation>
 </file>
 
-<file path=ppt/revisionInfo.xml><?xml version="1.0" encoding="utf-8"?>
-<p1510:revInfo xmlns:a="http://schemas.openxmlformats.org/drawingml/2006/main" xmlns:r="http://schemas.openxmlformats.org/officeDocument/2006/relationships" xmlns:p1510="http://schemas.microsoft.com/office/powerpoint/2015/10/main">
-  <p1510:revLst>
-    <p1510:client id="{D9D58B0F-C0BC-40BF-8893-F9338AA445DA}" v="29" dt="2022-10-08T06:32:33.379"/>
-  </p1510:revLst>
-</p1510:revInfo>
-</file>
-
 <file path=ppt/changesInfos/changesInfo1.xml><?xml version="1.0" encoding="utf-8"?>
 <pc:chgInfo xmlns:a="http://schemas.openxmlformats.org/drawingml/2006/main" xmlns:r="http://schemas.openxmlformats.org/officeDocument/2006/relationships" xmlns:ac="http://schemas.microsoft.com/office/drawing/2013/main/command" xmlns:pc="http://schemas.microsoft.com/office/powerpoint/2013/main/command">
+  <pc:docChgLst>
+    <pc:chgData name="Aaron Hsu" userId="0cffdb1c3a2f95f6" providerId="LiveId" clId="{9E082AFF-A207-43AD-B66F-38228E08D467}"/>
+    <pc:docChg chg="undo redo custSel addSld delSld modSld sldOrd modMainMaster">
+      <pc:chgData name="Aaron Hsu" userId="0cffdb1c3a2f95f6" providerId="LiveId" clId="{9E082AFF-A207-43AD-B66F-38228E08D467}" dt="2019-09-09T11:20:25.120" v="910"/>
+      <pc:docMkLst>
+        <pc:docMk/>
+      </pc:docMkLst>
+      <pc:sldChg chg="modSp">
+        <pc:chgData name="Aaron Hsu" userId="0cffdb1c3a2f95f6" providerId="LiveId" clId="{9E082AFF-A207-43AD-B66F-38228E08D467}" dt="2019-09-09T08:30:29.405" v="754" actId="20577"/>
+        <pc:sldMkLst>
+          <pc:docMk/>
+          <pc:sldMk cId="4112647463" sldId="258"/>
+        </pc:sldMkLst>
+        <pc:spChg chg="mod">
+          <ac:chgData name="Aaron Hsu" userId="0cffdb1c3a2f95f6" providerId="LiveId" clId="{9E082AFF-A207-43AD-B66F-38228E08D467}" dt="2019-09-09T08:30:29.405" v="754" actId="20577"/>
+          <ac:spMkLst>
+            <pc:docMk/>
+            <pc:sldMk cId="4112647463" sldId="258"/>
+            <ac:spMk id="2" creationId="{F5A751A0-4B7D-4174-8888-E686F75CD87F}"/>
+          </ac:spMkLst>
+        </pc:spChg>
+      </pc:sldChg>
+      <pc:sldChg chg="modSp add">
+        <pc:chgData name="Aaron Hsu" userId="0cffdb1c3a2f95f6" providerId="LiveId" clId="{9E082AFF-A207-43AD-B66F-38228E08D467}" dt="2019-09-09T08:28:40.642" v="733" actId="404"/>
+        <pc:sldMkLst>
+          <pc:docMk/>
+          <pc:sldMk cId="2271063651" sldId="419"/>
+        </pc:sldMkLst>
+        <pc:spChg chg="mod">
+          <ac:chgData name="Aaron Hsu" userId="0cffdb1c3a2f95f6" providerId="LiveId" clId="{9E082AFF-A207-43AD-B66F-38228E08D467}" dt="2019-09-09T08:28:40.642" v="733" actId="404"/>
+          <ac:spMkLst>
+            <pc:docMk/>
+            <pc:sldMk cId="2271063651" sldId="419"/>
+            <ac:spMk id="2" creationId="{F5A751A0-4B7D-4174-8888-E686F75CD87F}"/>
+          </ac:spMkLst>
+        </pc:spChg>
+      </pc:sldChg>
+      <pc:sldChg chg="modSp add">
+        <pc:chgData name="Aaron Hsu" userId="0cffdb1c3a2f95f6" providerId="LiveId" clId="{9E082AFF-A207-43AD-B66F-38228E08D467}" dt="2019-09-09T08:28:49.037" v="740" actId="404"/>
+        <pc:sldMkLst>
+          <pc:docMk/>
+          <pc:sldMk cId="3922991805" sldId="420"/>
+        </pc:sldMkLst>
+        <pc:spChg chg="mod">
+          <ac:chgData name="Aaron Hsu" userId="0cffdb1c3a2f95f6" providerId="LiveId" clId="{9E082AFF-A207-43AD-B66F-38228E08D467}" dt="2019-09-09T08:28:49.037" v="740" actId="404"/>
+          <ac:spMkLst>
+            <pc:docMk/>
+            <pc:sldMk cId="3922991805" sldId="420"/>
+            <ac:spMk id="2" creationId="{F5A751A0-4B7D-4174-8888-E686F75CD87F}"/>
+          </ac:spMkLst>
+        </pc:spChg>
+      </pc:sldChg>
+      <pc:sldChg chg="modSp add">
+        <pc:chgData name="Aaron Hsu" userId="0cffdb1c3a2f95f6" providerId="LiveId" clId="{9E082AFF-A207-43AD-B66F-38228E08D467}" dt="2019-09-08T15:46:30.545" v="64" actId="403"/>
+        <pc:sldMkLst>
+          <pc:docMk/>
+          <pc:sldMk cId="1730849205" sldId="421"/>
+        </pc:sldMkLst>
+        <pc:spChg chg="mod">
+          <ac:chgData name="Aaron Hsu" userId="0cffdb1c3a2f95f6" providerId="LiveId" clId="{9E082AFF-A207-43AD-B66F-38228E08D467}" dt="2019-09-08T15:46:30.545" v="64" actId="403"/>
+          <ac:spMkLst>
+            <pc:docMk/>
+            <pc:sldMk cId="1730849205" sldId="421"/>
+            <ac:spMk id="2" creationId="{F5A751A0-4B7D-4174-8888-E686F75CD87F}"/>
+          </ac:spMkLst>
+        </pc:spChg>
+      </pc:sldChg>
+      <pc:sldChg chg="modSp add">
+        <pc:chgData name="Aaron Hsu" userId="0cffdb1c3a2f95f6" providerId="LiveId" clId="{9E082AFF-A207-43AD-B66F-38228E08D467}" dt="2019-09-09T08:29:52.131" v="745" actId="404"/>
+        <pc:sldMkLst>
+          <pc:docMk/>
+          <pc:sldMk cId="3121542516" sldId="422"/>
+        </pc:sldMkLst>
+        <pc:spChg chg="mod">
+          <ac:chgData name="Aaron Hsu" userId="0cffdb1c3a2f95f6" providerId="LiveId" clId="{9E082AFF-A207-43AD-B66F-38228E08D467}" dt="2019-09-09T08:29:52.131" v="745" actId="404"/>
+          <ac:spMkLst>
+            <pc:docMk/>
+            <pc:sldMk cId="3121542516" sldId="422"/>
+            <ac:spMk id="2" creationId="{F5A751A0-4B7D-4174-8888-E686F75CD87F}"/>
+          </ac:spMkLst>
+        </pc:spChg>
+      </pc:sldChg>
+      <pc:sldChg chg="modSp add">
+        <pc:chgData name="Aaron Hsu" userId="0cffdb1c3a2f95f6" providerId="LiveId" clId="{9E082AFF-A207-43AD-B66F-38228E08D467}" dt="2019-09-09T08:33:02.560" v="781" actId="403"/>
+        <pc:sldMkLst>
+          <pc:docMk/>
+          <pc:sldMk cId="251343321" sldId="423"/>
+        </pc:sldMkLst>
+        <pc:spChg chg="mod">
+          <ac:chgData name="Aaron Hsu" userId="0cffdb1c3a2f95f6" providerId="LiveId" clId="{9E082AFF-A207-43AD-B66F-38228E08D467}" dt="2019-09-09T08:33:02.560" v="781" actId="403"/>
+          <ac:spMkLst>
+            <pc:docMk/>
+            <pc:sldMk cId="251343321" sldId="423"/>
+            <ac:spMk id="2" creationId="{F5A751A0-4B7D-4174-8888-E686F75CD87F}"/>
+          </ac:spMkLst>
+        </pc:spChg>
+      </pc:sldChg>
+      <pc:sldChg chg="modSp add ord">
+        <pc:chgData name="Aaron Hsu" userId="0cffdb1c3a2f95f6" providerId="LiveId" clId="{9E082AFF-A207-43AD-B66F-38228E08D467}" dt="2019-09-09T08:22:07.241" v="694" actId="403"/>
+        <pc:sldMkLst>
+          <pc:docMk/>
+          <pc:sldMk cId="2531467429" sldId="424"/>
+        </pc:sldMkLst>
+        <pc:spChg chg="mod">
+          <ac:chgData name="Aaron Hsu" userId="0cffdb1c3a2f95f6" providerId="LiveId" clId="{9E082AFF-A207-43AD-B66F-38228E08D467}" dt="2019-09-09T08:22:07.241" v="694" actId="403"/>
+          <ac:spMkLst>
+            <pc:docMk/>
+            <pc:sldMk cId="2531467429" sldId="424"/>
+            <ac:spMk id="2" creationId="{F5A751A0-4B7D-4174-8888-E686F75CD87F}"/>
+          </ac:spMkLst>
+        </pc:spChg>
+      </pc:sldChg>
+      <pc:sldChg chg="modSp add">
+        <pc:chgData name="Aaron Hsu" userId="0cffdb1c3a2f95f6" providerId="LiveId" clId="{9E082AFF-A207-43AD-B66F-38228E08D467}" dt="2019-09-09T08:21:45.784" v="690" actId="403"/>
+        <pc:sldMkLst>
+          <pc:docMk/>
+          <pc:sldMk cId="2791320285" sldId="425"/>
+        </pc:sldMkLst>
+        <pc:spChg chg="mod">
+          <ac:chgData name="Aaron Hsu" userId="0cffdb1c3a2f95f6" providerId="LiveId" clId="{9E082AFF-A207-43AD-B66F-38228E08D467}" dt="2019-09-09T08:21:45.784" v="690" actId="403"/>
+          <ac:spMkLst>
+            <pc:docMk/>
+            <pc:sldMk cId="2791320285" sldId="425"/>
+            <ac:spMk id="2" creationId="{F5A751A0-4B7D-4174-8888-E686F75CD87F}"/>
+          </ac:spMkLst>
+        </pc:spChg>
+      </pc:sldChg>
+      <pc:sldChg chg="modSp add">
+        <pc:chgData name="Aaron Hsu" userId="0cffdb1c3a2f95f6" providerId="LiveId" clId="{9E082AFF-A207-43AD-B66F-38228E08D467}" dt="2019-09-09T08:21:56.336" v="692" actId="403"/>
+        <pc:sldMkLst>
+          <pc:docMk/>
+          <pc:sldMk cId="659366599" sldId="426"/>
+        </pc:sldMkLst>
+        <pc:spChg chg="mod">
+          <ac:chgData name="Aaron Hsu" userId="0cffdb1c3a2f95f6" providerId="LiveId" clId="{9E082AFF-A207-43AD-B66F-38228E08D467}" dt="2019-09-09T08:21:56.336" v="692" actId="403"/>
+          <ac:spMkLst>
+            <pc:docMk/>
+            <pc:sldMk cId="659366599" sldId="426"/>
+            <ac:spMk id="2" creationId="{F5A751A0-4B7D-4174-8888-E686F75CD87F}"/>
+          </ac:spMkLst>
+        </pc:spChg>
+      </pc:sldChg>
+      <pc:sldChg chg="modSp add ord">
+        <pc:chgData name="Aaron Hsu" userId="0cffdb1c3a2f95f6" providerId="LiveId" clId="{9E082AFF-A207-43AD-B66F-38228E08D467}" dt="2019-09-09T08:21:36.171" v="689" actId="403"/>
+        <pc:sldMkLst>
+          <pc:docMk/>
+          <pc:sldMk cId="2733389598" sldId="427"/>
+        </pc:sldMkLst>
+        <pc:spChg chg="mod">
+          <ac:chgData name="Aaron Hsu" userId="0cffdb1c3a2f95f6" providerId="LiveId" clId="{9E082AFF-A207-43AD-B66F-38228E08D467}" dt="2019-09-09T08:21:36.171" v="689" actId="403"/>
+          <ac:spMkLst>
+            <pc:docMk/>
+            <pc:sldMk cId="2733389598" sldId="427"/>
+            <ac:spMk id="2" creationId="{F5A751A0-4B7D-4174-8888-E686F75CD87F}"/>
+          </ac:spMkLst>
+        </pc:spChg>
+      </pc:sldChg>
+      <pc:sldChg chg="modSp add ord">
+        <pc:chgData name="Aaron Hsu" userId="0cffdb1c3a2f95f6" providerId="LiveId" clId="{9E082AFF-A207-43AD-B66F-38228E08D467}" dt="2019-09-09T08:21:14.377" v="686" actId="403"/>
+        <pc:sldMkLst>
+          <pc:docMk/>
+          <pc:sldMk cId="4212725353" sldId="428"/>
+        </pc:sldMkLst>
+        <pc:spChg chg="mod">
+          <ac:chgData name="Aaron Hsu" userId="0cffdb1c3a2f95f6" providerId="LiveId" clId="{9E082AFF-A207-43AD-B66F-38228E08D467}" dt="2019-09-09T08:21:14.377" v="686" actId="403"/>
+          <ac:spMkLst>
+            <pc:docMk/>
+            <pc:sldMk cId="4212725353" sldId="428"/>
+            <ac:spMk id="2" creationId="{F5A751A0-4B7D-4174-8888-E686F75CD87F}"/>
+          </ac:spMkLst>
+        </pc:spChg>
+      </pc:sldChg>
+      <pc:sldChg chg="modSp add ord">
+        <pc:chgData name="Aaron Hsu" userId="0cffdb1c3a2f95f6" providerId="LiveId" clId="{9E082AFF-A207-43AD-B66F-38228E08D467}" dt="2019-09-09T08:33:25.810" v="788" actId="403"/>
+        <pc:sldMkLst>
+          <pc:docMk/>
+          <pc:sldMk cId="2185192507" sldId="429"/>
+        </pc:sldMkLst>
+        <pc:spChg chg="mod">
+          <ac:chgData name="Aaron Hsu" userId="0cffdb1c3a2f95f6" providerId="LiveId" clId="{9E082AFF-A207-43AD-B66F-38228E08D467}" dt="2019-09-09T08:33:25.810" v="788" actId="403"/>
+          <ac:spMkLst>
+            <pc:docMk/>
+            <pc:sldMk cId="2185192507" sldId="429"/>
+            <ac:spMk id="2" creationId="{F5A751A0-4B7D-4174-8888-E686F75CD87F}"/>
+          </ac:spMkLst>
+        </pc:spChg>
+      </pc:sldChg>
+      <pc:sldChg chg="modSp add ord">
+        <pc:chgData name="Aaron Hsu" userId="0cffdb1c3a2f95f6" providerId="LiveId" clId="{9E082AFF-A207-43AD-B66F-38228E08D467}" dt="2019-09-09T08:33:21.723" v="785" actId="404"/>
+        <pc:sldMkLst>
+          <pc:docMk/>
+          <pc:sldMk cId="2055944733" sldId="430"/>
+        </pc:sldMkLst>
+        <pc:spChg chg="mod">
+          <ac:chgData name="Aaron Hsu" userId="0cffdb1c3a2f95f6" providerId="LiveId" clId="{9E082AFF-A207-43AD-B66F-38228E08D467}" dt="2019-09-09T08:33:21.723" v="785" actId="404"/>
+          <ac:spMkLst>
+            <pc:docMk/>
+            <pc:sldMk cId="2055944733" sldId="430"/>
+            <ac:spMk id="2" creationId="{F5A751A0-4B7D-4174-8888-E686F75CD87F}"/>
+          </ac:spMkLst>
+        </pc:spChg>
+      </pc:sldChg>
+      <pc:sldChg chg="modSp add ord">
+        <pc:chgData name="Aaron Hsu" userId="0cffdb1c3a2f95f6" providerId="LiveId" clId="{9E082AFF-A207-43AD-B66F-38228E08D467}" dt="2019-09-09T08:21:28.150" v="688" actId="403"/>
+        <pc:sldMkLst>
+          <pc:docMk/>
+          <pc:sldMk cId="3248552902" sldId="431"/>
+        </pc:sldMkLst>
+        <pc:spChg chg="mod">
+          <ac:chgData name="Aaron Hsu" userId="0cffdb1c3a2f95f6" providerId="LiveId" clId="{9E082AFF-A207-43AD-B66F-38228E08D467}" dt="2019-09-09T08:21:28.150" v="688" actId="403"/>
+          <ac:spMkLst>
+            <pc:docMk/>
+            <pc:sldMk cId="3248552902" sldId="431"/>
+            <ac:spMk id="2" creationId="{F5A751A0-4B7D-4174-8888-E686F75CD87F}"/>
+          </ac:spMkLst>
+        </pc:spChg>
+      </pc:sldChg>
+      <pc:sldChg chg="modSp add">
+        <pc:chgData name="Aaron Hsu" userId="0cffdb1c3a2f95f6" providerId="LiveId" clId="{9E082AFF-A207-43AD-B66F-38228E08D467}" dt="2019-09-09T08:22:18.105" v="698" actId="403"/>
+        <pc:sldMkLst>
+          <pc:docMk/>
+          <pc:sldMk cId="966443657" sldId="432"/>
+        </pc:sldMkLst>
+        <pc:spChg chg="mod">
+          <ac:chgData name="Aaron Hsu" userId="0cffdb1c3a2f95f6" providerId="LiveId" clId="{9E082AFF-A207-43AD-B66F-38228E08D467}" dt="2019-09-09T08:22:18.105" v="698" actId="403"/>
+          <ac:spMkLst>
+            <pc:docMk/>
+            <pc:sldMk cId="966443657" sldId="432"/>
+            <ac:spMk id="2" creationId="{F5A751A0-4B7D-4174-8888-E686F75CD87F}"/>
+          </ac:spMkLst>
+        </pc:spChg>
+      </pc:sldChg>
+      <pc:sldChg chg="modSp add">
+        <pc:chgData name="Aaron Hsu" userId="0cffdb1c3a2f95f6" providerId="LiveId" clId="{9E082AFF-A207-43AD-B66F-38228E08D467}" dt="2019-09-09T08:22:31.453" v="703" actId="404"/>
+        <pc:sldMkLst>
+          <pc:docMk/>
+          <pc:sldMk cId="3079206176" sldId="433"/>
+        </pc:sldMkLst>
+        <pc:spChg chg="mod">
+          <ac:chgData name="Aaron Hsu" userId="0cffdb1c3a2f95f6" providerId="LiveId" clId="{9E082AFF-A207-43AD-B66F-38228E08D467}" dt="2019-09-09T08:22:31.453" v="703" actId="404"/>
+          <ac:spMkLst>
+            <pc:docMk/>
+            <pc:sldMk cId="3079206176" sldId="433"/>
+            <ac:spMk id="2" creationId="{F5A751A0-4B7D-4174-8888-E686F75CD87F}"/>
+          </ac:spMkLst>
+        </pc:spChg>
+      </pc:sldChg>
+      <pc:sldChg chg="modSp add">
+        <pc:chgData name="Aaron Hsu" userId="0cffdb1c3a2f95f6" providerId="LiveId" clId="{9E082AFF-A207-43AD-B66F-38228E08D467}" dt="2019-09-09T08:20:59.546" v="685" actId="403"/>
+        <pc:sldMkLst>
+          <pc:docMk/>
+          <pc:sldMk cId="518271366" sldId="434"/>
+        </pc:sldMkLst>
+        <pc:spChg chg="mod">
+          <ac:chgData name="Aaron Hsu" userId="0cffdb1c3a2f95f6" providerId="LiveId" clId="{9E082AFF-A207-43AD-B66F-38228E08D467}" dt="2019-09-09T08:20:59.546" v="685" actId="403"/>
+          <ac:spMkLst>
+            <pc:docMk/>
+            <pc:sldMk cId="518271366" sldId="434"/>
+            <ac:spMk id="2" creationId="{F5A751A0-4B7D-4174-8888-E686F75CD87F}"/>
+          </ac:spMkLst>
+        </pc:spChg>
+      </pc:sldChg>
+      <pc:sldChg chg="modSp add ord">
+        <pc:chgData name="Aaron Hsu" userId="0cffdb1c3a2f95f6" providerId="LiveId" clId="{9E082AFF-A207-43AD-B66F-38228E08D467}" dt="2019-09-09T11:20:25.120" v="910"/>
+        <pc:sldMkLst>
+          <pc:docMk/>
+          <pc:sldMk cId="4067896374" sldId="435"/>
+        </pc:sldMkLst>
+        <pc:spChg chg="mod">
+          <ac:chgData name="Aaron Hsu" userId="0cffdb1c3a2f95f6" providerId="LiveId" clId="{9E082AFF-A207-43AD-B66F-38228E08D467}" dt="2019-09-09T09:19:12.876" v="903" actId="20577"/>
+          <ac:spMkLst>
+            <pc:docMk/>
+            <pc:sldMk cId="4067896374" sldId="435"/>
+            <ac:spMk id="2" creationId="{F5A751A0-4B7D-4174-8888-E686F75CD87F}"/>
+          </ac:spMkLst>
+        </pc:spChg>
+      </pc:sldChg>
+      <pc:sldChg chg="modSp add">
+        <pc:chgData name="Aaron Hsu" userId="0cffdb1c3a2f95f6" providerId="LiveId" clId="{9E082AFF-A207-43AD-B66F-38228E08D467}" dt="2019-09-09T09:20:14.642" v="906" actId="20577"/>
+        <pc:sldMkLst>
+          <pc:docMk/>
+          <pc:sldMk cId="766551321" sldId="436"/>
+        </pc:sldMkLst>
+        <pc:spChg chg="mod">
+          <ac:chgData name="Aaron Hsu" userId="0cffdb1c3a2f95f6" providerId="LiveId" clId="{9E082AFF-A207-43AD-B66F-38228E08D467}" dt="2019-09-09T09:20:14.642" v="906" actId="20577"/>
+          <ac:spMkLst>
+            <pc:docMk/>
+            <pc:sldMk cId="766551321" sldId="436"/>
+            <ac:spMk id="2" creationId="{F5A751A0-4B7D-4174-8888-E686F75CD87F}"/>
+          </ac:spMkLst>
+        </pc:spChg>
+      </pc:sldChg>
+      <pc:sldChg chg="add del">
+        <pc:chgData name="Aaron Hsu" userId="0cffdb1c3a2f95f6" providerId="LiveId" clId="{9E082AFF-A207-43AD-B66F-38228E08D467}" dt="2019-09-09T08:18:56.400" v="658" actId="2696"/>
+        <pc:sldMkLst>
+          <pc:docMk/>
+          <pc:sldMk cId="2284787494" sldId="436"/>
+        </pc:sldMkLst>
+      </pc:sldChg>
+      <pc:sldChg chg="addSp modSp add">
+        <pc:chgData name="Aaron Hsu" userId="0cffdb1c3a2f95f6" providerId="LiveId" clId="{9E082AFF-A207-43AD-B66F-38228E08D467}" dt="2019-09-09T08:20:29.126" v="681"/>
+        <pc:sldMkLst>
+          <pc:docMk/>
+          <pc:sldMk cId="3352336813" sldId="437"/>
+        </pc:sldMkLst>
+        <pc:spChg chg="mod">
+          <ac:chgData name="Aaron Hsu" userId="0cffdb1c3a2f95f6" providerId="LiveId" clId="{9E082AFF-A207-43AD-B66F-38228E08D467}" dt="2019-09-09T08:19:57.028" v="672" actId="20577"/>
+          <ac:spMkLst>
+            <pc:docMk/>
+            <pc:sldMk cId="3352336813" sldId="437"/>
+            <ac:spMk id="2" creationId="{F5A751A0-4B7D-4174-8888-E686F75CD87F}"/>
+          </ac:spMkLst>
+        </pc:spChg>
+        <pc:picChg chg="add mod">
+          <ac:chgData name="Aaron Hsu" userId="0cffdb1c3a2f95f6" providerId="LiveId" clId="{9E082AFF-A207-43AD-B66F-38228E08D467}" dt="2019-09-09T08:20:29.126" v="681"/>
+          <ac:picMkLst>
+            <pc:docMk/>
+            <pc:sldMk cId="3352336813" sldId="437"/>
+            <ac:picMk id="4" creationId="{552084EC-AA15-450D-A6FC-278312A5FF6F}"/>
+          </ac:picMkLst>
+        </pc:picChg>
+      </pc:sldChg>
+      <pc:sldChg chg="addSp delSp modSp add">
+        <pc:chgData name="Aaron Hsu" userId="0cffdb1c3a2f95f6" providerId="LiveId" clId="{9E082AFF-A207-43AD-B66F-38228E08D467}" dt="2019-09-09T08:20:29.126" v="681"/>
+        <pc:sldMkLst>
+          <pc:docMk/>
+          <pc:sldMk cId="3244447087" sldId="438"/>
+        </pc:sldMkLst>
+        <pc:picChg chg="del">
+          <ac:chgData name="Aaron Hsu" userId="0cffdb1c3a2f95f6" providerId="LiveId" clId="{9E082AFF-A207-43AD-B66F-38228E08D467}" dt="2019-09-09T08:20:14.740" v="677" actId="478"/>
+          <ac:picMkLst>
+            <pc:docMk/>
+            <pc:sldMk cId="3244447087" sldId="438"/>
+            <ac:picMk id="4" creationId="{552084EC-AA15-450D-A6FC-278312A5FF6F}"/>
+          </ac:picMkLst>
+        </pc:picChg>
+        <pc:picChg chg="add mod">
+          <ac:chgData name="Aaron Hsu" userId="0cffdb1c3a2f95f6" providerId="LiveId" clId="{9E082AFF-A207-43AD-B66F-38228E08D467}" dt="2019-09-09T08:20:29.126" v="681"/>
+          <ac:picMkLst>
+            <pc:docMk/>
+            <pc:sldMk cId="3244447087" sldId="438"/>
+            <ac:picMk id="5" creationId="{41F6940F-AD81-4DB2-A464-91D07B118EB8}"/>
+          </ac:picMkLst>
+        </pc:picChg>
+      </pc:sldChg>
+      <pc:sldChg chg="modSp add ord">
+        <pc:chgData name="Aaron Hsu" userId="0cffdb1c3a2f95f6" providerId="LiveId" clId="{9E082AFF-A207-43AD-B66F-38228E08D467}" dt="2019-09-09T11:16:52.182" v="907"/>
+        <pc:sldMkLst>
+          <pc:docMk/>
+          <pc:sldMk cId="1484186999" sldId="439"/>
+        </pc:sldMkLst>
+        <pc:spChg chg="mod">
+          <ac:chgData name="Aaron Hsu" userId="0cffdb1c3a2f95f6" providerId="LiveId" clId="{9E082AFF-A207-43AD-B66F-38228E08D467}" dt="2019-09-09T08:44:33.710" v="836" actId="404"/>
+          <ac:spMkLst>
+            <pc:docMk/>
+            <pc:sldMk cId="1484186999" sldId="439"/>
+            <ac:spMk id="2" creationId="{F5A751A0-4B7D-4174-8888-E686F75CD87F}"/>
+          </ac:spMkLst>
+        </pc:spChg>
+      </pc:sldChg>
+      <pc:sldChg chg="modSp add">
+        <pc:chgData name="Aaron Hsu" userId="0cffdb1c3a2f95f6" providerId="LiveId" clId="{9E082AFF-A207-43AD-B66F-38228E08D467}" dt="2019-09-09T08:29:59.529" v="750" actId="403"/>
+        <pc:sldMkLst>
+          <pc:docMk/>
+          <pc:sldMk cId="3192880942" sldId="440"/>
+        </pc:sldMkLst>
+        <pc:spChg chg="mod">
+          <ac:chgData name="Aaron Hsu" userId="0cffdb1c3a2f95f6" providerId="LiveId" clId="{9E082AFF-A207-43AD-B66F-38228E08D467}" dt="2019-09-09T08:29:59.529" v="750" actId="403"/>
+          <ac:spMkLst>
+            <pc:docMk/>
+            <pc:sldMk cId="3192880942" sldId="440"/>
+            <ac:spMk id="2" creationId="{F5A751A0-4B7D-4174-8888-E686F75CD87F}"/>
+          </ac:spMkLst>
+        </pc:spChg>
+      </pc:sldChg>
+      <pc:sldChg chg="modSp add">
+        <pc:chgData name="Aaron Hsu" userId="0cffdb1c3a2f95f6" providerId="LiveId" clId="{9E082AFF-A207-43AD-B66F-38228E08D467}" dt="2019-09-09T08:41:23.040" v="797" actId="403"/>
+        <pc:sldMkLst>
+          <pc:docMk/>
+          <pc:sldMk cId="2200619305" sldId="441"/>
+        </pc:sldMkLst>
+        <pc:spChg chg="mod">
+          <ac:chgData name="Aaron Hsu" userId="0cffdb1c3a2f95f6" providerId="LiveId" clId="{9E082AFF-A207-43AD-B66F-38228E08D467}" dt="2019-09-09T08:41:23.040" v="797" actId="403"/>
+          <ac:spMkLst>
+            <pc:docMk/>
+            <pc:sldMk cId="2200619305" sldId="441"/>
+            <ac:spMk id="2" creationId="{F5A751A0-4B7D-4174-8888-E686F75CD87F}"/>
+          </ac:spMkLst>
+        </pc:spChg>
+      </pc:sldChg>
+      <pc:sldChg chg="modSp add ord">
+        <pc:chgData name="Aaron Hsu" userId="0cffdb1c3a2f95f6" providerId="LiveId" clId="{9E082AFF-A207-43AD-B66F-38228E08D467}" dt="2019-09-09T11:16:54.868" v="908"/>
+        <pc:sldMkLst>
+          <pc:docMk/>
+          <pc:sldMk cId="3731029468" sldId="442"/>
+        </pc:sldMkLst>
+        <pc:spChg chg="mod">
+          <ac:chgData name="Aaron Hsu" userId="0cffdb1c3a2f95f6" providerId="LiveId" clId="{9E082AFF-A207-43AD-B66F-38228E08D467}" dt="2019-09-09T08:44:45.596" v="839" actId="113"/>
+          <ac:spMkLst>
+            <pc:docMk/>
+            <pc:sldMk cId="3731029468" sldId="442"/>
+            <ac:spMk id="2" creationId="{F5A751A0-4B7D-4174-8888-E686F75CD87F}"/>
+          </ac:spMkLst>
+        </pc:spChg>
+      </pc:sldChg>
+      <pc:sldChg chg="add del">
+        <pc:chgData name="Aaron Hsu" userId="0cffdb1c3a2f95f6" providerId="LiveId" clId="{9E082AFF-A207-43AD-B66F-38228E08D467}" dt="2019-09-09T09:17:50.007" v="841"/>
+        <pc:sldMkLst>
+          <pc:docMk/>
+          <pc:sldMk cId="1596177157" sldId="443"/>
+        </pc:sldMkLst>
+      </pc:sldChg>
+      <pc:sldChg chg="add">
+        <pc:chgData name="Aaron Hsu" userId="0cffdb1c3a2f95f6" providerId="LiveId" clId="{9E082AFF-A207-43AD-B66F-38228E08D467}" dt="2019-09-09T09:17:55.133" v="842"/>
+        <pc:sldMkLst>
+          <pc:docMk/>
+          <pc:sldMk cId="2449718700" sldId="443"/>
+        </pc:sldMkLst>
+      </pc:sldChg>
+      <pc:sldMasterChg chg="modSp modSldLayout">
+        <pc:chgData name="Aaron Hsu" userId="0cffdb1c3a2f95f6" providerId="LiveId" clId="{9E082AFF-A207-43AD-B66F-38228E08D467}" dt="2019-09-09T08:20:29.126" v="681"/>
+        <pc:sldMasterMkLst>
+          <pc:docMk/>
+          <pc:sldMasterMk cId="2436035521" sldId="2147483661"/>
+        </pc:sldMasterMkLst>
+        <pc:spChg chg="mod">
+          <ac:chgData name="Aaron Hsu" userId="0cffdb1c3a2f95f6" providerId="LiveId" clId="{9E082AFF-A207-43AD-B66F-38228E08D467}" dt="2019-09-09T08:20:29.126" v="681"/>
+          <ac:spMkLst>
+            <pc:docMk/>
+            <pc:sldMasterMk cId="2436035521" sldId="2147483661"/>
+            <ac:spMk id="2" creationId="{00000000-0000-0000-0000-000000000000}"/>
+          </ac:spMkLst>
+        </pc:spChg>
+        <pc:spChg chg="mod">
+          <ac:chgData name="Aaron Hsu" userId="0cffdb1c3a2f95f6" providerId="LiveId" clId="{9E082AFF-A207-43AD-B66F-38228E08D467}" dt="2019-09-09T08:20:29.126" v="681"/>
+          <ac:spMkLst>
+            <pc:docMk/>
+            <pc:sldMasterMk cId="2436035521" sldId="2147483661"/>
+            <ac:spMk id="3" creationId="{00000000-0000-0000-0000-000000000000}"/>
+          </ac:spMkLst>
+        </pc:spChg>
+        <pc:spChg chg="mod">
+          <ac:chgData name="Aaron Hsu" userId="0cffdb1c3a2f95f6" providerId="LiveId" clId="{9E082AFF-A207-43AD-B66F-38228E08D467}" dt="2019-09-09T08:20:29.126" v="681"/>
+          <ac:spMkLst>
+            <pc:docMk/>
+            <pc:sldMasterMk cId="2436035521" sldId="2147483661"/>
+            <ac:spMk id="4" creationId="{00000000-0000-0000-0000-000000000000}"/>
+          </ac:spMkLst>
+        </pc:spChg>
+        <pc:spChg chg="mod">
+          <ac:chgData name="Aaron Hsu" userId="0cffdb1c3a2f95f6" providerId="LiveId" clId="{9E082AFF-A207-43AD-B66F-38228E08D467}" dt="2019-09-09T08:20:29.126" v="681"/>
+          <ac:spMkLst>
+            <pc:docMk/>
+            <pc:sldMasterMk cId="2436035521" sldId="2147483661"/>
+            <ac:spMk id="5" creationId="{00000000-0000-0000-0000-000000000000}"/>
+          </ac:spMkLst>
+        </pc:spChg>
+        <pc:spChg chg="mod">
+          <ac:chgData name="Aaron Hsu" userId="0cffdb1c3a2f95f6" providerId="LiveId" clId="{9E082AFF-A207-43AD-B66F-38228E08D467}" dt="2019-09-09T08:20:29.126" v="681"/>
+          <ac:spMkLst>
+            <pc:docMk/>
+            <pc:sldMasterMk cId="2436035521" sldId="2147483661"/>
+            <ac:spMk id="6" creationId="{00000000-0000-0000-0000-000000000000}"/>
+          </ac:spMkLst>
+        </pc:spChg>
+        <pc:sldLayoutChg chg="modSp">
+          <pc:chgData name="Aaron Hsu" userId="0cffdb1c3a2f95f6" providerId="LiveId" clId="{9E082AFF-A207-43AD-B66F-38228E08D467}" dt="2019-09-09T08:20:29.126" v="681"/>
+          <pc:sldLayoutMkLst>
+            <pc:docMk/>
+            <pc:sldMasterMk cId="2436035521" sldId="2147483661"/>
+            <pc:sldLayoutMk cId="920746316" sldId="2147483662"/>
+          </pc:sldLayoutMkLst>
+          <pc:spChg chg="mod">
+            <ac:chgData name="Aaron Hsu" userId="0cffdb1c3a2f95f6" providerId="LiveId" clId="{9E082AFF-A207-43AD-B66F-38228E08D467}" dt="2019-09-09T08:20:29.126" v="681"/>
+            <ac:spMkLst>
+              <pc:docMk/>
+              <pc:sldMasterMk cId="2436035521" sldId="2147483661"/>
+              <pc:sldLayoutMk cId="920746316" sldId="2147483662"/>
+              <ac:spMk id="2" creationId="{00000000-0000-0000-0000-000000000000}"/>
+            </ac:spMkLst>
+          </pc:spChg>
+          <pc:spChg chg="mod">
+            <ac:chgData name="Aaron Hsu" userId="0cffdb1c3a2f95f6" providerId="LiveId" clId="{9E082AFF-A207-43AD-B66F-38228E08D467}" dt="2019-09-09T08:20:29.126" v="681"/>
+            <ac:spMkLst>
+              <pc:docMk/>
+              <pc:sldMasterMk cId="2436035521" sldId="2147483661"/>
+              <pc:sldLayoutMk cId="920746316" sldId="2147483662"/>
+              <ac:spMk id="3" creationId="{00000000-0000-0000-0000-000000000000}"/>
+            </ac:spMkLst>
+          </pc:spChg>
+        </pc:sldLayoutChg>
+        <pc:sldLayoutChg chg="modSp">
+          <pc:chgData name="Aaron Hsu" userId="0cffdb1c3a2f95f6" providerId="LiveId" clId="{9E082AFF-A207-43AD-B66F-38228E08D467}" dt="2019-09-09T08:20:29.126" v="681"/>
+          <pc:sldLayoutMkLst>
+            <pc:docMk/>
+            <pc:sldMasterMk cId="2436035521" sldId="2147483661"/>
+            <pc:sldLayoutMk cId="1889057716" sldId="2147483664"/>
+          </pc:sldLayoutMkLst>
+          <pc:spChg chg="mod">
+            <ac:chgData name="Aaron Hsu" userId="0cffdb1c3a2f95f6" providerId="LiveId" clId="{9E082AFF-A207-43AD-B66F-38228E08D467}" dt="2019-09-09T08:20:29.126" v="681"/>
+            <ac:spMkLst>
+              <pc:docMk/>
+              <pc:sldMasterMk cId="2436035521" sldId="2147483661"/>
+              <pc:sldLayoutMk cId="1889057716" sldId="2147483664"/>
+              <ac:spMk id="2" creationId="{00000000-0000-0000-0000-000000000000}"/>
+            </ac:spMkLst>
+          </pc:spChg>
+          <pc:spChg chg="mod">
+            <ac:chgData name="Aaron Hsu" userId="0cffdb1c3a2f95f6" providerId="LiveId" clId="{9E082AFF-A207-43AD-B66F-38228E08D467}" dt="2019-09-09T08:20:29.126" v="681"/>
+            <ac:spMkLst>
+              <pc:docMk/>
+              <pc:sldMasterMk cId="2436035521" sldId="2147483661"/>
+              <pc:sldLayoutMk cId="1889057716" sldId="2147483664"/>
+              <ac:spMk id="3" creationId="{00000000-0000-0000-0000-000000000000}"/>
+            </ac:spMkLst>
+          </pc:spChg>
+        </pc:sldLayoutChg>
+        <pc:sldLayoutChg chg="modSp">
+          <pc:chgData name="Aaron Hsu" userId="0cffdb1c3a2f95f6" providerId="LiveId" clId="{9E082AFF-A207-43AD-B66F-38228E08D467}" dt="2019-09-09T08:20:29.126" v="681"/>
+          <pc:sldLayoutMkLst>
+            <pc:docMk/>
+            <pc:sldMasterMk cId="2436035521" sldId="2147483661"/>
+            <pc:sldLayoutMk cId="2377115148" sldId="2147483665"/>
+          </pc:sldLayoutMkLst>
+          <pc:spChg chg="mod">
+            <ac:chgData name="Aaron Hsu" userId="0cffdb1c3a2f95f6" providerId="LiveId" clId="{9E082AFF-A207-43AD-B66F-38228E08D467}" dt="2019-09-09T08:20:29.126" v="681"/>
+            <ac:spMkLst>
+              <pc:docMk/>
+              <pc:sldMasterMk cId="2436035521" sldId="2147483661"/>
+              <pc:sldLayoutMk cId="2377115148" sldId="2147483665"/>
+              <ac:spMk id="3" creationId="{00000000-0000-0000-0000-000000000000}"/>
+            </ac:spMkLst>
+          </pc:spChg>
+          <pc:spChg chg="mod">
+            <ac:chgData name="Aaron Hsu" userId="0cffdb1c3a2f95f6" providerId="LiveId" clId="{9E082AFF-A207-43AD-B66F-38228E08D467}" dt="2019-09-09T08:20:29.126" v="681"/>
+            <ac:spMkLst>
+              <pc:docMk/>
+              <pc:sldMasterMk cId="2436035521" sldId="2147483661"/>
+              <pc:sldLayoutMk cId="2377115148" sldId="2147483665"/>
+              <ac:spMk id="4" creationId="{00000000-0000-0000-0000-000000000000}"/>
+            </ac:spMkLst>
+          </pc:spChg>
+        </pc:sldLayoutChg>
+        <pc:sldLayoutChg chg="modSp">
+          <pc:chgData name="Aaron Hsu" userId="0cffdb1c3a2f95f6" providerId="LiveId" clId="{9E082AFF-A207-43AD-B66F-38228E08D467}" dt="2019-09-09T08:20:29.126" v="681"/>
+          <pc:sldLayoutMkLst>
+            <pc:docMk/>
+            <pc:sldMasterMk cId="2436035521" sldId="2147483661"/>
+            <pc:sldLayoutMk cId="3697379024" sldId="2147483666"/>
+          </pc:sldLayoutMkLst>
+          <pc:spChg chg="mod">
+            <ac:chgData name="Aaron Hsu" userId="0cffdb1c3a2f95f6" providerId="LiveId" clId="{9E082AFF-A207-43AD-B66F-38228E08D467}" dt="2019-09-09T08:20:29.126" v="681"/>
+            <ac:spMkLst>
+              <pc:docMk/>
+              <pc:sldMasterMk cId="2436035521" sldId="2147483661"/>
+              <pc:sldLayoutMk cId="3697379024" sldId="2147483666"/>
+              <ac:spMk id="2" creationId="{00000000-0000-0000-0000-000000000000}"/>
+            </ac:spMkLst>
+          </pc:spChg>
+          <pc:spChg chg="mod">
+            <ac:chgData name="Aaron Hsu" userId="0cffdb1c3a2f95f6" providerId="LiveId" clId="{9E082AFF-A207-43AD-B66F-38228E08D467}" dt="2019-09-09T08:20:29.126" v="681"/>
+            <ac:spMkLst>
+              <pc:docMk/>
+              <pc:sldMasterMk cId="2436035521" sldId="2147483661"/>
+              <pc:sldLayoutMk cId="3697379024" sldId="2147483666"/>
+              <ac:spMk id="3" creationId="{00000000-0000-0000-0000-000000000000}"/>
+            </ac:spMkLst>
+          </pc:spChg>
+          <pc:spChg chg="mod">
+            <ac:chgData name="Aaron Hsu" userId="0cffdb1c3a2f95f6" providerId="LiveId" clId="{9E082AFF-A207-43AD-B66F-38228E08D467}" dt="2019-09-09T08:20:29.126" v="681"/>
+            <ac:spMkLst>
+              <pc:docMk/>
+              <pc:sldMasterMk cId="2436035521" sldId="2147483661"/>
+              <pc:sldLayoutMk cId="3697379024" sldId="2147483666"/>
+              <ac:spMk id="4" creationId="{00000000-0000-0000-0000-000000000000}"/>
+            </ac:spMkLst>
+          </pc:spChg>
+          <pc:spChg chg="mod">
+            <ac:chgData name="Aaron Hsu" userId="0cffdb1c3a2f95f6" providerId="LiveId" clId="{9E082AFF-A207-43AD-B66F-38228E08D467}" dt="2019-09-09T08:20:29.126" v="681"/>
+            <ac:spMkLst>
+              <pc:docMk/>
+              <pc:sldMasterMk cId="2436035521" sldId="2147483661"/>
+              <pc:sldLayoutMk cId="3697379024" sldId="2147483666"/>
+              <ac:spMk id="5" creationId="{00000000-0000-0000-0000-000000000000}"/>
+            </ac:spMkLst>
+          </pc:spChg>
+          <pc:spChg chg="mod">
+            <ac:chgData name="Aaron Hsu" userId="0cffdb1c3a2f95f6" providerId="LiveId" clId="{9E082AFF-A207-43AD-B66F-38228E08D467}" dt="2019-09-09T08:20:29.126" v="681"/>
+            <ac:spMkLst>
+              <pc:docMk/>
+              <pc:sldMasterMk cId="2436035521" sldId="2147483661"/>
+              <pc:sldLayoutMk cId="3697379024" sldId="2147483666"/>
+              <ac:spMk id="6" creationId="{00000000-0000-0000-0000-000000000000}"/>
+            </ac:spMkLst>
+          </pc:spChg>
+        </pc:sldLayoutChg>
+        <pc:sldLayoutChg chg="modSp">
+          <pc:chgData name="Aaron Hsu" userId="0cffdb1c3a2f95f6" providerId="LiveId" clId="{9E082AFF-A207-43AD-B66F-38228E08D467}" dt="2019-09-09T08:20:29.126" v="681"/>
+          <pc:sldLayoutMkLst>
+            <pc:docMk/>
+            <pc:sldMasterMk cId="2436035521" sldId="2147483661"/>
+            <pc:sldLayoutMk cId="2804891909" sldId="2147483669"/>
+          </pc:sldLayoutMkLst>
+          <pc:spChg chg="mod">
+            <ac:chgData name="Aaron Hsu" userId="0cffdb1c3a2f95f6" providerId="LiveId" clId="{9E082AFF-A207-43AD-B66F-38228E08D467}" dt="2019-09-09T08:20:29.126" v="681"/>
+            <ac:spMkLst>
+              <pc:docMk/>
+              <pc:sldMasterMk cId="2436035521" sldId="2147483661"/>
+              <pc:sldLayoutMk cId="2804891909" sldId="2147483669"/>
+              <ac:spMk id="2" creationId="{00000000-0000-0000-0000-000000000000}"/>
+            </ac:spMkLst>
+          </pc:spChg>
+          <pc:spChg chg="mod">
+            <ac:chgData name="Aaron Hsu" userId="0cffdb1c3a2f95f6" providerId="LiveId" clId="{9E082AFF-A207-43AD-B66F-38228E08D467}" dt="2019-09-09T08:20:29.126" v="681"/>
+            <ac:spMkLst>
+              <pc:docMk/>
+              <pc:sldMasterMk cId="2436035521" sldId="2147483661"/>
+              <pc:sldLayoutMk cId="2804891909" sldId="2147483669"/>
+              <ac:spMk id="3" creationId="{00000000-0000-0000-0000-000000000000}"/>
+            </ac:spMkLst>
+          </pc:spChg>
+          <pc:spChg chg="mod">
+            <ac:chgData name="Aaron Hsu" userId="0cffdb1c3a2f95f6" providerId="LiveId" clId="{9E082AFF-A207-43AD-B66F-38228E08D467}" dt="2019-09-09T08:20:29.126" v="681"/>
+            <ac:spMkLst>
+              <pc:docMk/>
+              <pc:sldMasterMk cId="2436035521" sldId="2147483661"/>
+              <pc:sldLayoutMk cId="2804891909" sldId="2147483669"/>
+              <ac:spMk id="4" creationId="{00000000-0000-0000-0000-000000000000}"/>
+            </ac:spMkLst>
+          </pc:spChg>
+        </pc:sldLayoutChg>
+        <pc:sldLayoutChg chg="modSp">
+          <pc:chgData name="Aaron Hsu" userId="0cffdb1c3a2f95f6" providerId="LiveId" clId="{9E082AFF-A207-43AD-B66F-38228E08D467}" dt="2019-09-09T08:20:29.126" v="681"/>
+          <pc:sldLayoutMkLst>
+            <pc:docMk/>
+            <pc:sldMasterMk cId="2436035521" sldId="2147483661"/>
+            <pc:sldLayoutMk cId="2197932763" sldId="2147483670"/>
+          </pc:sldLayoutMkLst>
+          <pc:spChg chg="mod">
+            <ac:chgData name="Aaron Hsu" userId="0cffdb1c3a2f95f6" providerId="LiveId" clId="{9E082AFF-A207-43AD-B66F-38228E08D467}" dt="2019-09-09T08:20:29.126" v="681"/>
+            <ac:spMkLst>
+              <pc:docMk/>
+              <pc:sldMasterMk cId="2436035521" sldId="2147483661"/>
+              <pc:sldLayoutMk cId="2197932763" sldId="2147483670"/>
+              <ac:spMk id="2" creationId="{00000000-0000-0000-0000-000000000000}"/>
+            </ac:spMkLst>
+          </pc:spChg>
+          <pc:spChg chg="mod">
+            <ac:chgData name="Aaron Hsu" userId="0cffdb1c3a2f95f6" providerId="LiveId" clId="{9E082AFF-A207-43AD-B66F-38228E08D467}" dt="2019-09-09T08:20:29.126" v="681"/>
+            <ac:spMkLst>
+              <pc:docMk/>
+              <pc:sldMasterMk cId="2436035521" sldId="2147483661"/>
+              <pc:sldLayoutMk cId="2197932763" sldId="2147483670"/>
+              <ac:spMk id="3" creationId="{00000000-0000-0000-0000-000000000000}"/>
+            </ac:spMkLst>
+          </pc:spChg>
+          <pc:spChg chg="mod">
+            <ac:chgData name="Aaron Hsu" userId="0cffdb1c3a2f95f6" providerId="LiveId" clId="{9E082AFF-A207-43AD-B66F-38228E08D467}" dt="2019-09-09T08:20:29.126" v="681"/>
+            <ac:spMkLst>
+              <pc:docMk/>
+              <pc:sldMasterMk cId="2436035521" sldId="2147483661"/>
+              <pc:sldLayoutMk cId="2197932763" sldId="2147483670"/>
+              <ac:spMk id="4" creationId="{00000000-0000-0000-0000-000000000000}"/>
+            </ac:spMkLst>
+          </pc:spChg>
+        </pc:sldLayoutChg>
+        <pc:sldLayoutChg chg="modSp">
+          <pc:chgData name="Aaron Hsu" userId="0cffdb1c3a2f95f6" providerId="LiveId" clId="{9E082AFF-A207-43AD-B66F-38228E08D467}" dt="2019-09-09T08:20:29.126" v="681"/>
+          <pc:sldLayoutMkLst>
+            <pc:docMk/>
+            <pc:sldMasterMk cId="2436035521" sldId="2147483661"/>
+            <pc:sldLayoutMk cId="610723720" sldId="2147483672"/>
+          </pc:sldLayoutMkLst>
+          <pc:spChg chg="mod">
+            <ac:chgData name="Aaron Hsu" userId="0cffdb1c3a2f95f6" providerId="LiveId" clId="{9E082AFF-A207-43AD-B66F-38228E08D467}" dt="2019-09-09T08:20:29.126" v="681"/>
+            <ac:spMkLst>
+              <pc:docMk/>
+              <pc:sldMasterMk cId="2436035521" sldId="2147483661"/>
+              <pc:sldLayoutMk cId="610723720" sldId="2147483672"/>
+              <ac:spMk id="2" creationId="{00000000-0000-0000-0000-000000000000}"/>
+            </ac:spMkLst>
+          </pc:spChg>
+          <pc:spChg chg="mod">
+            <ac:chgData name="Aaron Hsu" userId="0cffdb1c3a2f95f6" providerId="LiveId" clId="{9E082AFF-A207-43AD-B66F-38228E08D467}" dt="2019-09-09T08:20:29.126" v="681"/>
+            <ac:spMkLst>
+              <pc:docMk/>
+              <pc:sldMasterMk cId="2436035521" sldId="2147483661"/>
+              <pc:sldLayoutMk cId="610723720" sldId="2147483672"/>
+              <ac:spMk id="3" creationId="{00000000-0000-0000-0000-000000000000}"/>
+            </ac:spMkLst>
+          </pc:spChg>
+        </pc:sldLayoutChg>
+        <pc:sldLayoutChg chg="modSp">
+          <pc:chgData name="Aaron Hsu" userId="0cffdb1c3a2f95f6" providerId="LiveId" clId="{9E082AFF-A207-43AD-B66F-38228E08D467}" dt="2019-09-09T08:20:29.126" v="681"/>
+          <pc:sldLayoutMkLst>
+            <pc:docMk/>
+            <pc:sldMasterMk cId="2436035521" sldId="2147483661"/>
+            <pc:sldLayoutMk cId="2922565859" sldId="2147483673"/>
+          </pc:sldLayoutMkLst>
+          <pc:spChg chg="mod">
+            <ac:chgData name="Aaron Hsu" userId="0cffdb1c3a2f95f6" providerId="LiveId" clId="{9E082AFF-A207-43AD-B66F-38228E08D467}" dt="2019-09-09T08:20:29.126" v="681"/>
+            <ac:spMkLst>
+              <pc:docMk/>
+              <pc:sldMasterMk cId="2436035521" sldId="2147483661"/>
+              <pc:sldLayoutMk cId="2922565859" sldId="2147483673"/>
+              <ac:spMk id="8" creationId="{9C2C6C6D-1091-455E-9A31-9A64EC6682C6}"/>
+            </ac:spMkLst>
+          </pc:spChg>
+        </pc:sldLayoutChg>
+      </pc:sldMasterChg>
+    </pc:docChg>
+  </pc:docChgLst>
+  <pc:docChgLst>
+    <pc:chgData name="Aaron Hsu" userId="0cffdb1c3a2f95f6" providerId="LiveId" clId="{3FD9C5CA-6170-458E-AF6E-0E1CCF2F6B6A}"/>
+    <pc:docChg chg="undo custSel addSld delSld modSld">
+      <pc:chgData name="Aaron Hsu" userId="0cffdb1c3a2f95f6" providerId="LiveId" clId="{3FD9C5CA-6170-458E-AF6E-0E1CCF2F6B6A}" dt="2022-10-13T08:24:57.164" v="69" actId="20577"/>
+      <pc:docMkLst>
+        <pc:docMk/>
+      </pc:docMkLst>
+      <pc:sldChg chg="modSp add del mod">
+        <pc:chgData name="Aaron Hsu" userId="0cffdb1c3a2f95f6" providerId="LiveId" clId="{3FD9C5CA-6170-458E-AF6E-0E1CCF2F6B6A}" dt="2022-10-13T00:09:58.233" v="18" actId="20577"/>
+        <pc:sldMkLst>
+          <pc:docMk/>
+          <pc:sldMk cId="433285515" sldId="339"/>
+        </pc:sldMkLst>
+        <pc:spChg chg="mod">
+          <ac:chgData name="Aaron Hsu" userId="0cffdb1c3a2f95f6" providerId="LiveId" clId="{3FD9C5CA-6170-458E-AF6E-0E1CCF2F6B6A}" dt="2022-10-13T00:09:58.233" v="18" actId="20577"/>
+          <ac:spMkLst>
+            <pc:docMk/>
+            <pc:sldMk cId="433285515" sldId="339"/>
+            <ac:spMk id="2" creationId="{7F24F4DF-622E-4461-536F-317FACB5078C}"/>
+          </ac:spMkLst>
+        </pc:spChg>
+      </pc:sldChg>
+      <pc:sldChg chg="modSp new mod">
+        <pc:chgData name="Aaron Hsu" userId="0cffdb1c3a2f95f6" providerId="LiveId" clId="{3FD9C5CA-6170-458E-AF6E-0E1CCF2F6B6A}" dt="2022-10-13T08:24:31.193" v="62" actId="404"/>
+        <pc:sldMkLst>
+          <pc:docMk/>
+          <pc:sldMk cId="2871171438" sldId="360"/>
+        </pc:sldMkLst>
+        <pc:spChg chg="mod">
+          <ac:chgData name="Aaron Hsu" userId="0cffdb1c3a2f95f6" providerId="LiveId" clId="{3FD9C5CA-6170-458E-AF6E-0E1CCF2F6B6A}" dt="2022-10-13T08:24:31.193" v="62" actId="404"/>
+          <ac:spMkLst>
+            <pc:docMk/>
+            <pc:sldMk cId="2871171438" sldId="360"/>
+            <ac:spMk id="2" creationId="{402975E3-E104-0741-F6A3-968971140D19}"/>
+          </ac:spMkLst>
+        </pc:spChg>
+      </pc:sldChg>
+      <pc:sldChg chg="modSp add mod">
+        <pc:chgData name="Aaron Hsu" userId="0cffdb1c3a2f95f6" providerId="LiveId" clId="{3FD9C5CA-6170-458E-AF6E-0E1CCF2F6B6A}" dt="2022-10-13T08:24:57.164" v="69" actId="20577"/>
+        <pc:sldMkLst>
+          <pc:docMk/>
+          <pc:sldMk cId="1560250901" sldId="361"/>
+        </pc:sldMkLst>
+        <pc:spChg chg="mod">
+          <ac:chgData name="Aaron Hsu" userId="0cffdb1c3a2f95f6" providerId="LiveId" clId="{3FD9C5CA-6170-458E-AF6E-0E1CCF2F6B6A}" dt="2022-10-13T08:24:57.164" v="69" actId="20577"/>
+          <ac:spMkLst>
+            <pc:docMk/>
+            <pc:sldMk cId="1560250901" sldId="361"/>
+            <ac:spMk id="2" creationId="{402975E3-E104-0741-F6A3-968971140D19}"/>
+          </ac:spMkLst>
+        </pc:spChg>
+      </pc:sldChg>
+      <pc:sldChg chg="new del">
+        <pc:chgData name="Aaron Hsu" userId="0cffdb1c3a2f95f6" providerId="LiveId" clId="{3FD9C5CA-6170-458E-AF6E-0E1CCF2F6B6A}" dt="2022-10-13T08:24:12.689" v="21" actId="47"/>
+        <pc:sldMkLst>
+          <pc:docMk/>
+          <pc:sldMk cId="3668438539" sldId="361"/>
+        </pc:sldMkLst>
+      </pc:sldChg>
+    </pc:docChg>
+  </pc:docChgLst>
   <pc:docChgLst>
     <pc:chgData name="Aaron Hsu" userId="0cffdb1c3a2f95f6" providerId="LiveId" clId="{D9D58B0F-C0BC-40BF-8893-F9338AA445DA}"/>
     <pc:docChg chg="undo custSel addSld delSld modSld sldOrd modMainMaster">
@@ -1179,718 +1946,6 @@
       </pc:sldMasterChg>
     </pc:docChg>
   </pc:docChgLst>
-  <pc:docChgLst>
-    <pc:chgData name="Aaron Hsu" userId="0cffdb1c3a2f95f6" providerId="LiveId" clId="{9E082AFF-A207-43AD-B66F-38228E08D467}"/>
-    <pc:docChg chg="undo redo custSel addSld delSld modSld sldOrd modMainMaster">
-      <pc:chgData name="Aaron Hsu" userId="0cffdb1c3a2f95f6" providerId="LiveId" clId="{9E082AFF-A207-43AD-B66F-38228E08D467}" dt="2019-09-09T11:20:25.120" v="910"/>
-      <pc:docMkLst>
-        <pc:docMk/>
-      </pc:docMkLst>
-      <pc:sldChg chg="modSp">
-        <pc:chgData name="Aaron Hsu" userId="0cffdb1c3a2f95f6" providerId="LiveId" clId="{9E082AFF-A207-43AD-B66F-38228E08D467}" dt="2019-09-09T08:30:29.405" v="754" actId="20577"/>
-        <pc:sldMkLst>
-          <pc:docMk/>
-          <pc:sldMk cId="4112647463" sldId="258"/>
-        </pc:sldMkLst>
-        <pc:spChg chg="mod">
-          <ac:chgData name="Aaron Hsu" userId="0cffdb1c3a2f95f6" providerId="LiveId" clId="{9E082AFF-A207-43AD-B66F-38228E08D467}" dt="2019-09-09T08:30:29.405" v="754" actId="20577"/>
-          <ac:spMkLst>
-            <pc:docMk/>
-            <pc:sldMk cId="4112647463" sldId="258"/>
-            <ac:spMk id="2" creationId="{F5A751A0-4B7D-4174-8888-E686F75CD87F}"/>
-          </ac:spMkLst>
-        </pc:spChg>
-      </pc:sldChg>
-      <pc:sldChg chg="modSp add">
-        <pc:chgData name="Aaron Hsu" userId="0cffdb1c3a2f95f6" providerId="LiveId" clId="{9E082AFF-A207-43AD-B66F-38228E08D467}" dt="2019-09-09T08:28:40.642" v="733" actId="404"/>
-        <pc:sldMkLst>
-          <pc:docMk/>
-          <pc:sldMk cId="2271063651" sldId="419"/>
-        </pc:sldMkLst>
-        <pc:spChg chg="mod">
-          <ac:chgData name="Aaron Hsu" userId="0cffdb1c3a2f95f6" providerId="LiveId" clId="{9E082AFF-A207-43AD-B66F-38228E08D467}" dt="2019-09-09T08:28:40.642" v="733" actId="404"/>
-          <ac:spMkLst>
-            <pc:docMk/>
-            <pc:sldMk cId="2271063651" sldId="419"/>
-            <ac:spMk id="2" creationId="{F5A751A0-4B7D-4174-8888-E686F75CD87F}"/>
-          </ac:spMkLst>
-        </pc:spChg>
-      </pc:sldChg>
-      <pc:sldChg chg="modSp add">
-        <pc:chgData name="Aaron Hsu" userId="0cffdb1c3a2f95f6" providerId="LiveId" clId="{9E082AFF-A207-43AD-B66F-38228E08D467}" dt="2019-09-09T08:28:49.037" v="740" actId="404"/>
-        <pc:sldMkLst>
-          <pc:docMk/>
-          <pc:sldMk cId="3922991805" sldId="420"/>
-        </pc:sldMkLst>
-        <pc:spChg chg="mod">
-          <ac:chgData name="Aaron Hsu" userId="0cffdb1c3a2f95f6" providerId="LiveId" clId="{9E082AFF-A207-43AD-B66F-38228E08D467}" dt="2019-09-09T08:28:49.037" v="740" actId="404"/>
-          <ac:spMkLst>
-            <pc:docMk/>
-            <pc:sldMk cId="3922991805" sldId="420"/>
-            <ac:spMk id="2" creationId="{F5A751A0-4B7D-4174-8888-E686F75CD87F}"/>
-          </ac:spMkLst>
-        </pc:spChg>
-      </pc:sldChg>
-      <pc:sldChg chg="modSp add">
-        <pc:chgData name="Aaron Hsu" userId="0cffdb1c3a2f95f6" providerId="LiveId" clId="{9E082AFF-A207-43AD-B66F-38228E08D467}" dt="2019-09-08T15:46:30.545" v="64" actId="403"/>
-        <pc:sldMkLst>
-          <pc:docMk/>
-          <pc:sldMk cId="1730849205" sldId="421"/>
-        </pc:sldMkLst>
-        <pc:spChg chg="mod">
-          <ac:chgData name="Aaron Hsu" userId="0cffdb1c3a2f95f6" providerId="LiveId" clId="{9E082AFF-A207-43AD-B66F-38228E08D467}" dt="2019-09-08T15:46:30.545" v="64" actId="403"/>
-          <ac:spMkLst>
-            <pc:docMk/>
-            <pc:sldMk cId="1730849205" sldId="421"/>
-            <ac:spMk id="2" creationId="{F5A751A0-4B7D-4174-8888-E686F75CD87F}"/>
-          </ac:spMkLst>
-        </pc:spChg>
-      </pc:sldChg>
-      <pc:sldChg chg="modSp add">
-        <pc:chgData name="Aaron Hsu" userId="0cffdb1c3a2f95f6" providerId="LiveId" clId="{9E082AFF-A207-43AD-B66F-38228E08D467}" dt="2019-09-09T08:29:52.131" v="745" actId="404"/>
-        <pc:sldMkLst>
-          <pc:docMk/>
-          <pc:sldMk cId="3121542516" sldId="422"/>
-        </pc:sldMkLst>
-        <pc:spChg chg="mod">
-          <ac:chgData name="Aaron Hsu" userId="0cffdb1c3a2f95f6" providerId="LiveId" clId="{9E082AFF-A207-43AD-B66F-38228E08D467}" dt="2019-09-09T08:29:52.131" v="745" actId="404"/>
-          <ac:spMkLst>
-            <pc:docMk/>
-            <pc:sldMk cId="3121542516" sldId="422"/>
-            <ac:spMk id="2" creationId="{F5A751A0-4B7D-4174-8888-E686F75CD87F}"/>
-          </ac:spMkLst>
-        </pc:spChg>
-      </pc:sldChg>
-      <pc:sldChg chg="modSp add">
-        <pc:chgData name="Aaron Hsu" userId="0cffdb1c3a2f95f6" providerId="LiveId" clId="{9E082AFF-A207-43AD-B66F-38228E08D467}" dt="2019-09-09T08:33:02.560" v="781" actId="403"/>
-        <pc:sldMkLst>
-          <pc:docMk/>
-          <pc:sldMk cId="251343321" sldId="423"/>
-        </pc:sldMkLst>
-        <pc:spChg chg="mod">
-          <ac:chgData name="Aaron Hsu" userId="0cffdb1c3a2f95f6" providerId="LiveId" clId="{9E082AFF-A207-43AD-B66F-38228E08D467}" dt="2019-09-09T08:33:02.560" v="781" actId="403"/>
-          <ac:spMkLst>
-            <pc:docMk/>
-            <pc:sldMk cId="251343321" sldId="423"/>
-            <ac:spMk id="2" creationId="{F5A751A0-4B7D-4174-8888-E686F75CD87F}"/>
-          </ac:spMkLst>
-        </pc:spChg>
-      </pc:sldChg>
-      <pc:sldChg chg="modSp add ord">
-        <pc:chgData name="Aaron Hsu" userId="0cffdb1c3a2f95f6" providerId="LiveId" clId="{9E082AFF-A207-43AD-B66F-38228E08D467}" dt="2019-09-09T08:22:07.241" v="694" actId="403"/>
-        <pc:sldMkLst>
-          <pc:docMk/>
-          <pc:sldMk cId="2531467429" sldId="424"/>
-        </pc:sldMkLst>
-        <pc:spChg chg="mod">
-          <ac:chgData name="Aaron Hsu" userId="0cffdb1c3a2f95f6" providerId="LiveId" clId="{9E082AFF-A207-43AD-B66F-38228E08D467}" dt="2019-09-09T08:22:07.241" v="694" actId="403"/>
-          <ac:spMkLst>
-            <pc:docMk/>
-            <pc:sldMk cId="2531467429" sldId="424"/>
-            <ac:spMk id="2" creationId="{F5A751A0-4B7D-4174-8888-E686F75CD87F}"/>
-          </ac:spMkLst>
-        </pc:spChg>
-      </pc:sldChg>
-      <pc:sldChg chg="modSp add">
-        <pc:chgData name="Aaron Hsu" userId="0cffdb1c3a2f95f6" providerId="LiveId" clId="{9E082AFF-A207-43AD-B66F-38228E08D467}" dt="2019-09-09T08:21:45.784" v="690" actId="403"/>
-        <pc:sldMkLst>
-          <pc:docMk/>
-          <pc:sldMk cId="2791320285" sldId="425"/>
-        </pc:sldMkLst>
-        <pc:spChg chg="mod">
-          <ac:chgData name="Aaron Hsu" userId="0cffdb1c3a2f95f6" providerId="LiveId" clId="{9E082AFF-A207-43AD-B66F-38228E08D467}" dt="2019-09-09T08:21:45.784" v="690" actId="403"/>
-          <ac:spMkLst>
-            <pc:docMk/>
-            <pc:sldMk cId="2791320285" sldId="425"/>
-            <ac:spMk id="2" creationId="{F5A751A0-4B7D-4174-8888-E686F75CD87F}"/>
-          </ac:spMkLst>
-        </pc:spChg>
-      </pc:sldChg>
-      <pc:sldChg chg="modSp add">
-        <pc:chgData name="Aaron Hsu" userId="0cffdb1c3a2f95f6" providerId="LiveId" clId="{9E082AFF-A207-43AD-B66F-38228E08D467}" dt="2019-09-09T08:21:56.336" v="692" actId="403"/>
-        <pc:sldMkLst>
-          <pc:docMk/>
-          <pc:sldMk cId="659366599" sldId="426"/>
-        </pc:sldMkLst>
-        <pc:spChg chg="mod">
-          <ac:chgData name="Aaron Hsu" userId="0cffdb1c3a2f95f6" providerId="LiveId" clId="{9E082AFF-A207-43AD-B66F-38228E08D467}" dt="2019-09-09T08:21:56.336" v="692" actId="403"/>
-          <ac:spMkLst>
-            <pc:docMk/>
-            <pc:sldMk cId="659366599" sldId="426"/>
-            <ac:spMk id="2" creationId="{F5A751A0-4B7D-4174-8888-E686F75CD87F}"/>
-          </ac:spMkLst>
-        </pc:spChg>
-      </pc:sldChg>
-      <pc:sldChg chg="modSp add ord">
-        <pc:chgData name="Aaron Hsu" userId="0cffdb1c3a2f95f6" providerId="LiveId" clId="{9E082AFF-A207-43AD-B66F-38228E08D467}" dt="2019-09-09T08:21:36.171" v="689" actId="403"/>
-        <pc:sldMkLst>
-          <pc:docMk/>
-          <pc:sldMk cId="2733389598" sldId="427"/>
-        </pc:sldMkLst>
-        <pc:spChg chg="mod">
-          <ac:chgData name="Aaron Hsu" userId="0cffdb1c3a2f95f6" providerId="LiveId" clId="{9E082AFF-A207-43AD-B66F-38228E08D467}" dt="2019-09-09T08:21:36.171" v="689" actId="403"/>
-          <ac:spMkLst>
-            <pc:docMk/>
-            <pc:sldMk cId="2733389598" sldId="427"/>
-            <ac:spMk id="2" creationId="{F5A751A0-4B7D-4174-8888-E686F75CD87F}"/>
-          </ac:spMkLst>
-        </pc:spChg>
-      </pc:sldChg>
-      <pc:sldChg chg="modSp add ord">
-        <pc:chgData name="Aaron Hsu" userId="0cffdb1c3a2f95f6" providerId="LiveId" clId="{9E082AFF-A207-43AD-B66F-38228E08D467}" dt="2019-09-09T08:21:14.377" v="686" actId="403"/>
-        <pc:sldMkLst>
-          <pc:docMk/>
-          <pc:sldMk cId="4212725353" sldId="428"/>
-        </pc:sldMkLst>
-        <pc:spChg chg="mod">
-          <ac:chgData name="Aaron Hsu" userId="0cffdb1c3a2f95f6" providerId="LiveId" clId="{9E082AFF-A207-43AD-B66F-38228E08D467}" dt="2019-09-09T08:21:14.377" v="686" actId="403"/>
-          <ac:spMkLst>
-            <pc:docMk/>
-            <pc:sldMk cId="4212725353" sldId="428"/>
-            <ac:spMk id="2" creationId="{F5A751A0-4B7D-4174-8888-E686F75CD87F}"/>
-          </ac:spMkLst>
-        </pc:spChg>
-      </pc:sldChg>
-      <pc:sldChg chg="modSp add ord">
-        <pc:chgData name="Aaron Hsu" userId="0cffdb1c3a2f95f6" providerId="LiveId" clId="{9E082AFF-A207-43AD-B66F-38228E08D467}" dt="2019-09-09T08:33:25.810" v="788" actId="403"/>
-        <pc:sldMkLst>
-          <pc:docMk/>
-          <pc:sldMk cId="2185192507" sldId="429"/>
-        </pc:sldMkLst>
-        <pc:spChg chg="mod">
-          <ac:chgData name="Aaron Hsu" userId="0cffdb1c3a2f95f6" providerId="LiveId" clId="{9E082AFF-A207-43AD-B66F-38228E08D467}" dt="2019-09-09T08:33:25.810" v="788" actId="403"/>
-          <ac:spMkLst>
-            <pc:docMk/>
-            <pc:sldMk cId="2185192507" sldId="429"/>
-            <ac:spMk id="2" creationId="{F5A751A0-4B7D-4174-8888-E686F75CD87F}"/>
-          </ac:spMkLst>
-        </pc:spChg>
-      </pc:sldChg>
-      <pc:sldChg chg="modSp add ord">
-        <pc:chgData name="Aaron Hsu" userId="0cffdb1c3a2f95f6" providerId="LiveId" clId="{9E082AFF-A207-43AD-B66F-38228E08D467}" dt="2019-09-09T08:33:21.723" v="785" actId="404"/>
-        <pc:sldMkLst>
-          <pc:docMk/>
-          <pc:sldMk cId="2055944733" sldId="430"/>
-        </pc:sldMkLst>
-        <pc:spChg chg="mod">
-          <ac:chgData name="Aaron Hsu" userId="0cffdb1c3a2f95f6" providerId="LiveId" clId="{9E082AFF-A207-43AD-B66F-38228E08D467}" dt="2019-09-09T08:33:21.723" v="785" actId="404"/>
-          <ac:spMkLst>
-            <pc:docMk/>
-            <pc:sldMk cId="2055944733" sldId="430"/>
-            <ac:spMk id="2" creationId="{F5A751A0-4B7D-4174-8888-E686F75CD87F}"/>
-          </ac:spMkLst>
-        </pc:spChg>
-      </pc:sldChg>
-      <pc:sldChg chg="modSp add ord">
-        <pc:chgData name="Aaron Hsu" userId="0cffdb1c3a2f95f6" providerId="LiveId" clId="{9E082AFF-A207-43AD-B66F-38228E08D467}" dt="2019-09-09T08:21:28.150" v="688" actId="403"/>
-        <pc:sldMkLst>
-          <pc:docMk/>
-          <pc:sldMk cId="3248552902" sldId="431"/>
-        </pc:sldMkLst>
-        <pc:spChg chg="mod">
-          <ac:chgData name="Aaron Hsu" userId="0cffdb1c3a2f95f6" providerId="LiveId" clId="{9E082AFF-A207-43AD-B66F-38228E08D467}" dt="2019-09-09T08:21:28.150" v="688" actId="403"/>
-          <ac:spMkLst>
-            <pc:docMk/>
-            <pc:sldMk cId="3248552902" sldId="431"/>
-            <ac:spMk id="2" creationId="{F5A751A0-4B7D-4174-8888-E686F75CD87F}"/>
-          </ac:spMkLst>
-        </pc:spChg>
-      </pc:sldChg>
-      <pc:sldChg chg="modSp add">
-        <pc:chgData name="Aaron Hsu" userId="0cffdb1c3a2f95f6" providerId="LiveId" clId="{9E082AFF-A207-43AD-B66F-38228E08D467}" dt="2019-09-09T08:22:18.105" v="698" actId="403"/>
-        <pc:sldMkLst>
-          <pc:docMk/>
-          <pc:sldMk cId="966443657" sldId="432"/>
-        </pc:sldMkLst>
-        <pc:spChg chg="mod">
-          <ac:chgData name="Aaron Hsu" userId="0cffdb1c3a2f95f6" providerId="LiveId" clId="{9E082AFF-A207-43AD-B66F-38228E08D467}" dt="2019-09-09T08:22:18.105" v="698" actId="403"/>
-          <ac:spMkLst>
-            <pc:docMk/>
-            <pc:sldMk cId="966443657" sldId="432"/>
-            <ac:spMk id="2" creationId="{F5A751A0-4B7D-4174-8888-E686F75CD87F}"/>
-          </ac:spMkLst>
-        </pc:spChg>
-      </pc:sldChg>
-      <pc:sldChg chg="modSp add">
-        <pc:chgData name="Aaron Hsu" userId="0cffdb1c3a2f95f6" providerId="LiveId" clId="{9E082AFF-A207-43AD-B66F-38228E08D467}" dt="2019-09-09T08:22:31.453" v="703" actId="404"/>
-        <pc:sldMkLst>
-          <pc:docMk/>
-          <pc:sldMk cId="3079206176" sldId="433"/>
-        </pc:sldMkLst>
-        <pc:spChg chg="mod">
-          <ac:chgData name="Aaron Hsu" userId="0cffdb1c3a2f95f6" providerId="LiveId" clId="{9E082AFF-A207-43AD-B66F-38228E08D467}" dt="2019-09-09T08:22:31.453" v="703" actId="404"/>
-          <ac:spMkLst>
-            <pc:docMk/>
-            <pc:sldMk cId="3079206176" sldId="433"/>
-            <ac:spMk id="2" creationId="{F5A751A0-4B7D-4174-8888-E686F75CD87F}"/>
-          </ac:spMkLst>
-        </pc:spChg>
-      </pc:sldChg>
-      <pc:sldChg chg="modSp add">
-        <pc:chgData name="Aaron Hsu" userId="0cffdb1c3a2f95f6" providerId="LiveId" clId="{9E082AFF-A207-43AD-B66F-38228E08D467}" dt="2019-09-09T08:20:59.546" v="685" actId="403"/>
-        <pc:sldMkLst>
-          <pc:docMk/>
-          <pc:sldMk cId="518271366" sldId="434"/>
-        </pc:sldMkLst>
-        <pc:spChg chg="mod">
-          <ac:chgData name="Aaron Hsu" userId="0cffdb1c3a2f95f6" providerId="LiveId" clId="{9E082AFF-A207-43AD-B66F-38228E08D467}" dt="2019-09-09T08:20:59.546" v="685" actId="403"/>
-          <ac:spMkLst>
-            <pc:docMk/>
-            <pc:sldMk cId="518271366" sldId="434"/>
-            <ac:spMk id="2" creationId="{F5A751A0-4B7D-4174-8888-E686F75CD87F}"/>
-          </ac:spMkLst>
-        </pc:spChg>
-      </pc:sldChg>
-      <pc:sldChg chg="modSp add ord">
-        <pc:chgData name="Aaron Hsu" userId="0cffdb1c3a2f95f6" providerId="LiveId" clId="{9E082AFF-A207-43AD-B66F-38228E08D467}" dt="2019-09-09T11:20:25.120" v="910"/>
-        <pc:sldMkLst>
-          <pc:docMk/>
-          <pc:sldMk cId="4067896374" sldId="435"/>
-        </pc:sldMkLst>
-        <pc:spChg chg="mod">
-          <ac:chgData name="Aaron Hsu" userId="0cffdb1c3a2f95f6" providerId="LiveId" clId="{9E082AFF-A207-43AD-B66F-38228E08D467}" dt="2019-09-09T09:19:12.876" v="903" actId="20577"/>
-          <ac:spMkLst>
-            <pc:docMk/>
-            <pc:sldMk cId="4067896374" sldId="435"/>
-            <ac:spMk id="2" creationId="{F5A751A0-4B7D-4174-8888-E686F75CD87F}"/>
-          </ac:spMkLst>
-        </pc:spChg>
-      </pc:sldChg>
-      <pc:sldChg chg="modSp add">
-        <pc:chgData name="Aaron Hsu" userId="0cffdb1c3a2f95f6" providerId="LiveId" clId="{9E082AFF-A207-43AD-B66F-38228E08D467}" dt="2019-09-09T09:20:14.642" v="906" actId="20577"/>
-        <pc:sldMkLst>
-          <pc:docMk/>
-          <pc:sldMk cId="766551321" sldId="436"/>
-        </pc:sldMkLst>
-        <pc:spChg chg="mod">
-          <ac:chgData name="Aaron Hsu" userId="0cffdb1c3a2f95f6" providerId="LiveId" clId="{9E082AFF-A207-43AD-B66F-38228E08D467}" dt="2019-09-09T09:20:14.642" v="906" actId="20577"/>
-          <ac:spMkLst>
-            <pc:docMk/>
-            <pc:sldMk cId="766551321" sldId="436"/>
-            <ac:spMk id="2" creationId="{F5A751A0-4B7D-4174-8888-E686F75CD87F}"/>
-          </ac:spMkLst>
-        </pc:spChg>
-      </pc:sldChg>
-      <pc:sldChg chg="add del">
-        <pc:chgData name="Aaron Hsu" userId="0cffdb1c3a2f95f6" providerId="LiveId" clId="{9E082AFF-A207-43AD-B66F-38228E08D467}" dt="2019-09-09T08:18:56.400" v="658" actId="2696"/>
-        <pc:sldMkLst>
-          <pc:docMk/>
-          <pc:sldMk cId="2284787494" sldId="436"/>
-        </pc:sldMkLst>
-      </pc:sldChg>
-      <pc:sldChg chg="addSp modSp add">
-        <pc:chgData name="Aaron Hsu" userId="0cffdb1c3a2f95f6" providerId="LiveId" clId="{9E082AFF-A207-43AD-B66F-38228E08D467}" dt="2019-09-09T08:20:29.126" v="681"/>
-        <pc:sldMkLst>
-          <pc:docMk/>
-          <pc:sldMk cId="3352336813" sldId="437"/>
-        </pc:sldMkLst>
-        <pc:spChg chg="mod">
-          <ac:chgData name="Aaron Hsu" userId="0cffdb1c3a2f95f6" providerId="LiveId" clId="{9E082AFF-A207-43AD-B66F-38228E08D467}" dt="2019-09-09T08:19:57.028" v="672" actId="20577"/>
-          <ac:spMkLst>
-            <pc:docMk/>
-            <pc:sldMk cId="3352336813" sldId="437"/>
-            <ac:spMk id="2" creationId="{F5A751A0-4B7D-4174-8888-E686F75CD87F}"/>
-          </ac:spMkLst>
-        </pc:spChg>
-        <pc:picChg chg="add mod">
-          <ac:chgData name="Aaron Hsu" userId="0cffdb1c3a2f95f6" providerId="LiveId" clId="{9E082AFF-A207-43AD-B66F-38228E08D467}" dt="2019-09-09T08:20:29.126" v="681"/>
-          <ac:picMkLst>
-            <pc:docMk/>
-            <pc:sldMk cId="3352336813" sldId="437"/>
-            <ac:picMk id="4" creationId="{552084EC-AA15-450D-A6FC-278312A5FF6F}"/>
-          </ac:picMkLst>
-        </pc:picChg>
-      </pc:sldChg>
-      <pc:sldChg chg="addSp delSp modSp add">
-        <pc:chgData name="Aaron Hsu" userId="0cffdb1c3a2f95f6" providerId="LiveId" clId="{9E082AFF-A207-43AD-B66F-38228E08D467}" dt="2019-09-09T08:20:29.126" v="681"/>
-        <pc:sldMkLst>
-          <pc:docMk/>
-          <pc:sldMk cId="3244447087" sldId="438"/>
-        </pc:sldMkLst>
-        <pc:picChg chg="del">
-          <ac:chgData name="Aaron Hsu" userId="0cffdb1c3a2f95f6" providerId="LiveId" clId="{9E082AFF-A207-43AD-B66F-38228E08D467}" dt="2019-09-09T08:20:14.740" v="677" actId="478"/>
-          <ac:picMkLst>
-            <pc:docMk/>
-            <pc:sldMk cId="3244447087" sldId="438"/>
-            <ac:picMk id="4" creationId="{552084EC-AA15-450D-A6FC-278312A5FF6F}"/>
-          </ac:picMkLst>
-        </pc:picChg>
-        <pc:picChg chg="add mod">
-          <ac:chgData name="Aaron Hsu" userId="0cffdb1c3a2f95f6" providerId="LiveId" clId="{9E082AFF-A207-43AD-B66F-38228E08D467}" dt="2019-09-09T08:20:29.126" v="681"/>
-          <ac:picMkLst>
-            <pc:docMk/>
-            <pc:sldMk cId="3244447087" sldId="438"/>
-            <ac:picMk id="5" creationId="{41F6940F-AD81-4DB2-A464-91D07B118EB8}"/>
-          </ac:picMkLst>
-        </pc:picChg>
-      </pc:sldChg>
-      <pc:sldChg chg="modSp add ord">
-        <pc:chgData name="Aaron Hsu" userId="0cffdb1c3a2f95f6" providerId="LiveId" clId="{9E082AFF-A207-43AD-B66F-38228E08D467}" dt="2019-09-09T11:16:52.182" v="907"/>
-        <pc:sldMkLst>
-          <pc:docMk/>
-          <pc:sldMk cId="1484186999" sldId="439"/>
-        </pc:sldMkLst>
-        <pc:spChg chg="mod">
-          <ac:chgData name="Aaron Hsu" userId="0cffdb1c3a2f95f6" providerId="LiveId" clId="{9E082AFF-A207-43AD-B66F-38228E08D467}" dt="2019-09-09T08:44:33.710" v="836" actId="404"/>
-          <ac:spMkLst>
-            <pc:docMk/>
-            <pc:sldMk cId="1484186999" sldId="439"/>
-            <ac:spMk id="2" creationId="{F5A751A0-4B7D-4174-8888-E686F75CD87F}"/>
-          </ac:spMkLst>
-        </pc:spChg>
-      </pc:sldChg>
-      <pc:sldChg chg="modSp add">
-        <pc:chgData name="Aaron Hsu" userId="0cffdb1c3a2f95f6" providerId="LiveId" clId="{9E082AFF-A207-43AD-B66F-38228E08D467}" dt="2019-09-09T08:29:59.529" v="750" actId="403"/>
-        <pc:sldMkLst>
-          <pc:docMk/>
-          <pc:sldMk cId="3192880942" sldId="440"/>
-        </pc:sldMkLst>
-        <pc:spChg chg="mod">
-          <ac:chgData name="Aaron Hsu" userId="0cffdb1c3a2f95f6" providerId="LiveId" clId="{9E082AFF-A207-43AD-B66F-38228E08D467}" dt="2019-09-09T08:29:59.529" v="750" actId="403"/>
-          <ac:spMkLst>
-            <pc:docMk/>
-            <pc:sldMk cId="3192880942" sldId="440"/>
-            <ac:spMk id="2" creationId="{F5A751A0-4B7D-4174-8888-E686F75CD87F}"/>
-          </ac:spMkLst>
-        </pc:spChg>
-      </pc:sldChg>
-      <pc:sldChg chg="modSp add">
-        <pc:chgData name="Aaron Hsu" userId="0cffdb1c3a2f95f6" providerId="LiveId" clId="{9E082AFF-A207-43AD-B66F-38228E08D467}" dt="2019-09-09T08:41:23.040" v="797" actId="403"/>
-        <pc:sldMkLst>
-          <pc:docMk/>
-          <pc:sldMk cId="2200619305" sldId="441"/>
-        </pc:sldMkLst>
-        <pc:spChg chg="mod">
-          <ac:chgData name="Aaron Hsu" userId="0cffdb1c3a2f95f6" providerId="LiveId" clId="{9E082AFF-A207-43AD-B66F-38228E08D467}" dt="2019-09-09T08:41:23.040" v="797" actId="403"/>
-          <ac:spMkLst>
-            <pc:docMk/>
-            <pc:sldMk cId="2200619305" sldId="441"/>
-            <ac:spMk id="2" creationId="{F5A751A0-4B7D-4174-8888-E686F75CD87F}"/>
-          </ac:spMkLst>
-        </pc:spChg>
-      </pc:sldChg>
-      <pc:sldChg chg="modSp add ord">
-        <pc:chgData name="Aaron Hsu" userId="0cffdb1c3a2f95f6" providerId="LiveId" clId="{9E082AFF-A207-43AD-B66F-38228E08D467}" dt="2019-09-09T11:16:54.868" v="908"/>
-        <pc:sldMkLst>
-          <pc:docMk/>
-          <pc:sldMk cId="3731029468" sldId="442"/>
-        </pc:sldMkLst>
-        <pc:spChg chg="mod">
-          <ac:chgData name="Aaron Hsu" userId="0cffdb1c3a2f95f6" providerId="LiveId" clId="{9E082AFF-A207-43AD-B66F-38228E08D467}" dt="2019-09-09T08:44:45.596" v="839" actId="113"/>
-          <ac:spMkLst>
-            <pc:docMk/>
-            <pc:sldMk cId="3731029468" sldId="442"/>
-            <ac:spMk id="2" creationId="{F5A751A0-4B7D-4174-8888-E686F75CD87F}"/>
-          </ac:spMkLst>
-        </pc:spChg>
-      </pc:sldChg>
-      <pc:sldChg chg="add del">
-        <pc:chgData name="Aaron Hsu" userId="0cffdb1c3a2f95f6" providerId="LiveId" clId="{9E082AFF-A207-43AD-B66F-38228E08D467}" dt="2019-09-09T09:17:50.007" v="841"/>
-        <pc:sldMkLst>
-          <pc:docMk/>
-          <pc:sldMk cId="1596177157" sldId="443"/>
-        </pc:sldMkLst>
-      </pc:sldChg>
-      <pc:sldChg chg="add">
-        <pc:chgData name="Aaron Hsu" userId="0cffdb1c3a2f95f6" providerId="LiveId" clId="{9E082AFF-A207-43AD-B66F-38228E08D467}" dt="2019-09-09T09:17:55.133" v="842"/>
-        <pc:sldMkLst>
-          <pc:docMk/>
-          <pc:sldMk cId="2449718700" sldId="443"/>
-        </pc:sldMkLst>
-      </pc:sldChg>
-      <pc:sldMasterChg chg="modSp modSldLayout">
-        <pc:chgData name="Aaron Hsu" userId="0cffdb1c3a2f95f6" providerId="LiveId" clId="{9E082AFF-A207-43AD-B66F-38228E08D467}" dt="2019-09-09T08:20:29.126" v="681"/>
-        <pc:sldMasterMkLst>
-          <pc:docMk/>
-          <pc:sldMasterMk cId="2436035521" sldId="2147483661"/>
-        </pc:sldMasterMkLst>
-        <pc:spChg chg="mod">
-          <ac:chgData name="Aaron Hsu" userId="0cffdb1c3a2f95f6" providerId="LiveId" clId="{9E082AFF-A207-43AD-B66F-38228E08D467}" dt="2019-09-09T08:20:29.126" v="681"/>
-          <ac:spMkLst>
-            <pc:docMk/>
-            <pc:sldMasterMk cId="2436035521" sldId="2147483661"/>
-            <ac:spMk id="2" creationId="{00000000-0000-0000-0000-000000000000}"/>
-          </ac:spMkLst>
-        </pc:spChg>
-        <pc:spChg chg="mod">
-          <ac:chgData name="Aaron Hsu" userId="0cffdb1c3a2f95f6" providerId="LiveId" clId="{9E082AFF-A207-43AD-B66F-38228E08D467}" dt="2019-09-09T08:20:29.126" v="681"/>
-          <ac:spMkLst>
-            <pc:docMk/>
-            <pc:sldMasterMk cId="2436035521" sldId="2147483661"/>
-            <ac:spMk id="3" creationId="{00000000-0000-0000-0000-000000000000}"/>
-          </ac:spMkLst>
-        </pc:spChg>
-        <pc:spChg chg="mod">
-          <ac:chgData name="Aaron Hsu" userId="0cffdb1c3a2f95f6" providerId="LiveId" clId="{9E082AFF-A207-43AD-B66F-38228E08D467}" dt="2019-09-09T08:20:29.126" v="681"/>
-          <ac:spMkLst>
-            <pc:docMk/>
-            <pc:sldMasterMk cId="2436035521" sldId="2147483661"/>
-            <ac:spMk id="4" creationId="{00000000-0000-0000-0000-000000000000}"/>
-          </ac:spMkLst>
-        </pc:spChg>
-        <pc:spChg chg="mod">
-          <ac:chgData name="Aaron Hsu" userId="0cffdb1c3a2f95f6" providerId="LiveId" clId="{9E082AFF-A207-43AD-B66F-38228E08D467}" dt="2019-09-09T08:20:29.126" v="681"/>
-          <ac:spMkLst>
-            <pc:docMk/>
-            <pc:sldMasterMk cId="2436035521" sldId="2147483661"/>
-            <ac:spMk id="5" creationId="{00000000-0000-0000-0000-000000000000}"/>
-          </ac:spMkLst>
-        </pc:spChg>
-        <pc:spChg chg="mod">
-          <ac:chgData name="Aaron Hsu" userId="0cffdb1c3a2f95f6" providerId="LiveId" clId="{9E082AFF-A207-43AD-B66F-38228E08D467}" dt="2019-09-09T08:20:29.126" v="681"/>
-          <ac:spMkLst>
-            <pc:docMk/>
-            <pc:sldMasterMk cId="2436035521" sldId="2147483661"/>
-            <ac:spMk id="6" creationId="{00000000-0000-0000-0000-000000000000}"/>
-          </ac:spMkLst>
-        </pc:spChg>
-        <pc:sldLayoutChg chg="modSp">
-          <pc:chgData name="Aaron Hsu" userId="0cffdb1c3a2f95f6" providerId="LiveId" clId="{9E082AFF-A207-43AD-B66F-38228E08D467}" dt="2019-09-09T08:20:29.126" v="681"/>
-          <pc:sldLayoutMkLst>
-            <pc:docMk/>
-            <pc:sldMasterMk cId="2436035521" sldId="2147483661"/>
-            <pc:sldLayoutMk cId="920746316" sldId="2147483662"/>
-          </pc:sldLayoutMkLst>
-          <pc:spChg chg="mod">
-            <ac:chgData name="Aaron Hsu" userId="0cffdb1c3a2f95f6" providerId="LiveId" clId="{9E082AFF-A207-43AD-B66F-38228E08D467}" dt="2019-09-09T08:20:29.126" v="681"/>
-            <ac:spMkLst>
-              <pc:docMk/>
-              <pc:sldMasterMk cId="2436035521" sldId="2147483661"/>
-              <pc:sldLayoutMk cId="920746316" sldId="2147483662"/>
-              <ac:spMk id="2" creationId="{00000000-0000-0000-0000-000000000000}"/>
-            </ac:spMkLst>
-          </pc:spChg>
-          <pc:spChg chg="mod">
-            <ac:chgData name="Aaron Hsu" userId="0cffdb1c3a2f95f6" providerId="LiveId" clId="{9E082AFF-A207-43AD-B66F-38228E08D467}" dt="2019-09-09T08:20:29.126" v="681"/>
-            <ac:spMkLst>
-              <pc:docMk/>
-              <pc:sldMasterMk cId="2436035521" sldId="2147483661"/>
-              <pc:sldLayoutMk cId="920746316" sldId="2147483662"/>
-              <ac:spMk id="3" creationId="{00000000-0000-0000-0000-000000000000}"/>
-            </ac:spMkLst>
-          </pc:spChg>
-        </pc:sldLayoutChg>
-        <pc:sldLayoutChg chg="modSp">
-          <pc:chgData name="Aaron Hsu" userId="0cffdb1c3a2f95f6" providerId="LiveId" clId="{9E082AFF-A207-43AD-B66F-38228E08D467}" dt="2019-09-09T08:20:29.126" v="681"/>
-          <pc:sldLayoutMkLst>
-            <pc:docMk/>
-            <pc:sldMasterMk cId="2436035521" sldId="2147483661"/>
-            <pc:sldLayoutMk cId="1889057716" sldId="2147483664"/>
-          </pc:sldLayoutMkLst>
-          <pc:spChg chg="mod">
-            <ac:chgData name="Aaron Hsu" userId="0cffdb1c3a2f95f6" providerId="LiveId" clId="{9E082AFF-A207-43AD-B66F-38228E08D467}" dt="2019-09-09T08:20:29.126" v="681"/>
-            <ac:spMkLst>
-              <pc:docMk/>
-              <pc:sldMasterMk cId="2436035521" sldId="2147483661"/>
-              <pc:sldLayoutMk cId="1889057716" sldId="2147483664"/>
-              <ac:spMk id="2" creationId="{00000000-0000-0000-0000-000000000000}"/>
-            </ac:spMkLst>
-          </pc:spChg>
-          <pc:spChg chg="mod">
-            <ac:chgData name="Aaron Hsu" userId="0cffdb1c3a2f95f6" providerId="LiveId" clId="{9E082AFF-A207-43AD-B66F-38228E08D467}" dt="2019-09-09T08:20:29.126" v="681"/>
-            <ac:spMkLst>
-              <pc:docMk/>
-              <pc:sldMasterMk cId="2436035521" sldId="2147483661"/>
-              <pc:sldLayoutMk cId="1889057716" sldId="2147483664"/>
-              <ac:spMk id="3" creationId="{00000000-0000-0000-0000-000000000000}"/>
-            </ac:spMkLst>
-          </pc:spChg>
-        </pc:sldLayoutChg>
-        <pc:sldLayoutChg chg="modSp">
-          <pc:chgData name="Aaron Hsu" userId="0cffdb1c3a2f95f6" providerId="LiveId" clId="{9E082AFF-A207-43AD-B66F-38228E08D467}" dt="2019-09-09T08:20:29.126" v="681"/>
-          <pc:sldLayoutMkLst>
-            <pc:docMk/>
-            <pc:sldMasterMk cId="2436035521" sldId="2147483661"/>
-            <pc:sldLayoutMk cId="2377115148" sldId="2147483665"/>
-          </pc:sldLayoutMkLst>
-          <pc:spChg chg="mod">
-            <ac:chgData name="Aaron Hsu" userId="0cffdb1c3a2f95f6" providerId="LiveId" clId="{9E082AFF-A207-43AD-B66F-38228E08D467}" dt="2019-09-09T08:20:29.126" v="681"/>
-            <ac:spMkLst>
-              <pc:docMk/>
-              <pc:sldMasterMk cId="2436035521" sldId="2147483661"/>
-              <pc:sldLayoutMk cId="2377115148" sldId="2147483665"/>
-              <ac:spMk id="3" creationId="{00000000-0000-0000-0000-000000000000}"/>
-            </ac:spMkLst>
-          </pc:spChg>
-          <pc:spChg chg="mod">
-            <ac:chgData name="Aaron Hsu" userId="0cffdb1c3a2f95f6" providerId="LiveId" clId="{9E082AFF-A207-43AD-B66F-38228E08D467}" dt="2019-09-09T08:20:29.126" v="681"/>
-            <ac:spMkLst>
-              <pc:docMk/>
-              <pc:sldMasterMk cId="2436035521" sldId="2147483661"/>
-              <pc:sldLayoutMk cId="2377115148" sldId="2147483665"/>
-              <ac:spMk id="4" creationId="{00000000-0000-0000-0000-000000000000}"/>
-            </ac:spMkLst>
-          </pc:spChg>
-        </pc:sldLayoutChg>
-        <pc:sldLayoutChg chg="modSp">
-          <pc:chgData name="Aaron Hsu" userId="0cffdb1c3a2f95f6" providerId="LiveId" clId="{9E082AFF-A207-43AD-B66F-38228E08D467}" dt="2019-09-09T08:20:29.126" v="681"/>
-          <pc:sldLayoutMkLst>
-            <pc:docMk/>
-            <pc:sldMasterMk cId="2436035521" sldId="2147483661"/>
-            <pc:sldLayoutMk cId="3697379024" sldId="2147483666"/>
-          </pc:sldLayoutMkLst>
-          <pc:spChg chg="mod">
-            <ac:chgData name="Aaron Hsu" userId="0cffdb1c3a2f95f6" providerId="LiveId" clId="{9E082AFF-A207-43AD-B66F-38228E08D467}" dt="2019-09-09T08:20:29.126" v="681"/>
-            <ac:spMkLst>
-              <pc:docMk/>
-              <pc:sldMasterMk cId="2436035521" sldId="2147483661"/>
-              <pc:sldLayoutMk cId="3697379024" sldId="2147483666"/>
-              <ac:spMk id="2" creationId="{00000000-0000-0000-0000-000000000000}"/>
-            </ac:spMkLst>
-          </pc:spChg>
-          <pc:spChg chg="mod">
-            <ac:chgData name="Aaron Hsu" userId="0cffdb1c3a2f95f6" providerId="LiveId" clId="{9E082AFF-A207-43AD-B66F-38228E08D467}" dt="2019-09-09T08:20:29.126" v="681"/>
-            <ac:spMkLst>
-              <pc:docMk/>
-              <pc:sldMasterMk cId="2436035521" sldId="2147483661"/>
-              <pc:sldLayoutMk cId="3697379024" sldId="2147483666"/>
-              <ac:spMk id="3" creationId="{00000000-0000-0000-0000-000000000000}"/>
-            </ac:spMkLst>
-          </pc:spChg>
-          <pc:spChg chg="mod">
-            <ac:chgData name="Aaron Hsu" userId="0cffdb1c3a2f95f6" providerId="LiveId" clId="{9E082AFF-A207-43AD-B66F-38228E08D467}" dt="2019-09-09T08:20:29.126" v="681"/>
-            <ac:spMkLst>
-              <pc:docMk/>
-              <pc:sldMasterMk cId="2436035521" sldId="2147483661"/>
-              <pc:sldLayoutMk cId="3697379024" sldId="2147483666"/>
-              <ac:spMk id="4" creationId="{00000000-0000-0000-0000-000000000000}"/>
-            </ac:spMkLst>
-          </pc:spChg>
-          <pc:spChg chg="mod">
-            <ac:chgData name="Aaron Hsu" userId="0cffdb1c3a2f95f6" providerId="LiveId" clId="{9E082AFF-A207-43AD-B66F-38228E08D467}" dt="2019-09-09T08:20:29.126" v="681"/>
-            <ac:spMkLst>
-              <pc:docMk/>
-              <pc:sldMasterMk cId="2436035521" sldId="2147483661"/>
-              <pc:sldLayoutMk cId="3697379024" sldId="2147483666"/>
-              <ac:spMk id="5" creationId="{00000000-0000-0000-0000-000000000000}"/>
-            </ac:spMkLst>
-          </pc:spChg>
-          <pc:spChg chg="mod">
-            <ac:chgData name="Aaron Hsu" userId="0cffdb1c3a2f95f6" providerId="LiveId" clId="{9E082AFF-A207-43AD-B66F-38228E08D467}" dt="2019-09-09T08:20:29.126" v="681"/>
-            <ac:spMkLst>
-              <pc:docMk/>
-              <pc:sldMasterMk cId="2436035521" sldId="2147483661"/>
-              <pc:sldLayoutMk cId="3697379024" sldId="2147483666"/>
-              <ac:spMk id="6" creationId="{00000000-0000-0000-0000-000000000000}"/>
-            </ac:spMkLst>
-          </pc:spChg>
-        </pc:sldLayoutChg>
-        <pc:sldLayoutChg chg="modSp">
-          <pc:chgData name="Aaron Hsu" userId="0cffdb1c3a2f95f6" providerId="LiveId" clId="{9E082AFF-A207-43AD-B66F-38228E08D467}" dt="2019-09-09T08:20:29.126" v="681"/>
-          <pc:sldLayoutMkLst>
-            <pc:docMk/>
-            <pc:sldMasterMk cId="2436035521" sldId="2147483661"/>
-            <pc:sldLayoutMk cId="2804891909" sldId="2147483669"/>
-          </pc:sldLayoutMkLst>
-          <pc:spChg chg="mod">
-            <ac:chgData name="Aaron Hsu" userId="0cffdb1c3a2f95f6" providerId="LiveId" clId="{9E082AFF-A207-43AD-B66F-38228E08D467}" dt="2019-09-09T08:20:29.126" v="681"/>
-            <ac:spMkLst>
-              <pc:docMk/>
-              <pc:sldMasterMk cId="2436035521" sldId="2147483661"/>
-              <pc:sldLayoutMk cId="2804891909" sldId="2147483669"/>
-              <ac:spMk id="2" creationId="{00000000-0000-0000-0000-000000000000}"/>
-            </ac:spMkLst>
-          </pc:spChg>
-          <pc:spChg chg="mod">
-            <ac:chgData name="Aaron Hsu" userId="0cffdb1c3a2f95f6" providerId="LiveId" clId="{9E082AFF-A207-43AD-B66F-38228E08D467}" dt="2019-09-09T08:20:29.126" v="681"/>
-            <ac:spMkLst>
-              <pc:docMk/>
-              <pc:sldMasterMk cId="2436035521" sldId="2147483661"/>
-              <pc:sldLayoutMk cId="2804891909" sldId="2147483669"/>
-              <ac:spMk id="3" creationId="{00000000-0000-0000-0000-000000000000}"/>
-            </ac:spMkLst>
-          </pc:spChg>
-          <pc:spChg chg="mod">
-            <ac:chgData name="Aaron Hsu" userId="0cffdb1c3a2f95f6" providerId="LiveId" clId="{9E082AFF-A207-43AD-B66F-38228E08D467}" dt="2019-09-09T08:20:29.126" v="681"/>
-            <ac:spMkLst>
-              <pc:docMk/>
-              <pc:sldMasterMk cId="2436035521" sldId="2147483661"/>
-              <pc:sldLayoutMk cId="2804891909" sldId="2147483669"/>
-              <ac:spMk id="4" creationId="{00000000-0000-0000-0000-000000000000}"/>
-            </ac:spMkLst>
-          </pc:spChg>
-        </pc:sldLayoutChg>
-        <pc:sldLayoutChg chg="modSp">
-          <pc:chgData name="Aaron Hsu" userId="0cffdb1c3a2f95f6" providerId="LiveId" clId="{9E082AFF-A207-43AD-B66F-38228E08D467}" dt="2019-09-09T08:20:29.126" v="681"/>
-          <pc:sldLayoutMkLst>
-            <pc:docMk/>
-            <pc:sldMasterMk cId="2436035521" sldId="2147483661"/>
-            <pc:sldLayoutMk cId="2197932763" sldId="2147483670"/>
-          </pc:sldLayoutMkLst>
-          <pc:spChg chg="mod">
-            <ac:chgData name="Aaron Hsu" userId="0cffdb1c3a2f95f6" providerId="LiveId" clId="{9E082AFF-A207-43AD-B66F-38228E08D467}" dt="2019-09-09T08:20:29.126" v="681"/>
-            <ac:spMkLst>
-              <pc:docMk/>
-              <pc:sldMasterMk cId="2436035521" sldId="2147483661"/>
-              <pc:sldLayoutMk cId="2197932763" sldId="2147483670"/>
-              <ac:spMk id="2" creationId="{00000000-0000-0000-0000-000000000000}"/>
-            </ac:spMkLst>
-          </pc:spChg>
-          <pc:spChg chg="mod">
-            <ac:chgData name="Aaron Hsu" userId="0cffdb1c3a2f95f6" providerId="LiveId" clId="{9E082AFF-A207-43AD-B66F-38228E08D467}" dt="2019-09-09T08:20:29.126" v="681"/>
-            <ac:spMkLst>
-              <pc:docMk/>
-              <pc:sldMasterMk cId="2436035521" sldId="2147483661"/>
-              <pc:sldLayoutMk cId="2197932763" sldId="2147483670"/>
-              <ac:spMk id="3" creationId="{00000000-0000-0000-0000-000000000000}"/>
-            </ac:spMkLst>
-          </pc:spChg>
-          <pc:spChg chg="mod">
-            <ac:chgData name="Aaron Hsu" userId="0cffdb1c3a2f95f6" providerId="LiveId" clId="{9E082AFF-A207-43AD-B66F-38228E08D467}" dt="2019-09-09T08:20:29.126" v="681"/>
-            <ac:spMkLst>
-              <pc:docMk/>
-              <pc:sldMasterMk cId="2436035521" sldId="2147483661"/>
-              <pc:sldLayoutMk cId="2197932763" sldId="2147483670"/>
-              <ac:spMk id="4" creationId="{00000000-0000-0000-0000-000000000000}"/>
-            </ac:spMkLst>
-          </pc:spChg>
-        </pc:sldLayoutChg>
-        <pc:sldLayoutChg chg="modSp">
-          <pc:chgData name="Aaron Hsu" userId="0cffdb1c3a2f95f6" providerId="LiveId" clId="{9E082AFF-A207-43AD-B66F-38228E08D467}" dt="2019-09-09T08:20:29.126" v="681"/>
-          <pc:sldLayoutMkLst>
-            <pc:docMk/>
-            <pc:sldMasterMk cId="2436035521" sldId="2147483661"/>
-            <pc:sldLayoutMk cId="610723720" sldId="2147483672"/>
-          </pc:sldLayoutMkLst>
-          <pc:spChg chg="mod">
-            <ac:chgData name="Aaron Hsu" userId="0cffdb1c3a2f95f6" providerId="LiveId" clId="{9E082AFF-A207-43AD-B66F-38228E08D467}" dt="2019-09-09T08:20:29.126" v="681"/>
-            <ac:spMkLst>
-              <pc:docMk/>
-              <pc:sldMasterMk cId="2436035521" sldId="2147483661"/>
-              <pc:sldLayoutMk cId="610723720" sldId="2147483672"/>
-              <ac:spMk id="2" creationId="{00000000-0000-0000-0000-000000000000}"/>
-            </ac:spMkLst>
-          </pc:spChg>
-          <pc:spChg chg="mod">
-            <ac:chgData name="Aaron Hsu" userId="0cffdb1c3a2f95f6" providerId="LiveId" clId="{9E082AFF-A207-43AD-B66F-38228E08D467}" dt="2019-09-09T08:20:29.126" v="681"/>
-            <ac:spMkLst>
-              <pc:docMk/>
-              <pc:sldMasterMk cId="2436035521" sldId="2147483661"/>
-              <pc:sldLayoutMk cId="610723720" sldId="2147483672"/>
-              <ac:spMk id="3" creationId="{00000000-0000-0000-0000-000000000000}"/>
-            </ac:spMkLst>
-          </pc:spChg>
-        </pc:sldLayoutChg>
-        <pc:sldLayoutChg chg="modSp">
-          <pc:chgData name="Aaron Hsu" userId="0cffdb1c3a2f95f6" providerId="LiveId" clId="{9E082AFF-A207-43AD-B66F-38228E08D467}" dt="2019-09-09T08:20:29.126" v="681"/>
-          <pc:sldLayoutMkLst>
-            <pc:docMk/>
-            <pc:sldMasterMk cId="2436035521" sldId="2147483661"/>
-            <pc:sldLayoutMk cId="2922565859" sldId="2147483673"/>
-          </pc:sldLayoutMkLst>
-          <pc:spChg chg="mod">
-            <ac:chgData name="Aaron Hsu" userId="0cffdb1c3a2f95f6" providerId="LiveId" clId="{9E082AFF-A207-43AD-B66F-38228E08D467}" dt="2019-09-09T08:20:29.126" v="681"/>
-            <ac:spMkLst>
-              <pc:docMk/>
-              <pc:sldMasterMk cId="2436035521" sldId="2147483661"/>
-              <pc:sldLayoutMk cId="2922565859" sldId="2147483673"/>
-              <ac:spMk id="8" creationId="{9C2C6C6D-1091-455E-9A31-9A64EC6682C6}"/>
-            </ac:spMkLst>
-          </pc:spChg>
-        </pc:sldLayoutChg>
-      </pc:sldMasterChg>
-    </pc:docChg>
-  </pc:docChgLst>
 </pc:chgInfo>
 </file>
 
@@ -1976,7 +2031,7 @@
           <a:p>
             <a:fld id="{D4D100DB-FDE9-40AE-B953-541769C5ABF4}" type="datetimeFigureOut">
               <a:rPr lang="en-US" smtClean="0"/>
-              <a:t>10/8/2022</a:t>
+              <a:t>10/13/2022</a:t>
             </a:fld>
             <a:endParaRPr lang="en-US"/>
           </a:p>
@@ -2243,6 +2298,90 @@
 </p:notesMaster>
 </file>
 
+<file path=ppt/notesSlides/notesSlide1.xml><?xml version="1.0" encoding="utf-8"?>
+<p:notes xmlns:a="http://schemas.openxmlformats.org/drawingml/2006/main" xmlns:r="http://schemas.openxmlformats.org/officeDocument/2006/relationships" xmlns:p="http://schemas.openxmlformats.org/presentationml/2006/main">
+  <p:cSld>
+    <p:spTree>
+      <p:nvGrpSpPr>
+        <p:cNvPr id="1" name=""/>
+        <p:cNvGrpSpPr/>
+        <p:nvPr/>
+      </p:nvGrpSpPr>
+      <p:grpSpPr>
+        <a:xfrm>
+          <a:off x="0" y="0"/>
+          <a:ext cx="0" cy="0"/>
+          <a:chOff x="0" y="0"/>
+          <a:chExt cx="0" cy="0"/>
+        </a:xfrm>
+      </p:grpSpPr>
+      <p:sp>
+        <p:nvSpPr>
+          <p:cNvPr id="2" name="Slide Image Placeholder 1"/>
+          <p:cNvSpPr>
+            <a:spLocks noGrp="1" noRot="1" noChangeAspect="1"/>
+          </p:cNvSpPr>
+          <p:nvPr>
+            <p:ph type="sldImg"/>
+          </p:nvPr>
+        </p:nvSpPr>
+        <p:spPr/>
+      </p:sp>
+      <p:sp>
+        <p:nvSpPr>
+          <p:cNvPr id="3" name="Notes Placeholder 2"/>
+          <p:cNvSpPr>
+            <a:spLocks noGrp="1"/>
+          </p:cNvSpPr>
+          <p:nvPr>
+            <p:ph type="body" idx="1"/>
+          </p:nvPr>
+        </p:nvSpPr>
+        <p:spPr/>
+        <p:txBody>
+          <a:bodyPr/>
+          <a:lstStyle/>
+          <a:p>
+            <a:endParaRPr lang="en-US" dirty="0"/>
+          </a:p>
+        </p:txBody>
+      </p:sp>
+      <p:sp>
+        <p:nvSpPr>
+          <p:cNvPr id="4" name="Slide Number Placeholder 3"/>
+          <p:cNvSpPr>
+            <a:spLocks noGrp="1"/>
+          </p:cNvSpPr>
+          <p:nvPr>
+            <p:ph type="sldNum" sz="quarter" idx="5"/>
+          </p:nvPr>
+        </p:nvSpPr>
+        <p:spPr/>
+        <p:txBody>
+          <a:bodyPr/>
+          <a:lstStyle/>
+          <a:p>
+            <a:fld id="{1D69BD81-A707-4D42-BC56-A1B7E95ADD70}" type="slidenum">
+              <a:rPr lang="en-US" smtClean="0"/>
+              <a:t>13</a:t>
+            </a:fld>
+            <a:endParaRPr lang="en-US"/>
+          </a:p>
+        </p:txBody>
+      </p:sp>
+    </p:spTree>
+    <p:extLst>
+      <p:ext uri="{BB962C8B-B14F-4D97-AF65-F5344CB8AC3E}">
+        <p14:creationId xmlns:p14="http://schemas.microsoft.com/office/powerpoint/2010/main" val="4102229202"/>
+      </p:ext>
+    </p:extLst>
+  </p:cSld>
+  <p:clrMapOvr>
+    <a:masterClrMapping/>
+  </p:clrMapOvr>
+</p:notes>
+</file>
+
 <file path=ppt/slideLayouts/slideLayout1.xml><?xml version="1.0" encoding="utf-8"?>
 <p:sldLayout xmlns:a="http://schemas.openxmlformats.org/drawingml/2006/main" xmlns:r="http://schemas.openxmlformats.org/officeDocument/2006/relationships" xmlns:p="http://schemas.openxmlformats.org/presentationml/2006/main" type="title" preserve="1">
   <p:cSld name="Title Slide">
@@ -2374,7 +2513,7 @@
           <a:p>
             <a:fld id="{05E3D15E-F328-4BA2-82E8-E6248F599265}" type="datetimeFigureOut">
               <a:rPr lang="en-US" smtClean="0"/>
-              <a:t>10/8/2022</a:t>
+              <a:t>10/13/2022</a:t>
             </a:fld>
             <a:endParaRPr lang="en-US"/>
           </a:p>
@@ -2544,7 +2683,7 @@
           <a:p>
             <a:fld id="{05E3D15E-F328-4BA2-82E8-E6248F599265}" type="datetimeFigureOut">
               <a:rPr lang="en-US" smtClean="0"/>
-              <a:t>10/8/2022</a:t>
+              <a:t>10/13/2022</a:t>
             </a:fld>
             <a:endParaRPr lang="en-US"/>
           </a:p>
@@ -2724,7 +2863,7 @@
           <a:p>
             <a:fld id="{05E3D15E-F328-4BA2-82E8-E6248F599265}" type="datetimeFigureOut">
               <a:rPr lang="en-US" smtClean="0"/>
-              <a:t>10/8/2022</a:t>
+              <a:t>10/13/2022</a:t>
             </a:fld>
             <a:endParaRPr lang="en-US"/>
           </a:p>
@@ -2979,7 +3118,7 @@
           <a:p>
             <a:fld id="{05E3D15E-F328-4BA2-82E8-E6248F599265}" type="datetimeFigureOut">
               <a:rPr lang="en-US" smtClean="0"/>
-              <a:t>10/8/2022</a:t>
+              <a:t>10/13/2022</a:t>
             </a:fld>
             <a:endParaRPr lang="en-US"/>
           </a:p>
@@ -3225,7 +3364,7 @@
           <a:p>
             <a:fld id="{05E3D15E-F328-4BA2-82E8-E6248F599265}" type="datetimeFigureOut">
               <a:rPr lang="en-US" smtClean="0"/>
-              <a:t>10/8/2022</a:t>
+              <a:t>10/13/2022</a:t>
             </a:fld>
             <a:endParaRPr lang="en-US"/>
           </a:p>
@@ -3457,7 +3596,7 @@
           <a:p>
             <a:fld id="{05E3D15E-F328-4BA2-82E8-E6248F599265}" type="datetimeFigureOut">
               <a:rPr lang="en-US" smtClean="0"/>
-              <a:t>10/8/2022</a:t>
+              <a:t>10/13/2022</a:t>
             </a:fld>
             <a:endParaRPr lang="en-US"/>
           </a:p>
@@ -3824,7 +3963,7 @@
           <a:p>
             <a:fld id="{05E3D15E-F328-4BA2-82E8-E6248F599265}" type="datetimeFigureOut">
               <a:rPr lang="en-US" smtClean="0"/>
-              <a:t>10/8/2022</a:t>
+              <a:t>10/13/2022</a:t>
             </a:fld>
             <a:endParaRPr lang="en-US"/>
           </a:p>
@@ -3942,7 +4081,7 @@
           <a:p>
             <a:fld id="{05E3D15E-F328-4BA2-82E8-E6248F599265}" type="datetimeFigureOut">
               <a:rPr lang="en-US" smtClean="0"/>
-              <a:t>10/8/2022</a:t>
+              <a:t>10/13/2022</a:t>
             </a:fld>
             <a:endParaRPr lang="en-US"/>
           </a:p>
@@ -4037,7 +4176,7 @@
           <a:p>
             <a:fld id="{05E3D15E-F328-4BA2-82E8-E6248F599265}" type="datetimeFigureOut">
               <a:rPr lang="en-US" smtClean="0"/>
-              <a:t>10/8/2022</a:t>
+              <a:t>10/13/2022</a:t>
             </a:fld>
             <a:endParaRPr lang="en-US"/>
           </a:p>
@@ -4314,7 +4453,7 @@
           <a:p>
             <a:fld id="{05E3D15E-F328-4BA2-82E8-E6248F599265}" type="datetimeFigureOut">
               <a:rPr lang="en-US" smtClean="0"/>
-              <a:t>10/8/2022</a:t>
+              <a:t>10/13/2022</a:t>
             </a:fld>
             <a:endParaRPr lang="en-US"/>
           </a:p>
@@ -4571,7 +4710,7 @@
           <a:p>
             <a:fld id="{05E3D15E-F328-4BA2-82E8-E6248F599265}" type="datetimeFigureOut">
               <a:rPr lang="en-US" smtClean="0"/>
-              <a:t>10/8/2022</a:t>
+              <a:t>10/13/2022</a:t>
             </a:fld>
             <a:endParaRPr lang="en-US"/>
           </a:p>
@@ -4784,7 +4923,7 @@
           <a:p>
             <a:fld id="{05E3D15E-F328-4BA2-82E8-E6248F599265}" type="datetimeFigureOut">
               <a:rPr lang="en-US" smtClean="0"/>
-              <a:t>10/8/2022</a:t>
+              <a:t>10/13/2022</a:t>
             </a:fld>
             <a:endParaRPr lang="en-US"/>
           </a:p>
@@ -5273,6 +5412,126 @@
           <p:cNvPr id="2" name="Text Placeholder 1">
             <a:extLst>
               <a:ext uri="{FF2B5EF4-FFF2-40B4-BE49-F238E27FC236}">
+                <a16:creationId xmlns:a16="http://schemas.microsoft.com/office/drawing/2014/main" id="{94974E84-6631-92AA-93D8-82066785BAA1}"/>
+              </a:ext>
+            </a:extLst>
+          </p:cNvPr>
+          <p:cNvSpPr>
+            <a:spLocks noGrp="1"/>
+          </p:cNvSpPr>
+          <p:nvPr>
+            <p:ph type="body" sz="quarter" idx="10"/>
+          </p:nvPr>
+        </p:nvSpPr>
+        <p:spPr/>
+        <p:txBody>
+          <a:bodyPr>
+            <a:normAutofit/>
+          </a:bodyPr>
+          <a:lstStyle/>
+          <a:p>
+            <a:r>
+              <a:rPr lang="en-US" sz="14900" dirty="0"/>
+              <a:t>Grammars</a:t>
+            </a:r>
+          </a:p>
+        </p:txBody>
+      </p:sp>
+    </p:spTree>
+    <p:extLst>
+      <p:ext uri="{BB962C8B-B14F-4D97-AF65-F5344CB8AC3E}">
+        <p14:creationId xmlns:p14="http://schemas.microsoft.com/office/powerpoint/2010/main" val="3825392271"/>
+      </p:ext>
+    </p:extLst>
+  </p:cSld>
+  <p:clrMapOvr>
+    <a:masterClrMapping/>
+  </p:clrMapOvr>
+</p:sld>
+</file>
+
+<file path=ppt/slides/slide11.xml><?xml version="1.0" encoding="utf-8"?>
+<p:sld xmlns:a="http://schemas.openxmlformats.org/drawingml/2006/main" xmlns:r="http://schemas.openxmlformats.org/officeDocument/2006/relationships" xmlns:p="http://schemas.openxmlformats.org/presentationml/2006/main">
+  <p:cSld>
+    <p:spTree>
+      <p:nvGrpSpPr>
+        <p:cNvPr id="1" name=""/>
+        <p:cNvGrpSpPr/>
+        <p:nvPr/>
+      </p:nvGrpSpPr>
+      <p:grpSpPr>
+        <a:xfrm>
+          <a:off x="0" y="0"/>
+          <a:ext cx="0" cy="0"/>
+          <a:chOff x="0" y="0"/>
+          <a:chExt cx="0" cy="0"/>
+        </a:xfrm>
+      </p:grpSpPr>
+      <p:sp>
+        <p:nvSpPr>
+          <p:cNvPr id="2" name="Text Placeholder 1">
+            <a:extLst>
+              <a:ext uri="{FF2B5EF4-FFF2-40B4-BE49-F238E27FC236}">
+                <a16:creationId xmlns:a16="http://schemas.microsoft.com/office/drawing/2014/main" id="{F461B002-A22A-3B73-21BF-C86FB28FDAB1}"/>
+              </a:ext>
+            </a:extLst>
+          </p:cNvPr>
+          <p:cNvSpPr>
+            <a:spLocks noGrp="1"/>
+          </p:cNvSpPr>
+          <p:nvPr>
+            <p:ph type="body" sz="quarter" idx="10"/>
+          </p:nvPr>
+        </p:nvSpPr>
+        <p:spPr/>
+        <p:txBody>
+          <a:bodyPr>
+            <a:normAutofit/>
+          </a:bodyPr>
+          <a:lstStyle/>
+          <a:p>
+            <a:r>
+              <a:rPr lang="en-US" sz="12400" dirty="0"/>
+              <a:t>Context-free</a:t>
+            </a:r>
+          </a:p>
+        </p:txBody>
+      </p:sp>
+    </p:spTree>
+    <p:extLst>
+      <p:ext uri="{BB962C8B-B14F-4D97-AF65-F5344CB8AC3E}">
+        <p14:creationId xmlns:p14="http://schemas.microsoft.com/office/powerpoint/2010/main" val="1200804996"/>
+      </p:ext>
+    </p:extLst>
+  </p:cSld>
+  <p:clrMapOvr>
+    <a:masterClrMapping/>
+  </p:clrMapOvr>
+</p:sld>
+</file>
+
+<file path=ppt/slides/slide12.xml><?xml version="1.0" encoding="utf-8"?>
+<p:sld xmlns:a="http://schemas.openxmlformats.org/drawingml/2006/main" xmlns:r="http://schemas.openxmlformats.org/officeDocument/2006/relationships" xmlns:p="http://schemas.openxmlformats.org/presentationml/2006/main">
+  <p:cSld>
+    <p:spTree>
+      <p:nvGrpSpPr>
+        <p:cNvPr id="1" name=""/>
+        <p:cNvGrpSpPr/>
+        <p:nvPr/>
+      </p:nvGrpSpPr>
+      <p:grpSpPr>
+        <a:xfrm>
+          <a:off x="0" y="0"/>
+          <a:ext cx="0" cy="0"/>
+          <a:chOff x="0" y="0"/>
+          <a:chExt cx="0" cy="0"/>
+        </a:xfrm>
+      </p:grpSpPr>
+      <p:sp>
+        <p:nvSpPr>
+          <p:cNvPr id="2" name="Text Placeholder 1">
+            <a:extLst>
+              <a:ext uri="{FF2B5EF4-FFF2-40B4-BE49-F238E27FC236}">
                 <a16:creationId xmlns:a16="http://schemas.microsoft.com/office/drawing/2014/main" id="{5CC62471-C893-A26A-3873-C87C113AED0A}"/>
               </a:ext>
             </a:extLst>
@@ -5311,7 +5570,7 @@
 </p:sld>
 </file>
 
-<file path=ppt/slides/slide11.xml><?xml version="1.0" encoding="utf-8"?>
+<file path=ppt/slides/slide13.xml><?xml version="1.0" encoding="utf-8"?>
 <p:sld xmlns:a="http://schemas.openxmlformats.org/drawingml/2006/main" xmlns:r="http://schemas.openxmlformats.org/officeDocument/2006/relationships" xmlns:p="http://schemas.openxmlformats.org/presentationml/2006/main">
   <p:cSld>
     <p:spTree>
@@ -5379,7 +5638,7 @@
 </p:sld>
 </file>
 
-<file path=ppt/slides/slide12.xml><?xml version="1.0" encoding="utf-8"?>
+<file path=ppt/slides/slide14.xml><?xml version="1.0" encoding="utf-8"?>
 <p:sld xmlns:a="http://schemas.openxmlformats.org/drawingml/2006/main" xmlns:r="http://schemas.openxmlformats.org/officeDocument/2006/relationships" xmlns:p="http://schemas.openxmlformats.org/presentationml/2006/main">
   <p:cSld>
     <p:spTree>
@@ -5451,7 +5710,7 @@
 </p:sld>
 </file>
 
-<file path=ppt/slides/slide13.xml><?xml version="1.0" encoding="utf-8"?>
+<file path=ppt/slides/slide15.xml><?xml version="1.0" encoding="utf-8"?>
 <p:sld xmlns:a="http://schemas.openxmlformats.org/drawingml/2006/main" xmlns:r="http://schemas.openxmlformats.org/officeDocument/2006/relationships" xmlns:p="http://schemas.openxmlformats.org/presentationml/2006/main">
   <p:cSld>
     <p:spTree>
@@ -5511,7 +5770,7 @@
 </p:sld>
 </file>
 
-<file path=ppt/slides/slide14.xml><?xml version="1.0" encoding="utf-8"?>
+<file path=ppt/slides/slide16.xml><?xml version="1.0" encoding="utf-8"?>
 <p:sld xmlns:a="http://schemas.openxmlformats.org/drawingml/2006/main" xmlns:r="http://schemas.openxmlformats.org/officeDocument/2006/relationships" xmlns:p="http://schemas.openxmlformats.org/presentationml/2006/main">
   <p:cSld>
     <p:spTree>
@@ -5610,7 +5869,7 @@
 </p:sld>
 </file>
 
-<file path=ppt/slides/slide15.xml><?xml version="1.0" encoding="utf-8"?>
+<file path=ppt/slides/slide17.xml><?xml version="1.0" encoding="utf-8"?>
 <p:sld xmlns:a="http://schemas.openxmlformats.org/drawingml/2006/main" xmlns:r="http://schemas.openxmlformats.org/officeDocument/2006/relationships" xmlns:p="http://schemas.openxmlformats.org/presentationml/2006/main">
   <p:cSld>
     <p:spTree>
@@ -5670,7 +5929,7 @@
 </p:sld>
 </file>
 
-<file path=ppt/slides/slide16.xml><?xml version="1.0" encoding="utf-8"?>
+<file path=ppt/slides/slide18.xml><?xml version="1.0" encoding="utf-8"?>
 <p:sld xmlns:a="http://schemas.openxmlformats.org/drawingml/2006/main" xmlns:r="http://schemas.openxmlformats.org/officeDocument/2006/relationships" xmlns:p="http://schemas.openxmlformats.org/presentationml/2006/main">
   <p:cSld>
     <p:spTree>
@@ -5744,7 +6003,7 @@
 </p:sld>
 </file>
 
-<file path=ppt/slides/slide17.xml><?xml version="1.0" encoding="utf-8"?>
+<file path=ppt/slides/slide19.xml><?xml version="1.0" encoding="utf-8"?>
 <p:sld xmlns:a="http://schemas.openxmlformats.org/drawingml/2006/main" xmlns:r="http://schemas.openxmlformats.org/officeDocument/2006/relationships" xmlns:p="http://schemas.openxmlformats.org/presentationml/2006/main">
   <p:cSld>
     <p:spTree>
@@ -5795,204 +6054,6 @@
     <p:extLst>
       <p:ext uri="{BB962C8B-B14F-4D97-AF65-F5344CB8AC3E}">
         <p14:creationId xmlns:p14="http://schemas.microsoft.com/office/powerpoint/2010/main" val="888385428"/>
-      </p:ext>
-    </p:extLst>
-  </p:cSld>
-  <p:clrMapOvr>
-    <a:masterClrMapping/>
-  </p:clrMapOvr>
-</p:sld>
-</file>
-
-<file path=ppt/slides/slide18.xml><?xml version="1.0" encoding="utf-8"?>
-<p:sld xmlns:a="http://schemas.openxmlformats.org/drawingml/2006/main" xmlns:r="http://schemas.openxmlformats.org/officeDocument/2006/relationships" xmlns:p="http://schemas.openxmlformats.org/presentationml/2006/main">
-  <p:cSld>
-    <p:spTree>
-      <p:nvGrpSpPr>
-        <p:cNvPr id="1" name=""/>
-        <p:cNvGrpSpPr/>
-        <p:nvPr/>
-      </p:nvGrpSpPr>
-      <p:grpSpPr>
-        <a:xfrm>
-          <a:off x="0" y="0"/>
-          <a:ext cx="0" cy="0"/>
-          <a:chOff x="0" y="0"/>
-          <a:chExt cx="0" cy="0"/>
-        </a:xfrm>
-      </p:grpSpPr>
-      <p:sp>
-        <p:nvSpPr>
-          <p:cNvPr id="2" name="Text Placeholder 1">
-            <a:extLst>
-              <a:ext uri="{FF2B5EF4-FFF2-40B4-BE49-F238E27FC236}">
-                <a16:creationId xmlns:a16="http://schemas.microsoft.com/office/drawing/2014/main" id="{A2D126AE-D913-41E2-86AF-9160B317B734}"/>
-              </a:ext>
-            </a:extLst>
-          </p:cNvPr>
-          <p:cNvSpPr>
-            <a:spLocks noGrp="1"/>
-          </p:cNvSpPr>
-          <p:nvPr>
-            <p:ph type="body" sz="quarter" idx="10"/>
-          </p:nvPr>
-        </p:nvSpPr>
-        <p:spPr/>
-        <p:txBody>
-          <a:bodyPr>
-            <a:normAutofit/>
-          </a:bodyPr>
-          <a:lstStyle/>
-          <a:p>
-            <a:pPr algn="l"/>
-            <a:r>
-              <a:rPr lang="en-US" sz="4800" dirty="0">
-                <a:latin typeface="APL385 Unicode" panose="020B0709000202000203" pitchFamily="49" charset="0"/>
-              </a:rPr>
-              <a:t>S   ← ∊ | (char | Par | </a:t>
-            </a:r>
-            <a:r>
-              <a:rPr lang="en-US" sz="4800" dirty="0" err="1">
-                <a:latin typeface="APL385 Unicode" panose="020B0709000202000203" pitchFamily="49" charset="0"/>
-              </a:rPr>
-              <a:t>Brk</a:t>
-            </a:r>
-            <a:r>
-              <a:rPr lang="en-US" sz="4800" dirty="0">
-                <a:latin typeface="APL385 Unicode" panose="020B0709000202000203" pitchFamily="49" charset="0"/>
-              </a:rPr>
-              <a:t>) S</a:t>
-            </a:r>
-          </a:p>
-          <a:p>
-            <a:pPr algn="l"/>
-            <a:r>
-              <a:rPr lang="en-US" sz="4800" dirty="0">
-                <a:latin typeface="APL385 Unicode" panose="020B0709000202000203" pitchFamily="49" charset="0"/>
-              </a:rPr>
-              <a:t>Par ← ‘(‘ S ‘)’</a:t>
-            </a:r>
-          </a:p>
-          <a:p>
-            <a:pPr algn="l"/>
-            <a:r>
-              <a:rPr lang="en-US" sz="4800" dirty="0" err="1">
-                <a:latin typeface="APL385 Unicode" panose="020B0709000202000203" pitchFamily="49" charset="0"/>
-              </a:rPr>
-              <a:t>Brk</a:t>
-            </a:r>
-            <a:r>
-              <a:rPr lang="en-US" sz="4800" dirty="0">
-                <a:latin typeface="APL385 Unicode" panose="020B0709000202000203" pitchFamily="49" charset="0"/>
-              </a:rPr>
-              <a:t> ← ‘[‘ S ‘]’</a:t>
-            </a:r>
-          </a:p>
-        </p:txBody>
-      </p:sp>
-    </p:spTree>
-    <p:extLst>
-      <p:ext uri="{BB962C8B-B14F-4D97-AF65-F5344CB8AC3E}">
-        <p14:creationId xmlns:p14="http://schemas.microsoft.com/office/powerpoint/2010/main" val="2084592774"/>
-      </p:ext>
-    </p:extLst>
-  </p:cSld>
-  <p:clrMapOvr>
-    <a:masterClrMapping/>
-  </p:clrMapOvr>
-</p:sld>
-</file>
-
-<file path=ppt/slides/slide19.xml><?xml version="1.0" encoding="utf-8"?>
-<p:sld xmlns:a="http://schemas.openxmlformats.org/drawingml/2006/main" xmlns:r="http://schemas.openxmlformats.org/officeDocument/2006/relationships" xmlns:p="http://schemas.openxmlformats.org/presentationml/2006/main">
-  <p:cSld>
-    <p:spTree>
-      <p:nvGrpSpPr>
-        <p:cNvPr id="1" name=""/>
-        <p:cNvGrpSpPr/>
-        <p:nvPr/>
-      </p:nvGrpSpPr>
-      <p:grpSpPr>
-        <a:xfrm>
-          <a:off x="0" y="0"/>
-          <a:ext cx="0" cy="0"/>
-          <a:chOff x="0" y="0"/>
-          <a:chExt cx="0" cy="0"/>
-        </a:xfrm>
-      </p:grpSpPr>
-      <p:sp>
-        <p:nvSpPr>
-          <p:cNvPr id="2" name="Text Placeholder 1">
-            <a:extLst>
-              <a:ext uri="{FF2B5EF4-FFF2-40B4-BE49-F238E27FC236}">
-                <a16:creationId xmlns:a16="http://schemas.microsoft.com/office/drawing/2014/main" id="{A2D126AE-D913-41E2-86AF-9160B317B734}"/>
-              </a:ext>
-            </a:extLst>
-          </p:cNvPr>
-          <p:cNvSpPr>
-            <a:spLocks noGrp="1"/>
-          </p:cNvSpPr>
-          <p:nvPr>
-            <p:ph type="body" sz="quarter" idx="10"/>
-          </p:nvPr>
-        </p:nvSpPr>
-        <p:spPr/>
-        <p:txBody>
-          <a:bodyPr>
-            <a:normAutofit/>
-          </a:bodyPr>
-          <a:lstStyle/>
-          <a:p>
-            <a:pPr algn="l"/>
-            <a:r>
-              <a:rPr lang="en-US" sz="4800" dirty="0">
-                <a:latin typeface="APL385 Unicode" panose="020B0709000202000203" pitchFamily="49" charset="0"/>
-              </a:rPr>
-              <a:t>S   ← (char | Par | </a:t>
-            </a:r>
-            <a:r>
-              <a:rPr lang="en-US" sz="4800" dirty="0" err="1">
-                <a:latin typeface="APL385 Unicode" panose="020B0709000202000203" pitchFamily="49" charset="0"/>
-              </a:rPr>
-              <a:t>Brk</a:t>
-            </a:r>
-            <a:r>
-              <a:rPr lang="en-US" sz="4800" dirty="0">
-                <a:latin typeface="APL385 Unicode" panose="020B0709000202000203" pitchFamily="49" charset="0"/>
-              </a:rPr>
-              <a:t>) S | ∊</a:t>
-            </a:r>
-          </a:p>
-          <a:p>
-            <a:pPr algn="l"/>
-            <a:r>
-              <a:rPr lang="en-US" sz="4800" dirty="0">
-                <a:latin typeface="APL385 Unicode" panose="020B0709000202000203" pitchFamily="49" charset="0"/>
-              </a:rPr>
-              <a:t>Par ← ‘(‘ S ‘)’</a:t>
-            </a:r>
-          </a:p>
-          <a:p>
-            <a:pPr algn="l"/>
-            <a:r>
-              <a:rPr lang="en-US" sz="4800" dirty="0" err="1">
-                <a:latin typeface="APL385 Unicode" panose="020B0709000202000203" pitchFamily="49" charset="0"/>
-              </a:rPr>
-              <a:t>Brk</a:t>
-            </a:r>
-            <a:r>
-              <a:rPr lang="en-US" sz="4800" dirty="0">
-                <a:latin typeface="APL385 Unicode" panose="020B0709000202000203" pitchFamily="49" charset="0"/>
-              </a:rPr>
-              <a:t> ← ‘[‘ S ‘]’</a:t>
-            </a:r>
-          </a:p>
-        </p:txBody>
-      </p:sp>
-    </p:spTree>
-    <p:extLst>
-      <p:ext uri="{BB962C8B-B14F-4D97-AF65-F5344CB8AC3E}">
-        <p14:creationId xmlns:p14="http://schemas.microsoft.com/office/powerpoint/2010/main" val="944624992"/>
       </p:ext>
     </p:extLst>
   </p:cSld>
@@ -6107,6 +6168,204 @@
               <a:rPr lang="en-US" sz="4800" dirty="0">
                 <a:latin typeface="APL385 Unicode" panose="020B0709000202000203" pitchFamily="49" charset="0"/>
               </a:rPr>
+              <a:t>S   ← ∊ | (char | Par | </a:t>
+            </a:r>
+            <a:r>
+              <a:rPr lang="en-US" sz="4800" dirty="0" err="1">
+                <a:latin typeface="APL385 Unicode" panose="020B0709000202000203" pitchFamily="49" charset="0"/>
+              </a:rPr>
+              <a:t>Brk</a:t>
+            </a:r>
+            <a:r>
+              <a:rPr lang="en-US" sz="4800" dirty="0">
+                <a:latin typeface="APL385 Unicode" panose="020B0709000202000203" pitchFamily="49" charset="0"/>
+              </a:rPr>
+              <a:t>) S</a:t>
+            </a:r>
+          </a:p>
+          <a:p>
+            <a:pPr algn="l"/>
+            <a:r>
+              <a:rPr lang="en-US" sz="4800" dirty="0">
+                <a:latin typeface="APL385 Unicode" panose="020B0709000202000203" pitchFamily="49" charset="0"/>
+              </a:rPr>
+              <a:t>Par ← ‘(‘ S ‘)’</a:t>
+            </a:r>
+          </a:p>
+          <a:p>
+            <a:pPr algn="l"/>
+            <a:r>
+              <a:rPr lang="en-US" sz="4800" dirty="0" err="1">
+                <a:latin typeface="APL385 Unicode" panose="020B0709000202000203" pitchFamily="49" charset="0"/>
+              </a:rPr>
+              <a:t>Brk</a:t>
+            </a:r>
+            <a:r>
+              <a:rPr lang="en-US" sz="4800" dirty="0">
+                <a:latin typeface="APL385 Unicode" panose="020B0709000202000203" pitchFamily="49" charset="0"/>
+              </a:rPr>
+              <a:t> ← ‘[‘ S ‘]’</a:t>
+            </a:r>
+          </a:p>
+        </p:txBody>
+      </p:sp>
+    </p:spTree>
+    <p:extLst>
+      <p:ext uri="{BB962C8B-B14F-4D97-AF65-F5344CB8AC3E}">
+        <p14:creationId xmlns:p14="http://schemas.microsoft.com/office/powerpoint/2010/main" val="2084592774"/>
+      </p:ext>
+    </p:extLst>
+  </p:cSld>
+  <p:clrMapOvr>
+    <a:masterClrMapping/>
+  </p:clrMapOvr>
+</p:sld>
+</file>
+
+<file path=ppt/slides/slide21.xml><?xml version="1.0" encoding="utf-8"?>
+<p:sld xmlns:a="http://schemas.openxmlformats.org/drawingml/2006/main" xmlns:r="http://schemas.openxmlformats.org/officeDocument/2006/relationships" xmlns:p="http://schemas.openxmlformats.org/presentationml/2006/main">
+  <p:cSld>
+    <p:spTree>
+      <p:nvGrpSpPr>
+        <p:cNvPr id="1" name=""/>
+        <p:cNvGrpSpPr/>
+        <p:nvPr/>
+      </p:nvGrpSpPr>
+      <p:grpSpPr>
+        <a:xfrm>
+          <a:off x="0" y="0"/>
+          <a:ext cx="0" cy="0"/>
+          <a:chOff x="0" y="0"/>
+          <a:chExt cx="0" cy="0"/>
+        </a:xfrm>
+      </p:grpSpPr>
+      <p:sp>
+        <p:nvSpPr>
+          <p:cNvPr id="2" name="Text Placeholder 1">
+            <a:extLst>
+              <a:ext uri="{FF2B5EF4-FFF2-40B4-BE49-F238E27FC236}">
+                <a16:creationId xmlns:a16="http://schemas.microsoft.com/office/drawing/2014/main" id="{A2D126AE-D913-41E2-86AF-9160B317B734}"/>
+              </a:ext>
+            </a:extLst>
+          </p:cNvPr>
+          <p:cNvSpPr>
+            <a:spLocks noGrp="1"/>
+          </p:cNvSpPr>
+          <p:nvPr>
+            <p:ph type="body" sz="quarter" idx="10"/>
+          </p:nvPr>
+        </p:nvSpPr>
+        <p:spPr/>
+        <p:txBody>
+          <a:bodyPr>
+            <a:normAutofit/>
+          </a:bodyPr>
+          <a:lstStyle/>
+          <a:p>
+            <a:pPr algn="l"/>
+            <a:r>
+              <a:rPr lang="en-US" sz="4800" dirty="0">
+                <a:latin typeface="APL385 Unicode" panose="020B0709000202000203" pitchFamily="49" charset="0"/>
+              </a:rPr>
+              <a:t>S   ← (char | Par | </a:t>
+            </a:r>
+            <a:r>
+              <a:rPr lang="en-US" sz="4800" dirty="0" err="1">
+                <a:latin typeface="APL385 Unicode" panose="020B0709000202000203" pitchFamily="49" charset="0"/>
+              </a:rPr>
+              <a:t>Brk</a:t>
+            </a:r>
+            <a:r>
+              <a:rPr lang="en-US" sz="4800" dirty="0">
+                <a:latin typeface="APL385 Unicode" panose="020B0709000202000203" pitchFamily="49" charset="0"/>
+              </a:rPr>
+              <a:t>) S | ∊</a:t>
+            </a:r>
+          </a:p>
+          <a:p>
+            <a:pPr algn="l"/>
+            <a:r>
+              <a:rPr lang="en-US" sz="4800" dirty="0">
+                <a:latin typeface="APL385 Unicode" panose="020B0709000202000203" pitchFamily="49" charset="0"/>
+              </a:rPr>
+              <a:t>Par ← ‘(‘ S ‘)’</a:t>
+            </a:r>
+          </a:p>
+          <a:p>
+            <a:pPr algn="l"/>
+            <a:r>
+              <a:rPr lang="en-US" sz="4800" dirty="0" err="1">
+                <a:latin typeface="APL385 Unicode" panose="020B0709000202000203" pitchFamily="49" charset="0"/>
+              </a:rPr>
+              <a:t>Brk</a:t>
+            </a:r>
+            <a:r>
+              <a:rPr lang="en-US" sz="4800" dirty="0">
+                <a:latin typeface="APL385 Unicode" panose="020B0709000202000203" pitchFamily="49" charset="0"/>
+              </a:rPr>
+              <a:t> ← ‘[‘ S ‘]’</a:t>
+            </a:r>
+          </a:p>
+        </p:txBody>
+      </p:sp>
+    </p:spTree>
+    <p:extLst>
+      <p:ext uri="{BB962C8B-B14F-4D97-AF65-F5344CB8AC3E}">
+        <p14:creationId xmlns:p14="http://schemas.microsoft.com/office/powerpoint/2010/main" val="944624992"/>
+      </p:ext>
+    </p:extLst>
+  </p:cSld>
+  <p:clrMapOvr>
+    <a:masterClrMapping/>
+  </p:clrMapOvr>
+</p:sld>
+</file>
+
+<file path=ppt/slides/slide22.xml><?xml version="1.0" encoding="utf-8"?>
+<p:sld xmlns:a="http://schemas.openxmlformats.org/drawingml/2006/main" xmlns:r="http://schemas.openxmlformats.org/officeDocument/2006/relationships" xmlns:p="http://schemas.openxmlformats.org/presentationml/2006/main">
+  <p:cSld>
+    <p:spTree>
+      <p:nvGrpSpPr>
+        <p:cNvPr id="1" name=""/>
+        <p:cNvGrpSpPr/>
+        <p:nvPr/>
+      </p:nvGrpSpPr>
+      <p:grpSpPr>
+        <a:xfrm>
+          <a:off x="0" y="0"/>
+          <a:ext cx="0" cy="0"/>
+          <a:chOff x="0" y="0"/>
+          <a:chExt cx="0" cy="0"/>
+        </a:xfrm>
+      </p:grpSpPr>
+      <p:sp>
+        <p:nvSpPr>
+          <p:cNvPr id="2" name="Text Placeholder 1">
+            <a:extLst>
+              <a:ext uri="{FF2B5EF4-FFF2-40B4-BE49-F238E27FC236}">
+                <a16:creationId xmlns:a16="http://schemas.microsoft.com/office/drawing/2014/main" id="{A2D126AE-D913-41E2-86AF-9160B317B734}"/>
+              </a:ext>
+            </a:extLst>
+          </p:cNvPr>
+          <p:cNvSpPr>
+            <a:spLocks noGrp="1"/>
+          </p:cNvSpPr>
+          <p:nvPr>
+            <p:ph type="body" sz="quarter" idx="10"/>
+          </p:nvPr>
+        </p:nvSpPr>
+        <p:spPr/>
+        <p:txBody>
+          <a:bodyPr>
+            <a:normAutofit/>
+          </a:bodyPr>
+          <a:lstStyle/>
+          <a:p>
+            <a:pPr algn="l"/>
+            <a:r>
+              <a:rPr lang="en-US" sz="4800" dirty="0">
+                <a:latin typeface="APL385 Unicode" panose="020B0709000202000203" pitchFamily="49" charset="0"/>
+              </a:rPr>
               <a:t>S   ← (Par | </a:t>
             </a:r>
             <a:r>
@@ -6161,7 +6420,7 @@
 </p:sld>
 </file>
 
-<file path=ppt/slides/slide21.xml><?xml version="1.0" encoding="utf-8"?>
+<file path=ppt/slides/slide23.xml><?xml version="1.0" encoding="utf-8"?>
 <p:sld xmlns:a="http://schemas.openxmlformats.org/drawingml/2006/main" xmlns:r="http://schemas.openxmlformats.org/officeDocument/2006/relationships" xmlns:p="http://schemas.openxmlformats.org/presentationml/2006/main">
   <p:cSld>
     <p:spTree>
@@ -6221,7 +6480,7 @@
 </p:sld>
 </file>
 
-<file path=ppt/slides/slide22.xml><?xml version="1.0" encoding="utf-8"?>
+<file path=ppt/slides/slide24.xml><?xml version="1.0" encoding="utf-8"?>
 <p:sld xmlns:a="http://schemas.openxmlformats.org/drawingml/2006/main" xmlns:r="http://schemas.openxmlformats.org/officeDocument/2006/relationships" xmlns:p="http://schemas.openxmlformats.org/presentationml/2006/main">
   <p:cSld>
     <p:spTree>
@@ -6288,7 +6547,7 @@
 </p:sld>
 </file>
 
-<file path=ppt/slides/slide23.xml><?xml version="1.0" encoding="utf-8"?>
+<file path=ppt/slides/slide25.xml><?xml version="1.0" encoding="utf-8"?>
 <p:sld xmlns:a="http://schemas.openxmlformats.org/drawingml/2006/main" xmlns:r="http://schemas.openxmlformats.org/officeDocument/2006/relationships" xmlns:p="http://schemas.openxmlformats.org/presentationml/2006/main">
   <p:cSld>
     <p:spTree>
@@ -6348,7 +6607,7 @@
 </p:sld>
 </file>
 
-<file path=ppt/slides/slide24.xml><?xml version="1.0" encoding="utf-8"?>
+<file path=ppt/slides/slide26.xml><?xml version="1.0" encoding="utf-8"?>
 <p:sld xmlns:a="http://schemas.openxmlformats.org/drawingml/2006/main" xmlns:r="http://schemas.openxmlformats.org/officeDocument/2006/relationships" xmlns:p="http://schemas.openxmlformats.org/presentationml/2006/main">
   <p:cSld>
     <p:spTree>
@@ -6479,7 +6738,7 @@
 </p:sld>
 </file>
 
-<file path=ppt/slides/slide25.xml><?xml version="1.0" encoding="utf-8"?>
+<file path=ppt/slides/slide27.xml><?xml version="1.0" encoding="utf-8"?>
 <p:sld xmlns:a="http://schemas.openxmlformats.org/drawingml/2006/main" xmlns:r="http://schemas.openxmlformats.org/officeDocument/2006/relationships" xmlns:p="http://schemas.openxmlformats.org/presentationml/2006/main">
   <p:cSld>
     <p:spTree>
@@ -6539,7 +6798,7 @@
 </p:sld>
 </file>
 
-<file path=ppt/slides/slide26.xml><?xml version="1.0" encoding="utf-8"?>
+<file path=ppt/slides/slide28.xml><?xml version="1.0" encoding="utf-8"?>
 <p:sld xmlns:a="http://schemas.openxmlformats.org/drawingml/2006/main" xmlns:r="http://schemas.openxmlformats.org/officeDocument/2006/relationships" xmlns:p="http://schemas.openxmlformats.org/presentationml/2006/main">
   <p:cSld>
     <p:spTree>
@@ -6613,7 +6872,7 @@
 </p:sld>
 </file>
 
-<file path=ppt/slides/slide27.xml><?xml version="1.0" encoding="utf-8"?>
+<file path=ppt/slides/slide29.xml><?xml version="1.0" encoding="utf-8"?>
 <p:sld xmlns:a="http://schemas.openxmlformats.org/drawingml/2006/main" xmlns:r="http://schemas.openxmlformats.org/officeDocument/2006/relationships" xmlns:p="http://schemas.openxmlformats.org/presentationml/2006/main">
   <p:cSld>
     <p:spTree>
@@ -6671,133 +6930,6 @@
     <p:extLst>
       <p:ext uri="{BB962C8B-B14F-4D97-AF65-F5344CB8AC3E}">
         <p14:creationId xmlns:p14="http://schemas.microsoft.com/office/powerpoint/2010/main" val="1519876614"/>
-      </p:ext>
-    </p:extLst>
-  </p:cSld>
-  <p:clrMapOvr>
-    <a:masterClrMapping/>
-  </p:clrMapOvr>
-</p:sld>
-</file>
-
-<file path=ppt/slides/slide28.xml><?xml version="1.0" encoding="utf-8"?>
-<p:sld xmlns:a="http://schemas.openxmlformats.org/drawingml/2006/main" xmlns:r="http://schemas.openxmlformats.org/officeDocument/2006/relationships" xmlns:p="http://schemas.openxmlformats.org/presentationml/2006/main">
-  <p:cSld>
-    <p:spTree>
-      <p:nvGrpSpPr>
-        <p:cNvPr id="1" name=""/>
-        <p:cNvGrpSpPr/>
-        <p:nvPr/>
-      </p:nvGrpSpPr>
-      <p:grpSpPr>
-        <a:xfrm>
-          <a:off x="0" y="0"/>
-          <a:ext cx="0" cy="0"/>
-          <a:chOff x="0" y="0"/>
-          <a:chExt cx="0" cy="0"/>
-        </a:xfrm>
-      </p:grpSpPr>
-      <p:sp>
-        <p:nvSpPr>
-          <p:cNvPr id="2" name="Text Placeholder 1">
-            <a:extLst>
-              <a:ext uri="{FF2B5EF4-FFF2-40B4-BE49-F238E27FC236}">
-                <a16:creationId xmlns:a16="http://schemas.microsoft.com/office/drawing/2014/main" id="{366ED2DF-2527-CD0E-34E1-D391DEF1A0EB}"/>
-              </a:ext>
-            </a:extLst>
-          </p:cNvPr>
-          <p:cNvSpPr>
-            <a:spLocks noGrp="1"/>
-          </p:cNvSpPr>
-          <p:nvPr>
-            <p:ph type="body" sz="quarter" idx="10"/>
-          </p:nvPr>
-        </p:nvSpPr>
-        <p:spPr/>
-        <p:txBody>
-          <a:bodyPr>
-            <a:normAutofit/>
-          </a:bodyPr>
-          <a:lstStyle/>
-          <a:p>
-            <a:r>
-              <a:rPr lang="en-US" sz="8000" dirty="0"/>
-              <a:t>Avoids sharp corners</a:t>
-            </a:r>
-          </a:p>
-        </p:txBody>
-      </p:sp>
-    </p:spTree>
-    <p:extLst>
-      <p:ext uri="{BB962C8B-B14F-4D97-AF65-F5344CB8AC3E}">
-        <p14:creationId xmlns:p14="http://schemas.microsoft.com/office/powerpoint/2010/main" val="2265121305"/>
-      </p:ext>
-    </p:extLst>
-  </p:cSld>
-  <p:clrMapOvr>
-    <a:masterClrMapping/>
-  </p:clrMapOvr>
-</p:sld>
-</file>
-
-<file path=ppt/slides/slide29.xml><?xml version="1.0" encoding="utf-8"?>
-<p:sld xmlns:a="http://schemas.openxmlformats.org/drawingml/2006/main" xmlns:r="http://schemas.openxmlformats.org/officeDocument/2006/relationships" xmlns:p="http://schemas.openxmlformats.org/presentationml/2006/main">
-  <p:cSld>
-    <p:spTree>
-      <p:nvGrpSpPr>
-        <p:cNvPr id="1" name=""/>
-        <p:cNvGrpSpPr/>
-        <p:nvPr/>
-      </p:nvGrpSpPr>
-      <p:grpSpPr>
-        <a:xfrm>
-          <a:off x="0" y="0"/>
-          <a:ext cx="0" cy="0"/>
-          <a:chOff x="0" y="0"/>
-          <a:chExt cx="0" cy="0"/>
-        </a:xfrm>
-      </p:grpSpPr>
-      <p:sp>
-        <p:nvSpPr>
-          <p:cNvPr id="2" name="Text Placeholder 1">
-            <a:extLst>
-              <a:ext uri="{FF2B5EF4-FFF2-40B4-BE49-F238E27FC236}">
-                <a16:creationId xmlns:a16="http://schemas.microsoft.com/office/drawing/2014/main" id="{7B362E01-3BA6-73E0-A736-B235A4281080}"/>
-              </a:ext>
-            </a:extLst>
-          </p:cNvPr>
-          <p:cNvSpPr>
-            <a:spLocks noGrp="1"/>
-          </p:cNvSpPr>
-          <p:nvPr>
-            <p:ph type="body" sz="quarter" idx="10"/>
-          </p:nvPr>
-        </p:nvSpPr>
-        <p:spPr/>
-        <p:txBody>
-          <a:bodyPr>
-            <a:normAutofit/>
-          </a:bodyPr>
-          <a:lstStyle/>
-          <a:p>
-            <a:r>
-              <a:rPr lang="en-US" sz="8000" dirty="0"/>
-              <a:t>Linear Data-flow</a:t>
-            </a:r>
-            <a:br>
-              <a:rPr lang="en-US" sz="8000" dirty="0"/>
-            </a:br>
-            <a:r>
-              <a:rPr lang="en-US" sz="8000" dirty="0"/>
-              <a:t>“Micro pass”</a:t>
-            </a:r>
-          </a:p>
-        </p:txBody>
-      </p:sp>
-    </p:spTree>
-    <p:extLst>
-      <p:ext uri="{BB962C8B-B14F-4D97-AF65-F5344CB8AC3E}">
-        <p14:creationId xmlns:p14="http://schemas.microsoft.com/office/powerpoint/2010/main" val="1616781196"/>
       </p:ext>
     </p:extLst>
   </p:cSld>
@@ -6887,6 +7019,133 @@
           <p:cNvPr id="2" name="Text Placeholder 1">
             <a:extLst>
               <a:ext uri="{FF2B5EF4-FFF2-40B4-BE49-F238E27FC236}">
+                <a16:creationId xmlns:a16="http://schemas.microsoft.com/office/drawing/2014/main" id="{366ED2DF-2527-CD0E-34E1-D391DEF1A0EB}"/>
+              </a:ext>
+            </a:extLst>
+          </p:cNvPr>
+          <p:cNvSpPr>
+            <a:spLocks noGrp="1"/>
+          </p:cNvSpPr>
+          <p:nvPr>
+            <p:ph type="body" sz="quarter" idx="10"/>
+          </p:nvPr>
+        </p:nvSpPr>
+        <p:spPr/>
+        <p:txBody>
+          <a:bodyPr>
+            <a:normAutofit/>
+          </a:bodyPr>
+          <a:lstStyle/>
+          <a:p>
+            <a:r>
+              <a:rPr lang="en-US" sz="8000" dirty="0"/>
+              <a:t>Avoids sharp corners</a:t>
+            </a:r>
+          </a:p>
+        </p:txBody>
+      </p:sp>
+    </p:spTree>
+    <p:extLst>
+      <p:ext uri="{BB962C8B-B14F-4D97-AF65-F5344CB8AC3E}">
+        <p14:creationId xmlns:p14="http://schemas.microsoft.com/office/powerpoint/2010/main" val="2265121305"/>
+      </p:ext>
+    </p:extLst>
+  </p:cSld>
+  <p:clrMapOvr>
+    <a:masterClrMapping/>
+  </p:clrMapOvr>
+</p:sld>
+</file>
+
+<file path=ppt/slides/slide31.xml><?xml version="1.0" encoding="utf-8"?>
+<p:sld xmlns:a="http://schemas.openxmlformats.org/drawingml/2006/main" xmlns:r="http://schemas.openxmlformats.org/officeDocument/2006/relationships" xmlns:p="http://schemas.openxmlformats.org/presentationml/2006/main">
+  <p:cSld>
+    <p:spTree>
+      <p:nvGrpSpPr>
+        <p:cNvPr id="1" name=""/>
+        <p:cNvGrpSpPr/>
+        <p:nvPr/>
+      </p:nvGrpSpPr>
+      <p:grpSpPr>
+        <a:xfrm>
+          <a:off x="0" y="0"/>
+          <a:ext cx="0" cy="0"/>
+          <a:chOff x="0" y="0"/>
+          <a:chExt cx="0" cy="0"/>
+        </a:xfrm>
+      </p:grpSpPr>
+      <p:sp>
+        <p:nvSpPr>
+          <p:cNvPr id="2" name="Text Placeholder 1">
+            <a:extLst>
+              <a:ext uri="{FF2B5EF4-FFF2-40B4-BE49-F238E27FC236}">
+                <a16:creationId xmlns:a16="http://schemas.microsoft.com/office/drawing/2014/main" id="{7B362E01-3BA6-73E0-A736-B235A4281080}"/>
+              </a:ext>
+            </a:extLst>
+          </p:cNvPr>
+          <p:cNvSpPr>
+            <a:spLocks noGrp="1"/>
+          </p:cNvSpPr>
+          <p:nvPr>
+            <p:ph type="body" sz="quarter" idx="10"/>
+          </p:nvPr>
+        </p:nvSpPr>
+        <p:spPr/>
+        <p:txBody>
+          <a:bodyPr>
+            <a:normAutofit/>
+          </a:bodyPr>
+          <a:lstStyle/>
+          <a:p>
+            <a:r>
+              <a:rPr lang="en-US" sz="8000" dirty="0"/>
+              <a:t>Linear Data-flow</a:t>
+            </a:r>
+            <a:br>
+              <a:rPr lang="en-US" sz="8000" dirty="0"/>
+            </a:br>
+            <a:r>
+              <a:rPr lang="en-US" sz="8000" dirty="0"/>
+              <a:t>“Micro pass”</a:t>
+            </a:r>
+          </a:p>
+        </p:txBody>
+      </p:sp>
+    </p:spTree>
+    <p:extLst>
+      <p:ext uri="{BB962C8B-B14F-4D97-AF65-F5344CB8AC3E}">
+        <p14:creationId xmlns:p14="http://schemas.microsoft.com/office/powerpoint/2010/main" val="1616781196"/>
+      </p:ext>
+    </p:extLst>
+  </p:cSld>
+  <p:clrMapOvr>
+    <a:masterClrMapping/>
+  </p:clrMapOvr>
+</p:sld>
+</file>
+
+<file path=ppt/slides/slide32.xml><?xml version="1.0" encoding="utf-8"?>
+<p:sld xmlns:a="http://schemas.openxmlformats.org/drawingml/2006/main" xmlns:r="http://schemas.openxmlformats.org/officeDocument/2006/relationships" xmlns:p="http://schemas.openxmlformats.org/presentationml/2006/main">
+  <p:cSld>
+    <p:spTree>
+      <p:nvGrpSpPr>
+        <p:cNvPr id="1" name=""/>
+        <p:cNvGrpSpPr/>
+        <p:nvPr/>
+      </p:nvGrpSpPr>
+      <p:grpSpPr>
+        <a:xfrm>
+          <a:off x="0" y="0"/>
+          <a:ext cx="0" cy="0"/>
+          <a:chOff x="0" y="0"/>
+          <a:chExt cx="0" cy="0"/>
+        </a:xfrm>
+      </p:grpSpPr>
+      <p:sp>
+        <p:nvSpPr>
+          <p:cNvPr id="2" name="Text Placeholder 1">
+            <a:extLst>
+              <a:ext uri="{FF2B5EF4-FFF2-40B4-BE49-F238E27FC236}">
                 <a16:creationId xmlns:a16="http://schemas.microsoft.com/office/drawing/2014/main" id="{617A89B3-9635-10B2-399A-24F6D546FFFC}"/>
               </a:ext>
             </a:extLst>
@@ -6925,7 +7184,7 @@
 </p:sld>
 </file>
 
-<file path=ppt/slides/slide31.xml><?xml version="1.0" encoding="utf-8"?>
+<file path=ppt/slides/slide33.xml><?xml version="1.0" encoding="utf-8"?>
 <p:sld xmlns:a="http://schemas.openxmlformats.org/drawingml/2006/main" xmlns:r="http://schemas.openxmlformats.org/officeDocument/2006/relationships" xmlns:p="http://schemas.openxmlformats.org/presentationml/2006/main">
   <p:cSld>
     <p:spTree>
@@ -7024,7 +7283,7 @@
 </p:sld>
 </file>
 
-<file path=ppt/slides/slide32.xml><?xml version="1.0" encoding="utf-8"?>
+<file path=ppt/slides/slide34.xml><?xml version="1.0" encoding="utf-8"?>
 <p:sld xmlns:a="http://schemas.openxmlformats.org/drawingml/2006/main" xmlns:r="http://schemas.openxmlformats.org/officeDocument/2006/relationships" xmlns:p="http://schemas.openxmlformats.org/presentationml/2006/main">
   <p:cSld>
     <p:spTree>
@@ -7582,7 +7841,7 @@
 </p:sld>
 </file>
 
-<file path=ppt/slides/slide33.xml><?xml version="1.0" encoding="utf-8"?>
+<file path=ppt/slides/slide35.xml><?xml version="1.0" encoding="utf-8"?>
 <p:sld xmlns:a="http://schemas.openxmlformats.org/drawingml/2006/main" xmlns:r="http://schemas.openxmlformats.org/officeDocument/2006/relationships" xmlns:p="http://schemas.openxmlformats.org/presentationml/2006/main">
   <p:cSld>
     <p:spTree>
@@ -8420,7 +8679,7 @@
 </p:sld>
 </file>
 
-<file path=ppt/slides/slide34.xml><?xml version="1.0" encoding="utf-8"?>
+<file path=ppt/slides/slide36.xml><?xml version="1.0" encoding="utf-8"?>
 <p:sld xmlns:a="http://schemas.openxmlformats.org/drawingml/2006/main" xmlns:r="http://schemas.openxmlformats.org/officeDocument/2006/relationships" xmlns:p="http://schemas.openxmlformats.org/presentationml/2006/main">
   <p:cSld>
     <p:spTree>
@@ -9581,7 +9840,7 @@
 </p:sld>
 </file>
 
-<file path=ppt/slides/slide35.xml><?xml version="1.0" encoding="utf-8"?>
+<file path=ppt/slides/slide37.xml><?xml version="1.0" encoding="utf-8"?>
 <p:sld xmlns:a="http://schemas.openxmlformats.org/drawingml/2006/main" xmlns:r="http://schemas.openxmlformats.org/officeDocument/2006/relationships" xmlns:p="http://schemas.openxmlformats.org/presentationml/2006/main">
   <p:cSld>
     <p:spTree>
@@ -9963,1528 +10222,6 @@
     <p:extLst>
       <p:ext uri="{BB962C8B-B14F-4D97-AF65-F5344CB8AC3E}">
         <p14:creationId xmlns:p14="http://schemas.microsoft.com/office/powerpoint/2010/main" val="1444998032"/>
-      </p:ext>
-    </p:extLst>
-  </p:cSld>
-  <p:clrMapOvr>
-    <a:masterClrMapping/>
-  </p:clrMapOvr>
-</p:sld>
-</file>
-
-<file path=ppt/slides/slide36.xml><?xml version="1.0" encoding="utf-8"?>
-<p:sld xmlns:a="http://schemas.openxmlformats.org/drawingml/2006/main" xmlns:r="http://schemas.openxmlformats.org/officeDocument/2006/relationships" xmlns:p="http://schemas.openxmlformats.org/presentationml/2006/main">
-  <p:cSld>
-    <p:spTree>
-      <p:nvGrpSpPr>
-        <p:cNvPr id="1" name=""/>
-        <p:cNvGrpSpPr/>
-        <p:nvPr/>
-      </p:nvGrpSpPr>
-      <p:grpSpPr>
-        <a:xfrm>
-          <a:off x="0" y="0"/>
-          <a:ext cx="0" cy="0"/>
-          <a:chOff x="0" y="0"/>
-          <a:chExt cx="0" cy="0"/>
-        </a:xfrm>
-      </p:grpSpPr>
-      <p:sp>
-        <p:nvSpPr>
-          <p:cNvPr id="2" name="Text Placeholder 1">
-            <a:extLst>
-              <a:ext uri="{FF2B5EF4-FFF2-40B4-BE49-F238E27FC236}">
-                <a16:creationId xmlns:a16="http://schemas.microsoft.com/office/drawing/2014/main" id="{207AF484-C0CF-C30A-C206-2901991C8C49}"/>
-              </a:ext>
-            </a:extLst>
-          </p:cNvPr>
-          <p:cNvSpPr>
-            <a:spLocks noGrp="1"/>
-          </p:cNvSpPr>
-          <p:nvPr>
-            <p:ph type="body" sz="quarter" idx="10"/>
-          </p:nvPr>
-        </p:nvSpPr>
-        <p:spPr/>
-        <p:txBody>
-          <a:bodyPr>
-            <a:normAutofit/>
-          </a:bodyPr>
-          <a:lstStyle/>
-          <a:p>
-            <a:pPr algn="l">
-              <a:spcBef>
-                <a:spcPts val="0"/>
-              </a:spcBef>
-            </a:pPr>
-            <a:r>
-              <a:rPr lang="en-US" sz="2400" dirty="0">
-                <a:latin typeface="APL385 Unicode" panose="020B0709000202000203" pitchFamily="49" charset="0"/>
-              </a:rPr>
-              <a:t>	⍝ Link variables to their bindings</a:t>
-            </a:r>
-          </a:p>
-          <a:p>
-            <a:pPr algn="l">
-              <a:spcBef>
-                <a:spcPts val="0"/>
-              </a:spcBef>
-            </a:pPr>
-            <a:r>
-              <a:rPr lang="en-US" sz="2400" dirty="0">
-                <a:latin typeface="APL385 Unicode" panose="020B0709000202000203" pitchFamily="49" charset="0"/>
-              </a:rPr>
-              <a:t>	</a:t>
-            </a:r>
-            <a:r>
-              <a:rPr lang="en-US" sz="2400" dirty="0" err="1">
-                <a:latin typeface="APL385 Unicode" panose="020B0709000202000203" pitchFamily="49" charset="0"/>
-              </a:rPr>
-              <a:t>mk</a:t>
-            </a:r>
-            <a:r>
-              <a:rPr lang="en-US" sz="2400" dirty="0">
-                <a:latin typeface="APL385 Unicode" panose="020B0709000202000203" pitchFamily="49" charset="0"/>
-              </a:rPr>
-              <a:t>←{⍺[⍵],⍪n[⍵]}</a:t>
-            </a:r>
-          </a:p>
-          <a:p>
-            <a:pPr algn="l">
-              <a:spcBef>
-                <a:spcPts val="0"/>
-              </a:spcBef>
-            </a:pPr>
-            <a:r>
-              <a:rPr lang="en-US" sz="2400" dirty="0">
-                <a:latin typeface="APL385 Unicode" panose="020B0709000202000203" pitchFamily="49" charset="0"/>
-              </a:rPr>
-              <a:t> 	_←{</a:t>
-            </a:r>
-          </a:p>
-          <a:p>
-            <a:pPr algn="l">
-              <a:spcBef>
-                <a:spcPts val="0"/>
-              </a:spcBef>
-            </a:pPr>
-            <a:r>
-              <a:rPr lang="en-US" sz="2400" dirty="0">
-                <a:latin typeface="APL385 Unicode" panose="020B0709000202000203" pitchFamily="49" charset="0"/>
-              </a:rPr>
-              <a:t>		⍝ Link local variables with their local bindings</a:t>
-            </a:r>
-          </a:p>
-          <a:p>
-            <a:pPr algn="l">
-              <a:spcBef>
-                <a:spcPts val="0"/>
-              </a:spcBef>
-            </a:pPr>
-            <a:r>
-              <a:rPr lang="en-US" sz="2400" dirty="0">
-                <a:latin typeface="APL385 Unicode" panose="020B0709000202000203" pitchFamily="49" charset="0"/>
-              </a:rPr>
-              <a:t>		</a:t>
-            </a:r>
-            <a:r>
-              <a:rPr lang="en-US" sz="2400" dirty="0" err="1">
-                <a:latin typeface="APL385 Unicode" panose="020B0709000202000203" pitchFamily="49" charset="0"/>
-              </a:rPr>
-              <a:t>vb</a:t>
-            </a:r>
-            <a:r>
-              <a:rPr lang="en-US" sz="2400" dirty="0">
-                <a:latin typeface="APL385 Unicode" panose="020B0709000202000203" pitchFamily="49" charset="0"/>
-              </a:rPr>
-              <a:t>[</a:t>
-            </a:r>
-            <a:r>
-              <a:rPr lang="en-US" sz="2400" dirty="0" err="1">
-                <a:latin typeface="APL385 Unicode" panose="020B0709000202000203" pitchFamily="49" charset="0"/>
-              </a:rPr>
-              <a:t>i</a:t>
-            </a:r>
-            <a:r>
-              <a:rPr lang="en-US" sz="2400" dirty="0">
-                <a:latin typeface="APL385 Unicode" panose="020B0709000202000203" pitchFamily="49" charset="0"/>
-              </a:rPr>
-              <a:t>]←fb[</a:t>
-            </a:r>
-            <a:r>
-              <a:rPr lang="en-US" sz="2400" dirty="0" err="1">
-                <a:latin typeface="APL385 Unicode" panose="020B0709000202000203" pitchFamily="49" charset="0"/>
-              </a:rPr>
-              <a:t>fr⍳rf</a:t>
-            </a:r>
-            <a:r>
-              <a:rPr lang="en-US" sz="2400" dirty="0">
-                <a:latin typeface="APL385 Unicode" panose="020B0709000202000203" pitchFamily="49" charset="0"/>
-              </a:rPr>
-              <a:t> </a:t>
-            </a:r>
-            <a:r>
-              <a:rPr lang="en-US" sz="2400" dirty="0" err="1">
-                <a:latin typeface="APL385 Unicode" panose="020B0709000202000203" pitchFamily="49" charset="0"/>
-              </a:rPr>
-              <a:t>mk⊢i</a:t>
-            </a:r>
-            <a:r>
-              <a:rPr lang="en-US" sz="2400" dirty="0">
-                <a:latin typeface="APL385 Unicode" panose="020B0709000202000203" pitchFamily="49" charset="0"/>
-              </a:rPr>
-              <a:t>←⍸(t=V)∧</a:t>
-            </a:r>
-            <a:r>
-              <a:rPr lang="en-US" sz="2400" dirty="0" err="1">
-                <a:latin typeface="APL385 Unicode" panose="020B0709000202000203" pitchFamily="49" charset="0"/>
-              </a:rPr>
-              <a:t>vb</a:t>
-            </a:r>
-            <a:r>
-              <a:rPr lang="en-US" sz="2400" dirty="0">
-                <a:latin typeface="APL385 Unicode" panose="020B0709000202000203" pitchFamily="49" charset="0"/>
-              </a:rPr>
-              <a:t>=¯1]</a:t>
-            </a:r>
-          </a:p>
-          <a:p>
-            <a:pPr algn="l">
-              <a:spcBef>
-                <a:spcPts val="0"/>
-              </a:spcBef>
-            </a:pPr>
-            <a:r>
-              <a:rPr lang="en-US" sz="2400" dirty="0">
-                <a:latin typeface="APL385 Unicode" panose="020B0709000202000203" pitchFamily="49" charset="0"/>
-              </a:rPr>
-              <a:t>		</a:t>
-            </a:r>
-            <a:r>
-              <a:rPr lang="en-US" sz="2400" dirty="0" err="1">
-                <a:latin typeface="APL385 Unicode" panose="020B0709000202000203" pitchFamily="49" charset="0"/>
-              </a:rPr>
-              <a:t>vb</a:t>
-            </a:r>
-            <a:r>
-              <a:rPr lang="en-US" sz="2400" dirty="0">
-                <a:latin typeface="APL385 Unicode" panose="020B0709000202000203" pitchFamily="49" charset="0"/>
-              </a:rPr>
-              <a:t>[</a:t>
-            </a:r>
-            <a:r>
-              <a:rPr lang="en-US" sz="2400" dirty="0" err="1">
-                <a:latin typeface="APL385 Unicode" panose="020B0709000202000203" pitchFamily="49" charset="0"/>
-              </a:rPr>
-              <a:t>i</a:t>
-            </a:r>
-            <a:r>
-              <a:rPr lang="en-US" sz="2400" dirty="0">
-                <a:latin typeface="APL385 Unicode" panose="020B0709000202000203" pitchFamily="49" charset="0"/>
-              </a:rPr>
-              <a:t>]←fb[</a:t>
-            </a:r>
-            <a:r>
-              <a:rPr lang="en-US" sz="2400" dirty="0" err="1">
-                <a:latin typeface="APL385 Unicode" panose="020B0709000202000203" pitchFamily="49" charset="0"/>
-              </a:rPr>
-              <a:t>fr⍳rfn</a:t>
-            </a:r>
-            <a:r>
-              <a:rPr lang="en-US" sz="2400" dirty="0">
-                <a:latin typeface="APL385 Unicode" panose="020B0709000202000203" pitchFamily="49" charset="0"/>
-              </a:rPr>
-              <a:t> </a:t>
-            </a:r>
-            <a:r>
-              <a:rPr lang="en-US" sz="2400" dirty="0" err="1">
-                <a:latin typeface="APL385 Unicode" panose="020B0709000202000203" pitchFamily="49" charset="0"/>
-              </a:rPr>
-              <a:t>mk⊢i</a:t>
-            </a:r>
-            <a:r>
-              <a:rPr lang="en-US" sz="2400" dirty="0">
-                <a:latin typeface="APL385 Unicode" panose="020B0709000202000203" pitchFamily="49" charset="0"/>
-              </a:rPr>
-              <a:t>←⍸(t=V)∧</a:t>
-            </a:r>
-            <a:r>
-              <a:rPr lang="en-US" sz="2400" dirty="0" err="1">
-                <a:latin typeface="APL385 Unicode" panose="020B0709000202000203" pitchFamily="49" charset="0"/>
-              </a:rPr>
-              <a:t>vb</a:t>
-            </a:r>
-            <a:r>
-              <a:rPr lang="en-US" sz="2400" dirty="0">
-                <a:latin typeface="APL385 Unicode" panose="020B0709000202000203" pitchFamily="49" charset="0"/>
-              </a:rPr>
-              <a:t>=¯1]</a:t>
-            </a:r>
-          </a:p>
-          <a:p>
-            <a:pPr algn="l">
-              <a:spcBef>
-                <a:spcPts val="0"/>
-              </a:spcBef>
-            </a:pPr>
-            <a:r>
-              <a:rPr lang="en-US" sz="2400" dirty="0">
-                <a:latin typeface="APL385 Unicode" panose="020B0709000202000203" pitchFamily="49" charset="0"/>
-              </a:rPr>
-              <a:t>		</a:t>
-            </a:r>
-            <a:r>
-              <a:rPr lang="en-US" sz="2400" dirty="0" err="1">
-                <a:latin typeface="APL385 Unicode" panose="020B0709000202000203" pitchFamily="49" charset="0"/>
-              </a:rPr>
-              <a:t>b←vb</a:t>
-            </a:r>
-            <a:r>
-              <a:rPr lang="en-US" sz="2400" dirty="0">
-                <a:latin typeface="APL385 Unicode" panose="020B0709000202000203" pitchFamily="49" charset="0"/>
-              </a:rPr>
-              <a:t>[</a:t>
-            </a:r>
-            <a:r>
-              <a:rPr lang="en-US" sz="2400" dirty="0" err="1">
-                <a:latin typeface="APL385 Unicode" panose="020B0709000202000203" pitchFamily="49" charset="0"/>
-              </a:rPr>
-              <a:t>i←i</a:t>
-            </a:r>
-            <a:r>
-              <a:rPr lang="en-US" sz="2400" dirty="0">
-                <a:latin typeface="APL385 Unicode" panose="020B0709000202000203" pitchFamily="49" charset="0"/>
-              </a:rPr>
-              <a:t>⌿⍨</a:t>
-            </a:r>
-            <a:r>
-              <a:rPr lang="en-US" sz="2400" dirty="0" err="1">
-                <a:latin typeface="APL385 Unicode" panose="020B0709000202000203" pitchFamily="49" charset="0"/>
-              </a:rPr>
-              <a:t>vb</a:t>
-            </a:r>
-            <a:r>
-              <a:rPr lang="en-US" sz="2400" dirty="0">
-                <a:latin typeface="APL385 Unicode" panose="020B0709000202000203" pitchFamily="49" charset="0"/>
-              </a:rPr>
-              <a:t>[</a:t>
-            </a:r>
-            <a:r>
-              <a:rPr lang="en-US" sz="2400" dirty="0" err="1">
-                <a:latin typeface="APL385 Unicode" panose="020B0709000202000203" pitchFamily="49" charset="0"/>
-              </a:rPr>
-              <a:t>i</a:t>
-            </a:r>
-            <a:r>
-              <a:rPr lang="en-US" sz="2400" dirty="0">
-                <a:latin typeface="APL385 Unicode" panose="020B0709000202000203" pitchFamily="49" charset="0"/>
-              </a:rPr>
-              <a:t>]≠¯1]</a:t>
-            </a:r>
-          </a:p>
-          <a:p>
-            <a:pPr algn="l">
-              <a:spcBef>
-                <a:spcPts val="0"/>
-              </a:spcBef>
-            </a:pPr>
-            <a:r>
-              <a:rPr lang="en-US" sz="2400" dirty="0">
-                <a:latin typeface="APL385 Unicode" panose="020B0709000202000203" pitchFamily="49" charset="0"/>
-              </a:rPr>
-              <a:t>		</a:t>
-            </a:r>
-            <a:r>
-              <a:rPr lang="en-US" sz="2400" dirty="0" err="1">
-                <a:latin typeface="APL385 Unicode" panose="020B0709000202000203" pitchFamily="49" charset="0"/>
-              </a:rPr>
-              <a:t>vb</a:t>
-            </a:r>
-            <a:r>
-              <a:rPr lang="en-US" sz="2400" dirty="0">
-                <a:latin typeface="APL385 Unicode" panose="020B0709000202000203" pitchFamily="49" charset="0"/>
-              </a:rPr>
-              <a:t>[</a:t>
-            </a:r>
-            <a:r>
-              <a:rPr lang="en-US" sz="2400" dirty="0" err="1">
-                <a:latin typeface="APL385 Unicode" panose="020B0709000202000203" pitchFamily="49" charset="0"/>
-              </a:rPr>
-              <a:t>i</a:t>
-            </a:r>
-            <a:r>
-              <a:rPr lang="en-US" sz="2400" dirty="0">
-                <a:latin typeface="APL385 Unicode" panose="020B0709000202000203" pitchFamily="49" charset="0"/>
-              </a:rPr>
-              <a:t>⌿⍨(</a:t>
-            </a:r>
-            <a:r>
-              <a:rPr lang="en-US" sz="2400" dirty="0" err="1">
-                <a:latin typeface="APL385 Unicode" panose="020B0709000202000203" pitchFamily="49" charset="0"/>
-              </a:rPr>
-              <a:t>rz</a:t>
-            </a:r>
-            <a:r>
-              <a:rPr lang="en-US" sz="2400" dirty="0">
-                <a:latin typeface="APL385 Unicode" panose="020B0709000202000203" pitchFamily="49" charset="0"/>
-              </a:rPr>
-              <a:t>[</a:t>
-            </a:r>
-            <a:r>
-              <a:rPr lang="en-US" sz="2400" dirty="0" err="1">
-                <a:latin typeface="APL385 Unicode" panose="020B0709000202000203" pitchFamily="49" charset="0"/>
-              </a:rPr>
-              <a:t>i</a:t>
-            </a:r>
-            <a:r>
-              <a:rPr lang="en-US" sz="2400" dirty="0">
-                <a:latin typeface="APL385 Unicode" panose="020B0709000202000203" pitchFamily="49" charset="0"/>
-              </a:rPr>
-              <a:t>]&lt;</a:t>
-            </a:r>
-            <a:r>
-              <a:rPr lang="en-US" sz="2400" dirty="0" err="1">
-                <a:latin typeface="APL385 Unicode" panose="020B0709000202000203" pitchFamily="49" charset="0"/>
-              </a:rPr>
-              <a:t>rz</a:t>
-            </a:r>
-            <a:r>
-              <a:rPr lang="en-US" sz="2400" dirty="0">
-                <a:latin typeface="APL385 Unicode" panose="020B0709000202000203" pitchFamily="49" charset="0"/>
-              </a:rPr>
-              <a:t>[b])∨(</a:t>
-            </a:r>
-            <a:r>
-              <a:rPr lang="en-US" sz="2400" dirty="0" err="1">
-                <a:latin typeface="APL385 Unicode" panose="020B0709000202000203" pitchFamily="49" charset="0"/>
-              </a:rPr>
-              <a:t>rz</a:t>
-            </a:r>
-            <a:r>
-              <a:rPr lang="en-US" sz="2400" dirty="0">
-                <a:latin typeface="APL385 Unicode" panose="020B0709000202000203" pitchFamily="49" charset="0"/>
-              </a:rPr>
-              <a:t>[</a:t>
-            </a:r>
-            <a:r>
-              <a:rPr lang="en-US" sz="2400" dirty="0" err="1">
-                <a:latin typeface="APL385 Unicode" panose="020B0709000202000203" pitchFamily="49" charset="0"/>
-              </a:rPr>
-              <a:t>i</a:t>
-            </a:r>
-            <a:r>
-              <a:rPr lang="en-US" sz="2400" dirty="0">
-                <a:latin typeface="APL385 Unicode" panose="020B0709000202000203" pitchFamily="49" charset="0"/>
-              </a:rPr>
-              <a:t>]=</a:t>
-            </a:r>
-            <a:r>
-              <a:rPr lang="en-US" sz="2400" dirty="0" err="1">
-                <a:latin typeface="APL385 Unicode" panose="020B0709000202000203" pitchFamily="49" charset="0"/>
-              </a:rPr>
-              <a:t>rz</a:t>
-            </a:r>
-            <a:r>
-              <a:rPr lang="en-US" sz="2400" dirty="0">
-                <a:latin typeface="APL385 Unicode" panose="020B0709000202000203" pitchFamily="49" charset="0"/>
-              </a:rPr>
-              <a:t>[b])∧</a:t>
-            </a:r>
-            <a:r>
-              <a:rPr lang="en-US" sz="2400" dirty="0" err="1">
-                <a:latin typeface="APL385 Unicode" panose="020B0709000202000203" pitchFamily="49" charset="0"/>
-              </a:rPr>
-              <a:t>i≥b</a:t>
-            </a:r>
-            <a:r>
-              <a:rPr lang="en-US" sz="2400" dirty="0">
-                <a:latin typeface="APL385 Unicode" panose="020B0709000202000203" pitchFamily="49" charset="0"/>
-              </a:rPr>
-              <a:t>]←¯1</a:t>
-            </a:r>
-          </a:p>
-          <a:p>
-            <a:pPr algn="l">
-              <a:spcBef>
-                <a:spcPts val="0"/>
-              </a:spcBef>
-            </a:pPr>
-            <a:endParaRPr lang="en-US" sz="2400" dirty="0">
-              <a:latin typeface="APL385 Unicode" panose="020B0709000202000203" pitchFamily="49" charset="0"/>
-            </a:endParaRPr>
-          </a:p>
-          <a:p>
-            <a:pPr algn="l">
-              <a:spcBef>
-                <a:spcPts val="0"/>
-              </a:spcBef>
-            </a:pPr>
-            <a:r>
-              <a:rPr lang="en-US" sz="2400" dirty="0">
-                <a:latin typeface="APL385 Unicode" panose="020B0709000202000203" pitchFamily="49" charset="0"/>
-              </a:rPr>
-              <a:t>		⍝ Mark free variables with their scope before binding</a:t>
-            </a:r>
-          </a:p>
-          <a:p>
-            <a:pPr algn="l">
-              <a:spcBef>
-                <a:spcPts val="0"/>
-              </a:spcBef>
-            </a:pPr>
-            <a:r>
-              <a:rPr lang="en-US" sz="2400" dirty="0">
-                <a:latin typeface="APL385 Unicode" panose="020B0709000202000203" pitchFamily="49" charset="0"/>
-              </a:rPr>
-              <a:t>		lx[</a:t>
-            </a:r>
-            <a:r>
-              <a:rPr lang="en-US" sz="2400" dirty="0" err="1">
-                <a:latin typeface="APL385 Unicode" panose="020B0709000202000203" pitchFamily="49" charset="0"/>
-              </a:rPr>
-              <a:t>i</a:t>
-            </a:r>
-            <a:r>
-              <a:rPr lang="en-US" sz="2400" dirty="0">
-                <a:latin typeface="APL385 Unicode" panose="020B0709000202000203" pitchFamily="49" charset="0"/>
-              </a:rPr>
-              <a:t>←⍸(t=V)∧</a:t>
-            </a:r>
-            <a:r>
-              <a:rPr lang="en-US" sz="2400" dirty="0" err="1">
-                <a:latin typeface="APL385 Unicode" panose="020B0709000202000203" pitchFamily="49" charset="0"/>
-              </a:rPr>
-              <a:t>vb</a:t>
-            </a:r>
-            <a:r>
-              <a:rPr lang="en-US" sz="2400" dirty="0">
-                <a:latin typeface="APL385 Unicode" panose="020B0709000202000203" pitchFamily="49" charset="0"/>
-              </a:rPr>
-              <a:t>=¯1]←1</a:t>
-            </a:r>
-          </a:p>
-          <a:p>
-            <a:pPr algn="l">
-              <a:spcBef>
-                <a:spcPts val="0"/>
-              </a:spcBef>
-            </a:pPr>
-            <a:r>
-              <a:rPr lang="en-US" sz="2400" dirty="0">
-                <a:latin typeface="APL385 Unicode" panose="020B0709000202000203" pitchFamily="49" charset="0"/>
-              </a:rPr>
-              <a:t>		</a:t>
-            </a:r>
-          </a:p>
-          <a:p>
-            <a:pPr algn="l">
-              <a:spcBef>
-                <a:spcPts val="0"/>
-              </a:spcBef>
-            </a:pPr>
-            <a:r>
-              <a:rPr lang="en-US" sz="2400" dirty="0">
-                <a:latin typeface="APL385 Unicode" panose="020B0709000202000203" pitchFamily="49" charset="0"/>
-              </a:rPr>
-              <a:t>		⍝ Add free variables to closures</a:t>
-            </a:r>
-          </a:p>
-          <a:p>
-            <a:pPr algn="l">
-              <a:spcBef>
-                <a:spcPts val="0"/>
-              </a:spcBef>
-            </a:pPr>
-            <a:r>
-              <a:rPr lang="en-US" sz="2400" dirty="0">
-                <a:latin typeface="APL385 Unicode" panose="020B0709000202000203" pitchFamily="49" charset="0"/>
-              </a:rPr>
-              <a:t>		</a:t>
-            </a:r>
-            <a:r>
-              <a:rPr lang="en-US" sz="2400" dirty="0" err="1">
-                <a:latin typeface="APL385 Unicode" panose="020B0709000202000203" pitchFamily="49" charset="0"/>
-              </a:rPr>
-              <a:t>i←i</a:t>
-            </a:r>
-            <a:r>
-              <a:rPr lang="en-US" sz="2400" dirty="0">
-                <a:latin typeface="APL385 Unicode" panose="020B0709000202000203" pitchFamily="49" charset="0"/>
-              </a:rPr>
-              <a:t>⌿⍨k[</a:t>
-            </a:r>
-            <a:r>
-              <a:rPr lang="en-US" sz="2400" dirty="0" err="1">
-                <a:latin typeface="APL385 Unicode" panose="020B0709000202000203" pitchFamily="49" charset="0"/>
-              </a:rPr>
-              <a:t>rfn</a:t>
-            </a:r>
-            <a:r>
-              <a:rPr lang="en-US" sz="2400" dirty="0">
-                <a:latin typeface="APL385 Unicode" panose="020B0709000202000203" pitchFamily="49" charset="0"/>
-              </a:rPr>
-              <a:t>[</a:t>
-            </a:r>
-            <a:r>
-              <a:rPr lang="en-US" sz="2400" dirty="0" err="1">
-                <a:latin typeface="APL385 Unicode" panose="020B0709000202000203" pitchFamily="49" charset="0"/>
-              </a:rPr>
-              <a:t>i</a:t>
-            </a:r>
-            <a:r>
-              <a:rPr lang="en-US" sz="2400" dirty="0">
-                <a:latin typeface="APL385 Unicode" panose="020B0709000202000203" pitchFamily="49" charset="0"/>
-              </a:rPr>
-              <a:t>]]≠0 ⋄ </a:t>
-            </a:r>
-            <a:r>
-              <a:rPr lang="en-US" sz="2400" dirty="0" err="1">
-                <a:latin typeface="APL385 Unicode" panose="020B0709000202000203" pitchFamily="49" charset="0"/>
-              </a:rPr>
-              <a:t>ci←p</a:t>
-            </a:r>
-            <a:r>
-              <a:rPr lang="en-US" sz="2400" dirty="0">
-                <a:latin typeface="APL385 Unicode" panose="020B0709000202000203" pitchFamily="49" charset="0"/>
-              </a:rPr>
-              <a:t>[</a:t>
-            </a:r>
-            <a:r>
-              <a:rPr lang="en-US" sz="2400" dirty="0" err="1">
-                <a:latin typeface="APL385 Unicode" panose="020B0709000202000203" pitchFamily="49" charset="0"/>
-              </a:rPr>
-              <a:t>rfn</a:t>
-            </a:r>
-            <a:r>
-              <a:rPr lang="en-US" sz="2400" dirty="0">
-                <a:latin typeface="APL385 Unicode" panose="020B0709000202000203" pitchFamily="49" charset="0"/>
-              </a:rPr>
-              <a:t>[</a:t>
-            </a:r>
-            <a:r>
-              <a:rPr lang="en-US" sz="2400" dirty="0" err="1">
-                <a:latin typeface="APL385 Unicode" panose="020B0709000202000203" pitchFamily="49" charset="0"/>
-              </a:rPr>
-              <a:t>i</a:t>
-            </a:r>
-            <a:r>
-              <a:rPr lang="en-US" sz="2400" dirty="0">
-                <a:latin typeface="APL385 Unicode" panose="020B0709000202000203" pitchFamily="49" charset="0"/>
-              </a:rPr>
-              <a:t>]] ⋄ </a:t>
-            </a:r>
-            <a:r>
-              <a:rPr lang="en-US" sz="2400" dirty="0" err="1">
-                <a:latin typeface="APL385 Unicode" panose="020B0709000202000203" pitchFamily="49" charset="0"/>
-              </a:rPr>
-              <a:t>vb</a:t>
-            </a:r>
-            <a:r>
-              <a:rPr lang="en-US" sz="2400" dirty="0">
-                <a:latin typeface="APL385 Unicode" panose="020B0709000202000203" pitchFamily="49" charset="0"/>
-              </a:rPr>
-              <a:t>[</a:t>
-            </a:r>
-            <a:r>
-              <a:rPr lang="en-US" sz="2400" dirty="0" err="1">
-                <a:latin typeface="APL385 Unicode" panose="020B0709000202000203" pitchFamily="49" charset="0"/>
-              </a:rPr>
-              <a:t>i</a:t>
-            </a:r>
-            <a:r>
-              <a:rPr lang="en-US" sz="2400" dirty="0">
-                <a:latin typeface="APL385 Unicode" panose="020B0709000202000203" pitchFamily="49" charset="0"/>
-              </a:rPr>
-              <a:t>]←(≢p)+⍳≢</a:t>
-            </a:r>
-            <a:r>
-              <a:rPr lang="en-US" sz="2400" dirty="0" err="1">
-                <a:latin typeface="APL385 Unicode" panose="020B0709000202000203" pitchFamily="49" charset="0"/>
-              </a:rPr>
-              <a:t>i</a:t>
-            </a:r>
-            <a:endParaRPr lang="en-US" sz="2400" dirty="0">
-              <a:latin typeface="APL385 Unicode" panose="020B0709000202000203" pitchFamily="49" charset="0"/>
-            </a:endParaRPr>
-          </a:p>
-          <a:p>
-            <a:pPr algn="l">
-              <a:spcBef>
-                <a:spcPts val="0"/>
-              </a:spcBef>
-            </a:pPr>
-            <a:r>
-              <a:rPr lang="en-US" sz="2400" dirty="0">
-                <a:latin typeface="APL385 Unicode" panose="020B0709000202000203" pitchFamily="49" charset="0"/>
-              </a:rPr>
-              <a:t>		</a:t>
-            </a:r>
-            <a:r>
-              <a:rPr lang="en-US" sz="2400" dirty="0" err="1">
-                <a:latin typeface="APL385 Unicode" panose="020B0709000202000203" pitchFamily="49" charset="0"/>
-              </a:rPr>
-              <a:t>p,←ci</a:t>
-            </a:r>
-            <a:r>
-              <a:rPr lang="en-US" sz="2400" dirty="0">
-                <a:latin typeface="APL385 Unicode" panose="020B0709000202000203" pitchFamily="49" charset="0"/>
-              </a:rPr>
-              <a:t> ⋄ </a:t>
-            </a:r>
-            <a:r>
-              <a:rPr lang="en-US" sz="2400" dirty="0" err="1">
-                <a:latin typeface="APL385 Unicode" panose="020B0709000202000203" pitchFamily="49" charset="0"/>
-              </a:rPr>
-              <a:t>vb</a:t>
-            </a:r>
-            <a:r>
-              <a:rPr lang="en-US" sz="2400" dirty="0">
-                <a:latin typeface="APL385 Unicode" panose="020B0709000202000203" pitchFamily="49" charset="0"/>
-              </a:rPr>
-              <a:t> lx,←(≢ci)⍴¨¯1 0 ⋄ rf </a:t>
-            </a:r>
-            <a:r>
-              <a:rPr lang="en-US" sz="2400" dirty="0" err="1">
-                <a:latin typeface="APL385 Unicode" panose="020B0709000202000203" pitchFamily="49" charset="0"/>
-              </a:rPr>
-              <a:t>rfn</a:t>
-            </a:r>
-            <a:r>
-              <a:rPr lang="en-US" sz="2400" dirty="0">
-                <a:latin typeface="APL385 Unicode" panose="020B0709000202000203" pitchFamily="49" charset="0"/>
-              </a:rPr>
-              <a:t>(⊣,I)←⊂ci</a:t>
-            </a:r>
-          </a:p>
-          <a:p>
-            <a:pPr algn="l">
-              <a:spcBef>
-                <a:spcPts val="0"/>
-              </a:spcBef>
-            </a:pPr>
-            <a:r>
-              <a:rPr lang="en-US" sz="2400" dirty="0">
-                <a:latin typeface="APL385 Unicode" panose="020B0709000202000203" pitchFamily="49" charset="0"/>
-              </a:rPr>
-              <a:t>		t k n pos end(⊣,I)←⊂</a:t>
-            </a:r>
-            <a:r>
-              <a:rPr lang="en-US" sz="2400" dirty="0" err="1">
-                <a:latin typeface="APL385 Unicode" panose="020B0709000202000203" pitchFamily="49" charset="0"/>
-              </a:rPr>
-              <a:t>i</a:t>
-            </a:r>
-            <a:endParaRPr lang="en-US" sz="2400" dirty="0">
-              <a:latin typeface="APL385 Unicode" panose="020B0709000202000203" pitchFamily="49" charset="0"/>
-            </a:endParaRPr>
-          </a:p>
-          <a:p>
-            <a:pPr algn="l">
-              <a:spcBef>
-                <a:spcPts val="0"/>
-              </a:spcBef>
-            </a:pPr>
-            <a:r>
-              <a:rPr lang="en-US" sz="2400" dirty="0">
-                <a:latin typeface="APL385 Unicode" panose="020B0709000202000203" pitchFamily="49" charset="0"/>
-              </a:rPr>
-              <a:t>	</a:t>
-            </a:r>
-            <a:r>
-              <a:rPr lang="en-US" sz="2400" dirty="0" err="1">
-                <a:latin typeface="APL385 Unicode" panose="020B0709000202000203" pitchFamily="49" charset="0"/>
-              </a:rPr>
-              <a:t>i</a:t>
-            </a:r>
-            <a:r>
-              <a:rPr lang="en-US" sz="2400" dirty="0">
-                <a:latin typeface="APL385 Unicode" panose="020B0709000202000203" pitchFamily="49" charset="0"/>
-              </a:rPr>
-              <a:t>}⍣{0=≢⍺}⍬</a:t>
-            </a:r>
-          </a:p>
-        </p:txBody>
-      </p:sp>
-    </p:spTree>
-    <p:extLst>
-      <p:ext uri="{BB962C8B-B14F-4D97-AF65-F5344CB8AC3E}">
-        <p14:creationId xmlns:p14="http://schemas.microsoft.com/office/powerpoint/2010/main" val="3131601525"/>
-      </p:ext>
-    </p:extLst>
-  </p:cSld>
-  <p:clrMapOvr>
-    <a:masterClrMapping/>
-  </p:clrMapOvr>
-</p:sld>
-</file>
-
-<file path=ppt/slides/slide37.xml><?xml version="1.0" encoding="utf-8"?>
-<p:sld xmlns:a="http://schemas.openxmlformats.org/drawingml/2006/main" xmlns:r="http://schemas.openxmlformats.org/officeDocument/2006/relationships" xmlns:p="http://schemas.openxmlformats.org/presentationml/2006/main">
-  <p:cSld>
-    <p:spTree>
-      <p:nvGrpSpPr>
-        <p:cNvPr id="1" name=""/>
-        <p:cNvGrpSpPr/>
-        <p:nvPr/>
-      </p:nvGrpSpPr>
-      <p:grpSpPr>
-        <a:xfrm>
-          <a:off x="0" y="0"/>
-          <a:ext cx="0" cy="0"/>
-          <a:chOff x="0" y="0"/>
-          <a:chExt cx="0" cy="0"/>
-        </a:xfrm>
-      </p:grpSpPr>
-      <p:sp>
-        <p:nvSpPr>
-          <p:cNvPr id="2" name="Text Placeholder 1">
-            <a:extLst>
-              <a:ext uri="{FF2B5EF4-FFF2-40B4-BE49-F238E27FC236}">
-                <a16:creationId xmlns:a16="http://schemas.microsoft.com/office/drawing/2014/main" id="{207AF484-C0CF-C30A-C206-2901991C8C49}"/>
-              </a:ext>
-            </a:extLst>
-          </p:cNvPr>
-          <p:cNvSpPr>
-            <a:spLocks noGrp="1"/>
-          </p:cNvSpPr>
-          <p:nvPr>
-            <p:ph type="body" sz="quarter" idx="10"/>
-          </p:nvPr>
-        </p:nvSpPr>
-        <p:spPr/>
-        <p:txBody>
-          <a:bodyPr>
-            <a:normAutofit/>
-          </a:bodyPr>
-          <a:lstStyle/>
-          <a:p>
-            <a:pPr algn="l">
-              <a:spcBef>
-                <a:spcPts val="0"/>
-              </a:spcBef>
-            </a:pPr>
-            <a:r>
-              <a:rPr lang="en-US" sz="2400" dirty="0">
-                <a:latin typeface="APL385 Unicode" panose="020B0709000202000203" pitchFamily="49" charset="0"/>
-              </a:rPr>
-              <a:t>	⍝ Link variables to their bindings</a:t>
-            </a:r>
-          </a:p>
-          <a:p>
-            <a:pPr algn="l">
-              <a:spcBef>
-                <a:spcPts val="0"/>
-              </a:spcBef>
-            </a:pPr>
-            <a:r>
-              <a:rPr lang="en-US" sz="2400" dirty="0">
-                <a:latin typeface="APL385 Unicode" panose="020B0709000202000203" pitchFamily="49" charset="0"/>
-              </a:rPr>
-              <a:t>	</a:t>
-            </a:r>
-            <a:r>
-              <a:rPr lang="en-US" sz="2400" dirty="0" err="1">
-                <a:latin typeface="APL385 Unicode" panose="020B0709000202000203" pitchFamily="49" charset="0"/>
-              </a:rPr>
-              <a:t>mk</a:t>
-            </a:r>
-            <a:r>
-              <a:rPr lang="en-US" sz="2400" dirty="0">
-                <a:latin typeface="APL385 Unicode" panose="020B0709000202000203" pitchFamily="49" charset="0"/>
-              </a:rPr>
-              <a:t>←{⍺[⍵],⍪n[⍵]}</a:t>
-            </a:r>
-          </a:p>
-          <a:p>
-            <a:pPr algn="l">
-              <a:spcBef>
-                <a:spcPts val="0"/>
-              </a:spcBef>
-            </a:pPr>
-            <a:r>
-              <a:rPr lang="en-US" sz="2400" dirty="0">
-                <a:latin typeface="APL385 Unicode" panose="020B0709000202000203" pitchFamily="49" charset="0"/>
-              </a:rPr>
-              <a:t> 	_←{</a:t>
-            </a:r>
-          </a:p>
-          <a:p>
-            <a:pPr algn="l">
-              <a:spcBef>
-                <a:spcPts val="0"/>
-              </a:spcBef>
-            </a:pPr>
-            <a:r>
-              <a:rPr lang="en-US" sz="2400" dirty="0">
-                <a:latin typeface="APL385 Unicode" panose="020B0709000202000203" pitchFamily="49" charset="0"/>
-              </a:rPr>
-              <a:t>		⍝ Link local variables with their local bindings</a:t>
-            </a:r>
-          </a:p>
-          <a:p>
-            <a:pPr algn="l">
-              <a:spcBef>
-                <a:spcPts val="0"/>
-              </a:spcBef>
-            </a:pPr>
-            <a:r>
-              <a:rPr lang="en-US" sz="2400" dirty="0">
-                <a:latin typeface="APL385 Unicode" panose="020B0709000202000203" pitchFamily="49" charset="0"/>
-              </a:rPr>
-              <a:t>		</a:t>
-            </a:r>
-            <a:r>
-              <a:rPr lang="en-US" sz="2400" dirty="0" err="1">
-                <a:highlight>
-                  <a:srgbClr val="00FFFF"/>
-                </a:highlight>
-                <a:latin typeface="APL385 Unicode" panose="020B0709000202000203" pitchFamily="49" charset="0"/>
-              </a:rPr>
-              <a:t>vb</a:t>
-            </a:r>
-            <a:r>
-              <a:rPr lang="en-US" sz="2400" dirty="0">
-                <a:highlight>
-                  <a:srgbClr val="00FFFF"/>
-                </a:highlight>
-                <a:latin typeface="APL385 Unicode" panose="020B0709000202000203" pitchFamily="49" charset="0"/>
-              </a:rPr>
-              <a:t>[</a:t>
-            </a:r>
-            <a:r>
-              <a:rPr lang="en-US" sz="2400" dirty="0" err="1">
-                <a:highlight>
-                  <a:srgbClr val="00FFFF"/>
-                </a:highlight>
-                <a:latin typeface="APL385 Unicode" panose="020B0709000202000203" pitchFamily="49" charset="0"/>
-              </a:rPr>
-              <a:t>i</a:t>
-            </a:r>
-            <a:r>
-              <a:rPr lang="en-US" sz="2400" dirty="0">
-                <a:highlight>
-                  <a:srgbClr val="00FFFF"/>
-                </a:highlight>
-                <a:latin typeface="APL385 Unicode" panose="020B0709000202000203" pitchFamily="49" charset="0"/>
-              </a:rPr>
-              <a:t>]←fb[</a:t>
-            </a:r>
-            <a:r>
-              <a:rPr lang="en-US" sz="2400" dirty="0" err="1">
-                <a:highlight>
-                  <a:srgbClr val="00FFFF"/>
-                </a:highlight>
-                <a:latin typeface="APL385 Unicode" panose="020B0709000202000203" pitchFamily="49" charset="0"/>
-              </a:rPr>
-              <a:t>fr⍳rf</a:t>
-            </a:r>
-            <a:r>
-              <a:rPr lang="en-US" sz="2400" dirty="0">
-                <a:highlight>
-                  <a:srgbClr val="00FFFF"/>
-                </a:highlight>
-                <a:latin typeface="APL385 Unicode" panose="020B0709000202000203" pitchFamily="49" charset="0"/>
-              </a:rPr>
-              <a:t> </a:t>
-            </a:r>
-            <a:r>
-              <a:rPr lang="en-US" sz="2400" dirty="0" err="1">
-                <a:highlight>
-                  <a:srgbClr val="00FFFF"/>
-                </a:highlight>
-                <a:latin typeface="APL385 Unicode" panose="020B0709000202000203" pitchFamily="49" charset="0"/>
-              </a:rPr>
-              <a:t>mk⊢i</a:t>
-            </a:r>
-            <a:r>
-              <a:rPr lang="en-US" sz="2400" dirty="0">
-                <a:highlight>
-                  <a:srgbClr val="00FFFF"/>
-                </a:highlight>
-                <a:latin typeface="APL385 Unicode" panose="020B0709000202000203" pitchFamily="49" charset="0"/>
-              </a:rPr>
-              <a:t>←⍸(t=V)∧</a:t>
-            </a:r>
-            <a:r>
-              <a:rPr lang="en-US" sz="2400" dirty="0" err="1">
-                <a:highlight>
-                  <a:srgbClr val="00FFFF"/>
-                </a:highlight>
-                <a:latin typeface="APL385 Unicode" panose="020B0709000202000203" pitchFamily="49" charset="0"/>
-              </a:rPr>
-              <a:t>vb</a:t>
-            </a:r>
-            <a:r>
-              <a:rPr lang="en-US" sz="2400" dirty="0">
-                <a:highlight>
-                  <a:srgbClr val="00FFFF"/>
-                </a:highlight>
-                <a:latin typeface="APL385 Unicode" panose="020B0709000202000203" pitchFamily="49" charset="0"/>
-              </a:rPr>
-              <a:t>=¯1]</a:t>
-            </a:r>
-          </a:p>
-          <a:p>
-            <a:pPr algn="l">
-              <a:spcBef>
-                <a:spcPts val="0"/>
-              </a:spcBef>
-            </a:pPr>
-            <a:r>
-              <a:rPr lang="en-US" sz="2400" dirty="0">
-                <a:latin typeface="APL385 Unicode" panose="020B0709000202000203" pitchFamily="49" charset="0"/>
-              </a:rPr>
-              <a:t>		</a:t>
-            </a:r>
-            <a:r>
-              <a:rPr lang="en-US" sz="2400" dirty="0" err="1">
-                <a:latin typeface="APL385 Unicode" panose="020B0709000202000203" pitchFamily="49" charset="0"/>
-              </a:rPr>
-              <a:t>vb</a:t>
-            </a:r>
-            <a:r>
-              <a:rPr lang="en-US" sz="2400" dirty="0">
-                <a:latin typeface="APL385 Unicode" panose="020B0709000202000203" pitchFamily="49" charset="0"/>
-              </a:rPr>
-              <a:t>[</a:t>
-            </a:r>
-            <a:r>
-              <a:rPr lang="en-US" sz="2400" dirty="0" err="1">
-                <a:latin typeface="APL385 Unicode" panose="020B0709000202000203" pitchFamily="49" charset="0"/>
-              </a:rPr>
-              <a:t>i</a:t>
-            </a:r>
-            <a:r>
-              <a:rPr lang="en-US" sz="2400" dirty="0">
-                <a:latin typeface="APL385 Unicode" panose="020B0709000202000203" pitchFamily="49" charset="0"/>
-              </a:rPr>
-              <a:t>]←fb[</a:t>
-            </a:r>
-            <a:r>
-              <a:rPr lang="en-US" sz="2400" dirty="0" err="1">
-                <a:latin typeface="APL385 Unicode" panose="020B0709000202000203" pitchFamily="49" charset="0"/>
-              </a:rPr>
-              <a:t>fr⍳rfn</a:t>
-            </a:r>
-            <a:r>
-              <a:rPr lang="en-US" sz="2400" dirty="0">
-                <a:latin typeface="APL385 Unicode" panose="020B0709000202000203" pitchFamily="49" charset="0"/>
-              </a:rPr>
-              <a:t> </a:t>
-            </a:r>
-            <a:r>
-              <a:rPr lang="en-US" sz="2400" dirty="0" err="1">
-                <a:latin typeface="APL385 Unicode" panose="020B0709000202000203" pitchFamily="49" charset="0"/>
-              </a:rPr>
-              <a:t>mk⊢i</a:t>
-            </a:r>
-            <a:r>
-              <a:rPr lang="en-US" sz="2400" dirty="0">
-                <a:latin typeface="APL385 Unicode" panose="020B0709000202000203" pitchFamily="49" charset="0"/>
-              </a:rPr>
-              <a:t>←⍸(t=V)∧</a:t>
-            </a:r>
-            <a:r>
-              <a:rPr lang="en-US" sz="2400" dirty="0" err="1">
-                <a:latin typeface="APL385 Unicode" panose="020B0709000202000203" pitchFamily="49" charset="0"/>
-              </a:rPr>
-              <a:t>vb</a:t>
-            </a:r>
-            <a:r>
-              <a:rPr lang="en-US" sz="2400" dirty="0">
-                <a:latin typeface="APL385 Unicode" panose="020B0709000202000203" pitchFamily="49" charset="0"/>
-              </a:rPr>
-              <a:t>=¯1]</a:t>
-            </a:r>
-          </a:p>
-          <a:p>
-            <a:pPr algn="l">
-              <a:spcBef>
-                <a:spcPts val="0"/>
-              </a:spcBef>
-            </a:pPr>
-            <a:r>
-              <a:rPr lang="en-US" sz="2400" dirty="0">
-                <a:latin typeface="APL385 Unicode" panose="020B0709000202000203" pitchFamily="49" charset="0"/>
-              </a:rPr>
-              <a:t>		</a:t>
-            </a:r>
-            <a:r>
-              <a:rPr lang="en-US" sz="2400" dirty="0" err="1">
-                <a:latin typeface="APL385 Unicode" panose="020B0709000202000203" pitchFamily="49" charset="0"/>
-              </a:rPr>
-              <a:t>b←vb</a:t>
-            </a:r>
-            <a:r>
-              <a:rPr lang="en-US" sz="2400" dirty="0">
-                <a:latin typeface="APL385 Unicode" panose="020B0709000202000203" pitchFamily="49" charset="0"/>
-              </a:rPr>
-              <a:t>[</a:t>
-            </a:r>
-            <a:r>
-              <a:rPr lang="en-US" sz="2400" dirty="0" err="1">
-                <a:latin typeface="APL385 Unicode" panose="020B0709000202000203" pitchFamily="49" charset="0"/>
-              </a:rPr>
-              <a:t>i←i</a:t>
-            </a:r>
-            <a:r>
-              <a:rPr lang="en-US" sz="2400" dirty="0">
-                <a:latin typeface="APL385 Unicode" panose="020B0709000202000203" pitchFamily="49" charset="0"/>
-              </a:rPr>
-              <a:t>⌿⍨</a:t>
-            </a:r>
-            <a:r>
-              <a:rPr lang="en-US" sz="2400" dirty="0" err="1">
-                <a:latin typeface="APL385 Unicode" panose="020B0709000202000203" pitchFamily="49" charset="0"/>
-              </a:rPr>
-              <a:t>vb</a:t>
-            </a:r>
-            <a:r>
-              <a:rPr lang="en-US" sz="2400" dirty="0">
-                <a:latin typeface="APL385 Unicode" panose="020B0709000202000203" pitchFamily="49" charset="0"/>
-              </a:rPr>
-              <a:t>[</a:t>
-            </a:r>
-            <a:r>
-              <a:rPr lang="en-US" sz="2400" dirty="0" err="1">
-                <a:latin typeface="APL385 Unicode" panose="020B0709000202000203" pitchFamily="49" charset="0"/>
-              </a:rPr>
-              <a:t>i</a:t>
-            </a:r>
-            <a:r>
-              <a:rPr lang="en-US" sz="2400" dirty="0">
-                <a:latin typeface="APL385 Unicode" panose="020B0709000202000203" pitchFamily="49" charset="0"/>
-              </a:rPr>
-              <a:t>]≠¯1]</a:t>
-            </a:r>
-          </a:p>
-          <a:p>
-            <a:pPr algn="l">
-              <a:spcBef>
-                <a:spcPts val="0"/>
-              </a:spcBef>
-            </a:pPr>
-            <a:r>
-              <a:rPr lang="en-US" sz="2400" dirty="0">
-                <a:latin typeface="APL385 Unicode" panose="020B0709000202000203" pitchFamily="49" charset="0"/>
-              </a:rPr>
-              <a:t>		</a:t>
-            </a:r>
-            <a:r>
-              <a:rPr lang="en-US" sz="2400" dirty="0" err="1">
-                <a:latin typeface="APL385 Unicode" panose="020B0709000202000203" pitchFamily="49" charset="0"/>
-              </a:rPr>
-              <a:t>vb</a:t>
-            </a:r>
-            <a:r>
-              <a:rPr lang="en-US" sz="2400" dirty="0">
-                <a:latin typeface="APL385 Unicode" panose="020B0709000202000203" pitchFamily="49" charset="0"/>
-              </a:rPr>
-              <a:t>[</a:t>
-            </a:r>
-            <a:r>
-              <a:rPr lang="en-US" sz="2400" dirty="0" err="1">
-                <a:latin typeface="APL385 Unicode" panose="020B0709000202000203" pitchFamily="49" charset="0"/>
-              </a:rPr>
-              <a:t>i</a:t>
-            </a:r>
-            <a:r>
-              <a:rPr lang="en-US" sz="2400" dirty="0">
-                <a:latin typeface="APL385 Unicode" panose="020B0709000202000203" pitchFamily="49" charset="0"/>
-              </a:rPr>
-              <a:t>⌿⍨(</a:t>
-            </a:r>
-            <a:r>
-              <a:rPr lang="en-US" sz="2400" dirty="0" err="1">
-                <a:latin typeface="APL385 Unicode" panose="020B0709000202000203" pitchFamily="49" charset="0"/>
-              </a:rPr>
-              <a:t>rz</a:t>
-            </a:r>
-            <a:r>
-              <a:rPr lang="en-US" sz="2400" dirty="0">
-                <a:latin typeface="APL385 Unicode" panose="020B0709000202000203" pitchFamily="49" charset="0"/>
-              </a:rPr>
-              <a:t>[</a:t>
-            </a:r>
-            <a:r>
-              <a:rPr lang="en-US" sz="2400" dirty="0" err="1">
-                <a:latin typeface="APL385 Unicode" panose="020B0709000202000203" pitchFamily="49" charset="0"/>
-              </a:rPr>
-              <a:t>i</a:t>
-            </a:r>
-            <a:r>
-              <a:rPr lang="en-US" sz="2400" dirty="0">
-                <a:latin typeface="APL385 Unicode" panose="020B0709000202000203" pitchFamily="49" charset="0"/>
-              </a:rPr>
-              <a:t>]&lt;</a:t>
-            </a:r>
-            <a:r>
-              <a:rPr lang="en-US" sz="2400" dirty="0" err="1">
-                <a:latin typeface="APL385 Unicode" panose="020B0709000202000203" pitchFamily="49" charset="0"/>
-              </a:rPr>
-              <a:t>rz</a:t>
-            </a:r>
-            <a:r>
-              <a:rPr lang="en-US" sz="2400" dirty="0">
-                <a:latin typeface="APL385 Unicode" panose="020B0709000202000203" pitchFamily="49" charset="0"/>
-              </a:rPr>
-              <a:t>[b])∨(</a:t>
-            </a:r>
-            <a:r>
-              <a:rPr lang="en-US" sz="2400" dirty="0" err="1">
-                <a:latin typeface="APL385 Unicode" panose="020B0709000202000203" pitchFamily="49" charset="0"/>
-              </a:rPr>
-              <a:t>rz</a:t>
-            </a:r>
-            <a:r>
-              <a:rPr lang="en-US" sz="2400" dirty="0">
-                <a:latin typeface="APL385 Unicode" panose="020B0709000202000203" pitchFamily="49" charset="0"/>
-              </a:rPr>
-              <a:t>[</a:t>
-            </a:r>
-            <a:r>
-              <a:rPr lang="en-US" sz="2400" dirty="0" err="1">
-                <a:latin typeface="APL385 Unicode" panose="020B0709000202000203" pitchFamily="49" charset="0"/>
-              </a:rPr>
-              <a:t>i</a:t>
-            </a:r>
-            <a:r>
-              <a:rPr lang="en-US" sz="2400" dirty="0">
-                <a:latin typeface="APL385 Unicode" panose="020B0709000202000203" pitchFamily="49" charset="0"/>
-              </a:rPr>
-              <a:t>]=</a:t>
-            </a:r>
-            <a:r>
-              <a:rPr lang="en-US" sz="2400" dirty="0" err="1">
-                <a:latin typeface="APL385 Unicode" panose="020B0709000202000203" pitchFamily="49" charset="0"/>
-              </a:rPr>
-              <a:t>rz</a:t>
-            </a:r>
-            <a:r>
-              <a:rPr lang="en-US" sz="2400" dirty="0">
-                <a:latin typeface="APL385 Unicode" panose="020B0709000202000203" pitchFamily="49" charset="0"/>
-              </a:rPr>
-              <a:t>[b])∧</a:t>
-            </a:r>
-            <a:r>
-              <a:rPr lang="en-US" sz="2400" dirty="0" err="1">
-                <a:latin typeface="APL385 Unicode" panose="020B0709000202000203" pitchFamily="49" charset="0"/>
-              </a:rPr>
-              <a:t>i≥b</a:t>
-            </a:r>
-            <a:r>
-              <a:rPr lang="en-US" sz="2400" dirty="0">
-                <a:latin typeface="APL385 Unicode" panose="020B0709000202000203" pitchFamily="49" charset="0"/>
-              </a:rPr>
-              <a:t>]←¯1</a:t>
-            </a:r>
-          </a:p>
-          <a:p>
-            <a:pPr algn="l">
-              <a:spcBef>
-                <a:spcPts val="0"/>
-              </a:spcBef>
-            </a:pPr>
-            <a:endParaRPr lang="en-US" sz="2400" dirty="0">
-              <a:latin typeface="APL385 Unicode" panose="020B0709000202000203" pitchFamily="49" charset="0"/>
-            </a:endParaRPr>
-          </a:p>
-          <a:p>
-            <a:pPr algn="l">
-              <a:spcBef>
-                <a:spcPts val="0"/>
-              </a:spcBef>
-            </a:pPr>
-            <a:r>
-              <a:rPr lang="en-US" sz="2400" dirty="0">
-                <a:latin typeface="APL385 Unicode" panose="020B0709000202000203" pitchFamily="49" charset="0"/>
-              </a:rPr>
-              <a:t>		⍝ Mark free variables with their scope before binding</a:t>
-            </a:r>
-          </a:p>
-          <a:p>
-            <a:pPr algn="l">
-              <a:spcBef>
-                <a:spcPts val="0"/>
-              </a:spcBef>
-            </a:pPr>
-            <a:r>
-              <a:rPr lang="en-US" sz="2400" dirty="0">
-                <a:latin typeface="APL385 Unicode" panose="020B0709000202000203" pitchFamily="49" charset="0"/>
-              </a:rPr>
-              <a:t>		lx[</a:t>
-            </a:r>
-            <a:r>
-              <a:rPr lang="en-US" sz="2400" dirty="0" err="1">
-                <a:latin typeface="APL385 Unicode" panose="020B0709000202000203" pitchFamily="49" charset="0"/>
-              </a:rPr>
-              <a:t>i</a:t>
-            </a:r>
-            <a:r>
-              <a:rPr lang="en-US" sz="2400" dirty="0">
-                <a:latin typeface="APL385 Unicode" panose="020B0709000202000203" pitchFamily="49" charset="0"/>
-              </a:rPr>
-              <a:t>←⍸(t=V)∧</a:t>
-            </a:r>
-            <a:r>
-              <a:rPr lang="en-US" sz="2400" dirty="0" err="1">
-                <a:latin typeface="APL385 Unicode" panose="020B0709000202000203" pitchFamily="49" charset="0"/>
-              </a:rPr>
-              <a:t>vb</a:t>
-            </a:r>
-            <a:r>
-              <a:rPr lang="en-US" sz="2400" dirty="0">
-                <a:latin typeface="APL385 Unicode" panose="020B0709000202000203" pitchFamily="49" charset="0"/>
-              </a:rPr>
-              <a:t>=¯1]←1</a:t>
-            </a:r>
-          </a:p>
-          <a:p>
-            <a:pPr algn="l">
-              <a:spcBef>
-                <a:spcPts val="0"/>
-              </a:spcBef>
-            </a:pPr>
-            <a:r>
-              <a:rPr lang="en-US" sz="2400" dirty="0">
-                <a:latin typeface="APL385 Unicode" panose="020B0709000202000203" pitchFamily="49" charset="0"/>
-              </a:rPr>
-              <a:t>		</a:t>
-            </a:r>
-          </a:p>
-          <a:p>
-            <a:pPr algn="l">
-              <a:spcBef>
-                <a:spcPts val="0"/>
-              </a:spcBef>
-            </a:pPr>
-            <a:r>
-              <a:rPr lang="en-US" sz="2400" dirty="0">
-                <a:latin typeface="APL385 Unicode" panose="020B0709000202000203" pitchFamily="49" charset="0"/>
-              </a:rPr>
-              <a:t>		⍝ Add free variables to closures</a:t>
-            </a:r>
-          </a:p>
-          <a:p>
-            <a:pPr algn="l">
-              <a:spcBef>
-                <a:spcPts val="0"/>
-              </a:spcBef>
-            </a:pPr>
-            <a:r>
-              <a:rPr lang="en-US" sz="2400" dirty="0">
-                <a:latin typeface="APL385 Unicode" panose="020B0709000202000203" pitchFamily="49" charset="0"/>
-              </a:rPr>
-              <a:t>		</a:t>
-            </a:r>
-            <a:r>
-              <a:rPr lang="en-US" sz="2400" dirty="0" err="1">
-                <a:latin typeface="APL385 Unicode" panose="020B0709000202000203" pitchFamily="49" charset="0"/>
-              </a:rPr>
-              <a:t>i←i</a:t>
-            </a:r>
-            <a:r>
-              <a:rPr lang="en-US" sz="2400" dirty="0">
-                <a:latin typeface="APL385 Unicode" panose="020B0709000202000203" pitchFamily="49" charset="0"/>
-              </a:rPr>
-              <a:t>⌿⍨k[</a:t>
-            </a:r>
-            <a:r>
-              <a:rPr lang="en-US" sz="2400" dirty="0" err="1">
-                <a:latin typeface="APL385 Unicode" panose="020B0709000202000203" pitchFamily="49" charset="0"/>
-              </a:rPr>
-              <a:t>rfn</a:t>
-            </a:r>
-            <a:r>
-              <a:rPr lang="en-US" sz="2400" dirty="0">
-                <a:latin typeface="APL385 Unicode" panose="020B0709000202000203" pitchFamily="49" charset="0"/>
-              </a:rPr>
-              <a:t>[</a:t>
-            </a:r>
-            <a:r>
-              <a:rPr lang="en-US" sz="2400" dirty="0" err="1">
-                <a:latin typeface="APL385 Unicode" panose="020B0709000202000203" pitchFamily="49" charset="0"/>
-              </a:rPr>
-              <a:t>i</a:t>
-            </a:r>
-            <a:r>
-              <a:rPr lang="en-US" sz="2400" dirty="0">
-                <a:latin typeface="APL385 Unicode" panose="020B0709000202000203" pitchFamily="49" charset="0"/>
-              </a:rPr>
-              <a:t>]]≠0 ⋄ </a:t>
-            </a:r>
-            <a:r>
-              <a:rPr lang="en-US" sz="2400" dirty="0" err="1">
-                <a:latin typeface="APL385 Unicode" panose="020B0709000202000203" pitchFamily="49" charset="0"/>
-              </a:rPr>
-              <a:t>ci←p</a:t>
-            </a:r>
-            <a:r>
-              <a:rPr lang="en-US" sz="2400" dirty="0">
-                <a:latin typeface="APL385 Unicode" panose="020B0709000202000203" pitchFamily="49" charset="0"/>
-              </a:rPr>
-              <a:t>[</a:t>
-            </a:r>
-            <a:r>
-              <a:rPr lang="en-US" sz="2400" dirty="0" err="1">
-                <a:latin typeface="APL385 Unicode" panose="020B0709000202000203" pitchFamily="49" charset="0"/>
-              </a:rPr>
-              <a:t>rfn</a:t>
-            </a:r>
-            <a:r>
-              <a:rPr lang="en-US" sz="2400" dirty="0">
-                <a:latin typeface="APL385 Unicode" panose="020B0709000202000203" pitchFamily="49" charset="0"/>
-              </a:rPr>
-              <a:t>[</a:t>
-            </a:r>
-            <a:r>
-              <a:rPr lang="en-US" sz="2400" dirty="0" err="1">
-                <a:latin typeface="APL385 Unicode" panose="020B0709000202000203" pitchFamily="49" charset="0"/>
-              </a:rPr>
-              <a:t>i</a:t>
-            </a:r>
-            <a:r>
-              <a:rPr lang="en-US" sz="2400" dirty="0">
-                <a:latin typeface="APL385 Unicode" panose="020B0709000202000203" pitchFamily="49" charset="0"/>
-              </a:rPr>
-              <a:t>]] ⋄ </a:t>
-            </a:r>
-            <a:r>
-              <a:rPr lang="en-US" sz="2400" dirty="0" err="1">
-                <a:latin typeface="APL385 Unicode" panose="020B0709000202000203" pitchFamily="49" charset="0"/>
-              </a:rPr>
-              <a:t>vb</a:t>
-            </a:r>
-            <a:r>
-              <a:rPr lang="en-US" sz="2400" dirty="0">
-                <a:latin typeface="APL385 Unicode" panose="020B0709000202000203" pitchFamily="49" charset="0"/>
-              </a:rPr>
-              <a:t>[</a:t>
-            </a:r>
-            <a:r>
-              <a:rPr lang="en-US" sz="2400" dirty="0" err="1">
-                <a:latin typeface="APL385 Unicode" panose="020B0709000202000203" pitchFamily="49" charset="0"/>
-              </a:rPr>
-              <a:t>i</a:t>
-            </a:r>
-            <a:r>
-              <a:rPr lang="en-US" sz="2400" dirty="0">
-                <a:latin typeface="APL385 Unicode" panose="020B0709000202000203" pitchFamily="49" charset="0"/>
-              </a:rPr>
-              <a:t>]←(≢p)+⍳≢</a:t>
-            </a:r>
-            <a:r>
-              <a:rPr lang="en-US" sz="2400" dirty="0" err="1">
-                <a:latin typeface="APL385 Unicode" panose="020B0709000202000203" pitchFamily="49" charset="0"/>
-              </a:rPr>
-              <a:t>i</a:t>
-            </a:r>
-            <a:endParaRPr lang="en-US" sz="2400" dirty="0">
-              <a:latin typeface="APL385 Unicode" panose="020B0709000202000203" pitchFamily="49" charset="0"/>
-            </a:endParaRPr>
-          </a:p>
-          <a:p>
-            <a:pPr algn="l">
-              <a:spcBef>
-                <a:spcPts val="0"/>
-              </a:spcBef>
-            </a:pPr>
-            <a:r>
-              <a:rPr lang="en-US" sz="2400" dirty="0">
-                <a:latin typeface="APL385 Unicode" panose="020B0709000202000203" pitchFamily="49" charset="0"/>
-              </a:rPr>
-              <a:t>		</a:t>
-            </a:r>
-            <a:r>
-              <a:rPr lang="en-US" sz="2400" dirty="0" err="1">
-                <a:latin typeface="APL385 Unicode" panose="020B0709000202000203" pitchFamily="49" charset="0"/>
-              </a:rPr>
-              <a:t>p,←ci</a:t>
-            </a:r>
-            <a:r>
-              <a:rPr lang="en-US" sz="2400" dirty="0">
-                <a:latin typeface="APL385 Unicode" panose="020B0709000202000203" pitchFamily="49" charset="0"/>
-              </a:rPr>
-              <a:t> ⋄ </a:t>
-            </a:r>
-            <a:r>
-              <a:rPr lang="en-US" sz="2400" dirty="0" err="1">
-                <a:latin typeface="APL385 Unicode" panose="020B0709000202000203" pitchFamily="49" charset="0"/>
-              </a:rPr>
-              <a:t>vb</a:t>
-            </a:r>
-            <a:r>
-              <a:rPr lang="en-US" sz="2400" dirty="0">
-                <a:latin typeface="APL385 Unicode" panose="020B0709000202000203" pitchFamily="49" charset="0"/>
-              </a:rPr>
-              <a:t> lx,←(≢ci)⍴¨¯1 0 ⋄ rf </a:t>
-            </a:r>
-            <a:r>
-              <a:rPr lang="en-US" sz="2400" dirty="0" err="1">
-                <a:latin typeface="APL385 Unicode" panose="020B0709000202000203" pitchFamily="49" charset="0"/>
-              </a:rPr>
-              <a:t>rfn</a:t>
-            </a:r>
-            <a:r>
-              <a:rPr lang="en-US" sz="2400" dirty="0">
-                <a:latin typeface="APL385 Unicode" panose="020B0709000202000203" pitchFamily="49" charset="0"/>
-              </a:rPr>
-              <a:t>(⊣,I)←⊂ci</a:t>
-            </a:r>
-          </a:p>
-          <a:p>
-            <a:pPr algn="l">
-              <a:spcBef>
-                <a:spcPts val="0"/>
-              </a:spcBef>
-            </a:pPr>
-            <a:r>
-              <a:rPr lang="en-US" sz="2400" dirty="0">
-                <a:latin typeface="APL385 Unicode" panose="020B0709000202000203" pitchFamily="49" charset="0"/>
-              </a:rPr>
-              <a:t>		t k n pos end(⊣,I)←⊂</a:t>
-            </a:r>
-            <a:r>
-              <a:rPr lang="en-US" sz="2400" dirty="0" err="1">
-                <a:latin typeface="APL385 Unicode" panose="020B0709000202000203" pitchFamily="49" charset="0"/>
-              </a:rPr>
-              <a:t>i</a:t>
-            </a:r>
-            <a:endParaRPr lang="en-US" sz="2400" dirty="0">
-              <a:latin typeface="APL385 Unicode" panose="020B0709000202000203" pitchFamily="49" charset="0"/>
-            </a:endParaRPr>
-          </a:p>
-          <a:p>
-            <a:pPr algn="l">
-              <a:spcBef>
-                <a:spcPts val="0"/>
-              </a:spcBef>
-            </a:pPr>
-            <a:r>
-              <a:rPr lang="en-US" sz="2400" dirty="0">
-                <a:latin typeface="APL385 Unicode" panose="020B0709000202000203" pitchFamily="49" charset="0"/>
-              </a:rPr>
-              <a:t>	</a:t>
-            </a:r>
-            <a:r>
-              <a:rPr lang="en-US" sz="2400" dirty="0" err="1">
-                <a:latin typeface="APL385 Unicode" panose="020B0709000202000203" pitchFamily="49" charset="0"/>
-              </a:rPr>
-              <a:t>i</a:t>
-            </a:r>
-            <a:r>
-              <a:rPr lang="en-US" sz="2400" dirty="0">
-                <a:latin typeface="APL385 Unicode" panose="020B0709000202000203" pitchFamily="49" charset="0"/>
-              </a:rPr>
-              <a:t>}⍣{0=≢⍺}⍬</a:t>
-            </a:r>
-          </a:p>
-        </p:txBody>
-      </p:sp>
-    </p:spTree>
-    <p:extLst>
-      <p:ext uri="{BB962C8B-B14F-4D97-AF65-F5344CB8AC3E}">
-        <p14:creationId xmlns:p14="http://schemas.microsoft.com/office/powerpoint/2010/main" val="2670445599"/>
       </p:ext>
     </p:extLst>
   </p:cSld>
@@ -11684,90 +10421,60 @@
             </a:r>
             <a:r>
               <a:rPr lang="en-US" sz="2400" dirty="0" err="1">
-                <a:highlight>
-                  <a:srgbClr val="00FFFF"/>
-                </a:highlight>
                 <a:latin typeface="APL385 Unicode" panose="020B0709000202000203" pitchFamily="49" charset="0"/>
               </a:rPr>
               <a:t>vb</a:t>
             </a:r>
             <a:r>
               <a:rPr lang="en-US" sz="2400" dirty="0">
-                <a:highlight>
-                  <a:srgbClr val="00FFFF"/>
-                </a:highlight>
                 <a:latin typeface="APL385 Unicode" panose="020B0709000202000203" pitchFamily="49" charset="0"/>
               </a:rPr>
               <a:t>[</a:t>
             </a:r>
             <a:r>
               <a:rPr lang="en-US" sz="2400" dirty="0" err="1">
-                <a:highlight>
-                  <a:srgbClr val="00FFFF"/>
-                </a:highlight>
                 <a:latin typeface="APL385 Unicode" panose="020B0709000202000203" pitchFamily="49" charset="0"/>
               </a:rPr>
               <a:t>i</a:t>
             </a:r>
             <a:r>
               <a:rPr lang="en-US" sz="2400" dirty="0">
-                <a:highlight>
-                  <a:srgbClr val="00FFFF"/>
-                </a:highlight>
                 <a:latin typeface="APL385 Unicode" panose="020B0709000202000203" pitchFamily="49" charset="0"/>
               </a:rPr>
               <a:t>]←fb[</a:t>
             </a:r>
             <a:r>
               <a:rPr lang="en-US" sz="2400" dirty="0" err="1">
-                <a:highlight>
-                  <a:srgbClr val="00FFFF"/>
-                </a:highlight>
                 <a:latin typeface="APL385 Unicode" panose="020B0709000202000203" pitchFamily="49" charset="0"/>
               </a:rPr>
               <a:t>fr⍳rfn</a:t>
             </a:r>
             <a:r>
               <a:rPr lang="en-US" sz="2400" dirty="0">
-                <a:highlight>
-                  <a:srgbClr val="00FFFF"/>
-                </a:highlight>
                 <a:latin typeface="APL385 Unicode" panose="020B0709000202000203" pitchFamily="49" charset="0"/>
               </a:rPr>
               <a:t> </a:t>
             </a:r>
             <a:r>
               <a:rPr lang="en-US" sz="2400" dirty="0" err="1">
-                <a:highlight>
-                  <a:srgbClr val="00FFFF"/>
-                </a:highlight>
                 <a:latin typeface="APL385 Unicode" panose="020B0709000202000203" pitchFamily="49" charset="0"/>
               </a:rPr>
               <a:t>mk⊢i</a:t>
             </a:r>
             <a:r>
               <a:rPr lang="en-US" sz="2400" dirty="0">
-                <a:highlight>
-                  <a:srgbClr val="00FFFF"/>
-                </a:highlight>
                 <a:latin typeface="APL385 Unicode" panose="020B0709000202000203" pitchFamily="49" charset="0"/>
               </a:rPr>
               <a:t>←⍸(t=V)∧</a:t>
             </a:r>
             <a:r>
               <a:rPr lang="en-US" sz="2400" dirty="0" err="1">
-                <a:highlight>
-                  <a:srgbClr val="00FFFF"/>
-                </a:highlight>
                 <a:latin typeface="APL385 Unicode" panose="020B0709000202000203" pitchFamily="49" charset="0"/>
               </a:rPr>
               <a:t>vb</a:t>
             </a:r>
             <a:r>
               <a:rPr lang="en-US" sz="2400" dirty="0">
-                <a:highlight>
-                  <a:srgbClr val="00FFFF"/>
-                </a:highlight>
                 <a:latin typeface="APL385 Unicode" panose="020B0709000202000203" pitchFamily="49" charset="0"/>
               </a:rPr>
               <a:t>=¯1]</a:t>
@@ -12260,7 +10967,7 @@
     </p:spTree>
     <p:extLst>
       <p:ext uri="{BB962C8B-B14F-4D97-AF65-F5344CB8AC3E}">
-        <p14:creationId xmlns:p14="http://schemas.microsoft.com/office/powerpoint/2010/main" val="2918740624"/>
+        <p14:creationId xmlns:p14="http://schemas.microsoft.com/office/powerpoint/2010/main" val="3131601525"/>
       </p:ext>
     </p:extLst>
   </p:cSld>
@@ -12387,158 +11094,12 @@
             </a:r>
             <a:r>
               <a:rPr lang="en-US" sz="2400" dirty="0" err="1">
-                <a:latin typeface="APL385 Unicode" panose="020B0709000202000203" pitchFamily="49" charset="0"/>
-              </a:rPr>
-              <a:t>vb</a:t>
-            </a:r>
-            <a:r>
-              <a:rPr lang="en-US" sz="2400" dirty="0">
-                <a:latin typeface="APL385 Unicode" panose="020B0709000202000203" pitchFamily="49" charset="0"/>
-              </a:rPr>
-              <a:t>[</a:t>
-            </a:r>
-            <a:r>
-              <a:rPr lang="en-US" sz="2400" dirty="0" err="1">
-                <a:latin typeface="APL385 Unicode" panose="020B0709000202000203" pitchFamily="49" charset="0"/>
-              </a:rPr>
-              <a:t>i</a:t>
-            </a:r>
-            <a:r>
-              <a:rPr lang="en-US" sz="2400" dirty="0">
-                <a:latin typeface="APL385 Unicode" panose="020B0709000202000203" pitchFamily="49" charset="0"/>
-              </a:rPr>
-              <a:t>]←fb[</a:t>
-            </a:r>
-            <a:r>
-              <a:rPr lang="en-US" sz="2400" dirty="0" err="1">
-                <a:latin typeface="APL385 Unicode" panose="020B0709000202000203" pitchFamily="49" charset="0"/>
-              </a:rPr>
-              <a:t>fr⍳rf</a:t>
-            </a:r>
-            <a:r>
-              <a:rPr lang="en-US" sz="2400" dirty="0">
-                <a:latin typeface="APL385 Unicode" panose="020B0709000202000203" pitchFamily="49" charset="0"/>
-              </a:rPr>
-              <a:t> </a:t>
-            </a:r>
-            <a:r>
-              <a:rPr lang="en-US" sz="2400" dirty="0" err="1">
-                <a:latin typeface="APL385 Unicode" panose="020B0709000202000203" pitchFamily="49" charset="0"/>
-              </a:rPr>
-              <a:t>mk⊢i</a:t>
-            </a:r>
-            <a:r>
-              <a:rPr lang="en-US" sz="2400" dirty="0">
-                <a:latin typeface="APL385 Unicode" panose="020B0709000202000203" pitchFamily="49" charset="0"/>
-              </a:rPr>
-              <a:t>←⍸(t=V)∧</a:t>
-            </a:r>
-            <a:r>
-              <a:rPr lang="en-US" sz="2400" dirty="0" err="1">
-                <a:latin typeface="APL385 Unicode" panose="020B0709000202000203" pitchFamily="49" charset="0"/>
-              </a:rPr>
-              <a:t>vb</a:t>
-            </a:r>
-            <a:r>
-              <a:rPr lang="en-US" sz="2400" dirty="0">
-                <a:latin typeface="APL385 Unicode" panose="020B0709000202000203" pitchFamily="49" charset="0"/>
-              </a:rPr>
-              <a:t>=¯1]</a:t>
-            </a:r>
-          </a:p>
-          <a:p>
-            <a:pPr algn="l">
-              <a:spcBef>
-                <a:spcPts val="0"/>
-              </a:spcBef>
-            </a:pPr>
-            <a:r>
-              <a:rPr lang="en-US" sz="2400" dirty="0">
-                <a:latin typeface="APL385 Unicode" panose="020B0709000202000203" pitchFamily="49" charset="0"/>
-              </a:rPr>
-              <a:t>		</a:t>
-            </a:r>
-            <a:r>
-              <a:rPr lang="en-US" sz="2400" dirty="0" err="1">
-                <a:latin typeface="APL385 Unicode" panose="020B0709000202000203" pitchFamily="49" charset="0"/>
-              </a:rPr>
-              <a:t>vb</a:t>
-            </a:r>
-            <a:r>
-              <a:rPr lang="en-US" sz="2400" dirty="0">
-                <a:latin typeface="APL385 Unicode" panose="020B0709000202000203" pitchFamily="49" charset="0"/>
-              </a:rPr>
-              <a:t>[</a:t>
-            </a:r>
-            <a:r>
-              <a:rPr lang="en-US" sz="2400" dirty="0" err="1">
-                <a:latin typeface="APL385 Unicode" panose="020B0709000202000203" pitchFamily="49" charset="0"/>
-              </a:rPr>
-              <a:t>i</a:t>
-            </a:r>
-            <a:r>
-              <a:rPr lang="en-US" sz="2400" dirty="0">
-                <a:latin typeface="APL385 Unicode" panose="020B0709000202000203" pitchFamily="49" charset="0"/>
-              </a:rPr>
-              <a:t>]←fb[</a:t>
-            </a:r>
-            <a:r>
-              <a:rPr lang="en-US" sz="2400" dirty="0" err="1">
-                <a:latin typeface="APL385 Unicode" panose="020B0709000202000203" pitchFamily="49" charset="0"/>
-              </a:rPr>
-              <a:t>fr⍳rfn</a:t>
-            </a:r>
-            <a:r>
-              <a:rPr lang="en-US" sz="2400" dirty="0">
-                <a:latin typeface="APL385 Unicode" panose="020B0709000202000203" pitchFamily="49" charset="0"/>
-              </a:rPr>
-              <a:t> </a:t>
-            </a:r>
-            <a:r>
-              <a:rPr lang="en-US" sz="2400" dirty="0" err="1">
-                <a:latin typeface="APL385 Unicode" panose="020B0709000202000203" pitchFamily="49" charset="0"/>
-              </a:rPr>
-              <a:t>mk⊢i</a:t>
-            </a:r>
-            <a:r>
-              <a:rPr lang="en-US" sz="2400" dirty="0">
-                <a:latin typeface="APL385 Unicode" panose="020B0709000202000203" pitchFamily="49" charset="0"/>
-              </a:rPr>
-              <a:t>←⍸(t=V)∧</a:t>
-            </a:r>
-            <a:r>
-              <a:rPr lang="en-US" sz="2400" dirty="0" err="1">
-                <a:latin typeface="APL385 Unicode" panose="020B0709000202000203" pitchFamily="49" charset="0"/>
-              </a:rPr>
-              <a:t>vb</a:t>
-            </a:r>
-            <a:r>
-              <a:rPr lang="en-US" sz="2400" dirty="0">
-                <a:latin typeface="APL385 Unicode" panose="020B0709000202000203" pitchFamily="49" charset="0"/>
-              </a:rPr>
-              <a:t>=¯1]</a:t>
-            </a:r>
-          </a:p>
-          <a:p>
-            <a:pPr algn="l">
-              <a:spcBef>
-                <a:spcPts val="0"/>
-              </a:spcBef>
-            </a:pPr>
-            <a:r>
-              <a:rPr lang="en-US" sz="2400" dirty="0">
-                <a:latin typeface="APL385 Unicode" panose="020B0709000202000203" pitchFamily="49" charset="0"/>
-              </a:rPr>
-              <a:t>		</a:t>
-            </a:r>
-            <a:r>
-              <a:rPr lang="en-US" sz="2400" dirty="0" err="1">
                 <a:highlight>
                   <a:srgbClr val="00FFFF"/>
                 </a:highlight>
                 <a:latin typeface="APL385 Unicode" panose="020B0709000202000203" pitchFamily="49" charset="0"/>
               </a:rPr>
-              <a:t>b←vb</a:t>
+              <a:t>vb</a:t>
             </a:r>
             <a:r>
               <a:rPr lang="en-US" sz="2400" dirty="0">
@@ -12556,7 +11117,7 @@
                 </a:highlight>
                 <a:latin typeface="APL385 Unicode" panose="020B0709000202000203" pitchFamily="49" charset="0"/>
               </a:rPr>
-              <a:t>i←i</a:t>
+              <a:t>i</a:t>
             </a:r>
             <a:r>
               <a:rPr lang="en-US" sz="2400" dirty="0">
@@ -12565,7 +11126,7 @@
                 </a:highlight>
                 <a:latin typeface="APL385 Unicode" panose="020B0709000202000203" pitchFamily="49" charset="0"/>
               </a:rPr>
-              <a:t>⌿⍨</a:t>
+              <a:t>]←fb[</a:t>
             </a:r>
             <a:r>
               <a:rPr lang="en-US" sz="2400" dirty="0" err="1">
@@ -12574,7 +11135,7 @@
                 </a:highlight>
                 <a:latin typeface="APL385 Unicode" panose="020B0709000202000203" pitchFamily="49" charset="0"/>
               </a:rPr>
-              <a:t>vb</a:t>
+              <a:t>fr⍳rf</a:t>
             </a:r>
             <a:r>
               <a:rPr lang="en-US" sz="2400" dirty="0">
@@ -12583,7 +11144,7 @@
                 </a:highlight>
                 <a:latin typeface="APL385 Unicode" panose="020B0709000202000203" pitchFamily="49" charset="0"/>
               </a:rPr>
-              <a:t>[</a:t>
+              <a:t> </a:t>
             </a:r>
             <a:r>
               <a:rPr lang="en-US" sz="2400" dirty="0" err="1">
@@ -12592,7 +11153,7 @@
                 </a:highlight>
                 <a:latin typeface="APL385 Unicode" panose="020B0709000202000203" pitchFamily="49" charset="0"/>
               </a:rPr>
-              <a:t>i</a:t>
+              <a:t>mk⊢i</a:t>
             </a:r>
             <a:r>
               <a:rPr lang="en-US" sz="2400" dirty="0">
@@ -12601,182 +11162,277 @@
                 </a:highlight>
                 <a:latin typeface="APL385 Unicode" panose="020B0709000202000203" pitchFamily="49" charset="0"/>
               </a:rPr>
-              <a:t>]≠¯1]</a:t>
-            </a:r>
-          </a:p>
-          <a:p>
-            <a:pPr algn="l">
-              <a:spcBef>
-                <a:spcPts val="0"/>
-              </a:spcBef>
-            </a:pPr>
-            <a:r>
-              <a:rPr lang="en-US" sz="2400" dirty="0">
+              <a:t>←⍸(t=V)∧</a:t>
+            </a:r>
+            <a:r>
+              <a:rPr lang="en-US" sz="2400" dirty="0" err="1">
                 <a:highlight>
                   <a:srgbClr val="00FFFF"/>
                 </a:highlight>
                 <a:latin typeface="APL385 Unicode" panose="020B0709000202000203" pitchFamily="49" charset="0"/>
               </a:rPr>
-              <a:t>		</a:t>
-            </a:r>
-            <a:r>
-              <a:rPr lang="en-US" sz="2400" dirty="0" err="1">
+              <a:t>vb</a:t>
+            </a:r>
+            <a:r>
+              <a:rPr lang="en-US" sz="2400" dirty="0">
                 <a:highlight>
                   <a:srgbClr val="00FFFF"/>
                 </a:highlight>
                 <a:latin typeface="APL385 Unicode" panose="020B0709000202000203" pitchFamily="49" charset="0"/>
               </a:rPr>
+              <a:t>=¯1]</a:t>
+            </a:r>
+          </a:p>
+          <a:p>
+            <a:pPr algn="l">
+              <a:spcBef>
+                <a:spcPts val="0"/>
+              </a:spcBef>
+            </a:pPr>
+            <a:r>
+              <a:rPr lang="en-US" sz="2400" dirty="0">
+                <a:latin typeface="APL385 Unicode" panose="020B0709000202000203" pitchFamily="49" charset="0"/>
+              </a:rPr>
+              <a:t>		</a:t>
+            </a:r>
+            <a:r>
+              <a:rPr lang="en-US" sz="2400" dirty="0" err="1">
+                <a:latin typeface="APL385 Unicode" panose="020B0709000202000203" pitchFamily="49" charset="0"/>
+              </a:rPr>
               <a:t>vb</a:t>
             </a:r>
             <a:r>
               <a:rPr lang="en-US" sz="2400" dirty="0">
-                <a:highlight>
-                  <a:srgbClr val="00FFFF"/>
-                </a:highlight>
                 <a:latin typeface="APL385 Unicode" panose="020B0709000202000203" pitchFamily="49" charset="0"/>
               </a:rPr>
               <a:t>[</a:t>
             </a:r>
             <a:r>
               <a:rPr lang="en-US" sz="2400" dirty="0" err="1">
-                <a:highlight>
-                  <a:srgbClr val="00FFFF"/>
-                </a:highlight>
                 <a:latin typeface="APL385 Unicode" panose="020B0709000202000203" pitchFamily="49" charset="0"/>
               </a:rPr>
               <a:t>i</a:t>
             </a:r>
             <a:r>
               <a:rPr lang="en-US" sz="2400" dirty="0">
-                <a:highlight>
-                  <a:srgbClr val="00FFFF"/>
-                </a:highlight>
+                <a:latin typeface="APL385 Unicode" panose="020B0709000202000203" pitchFamily="49" charset="0"/>
+              </a:rPr>
+              <a:t>]←fb[</a:t>
+            </a:r>
+            <a:r>
+              <a:rPr lang="en-US" sz="2400" dirty="0" err="1">
+                <a:latin typeface="APL385 Unicode" panose="020B0709000202000203" pitchFamily="49" charset="0"/>
+              </a:rPr>
+              <a:t>fr⍳rfn</a:t>
+            </a:r>
+            <a:r>
+              <a:rPr lang="en-US" sz="2400" dirty="0">
+                <a:latin typeface="APL385 Unicode" panose="020B0709000202000203" pitchFamily="49" charset="0"/>
+              </a:rPr>
+              <a:t> </a:t>
+            </a:r>
+            <a:r>
+              <a:rPr lang="en-US" sz="2400" dirty="0" err="1">
+                <a:latin typeface="APL385 Unicode" panose="020B0709000202000203" pitchFamily="49" charset="0"/>
+              </a:rPr>
+              <a:t>mk⊢i</a:t>
+            </a:r>
+            <a:r>
+              <a:rPr lang="en-US" sz="2400" dirty="0">
+                <a:latin typeface="APL385 Unicode" panose="020B0709000202000203" pitchFamily="49" charset="0"/>
+              </a:rPr>
+              <a:t>←⍸(t=V)∧</a:t>
+            </a:r>
+            <a:r>
+              <a:rPr lang="en-US" sz="2400" dirty="0" err="1">
+                <a:latin typeface="APL385 Unicode" panose="020B0709000202000203" pitchFamily="49" charset="0"/>
+              </a:rPr>
+              <a:t>vb</a:t>
+            </a:r>
+            <a:r>
+              <a:rPr lang="en-US" sz="2400" dirty="0">
+                <a:latin typeface="APL385 Unicode" panose="020B0709000202000203" pitchFamily="49" charset="0"/>
+              </a:rPr>
+              <a:t>=¯1]</a:t>
+            </a:r>
+          </a:p>
+          <a:p>
+            <a:pPr algn="l">
+              <a:spcBef>
+                <a:spcPts val="0"/>
+              </a:spcBef>
+            </a:pPr>
+            <a:r>
+              <a:rPr lang="en-US" sz="2400" dirty="0">
+                <a:latin typeface="APL385 Unicode" panose="020B0709000202000203" pitchFamily="49" charset="0"/>
+              </a:rPr>
+              <a:t>		</a:t>
+            </a:r>
+            <a:r>
+              <a:rPr lang="en-US" sz="2400" dirty="0" err="1">
+                <a:latin typeface="APL385 Unicode" panose="020B0709000202000203" pitchFamily="49" charset="0"/>
+              </a:rPr>
+              <a:t>b←vb</a:t>
+            </a:r>
+            <a:r>
+              <a:rPr lang="en-US" sz="2400" dirty="0">
+                <a:latin typeface="APL385 Unicode" panose="020B0709000202000203" pitchFamily="49" charset="0"/>
+              </a:rPr>
+              <a:t>[</a:t>
+            </a:r>
+            <a:r>
+              <a:rPr lang="en-US" sz="2400" dirty="0" err="1">
+                <a:latin typeface="APL385 Unicode" panose="020B0709000202000203" pitchFamily="49" charset="0"/>
+              </a:rPr>
+              <a:t>i←i</a:t>
+            </a:r>
+            <a:r>
+              <a:rPr lang="en-US" sz="2400" dirty="0">
+                <a:latin typeface="APL385 Unicode" panose="020B0709000202000203" pitchFamily="49" charset="0"/>
+              </a:rPr>
+              <a:t>⌿⍨</a:t>
+            </a:r>
+            <a:r>
+              <a:rPr lang="en-US" sz="2400" dirty="0" err="1">
+                <a:latin typeface="APL385 Unicode" panose="020B0709000202000203" pitchFamily="49" charset="0"/>
+              </a:rPr>
+              <a:t>vb</a:t>
+            </a:r>
+            <a:r>
+              <a:rPr lang="en-US" sz="2400" dirty="0">
+                <a:latin typeface="APL385 Unicode" panose="020B0709000202000203" pitchFamily="49" charset="0"/>
+              </a:rPr>
+              <a:t>[</a:t>
+            </a:r>
+            <a:r>
+              <a:rPr lang="en-US" sz="2400" dirty="0" err="1">
+                <a:latin typeface="APL385 Unicode" panose="020B0709000202000203" pitchFamily="49" charset="0"/>
+              </a:rPr>
+              <a:t>i</a:t>
+            </a:r>
+            <a:r>
+              <a:rPr lang="en-US" sz="2400" dirty="0">
+                <a:latin typeface="APL385 Unicode" panose="020B0709000202000203" pitchFamily="49" charset="0"/>
+              </a:rPr>
+              <a:t>]≠¯1]</a:t>
+            </a:r>
+          </a:p>
+          <a:p>
+            <a:pPr algn="l">
+              <a:spcBef>
+                <a:spcPts val="0"/>
+              </a:spcBef>
+            </a:pPr>
+            <a:r>
+              <a:rPr lang="en-US" sz="2400" dirty="0">
+                <a:latin typeface="APL385 Unicode" panose="020B0709000202000203" pitchFamily="49" charset="0"/>
+              </a:rPr>
+              <a:t>		</a:t>
+            </a:r>
+            <a:r>
+              <a:rPr lang="en-US" sz="2400" dirty="0" err="1">
+                <a:latin typeface="APL385 Unicode" panose="020B0709000202000203" pitchFamily="49" charset="0"/>
+              </a:rPr>
+              <a:t>vb</a:t>
+            </a:r>
+            <a:r>
+              <a:rPr lang="en-US" sz="2400" dirty="0">
+                <a:latin typeface="APL385 Unicode" panose="020B0709000202000203" pitchFamily="49" charset="0"/>
+              </a:rPr>
+              <a:t>[</a:t>
+            </a:r>
+            <a:r>
+              <a:rPr lang="en-US" sz="2400" dirty="0" err="1">
+                <a:latin typeface="APL385 Unicode" panose="020B0709000202000203" pitchFamily="49" charset="0"/>
+              </a:rPr>
+              <a:t>i</a:t>
+            </a:r>
+            <a:r>
+              <a:rPr lang="en-US" sz="2400" dirty="0">
                 <a:latin typeface="APL385 Unicode" panose="020B0709000202000203" pitchFamily="49" charset="0"/>
               </a:rPr>
               <a:t>⌿⍨(</a:t>
             </a:r>
             <a:r>
               <a:rPr lang="en-US" sz="2400" dirty="0" err="1">
-                <a:highlight>
-                  <a:srgbClr val="00FFFF"/>
-                </a:highlight>
                 <a:latin typeface="APL385 Unicode" panose="020B0709000202000203" pitchFamily="49" charset="0"/>
               </a:rPr>
               <a:t>rz</a:t>
             </a:r>
             <a:r>
               <a:rPr lang="en-US" sz="2400" dirty="0">
-                <a:highlight>
-                  <a:srgbClr val="00FFFF"/>
-                </a:highlight>
                 <a:latin typeface="APL385 Unicode" panose="020B0709000202000203" pitchFamily="49" charset="0"/>
               </a:rPr>
               <a:t>[</a:t>
             </a:r>
             <a:r>
               <a:rPr lang="en-US" sz="2400" dirty="0" err="1">
-                <a:highlight>
-                  <a:srgbClr val="00FFFF"/>
-                </a:highlight>
                 <a:latin typeface="APL385 Unicode" panose="020B0709000202000203" pitchFamily="49" charset="0"/>
               </a:rPr>
               <a:t>i</a:t>
             </a:r>
             <a:r>
               <a:rPr lang="en-US" sz="2400" dirty="0">
-                <a:highlight>
-                  <a:srgbClr val="00FFFF"/>
-                </a:highlight>
                 <a:latin typeface="APL385 Unicode" panose="020B0709000202000203" pitchFamily="49" charset="0"/>
               </a:rPr>
               <a:t>]&lt;</a:t>
             </a:r>
             <a:r>
               <a:rPr lang="en-US" sz="2400" dirty="0" err="1">
-                <a:highlight>
-                  <a:srgbClr val="00FFFF"/>
-                </a:highlight>
                 <a:latin typeface="APL385 Unicode" panose="020B0709000202000203" pitchFamily="49" charset="0"/>
               </a:rPr>
               <a:t>rz</a:t>
             </a:r>
             <a:r>
               <a:rPr lang="en-US" sz="2400" dirty="0">
-                <a:highlight>
-                  <a:srgbClr val="00FFFF"/>
-                </a:highlight>
                 <a:latin typeface="APL385 Unicode" panose="020B0709000202000203" pitchFamily="49" charset="0"/>
               </a:rPr>
               <a:t>[b])∨(</a:t>
             </a:r>
             <a:r>
               <a:rPr lang="en-US" sz="2400" dirty="0" err="1">
-                <a:highlight>
-                  <a:srgbClr val="00FFFF"/>
-                </a:highlight>
                 <a:latin typeface="APL385 Unicode" panose="020B0709000202000203" pitchFamily="49" charset="0"/>
               </a:rPr>
               <a:t>rz</a:t>
             </a:r>
             <a:r>
               <a:rPr lang="en-US" sz="2400" dirty="0">
-                <a:highlight>
-                  <a:srgbClr val="00FFFF"/>
-                </a:highlight>
                 <a:latin typeface="APL385 Unicode" panose="020B0709000202000203" pitchFamily="49" charset="0"/>
               </a:rPr>
               <a:t>[</a:t>
             </a:r>
             <a:r>
               <a:rPr lang="en-US" sz="2400" dirty="0" err="1">
-                <a:highlight>
-                  <a:srgbClr val="00FFFF"/>
-                </a:highlight>
                 <a:latin typeface="APL385 Unicode" panose="020B0709000202000203" pitchFamily="49" charset="0"/>
               </a:rPr>
               <a:t>i</a:t>
             </a:r>
             <a:r>
               <a:rPr lang="en-US" sz="2400" dirty="0">
-                <a:highlight>
-                  <a:srgbClr val="00FFFF"/>
-                </a:highlight>
                 <a:latin typeface="APL385 Unicode" panose="020B0709000202000203" pitchFamily="49" charset="0"/>
               </a:rPr>
               <a:t>]=</a:t>
             </a:r>
             <a:r>
               <a:rPr lang="en-US" sz="2400" dirty="0" err="1">
-                <a:highlight>
-                  <a:srgbClr val="00FFFF"/>
-                </a:highlight>
                 <a:latin typeface="APL385 Unicode" panose="020B0709000202000203" pitchFamily="49" charset="0"/>
               </a:rPr>
               <a:t>rz</a:t>
             </a:r>
             <a:r>
               <a:rPr lang="en-US" sz="2400" dirty="0">
-                <a:highlight>
-                  <a:srgbClr val="00FFFF"/>
-                </a:highlight>
                 <a:latin typeface="APL385 Unicode" panose="020B0709000202000203" pitchFamily="49" charset="0"/>
               </a:rPr>
               <a:t>[b])∧</a:t>
             </a:r>
             <a:r>
               <a:rPr lang="en-US" sz="2400" dirty="0" err="1">
-                <a:highlight>
-                  <a:srgbClr val="00FFFF"/>
-                </a:highlight>
                 <a:latin typeface="APL385 Unicode" panose="020B0709000202000203" pitchFamily="49" charset="0"/>
               </a:rPr>
               <a:t>i≥b</a:t>
             </a:r>
             <a:r>
               <a:rPr lang="en-US" sz="2400" dirty="0">
-                <a:highlight>
-                  <a:srgbClr val="00FFFF"/>
-                </a:highlight>
                 <a:latin typeface="APL385 Unicode" panose="020B0709000202000203" pitchFamily="49" charset="0"/>
               </a:rPr>
               <a:t>]←¯1</a:t>
@@ -13087,7 +11743,7 @@
     </p:spTree>
     <p:extLst>
       <p:ext uri="{BB962C8B-B14F-4D97-AF65-F5344CB8AC3E}">
-        <p14:creationId xmlns:p14="http://schemas.microsoft.com/office/powerpoint/2010/main" val="1041564516"/>
+        <p14:creationId xmlns:p14="http://schemas.microsoft.com/office/powerpoint/2010/main" val="2670445599"/>
       </p:ext>
     </p:extLst>
   </p:cSld>
@@ -13119,7 +11775,7 @@
           <p:cNvPr id="2" name="Text Placeholder 1">
             <a:extLst>
               <a:ext uri="{FF2B5EF4-FFF2-40B4-BE49-F238E27FC236}">
-                <a16:creationId xmlns:a16="http://schemas.microsoft.com/office/drawing/2014/main" id="{9647FA02-6405-C47E-C775-37A2BE032C44}"/>
+                <a16:creationId xmlns:a16="http://schemas.microsoft.com/office/drawing/2014/main" id="{402975E3-E104-0741-F6A3-968971140D19}"/>
               </a:ext>
             </a:extLst>
           </p:cNvPr>
@@ -13138,10 +11794,8 @@
           <a:lstStyle/>
           <a:p>
             <a:r>
-              <a:rPr lang="en-US" sz="14900" dirty="0">
-                <a:latin typeface="APL385 Unicode" panose="020B0709000202000203" pitchFamily="49" charset="0"/>
-              </a:rPr>
-              <a:t>⎕S ⎕R</a:t>
+              <a:rPr lang="en-US" sz="8000" dirty="0"/>
+              <a:t>IN → Trees → Out</a:t>
             </a:r>
           </a:p>
         </p:txBody>
@@ -13149,7 +11803,7 @@
     </p:spTree>
     <p:extLst>
       <p:ext uri="{BB962C8B-B14F-4D97-AF65-F5344CB8AC3E}">
-        <p14:creationId xmlns:p14="http://schemas.microsoft.com/office/powerpoint/2010/main" val="1457423823"/>
+        <p14:creationId xmlns:p14="http://schemas.microsoft.com/office/powerpoint/2010/main" val="2871171438"/>
       </p:ext>
     </p:extLst>
   </p:cSld>
@@ -13349,60 +12003,90 @@
             </a:r>
             <a:r>
               <a:rPr lang="en-US" sz="2400" dirty="0" err="1">
+                <a:highlight>
+                  <a:srgbClr val="00FFFF"/>
+                </a:highlight>
                 <a:latin typeface="APL385 Unicode" panose="020B0709000202000203" pitchFamily="49" charset="0"/>
               </a:rPr>
               <a:t>vb</a:t>
             </a:r>
             <a:r>
               <a:rPr lang="en-US" sz="2400" dirty="0">
+                <a:highlight>
+                  <a:srgbClr val="00FFFF"/>
+                </a:highlight>
                 <a:latin typeface="APL385 Unicode" panose="020B0709000202000203" pitchFamily="49" charset="0"/>
               </a:rPr>
               <a:t>[</a:t>
             </a:r>
             <a:r>
               <a:rPr lang="en-US" sz="2400" dirty="0" err="1">
+                <a:highlight>
+                  <a:srgbClr val="00FFFF"/>
+                </a:highlight>
                 <a:latin typeface="APL385 Unicode" panose="020B0709000202000203" pitchFamily="49" charset="0"/>
               </a:rPr>
               <a:t>i</a:t>
             </a:r>
             <a:r>
               <a:rPr lang="en-US" sz="2400" dirty="0">
+                <a:highlight>
+                  <a:srgbClr val="00FFFF"/>
+                </a:highlight>
                 <a:latin typeface="APL385 Unicode" panose="020B0709000202000203" pitchFamily="49" charset="0"/>
               </a:rPr>
               <a:t>]←fb[</a:t>
             </a:r>
             <a:r>
               <a:rPr lang="en-US" sz="2400" dirty="0" err="1">
+                <a:highlight>
+                  <a:srgbClr val="00FFFF"/>
+                </a:highlight>
                 <a:latin typeface="APL385 Unicode" panose="020B0709000202000203" pitchFamily="49" charset="0"/>
               </a:rPr>
               <a:t>fr⍳rfn</a:t>
             </a:r>
             <a:r>
               <a:rPr lang="en-US" sz="2400" dirty="0">
+                <a:highlight>
+                  <a:srgbClr val="00FFFF"/>
+                </a:highlight>
                 <a:latin typeface="APL385 Unicode" panose="020B0709000202000203" pitchFamily="49" charset="0"/>
               </a:rPr>
               <a:t> </a:t>
             </a:r>
             <a:r>
               <a:rPr lang="en-US" sz="2400" dirty="0" err="1">
+                <a:highlight>
+                  <a:srgbClr val="00FFFF"/>
+                </a:highlight>
                 <a:latin typeface="APL385 Unicode" panose="020B0709000202000203" pitchFamily="49" charset="0"/>
               </a:rPr>
               <a:t>mk⊢i</a:t>
             </a:r>
             <a:r>
               <a:rPr lang="en-US" sz="2400" dirty="0">
+                <a:highlight>
+                  <a:srgbClr val="00FFFF"/>
+                </a:highlight>
                 <a:latin typeface="APL385 Unicode" panose="020B0709000202000203" pitchFamily="49" charset="0"/>
               </a:rPr>
               <a:t>←⍸(t=V)∧</a:t>
             </a:r>
             <a:r>
               <a:rPr lang="en-US" sz="2400" dirty="0" err="1">
+                <a:highlight>
+                  <a:srgbClr val="00FFFF"/>
+                </a:highlight>
                 <a:latin typeface="APL385 Unicode" panose="020B0709000202000203" pitchFamily="49" charset="0"/>
               </a:rPr>
               <a:t>vb</a:t>
             </a:r>
             <a:r>
               <a:rPr lang="en-US" sz="2400" dirty="0">
+                <a:highlight>
+                  <a:srgbClr val="00FFFF"/>
+                </a:highlight>
                 <a:latin typeface="APL385 Unicode" panose="020B0709000202000203" pitchFamily="49" charset="0"/>
               </a:rPr>
               <a:t>=¯1]</a:t>
@@ -13623,112 +12307,151 @@
               <a:rPr lang="en-US" sz="2400" dirty="0">
                 <a:latin typeface="APL385 Unicode" panose="020B0709000202000203" pitchFamily="49" charset="0"/>
               </a:rPr>
+              <a:t>		lx[</a:t>
+            </a:r>
+            <a:r>
+              <a:rPr lang="en-US" sz="2400" dirty="0" err="1">
+                <a:latin typeface="APL385 Unicode" panose="020B0709000202000203" pitchFamily="49" charset="0"/>
+              </a:rPr>
+              <a:t>i</a:t>
+            </a:r>
+            <a:r>
+              <a:rPr lang="en-US" sz="2400" dirty="0">
+                <a:latin typeface="APL385 Unicode" panose="020B0709000202000203" pitchFamily="49" charset="0"/>
+              </a:rPr>
+              <a:t>←⍸(t=V)∧</a:t>
+            </a:r>
+            <a:r>
+              <a:rPr lang="en-US" sz="2400" dirty="0" err="1">
+                <a:latin typeface="APL385 Unicode" panose="020B0709000202000203" pitchFamily="49" charset="0"/>
+              </a:rPr>
+              <a:t>vb</a:t>
+            </a:r>
+            <a:r>
+              <a:rPr lang="en-US" sz="2400" dirty="0">
+                <a:latin typeface="APL385 Unicode" panose="020B0709000202000203" pitchFamily="49" charset="0"/>
+              </a:rPr>
+              <a:t>=¯1]←1</a:t>
+            </a:r>
+          </a:p>
+          <a:p>
+            <a:pPr algn="l">
+              <a:spcBef>
+                <a:spcPts val="0"/>
+              </a:spcBef>
+            </a:pPr>
+            <a:r>
+              <a:rPr lang="en-US" sz="2400" dirty="0">
+                <a:latin typeface="APL385 Unicode" panose="020B0709000202000203" pitchFamily="49" charset="0"/>
+              </a:rPr>
               <a:t>		</a:t>
             </a:r>
-            <a:r>
-              <a:rPr lang="en-US" sz="2400" dirty="0">
-                <a:highlight>
-                  <a:srgbClr val="00FFFF"/>
-                </a:highlight>
-                <a:latin typeface="APL385 Unicode" panose="020B0709000202000203" pitchFamily="49" charset="0"/>
-              </a:rPr>
-              <a:t>lx[</a:t>
-            </a:r>
-            <a:r>
-              <a:rPr lang="en-US" sz="2400" dirty="0" err="1">
-                <a:highlight>
-                  <a:srgbClr val="00FFFF"/>
-                </a:highlight>
+          </a:p>
+          <a:p>
+            <a:pPr algn="l">
+              <a:spcBef>
+                <a:spcPts val="0"/>
+              </a:spcBef>
+            </a:pPr>
+            <a:r>
+              <a:rPr lang="en-US" sz="2400" dirty="0">
+                <a:latin typeface="APL385 Unicode" panose="020B0709000202000203" pitchFamily="49" charset="0"/>
+              </a:rPr>
+              <a:t>		⍝ Add free variables to closures</a:t>
+            </a:r>
+          </a:p>
+          <a:p>
+            <a:pPr algn="l">
+              <a:spcBef>
+                <a:spcPts val="0"/>
+              </a:spcBef>
+            </a:pPr>
+            <a:r>
+              <a:rPr lang="en-US" sz="2400" dirty="0">
+                <a:latin typeface="APL385 Unicode" panose="020B0709000202000203" pitchFamily="49" charset="0"/>
+              </a:rPr>
+              <a:t>		</a:t>
+            </a:r>
+            <a:r>
+              <a:rPr lang="en-US" sz="2400" dirty="0" err="1">
+                <a:latin typeface="APL385 Unicode" panose="020B0709000202000203" pitchFamily="49" charset="0"/>
+              </a:rPr>
+              <a:t>i←i</a:t>
+            </a:r>
+            <a:r>
+              <a:rPr lang="en-US" sz="2400" dirty="0">
+                <a:latin typeface="APL385 Unicode" panose="020B0709000202000203" pitchFamily="49" charset="0"/>
+              </a:rPr>
+              <a:t>⌿⍨k[</a:t>
+            </a:r>
+            <a:r>
+              <a:rPr lang="en-US" sz="2400" dirty="0" err="1">
+                <a:latin typeface="APL385 Unicode" panose="020B0709000202000203" pitchFamily="49" charset="0"/>
+              </a:rPr>
+              <a:t>rfn</a:t>
+            </a:r>
+            <a:r>
+              <a:rPr lang="en-US" sz="2400" dirty="0">
+                <a:latin typeface="APL385 Unicode" panose="020B0709000202000203" pitchFamily="49" charset="0"/>
+              </a:rPr>
+              <a:t>[</a:t>
+            </a:r>
+            <a:r>
+              <a:rPr lang="en-US" sz="2400" dirty="0" err="1">
                 <a:latin typeface="APL385 Unicode" panose="020B0709000202000203" pitchFamily="49" charset="0"/>
               </a:rPr>
               <a:t>i</a:t>
             </a:r>
             <a:r>
               <a:rPr lang="en-US" sz="2400" dirty="0">
-                <a:highlight>
-                  <a:srgbClr val="00FFFF"/>
-                </a:highlight>
-                <a:latin typeface="APL385 Unicode" panose="020B0709000202000203" pitchFamily="49" charset="0"/>
-              </a:rPr>
-              <a:t>←⍸(t=V)∧</a:t>
-            </a:r>
-            <a:r>
-              <a:rPr lang="en-US" sz="2400" dirty="0" err="1">
-                <a:highlight>
-                  <a:srgbClr val="00FFFF"/>
-                </a:highlight>
+                <a:latin typeface="APL385 Unicode" panose="020B0709000202000203" pitchFamily="49" charset="0"/>
+              </a:rPr>
+              <a:t>]]≠0 ⋄ </a:t>
+            </a:r>
+            <a:r>
+              <a:rPr lang="en-US" sz="2400" dirty="0" err="1">
+                <a:latin typeface="APL385 Unicode" panose="020B0709000202000203" pitchFamily="49" charset="0"/>
+              </a:rPr>
+              <a:t>ci←p</a:t>
+            </a:r>
+            <a:r>
+              <a:rPr lang="en-US" sz="2400" dirty="0">
+                <a:latin typeface="APL385 Unicode" panose="020B0709000202000203" pitchFamily="49" charset="0"/>
+              </a:rPr>
+              <a:t>[</a:t>
+            </a:r>
+            <a:r>
+              <a:rPr lang="en-US" sz="2400" dirty="0" err="1">
+                <a:latin typeface="APL385 Unicode" panose="020B0709000202000203" pitchFamily="49" charset="0"/>
+              </a:rPr>
+              <a:t>rfn</a:t>
+            </a:r>
+            <a:r>
+              <a:rPr lang="en-US" sz="2400" dirty="0">
+                <a:latin typeface="APL385 Unicode" panose="020B0709000202000203" pitchFamily="49" charset="0"/>
+              </a:rPr>
+              <a:t>[</a:t>
+            </a:r>
+            <a:r>
+              <a:rPr lang="en-US" sz="2400" dirty="0" err="1">
+                <a:latin typeface="APL385 Unicode" panose="020B0709000202000203" pitchFamily="49" charset="0"/>
+              </a:rPr>
+              <a:t>i</a:t>
+            </a:r>
+            <a:r>
+              <a:rPr lang="en-US" sz="2400" dirty="0">
+                <a:latin typeface="APL385 Unicode" panose="020B0709000202000203" pitchFamily="49" charset="0"/>
+              </a:rPr>
+              <a:t>]] ⋄ </a:t>
+            </a:r>
+            <a:r>
+              <a:rPr lang="en-US" sz="2400" dirty="0" err="1">
                 <a:latin typeface="APL385 Unicode" panose="020B0709000202000203" pitchFamily="49" charset="0"/>
               </a:rPr>
               <a:t>vb</a:t>
             </a:r>
             <a:r>
               <a:rPr lang="en-US" sz="2400" dirty="0">
-                <a:highlight>
-                  <a:srgbClr val="00FFFF"/>
-                </a:highlight>
-                <a:latin typeface="APL385 Unicode" panose="020B0709000202000203" pitchFamily="49" charset="0"/>
-              </a:rPr>
-              <a:t>=¯1]←1</a:t>
-            </a:r>
-          </a:p>
-          <a:p>
-            <a:pPr algn="l">
-              <a:spcBef>
-                <a:spcPts val="0"/>
-              </a:spcBef>
-            </a:pPr>
-            <a:r>
-              <a:rPr lang="en-US" sz="2400" dirty="0">
-                <a:latin typeface="APL385 Unicode" panose="020B0709000202000203" pitchFamily="49" charset="0"/>
-              </a:rPr>
-              <a:t>		</a:t>
-            </a:r>
-          </a:p>
-          <a:p>
-            <a:pPr algn="l">
-              <a:spcBef>
-                <a:spcPts val="0"/>
-              </a:spcBef>
-            </a:pPr>
-            <a:r>
-              <a:rPr lang="en-US" sz="2400" dirty="0">
-                <a:latin typeface="APL385 Unicode" panose="020B0709000202000203" pitchFamily="49" charset="0"/>
-              </a:rPr>
-              <a:t>		⍝ Add free variables to closures</a:t>
-            </a:r>
-          </a:p>
-          <a:p>
-            <a:pPr algn="l">
-              <a:spcBef>
-                <a:spcPts val="0"/>
-              </a:spcBef>
-            </a:pPr>
-            <a:r>
-              <a:rPr lang="en-US" sz="2400" dirty="0">
-                <a:latin typeface="APL385 Unicode" panose="020B0709000202000203" pitchFamily="49" charset="0"/>
-              </a:rPr>
-              <a:t>		</a:t>
-            </a:r>
-            <a:r>
-              <a:rPr lang="en-US" sz="2400" dirty="0" err="1">
-                <a:latin typeface="APL385 Unicode" panose="020B0709000202000203" pitchFamily="49" charset="0"/>
-              </a:rPr>
-              <a:t>i←i</a:t>
-            </a:r>
-            <a:r>
-              <a:rPr lang="en-US" sz="2400" dirty="0">
-                <a:latin typeface="APL385 Unicode" panose="020B0709000202000203" pitchFamily="49" charset="0"/>
-              </a:rPr>
-              <a:t>⌿⍨k[</a:t>
-            </a:r>
-            <a:r>
-              <a:rPr lang="en-US" sz="2400" dirty="0" err="1">
-                <a:latin typeface="APL385 Unicode" panose="020B0709000202000203" pitchFamily="49" charset="0"/>
-              </a:rPr>
-              <a:t>rfn</a:t>
-            </a:r>
-            <a:r>
-              <a:rPr lang="en-US" sz="2400" dirty="0">
                 <a:latin typeface="APL385 Unicode" panose="020B0709000202000203" pitchFamily="49" charset="0"/>
               </a:rPr>
               <a:t>[</a:t>
@@ -13743,31 +12466,7 @@
               <a:rPr lang="en-US" sz="2400" dirty="0">
                 <a:latin typeface="APL385 Unicode" panose="020B0709000202000203" pitchFamily="49" charset="0"/>
               </a:rPr>
-              <a:t>]]≠0 ⋄ </a:t>
-            </a:r>
-            <a:r>
-              <a:rPr lang="en-US" sz="2400" dirty="0" err="1">
-                <a:latin typeface="APL385 Unicode" panose="020B0709000202000203" pitchFamily="49" charset="0"/>
-              </a:rPr>
-              <a:t>ci←p</a:t>
-            </a:r>
-            <a:r>
-              <a:rPr lang="en-US" sz="2400" dirty="0">
-                <a:latin typeface="APL385 Unicode" panose="020B0709000202000203" pitchFamily="49" charset="0"/>
-              </a:rPr>
-              <a:t>[</a:t>
-            </a:r>
-            <a:r>
-              <a:rPr lang="en-US" sz="2400" dirty="0" err="1">
-                <a:latin typeface="APL385 Unicode" panose="020B0709000202000203" pitchFamily="49" charset="0"/>
-              </a:rPr>
-              <a:t>rfn</a:t>
-            </a:r>
-            <a:r>
-              <a:rPr lang="en-US" sz="2400" dirty="0">
-                <a:latin typeface="APL385 Unicode" panose="020B0709000202000203" pitchFamily="49" charset="0"/>
-              </a:rPr>
-              <a:t>[</a:t>
+              <a:t>]←(≢p)+⍳≢</a:t>
             </a:r>
             <a:r>
               <a:rPr lang="en-US" sz="2400" dirty="0" err="1">
@@ -13775,61 +12474,7 @@
               </a:rPr>
               <a:t>i</a:t>
             </a:r>
-            <a:r>
-              <a:rPr lang="en-US" sz="2400" dirty="0">
-                <a:latin typeface="APL385 Unicode" panose="020B0709000202000203" pitchFamily="49" charset="0"/>
-              </a:rPr>
-              <a:t>]] ⋄ </a:t>
-            </a:r>
-            <a:r>
-              <a:rPr lang="en-US" sz="2400" dirty="0" err="1">
-                <a:highlight>
-                  <a:srgbClr val="00FFFF"/>
-                </a:highlight>
-                <a:latin typeface="APL385 Unicode" panose="020B0709000202000203" pitchFamily="49" charset="0"/>
-              </a:rPr>
-              <a:t>vb</a:t>
-            </a:r>
-            <a:r>
-              <a:rPr lang="en-US" sz="2400" dirty="0">
-                <a:highlight>
-                  <a:srgbClr val="00FFFF"/>
-                </a:highlight>
-                <a:latin typeface="APL385 Unicode" panose="020B0709000202000203" pitchFamily="49" charset="0"/>
-              </a:rPr>
-              <a:t>[</a:t>
-            </a:r>
-            <a:r>
-              <a:rPr lang="en-US" sz="2400" dirty="0" err="1">
-                <a:highlight>
-                  <a:srgbClr val="00FFFF"/>
-                </a:highlight>
-                <a:latin typeface="APL385 Unicode" panose="020B0709000202000203" pitchFamily="49" charset="0"/>
-              </a:rPr>
-              <a:t>i</a:t>
-            </a:r>
-            <a:r>
-              <a:rPr lang="en-US" sz="2400" dirty="0">
-                <a:highlight>
-                  <a:srgbClr val="00FFFF"/>
-                </a:highlight>
-                <a:latin typeface="APL385 Unicode" panose="020B0709000202000203" pitchFamily="49" charset="0"/>
-              </a:rPr>
-              <a:t>]←(≢p)+⍳≢</a:t>
-            </a:r>
-            <a:r>
-              <a:rPr lang="en-US" sz="2400" dirty="0" err="1">
-                <a:highlight>
-                  <a:srgbClr val="00FFFF"/>
-                </a:highlight>
-                <a:latin typeface="APL385 Unicode" panose="020B0709000202000203" pitchFamily="49" charset="0"/>
-              </a:rPr>
-              <a:t>i</a:t>
-            </a:r>
             <a:endParaRPr lang="en-US" sz="2400" dirty="0">
-              <a:highlight>
-                <a:srgbClr val="00FFFF"/>
-              </a:highlight>
               <a:latin typeface="APL385 Unicode" panose="020B0709000202000203" pitchFamily="49" charset="0"/>
             </a:endParaRPr>
           </a:p>
@@ -13934,7 +12579,7 @@
     </p:spTree>
     <p:extLst>
       <p:ext uri="{BB962C8B-B14F-4D97-AF65-F5344CB8AC3E}">
-        <p14:creationId xmlns:p14="http://schemas.microsoft.com/office/powerpoint/2010/main" val="1061349776"/>
+        <p14:creationId xmlns:p14="http://schemas.microsoft.com/office/powerpoint/2010/main" val="2918740624"/>
       </p:ext>
     </p:extLst>
   </p:cSld>
@@ -13966,7 +12611,7 @@
           <p:cNvPr id="2" name="Text Placeholder 1">
             <a:extLst>
               <a:ext uri="{FF2B5EF4-FFF2-40B4-BE49-F238E27FC236}">
-                <a16:creationId xmlns:a16="http://schemas.microsoft.com/office/drawing/2014/main" id="{BCC310F7-0ABB-A18A-FF79-09213C9AFCFE}"/>
+                <a16:creationId xmlns:a16="http://schemas.microsoft.com/office/drawing/2014/main" id="{207AF484-C0CF-C30A-C206-2901991C8C49}"/>
               </a:ext>
             </a:extLst>
           </p:cNvPr>
@@ -13977,14 +12622,9 @@
             <p:ph type="body" sz="quarter" idx="10"/>
           </p:nvPr>
         </p:nvSpPr>
-        <p:spPr>
-          <a:xfrm>
-            <a:off x="238990" y="353290"/>
-            <a:ext cx="11953009" cy="6504709"/>
-          </a:xfrm>
-        </p:spPr>
+        <p:spPr/>
         <p:txBody>
-          <a:bodyPr numCol="2">
+          <a:bodyPr>
             <a:normAutofit/>
           </a:bodyPr>
           <a:lstStyle/>
@@ -13995,329 +12635,770 @@
               </a:spcBef>
             </a:pPr>
             <a:r>
-              <a:rPr lang="en-US" sz="2400" dirty="0"/>
-              <a:t>Compute parent vector from d</a:t>
-            </a:r>
-          </a:p>
-          <a:p>
-            <a:pPr algn="l">
-              <a:spcBef>
-                <a:spcPts val="0"/>
-              </a:spcBef>
-            </a:pPr>
-            <a:r>
-              <a:rPr lang="en-US" sz="2400" dirty="0"/>
-              <a:t>Compute the </a:t>
-            </a:r>
-            <a:r>
-              <a:rPr lang="en-US" sz="2400" dirty="0" err="1"/>
-              <a:t>nameclass</a:t>
-            </a:r>
-            <a:r>
-              <a:rPr lang="en-US" sz="2400" dirty="0"/>
-              <a:t> of dfns</a:t>
-            </a:r>
-          </a:p>
-          <a:p>
-            <a:pPr algn="l">
-              <a:spcBef>
-                <a:spcPts val="0"/>
-              </a:spcBef>
-            </a:pPr>
-            <a:r>
-              <a:rPr lang="en-US" sz="2400" dirty="0"/>
-              <a:t>Nest top-level root lines as Z nodes</a:t>
-            </a:r>
-          </a:p>
-          <a:p>
-            <a:pPr algn="l">
-              <a:spcBef>
-                <a:spcPts val="0"/>
-              </a:spcBef>
-            </a:pPr>
-            <a:r>
-              <a:rPr lang="en-US" sz="2400" dirty="0"/>
-              <a:t>Wrap all dfns expression bodies </a:t>
-            </a:r>
-          </a:p>
-          <a:p>
-            <a:pPr algn="l">
-              <a:spcBef>
-                <a:spcPts val="0"/>
-              </a:spcBef>
-            </a:pPr>
-            <a:r>
-              <a:rPr lang="en-US" sz="2400" dirty="0"/>
-              <a:t>Drop any Z nodes that are empty</a:t>
-            </a:r>
-          </a:p>
-          <a:p>
-            <a:pPr algn="l">
-              <a:spcBef>
-                <a:spcPts val="0"/>
-              </a:spcBef>
-            </a:pPr>
-            <a:r>
-              <a:rPr lang="en-US" sz="2400" dirty="0"/>
-              <a:t>Parse :Namespace </a:t>
-            </a:r>
-          </a:p>
-          <a:p>
-            <a:pPr algn="l">
-              <a:spcBef>
-                <a:spcPts val="0"/>
-              </a:spcBef>
-            </a:pPr>
-            <a:r>
-              <a:rPr lang="en-US" sz="2400" dirty="0"/>
-              <a:t>Parse guards</a:t>
-            </a:r>
-          </a:p>
-          <a:p>
-            <a:pPr algn="l">
-              <a:spcBef>
-                <a:spcPts val="0"/>
-              </a:spcBef>
-            </a:pPr>
-            <a:r>
-              <a:rPr lang="en-US" sz="2400" dirty="0"/>
-              <a:t>Parse brackets and parentheses</a:t>
-            </a:r>
-          </a:p>
-          <a:p>
-            <a:pPr algn="l">
-              <a:spcBef>
-                <a:spcPts val="0"/>
-              </a:spcBef>
-            </a:pPr>
-            <a:r>
-              <a:rPr lang="en-US" sz="2400" dirty="0"/>
-              <a:t>Parse ;</a:t>
-            </a:r>
-          </a:p>
-          <a:p>
-            <a:pPr algn="l">
-              <a:spcBef>
-                <a:spcPts val="0"/>
-              </a:spcBef>
-            </a:pPr>
-            <a:r>
-              <a:rPr lang="en-US" sz="2400" dirty="0"/>
-              <a:t>Mark system variables</a:t>
-            </a:r>
-          </a:p>
-          <a:p>
-            <a:pPr algn="l">
-              <a:spcBef>
-                <a:spcPts val="0"/>
-              </a:spcBef>
-            </a:pPr>
-            <a:r>
-              <a:rPr lang="en-US" sz="2400" dirty="0"/>
-              <a:t>Mark primitives</a:t>
-            </a:r>
-          </a:p>
-          <a:p>
-            <a:pPr algn="l">
-              <a:spcBef>
-                <a:spcPts val="0"/>
-              </a:spcBef>
-            </a:pPr>
-            <a:r>
-              <a:rPr lang="en-US" sz="2400" dirty="0"/>
-              <a:t>Parse niladic tokens</a:t>
-            </a:r>
-          </a:p>
-          <a:p>
-            <a:pPr algn="l">
-              <a:spcBef>
-                <a:spcPts val="0"/>
-              </a:spcBef>
-            </a:pPr>
-            <a:endParaRPr lang="en-US" sz="2400" dirty="0"/>
-          </a:p>
-          <a:p>
-            <a:pPr algn="l">
-              <a:spcBef>
-                <a:spcPts val="0"/>
-              </a:spcBef>
-            </a:pPr>
-            <a:endParaRPr lang="en-US" sz="2400" dirty="0"/>
-          </a:p>
-          <a:p>
-            <a:pPr algn="l">
-              <a:spcBef>
-                <a:spcPts val="0"/>
-              </a:spcBef>
-            </a:pPr>
-            <a:endParaRPr lang="en-US" sz="2400" dirty="0"/>
-          </a:p>
-          <a:p>
-            <a:pPr algn="l">
-              <a:spcBef>
-                <a:spcPts val="0"/>
-              </a:spcBef>
-            </a:pPr>
-            <a:endParaRPr lang="en-US" sz="2400" dirty="0"/>
-          </a:p>
-          <a:p>
-            <a:pPr algn="l">
-              <a:spcBef>
-                <a:spcPts val="0"/>
-              </a:spcBef>
-            </a:pPr>
-            <a:endParaRPr lang="en-US" sz="2400" dirty="0"/>
-          </a:p>
-          <a:p>
-            <a:pPr algn="l">
-              <a:spcBef>
-                <a:spcPts val="0"/>
-              </a:spcBef>
-            </a:pPr>
-            <a:endParaRPr lang="en-US" sz="2400" dirty="0"/>
-          </a:p>
-          <a:p>
-            <a:pPr algn="l">
-              <a:spcBef>
-                <a:spcPts val="0"/>
-              </a:spcBef>
-            </a:pPr>
-            <a:endParaRPr lang="en-US" sz="2400" dirty="0"/>
-          </a:p>
-          <a:p>
-            <a:pPr algn="l">
-              <a:spcBef>
-                <a:spcPts val="0"/>
-              </a:spcBef>
-            </a:pPr>
-            <a:r>
-              <a:rPr lang="en-US" sz="2400" dirty="0"/>
-              <a:t>Unify atomic array values</a:t>
-            </a:r>
-          </a:p>
-          <a:p>
-            <a:pPr algn="l">
-              <a:spcBef>
-                <a:spcPts val="0"/>
-              </a:spcBef>
-            </a:pPr>
-            <a:r>
-              <a:rPr lang="en-US" sz="2400" dirty="0"/>
-              <a:t>Mark bindable nodes</a:t>
-            </a:r>
-          </a:p>
-          <a:p>
-            <a:pPr algn="l">
-              <a:spcBef>
-                <a:spcPts val="0"/>
-              </a:spcBef>
-            </a:pPr>
-            <a:r>
-              <a:rPr lang="en-US" sz="2400" dirty="0"/>
-              <a:t>Wrap bindings into B nodes</a:t>
-            </a:r>
-          </a:p>
-          <a:p>
-            <a:pPr algn="l">
-              <a:spcBef>
-                <a:spcPts val="0"/>
-              </a:spcBef>
-            </a:pPr>
-            <a:r>
-              <a:rPr lang="en-US" sz="2400" dirty="0"/>
-              <a:t>Wrap functions as closures</a:t>
-            </a:r>
-          </a:p>
-          <a:p>
-            <a:pPr algn="l">
-              <a:spcBef>
-                <a:spcPts val="0"/>
-              </a:spcBef>
-            </a:pPr>
-            <a:r>
-              <a:rPr lang="en-US" sz="2400" dirty="0"/>
-              <a:t>Link variables to their bindings</a:t>
-            </a:r>
-          </a:p>
-          <a:p>
-            <a:pPr algn="l">
-              <a:spcBef>
-                <a:spcPts val="0"/>
-              </a:spcBef>
-            </a:pPr>
-            <a:r>
-              <a:rPr lang="en-US" sz="2400" dirty="0"/>
-              <a:t>Infer types of bindings</a:t>
-            </a:r>
-          </a:p>
-          <a:p>
-            <a:pPr algn="l">
-              <a:spcBef>
-                <a:spcPts val="0"/>
-              </a:spcBef>
-            </a:pPr>
-            <a:r>
-              <a:rPr lang="en-US" sz="2400" dirty="0">
+              <a:rPr lang="en-US" sz="2400" dirty="0">
+                <a:latin typeface="APL385 Unicode" panose="020B0709000202000203" pitchFamily="49" charset="0"/>
+              </a:rPr>
+              <a:t>	⍝ Link variables to their bindings</a:t>
+            </a:r>
+          </a:p>
+          <a:p>
+            <a:pPr algn="l">
+              <a:spcBef>
+                <a:spcPts val="0"/>
+              </a:spcBef>
+            </a:pPr>
+            <a:r>
+              <a:rPr lang="en-US" sz="2400" dirty="0">
+                <a:latin typeface="APL385 Unicode" panose="020B0709000202000203" pitchFamily="49" charset="0"/>
+              </a:rPr>
+              <a:t>	</a:t>
+            </a:r>
+            <a:r>
+              <a:rPr lang="en-US" sz="2400" dirty="0" err="1">
+                <a:latin typeface="APL385 Unicode" panose="020B0709000202000203" pitchFamily="49" charset="0"/>
+              </a:rPr>
+              <a:t>mk</a:t>
+            </a:r>
+            <a:r>
+              <a:rPr lang="en-US" sz="2400" dirty="0">
+                <a:latin typeface="APL385 Unicode" panose="020B0709000202000203" pitchFamily="49" charset="0"/>
+              </a:rPr>
+              <a:t>←{⍺[⍵],⍪n[⍵]}</a:t>
+            </a:r>
+          </a:p>
+          <a:p>
+            <a:pPr algn="l">
+              <a:spcBef>
+                <a:spcPts val="0"/>
+              </a:spcBef>
+            </a:pPr>
+            <a:r>
+              <a:rPr lang="en-US" sz="2400" dirty="0">
+                <a:latin typeface="APL385 Unicode" panose="020B0709000202000203" pitchFamily="49" charset="0"/>
+              </a:rPr>
+              <a:t> 	_←{</a:t>
+            </a:r>
+          </a:p>
+          <a:p>
+            <a:pPr algn="l">
+              <a:spcBef>
+                <a:spcPts val="0"/>
+              </a:spcBef>
+            </a:pPr>
+            <a:r>
+              <a:rPr lang="en-US" sz="2400" dirty="0">
+                <a:latin typeface="APL385 Unicode" panose="020B0709000202000203" pitchFamily="49" charset="0"/>
+              </a:rPr>
+              <a:t>		⍝ Link local variables with their local bindings</a:t>
+            </a:r>
+          </a:p>
+          <a:p>
+            <a:pPr algn="l">
+              <a:spcBef>
+                <a:spcPts val="0"/>
+              </a:spcBef>
+            </a:pPr>
+            <a:r>
+              <a:rPr lang="en-US" sz="2400" dirty="0">
+                <a:latin typeface="APL385 Unicode" panose="020B0709000202000203" pitchFamily="49" charset="0"/>
+              </a:rPr>
+              <a:t>		</a:t>
+            </a:r>
+            <a:r>
+              <a:rPr lang="en-US" sz="2400" dirty="0" err="1">
+                <a:latin typeface="APL385 Unicode" panose="020B0709000202000203" pitchFamily="49" charset="0"/>
+              </a:rPr>
+              <a:t>vb</a:t>
+            </a:r>
+            <a:r>
+              <a:rPr lang="en-US" sz="2400" dirty="0">
+                <a:latin typeface="APL385 Unicode" panose="020B0709000202000203" pitchFamily="49" charset="0"/>
+              </a:rPr>
+              <a:t>[</a:t>
+            </a:r>
+            <a:r>
+              <a:rPr lang="en-US" sz="2400" dirty="0" err="1">
+                <a:latin typeface="APL385 Unicode" panose="020B0709000202000203" pitchFamily="49" charset="0"/>
+              </a:rPr>
+              <a:t>i</a:t>
+            </a:r>
+            <a:r>
+              <a:rPr lang="en-US" sz="2400" dirty="0">
+                <a:latin typeface="APL385 Unicode" panose="020B0709000202000203" pitchFamily="49" charset="0"/>
+              </a:rPr>
+              <a:t>]←fb[</a:t>
+            </a:r>
+            <a:r>
+              <a:rPr lang="en-US" sz="2400" dirty="0" err="1">
+                <a:latin typeface="APL385 Unicode" panose="020B0709000202000203" pitchFamily="49" charset="0"/>
+              </a:rPr>
+              <a:t>fr⍳rf</a:t>
+            </a:r>
+            <a:r>
+              <a:rPr lang="en-US" sz="2400" dirty="0">
+                <a:latin typeface="APL385 Unicode" panose="020B0709000202000203" pitchFamily="49" charset="0"/>
+              </a:rPr>
+              <a:t> </a:t>
+            </a:r>
+            <a:r>
+              <a:rPr lang="en-US" sz="2400" dirty="0" err="1">
+                <a:latin typeface="APL385 Unicode" panose="020B0709000202000203" pitchFamily="49" charset="0"/>
+              </a:rPr>
+              <a:t>mk⊢i</a:t>
+            </a:r>
+            <a:r>
+              <a:rPr lang="en-US" sz="2400" dirty="0">
+                <a:latin typeface="APL385 Unicode" panose="020B0709000202000203" pitchFamily="49" charset="0"/>
+              </a:rPr>
+              <a:t>←⍸(t=V)∧</a:t>
+            </a:r>
+            <a:r>
+              <a:rPr lang="en-US" sz="2400" dirty="0" err="1">
+                <a:latin typeface="APL385 Unicode" panose="020B0709000202000203" pitchFamily="49" charset="0"/>
+              </a:rPr>
+              <a:t>vb</a:t>
+            </a:r>
+            <a:r>
+              <a:rPr lang="en-US" sz="2400" dirty="0">
+                <a:latin typeface="APL385 Unicode" panose="020B0709000202000203" pitchFamily="49" charset="0"/>
+              </a:rPr>
+              <a:t>=¯1]</a:t>
+            </a:r>
+          </a:p>
+          <a:p>
+            <a:pPr algn="l">
+              <a:spcBef>
+                <a:spcPts val="0"/>
+              </a:spcBef>
+            </a:pPr>
+            <a:r>
+              <a:rPr lang="en-US" sz="2400" dirty="0">
+                <a:latin typeface="APL385 Unicode" panose="020B0709000202000203" pitchFamily="49" charset="0"/>
+              </a:rPr>
+              <a:t>		</a:t>
+            </a:r>
+            <a:r>
+              <a:rPr lang="en-US" sz="2400" dirty="0" err="1">
+                <a:latin typeface="APL385 Unicode" panose="020B0709000202000203" pitchFamily="49" charset="0"/>
+              </a:rPr>
+              <a:t>vb</a:t>
+            </a:r>
+            <a:r>
+              <a:rPr lang="en-US" sz="2400" dirty="0">
+                <a:latin typeface="APL385 Unicode" panose="020B0709000202000203" pitchFamily="49" charset="0"/>
+              </a:rPr>
+              <a:t>[</a:t>
+            </a:r>
+            <a:r>
+              <a:rPr lang="en-US" sz="2400" dirty="0" err="1">
+                <a:latin typeface="APL385 Unicode" panose="020B0709000202000203" pitchFamily="49" charset="0"/>
+              </a:rPr>
+              <a:t>i</a:t>
+            </a:r>
+            <a:r>
+              <a:rPr lang="en-US" sz="2400" dirty="0">
+                <a:latin typeface="APL385 Unicode" panose="020B0709000202000203" pitchFamily="49" charset="0"/>
+              </a:rPr>
+              <a:t>]←fb[</a:t>
+            </a:r>
+            <a:r>
+              <a:rPr lang="en-US" sz="2400" dirty="0" err="1">
+                <a:latin typeface="APL385 Unicode" panose="020B0709000202000203" pitchFamily="49" charset="0"/>
+              </a:rPr>
+              <a:t>fr⍳rfn</a:t>
+            </a:r>
+            <a:r>
+              <a:rPr lang="en-US" sz="2400" dirty="0">
+                <a:latin typeface="APL385 Unicode" panose="020B0709000202000203" pitchFamily="49" charset="0"/>
+              </a:rPr>
+              <a:t> </a:t>
+            </a:r>
+            <a:r>
+              <a:rPr lang="en-US" sz="2400" dirty="0" err="1">
+                <a:latin typeface="APL385 Unicode" panose="020B0709000202000203" pitchFamily="49" charset="0"/>
+              </a:rPr>
+              <a:t>mk⊢i</a:t>
+            </a:r>
+            <a:r>
+              <a:rPr lang="en-US" sz="2400" dirty="0">
+                <a:latin typeface="APL385 Unicode" panose="020B0709000202000203" pitchFamily="49" charset="0"/>
+              </a:rPr>
+              <a:t>←⍸(t=V)∧</a:t>
+            </a:r>
+            <a:r>
+              <a:rPr lang="en-US" sz="2400" dirty="0" err="1">
+                <a:latin typeface="APL385 Unicode" panose="020B0709000202000203" pitchFamily="49" charset="0"/>
+              </a:rPr>
+              <a:t>vb</a:t>
+            </a:r>
+            <a:r>
+              <a:rPr lang="en-US" sz="2400" dirty="0">
+                <a:latin typeface="APL385 Unicode" panose="020B0709000202000203" pitchFamily="49" charset="0"/>
+              </a:rPr>
+              <a:t>=¯1]</a:t>
+            </a:r>
+          </a:p>
+          <a:p>
+            <a:pPr algn="l">
+              <a:spcBef>
+                <a:spcPts val="0"/>
+              </a:spcBef>
+            </a:pPr>
+            <a:r>
+              <a:rPr lang="en-US" sz="2400" dirty="0">
+                <a:latin typeface="APL385 Unicode" panose="020B0709000202000203" pitchFamily="49" charset="0"/>
+              </a:rPr>
+              <a:t>		</a:t>
+            </a:r>
+            <a:r>
+              <a:rPr lang="en-US" sz="2400" dirty="0" err="1">
                 <a:highlight>
                   <a:srgbClr val="00FFFF"/>
                 </a:highlight>
-              </a:rPr>
-              <a:t>Parse strands</a:t>
-            </a:r>
-          </a:p>
-          <a:p>
-            <a:pPr algn="l">
-              <a:spcBef>
-                <a:spcPts val="0"/>
-              </a:spcBef>
-            </a:pPr>
-            <a:r>
-              <a:rPr lang="en-US" sz="2400" dirty="0"/>
-              <a:t>Parse [] operator</a:t>
-            </a:r>
-          </a:p>
-          <a:p>
-            <a:pPr algn="l">
-              <a:spcBef>
-                <a:spcPts val="0"/>
-              </a:spcBef>
-            </a:pPr>
-            <a:r>
-              <a:rPr lang="en-US" sz="2400" dirty="0"/>
-              <a:t>Parse function expressions</a:t>
-            </a:r>
-          </a:p>
-          <a:p>
-            <a:pPr algn="l">
-              <a:spcBef>
-                <a:spcPts val="0"/>
-              </a:spcBef>
-            </a:pPr>
-            <a:r>
-              <a:rPr lang="en-US" sz="2400" dirty="0"/>
-              <a:t>Parse assignments</a:t>
-            </a:r>
-          </a:p>
-          <a:p>
-            <a:pPr algn="l">
-              <a:spcBef>
-                <a:spcPts val="0"/>
-              </a:spcBef>
-            </a:pPr>
-            <a:r>
-              <a:rPr lang="en-US" sz="2400" dirty="0"/>
-              <a:t>Parse expressions</a:t>
-            </a:r>
-          </a:p>
-          <a:p>
-            <a:pPr algn="l">
-              <a:spcBef>
-                <a:spcPts val="0"/>
-              </a:spcBef>
-            </a:pPr>
-            <a:r>
-              <a:rPr lang="en-US" sz="2400" dirty="0"/>
-              <a:t>Simplify and Optimize the AST</a:t>
+                <a:latin typeface="APL385 Unicode" panose="020B0709000202000203" pitchFamily="49" charset="0"/>
+              </a:rPr>
+              <a:t>b←vb</a:t>
+            </a:r>
+            <a:r>
+              <a:rPr lang="en-US" sz="2400" dirty="0">
+                <a:highlight>
+                  <a:srgbClr val="00FFFF"/>
+                </a:highlight>
+                <a:latin typeface="APL385 Unicode" panose="020B0709000202000203" pitchFamily="49" charset="0"/>
+              </a:rPr>
+              <a:t>[</a:t>
+            </a:r>
+            <a:r>
+              <a:rPr lang="en-US" sz="2400" dirty="0" err="1">
+                <a:highlight>
+                  <a:srgbClr val="00FFFF"/>
+                </a:highlight>
+                <a:latin typeface="APL385 Unicode" panose="020B0709000202000203" pitchFamily="49" charset="0"/>
+              </a:rPr>
+              <a:t>i←i</a:t>
+            </a:r>
+            <a:r>
+              <a:rPr lang="en-US" sz="2400" dirty="0">
+                <a:highlight>
+                  <a:srgbClr val="00FFFF"/>
+                </a:highlight>
+                <a:latin typeface="APL385 Unicode" panose="020B0709000202000203" pitchFamily="49" charset="0"/>
+              </a:rPr>
+              <a:t>⌿⍨</a:t>
+            </a:r>
+            <a:r>
+              <a:rPr lang="en-US" sz="2400" dirty="0" err="1">
+                <a:highlight>
+                  <a:srgbClr val="00FFFF"/>
+                </a:highlight>
+                <a:latin typeface="APL385 Unicode" panose="020B0709000202000203" pitchFamily="49" charset="0"/>
+              </a:rPr>
+              <a:t>vb</a:t>
+            </a:r>
+            <a:r>
+              <a:rPr lang="en-US" sz="2400" dirty="0">
+                <a:highlight>
+                  <a:srgbClr val="00FFFF"/>
+                </a:highlight>
+                <a:latin typeface="APL385 Unicode" panose="020B0709000202000203" pitchFamily="49" charset="0"/>
+              </a:rPr>
+              <a:t>[</a:t>
+            </a:r>
+            <a:r>
+              <a:rPr lang="en-US" sz="2400" dirty="0" err="1">
+                <a:highlight>
+                  <a:srgbClr val="00FFFF"/>
+                </a:highlight>
+                <a:latin typeface="APL385 Unicode" panose="020B0709000202000203" pitchFamily="49" charset="0"/>
+              </a:rPr>
+              <a:t>i</a:t>
+            </a:r>
+            <a:r>
+              <a:rPr lang="en-US" sz="2400" dirty="0">
+                <a:highlight>
+                  <a:srgbClr val="00FFFF"/>
+                </a:highlight>
+                <a:latin typeface="APL385 Unicode" panose="020B0709000202000203" pitchFamily="49" charset="0"/>
+              </a:rPr>
+              <a:t>]≠¯1]</a:t>
+            </a:r>
+          </a:p>
+          <a:p>
+            <a:pPr algn="l">
+              <a:spcBef>
+                <a:spcPts val="0"/>
+              </a:spcBef>
+            </a:pPr>
+            <a:r>
+              <a:rPr lang="en-US" sz="2400" dirty="0">
+                <a:highlight>
+                  <a:srgbClr val="00FFFF"/>
+                </a:highlight>
+                <a:latin typeface="APL385 Unicode" panose="020B0709000202000203" pitchFamily="49" charset="0"/>
+              </a:rPr>
+              <a:t>		</a:t>
+            </a:r>
+            <a:r>
+              <a:rPr lang="en-US" sz="2400" dirty="0" err="1">
+                <a:highlight>
+                  <a:srgbClr val="00FFFF"/>
+                </a:highlight>
+                <a:latin typeface="APL385 Unicode" panose="020B0709000202000203" pitchFamily="49" charset="0"/>
+              </a:rPr>
+              <a:t>vb</a:t>
+            </a:r>
+            <a:r>
+              <a:rPr lang="en-US" sz="2400" dirty="0">
+                <a:highlight>
+                  <a:srgbClr val="00FFFF"/>
+                </a:highlight>
+                <a:latin typeface="APL385 Unicode" panose="020B0709000202000203" pitchFamily="49" charset="0"/>
+              </a:rPr>
+              <a:t>[</a:t>
+            </a:r>
+            <a:r>
+              <a:rPr lang="en-US" sz="2400" dirty="0" err="1">
+                <a:highlight>
+                  <a:srgbClr val="00FFFF"/>
+                </a:highlight>
+                <a:latin typeface="APL385 Unicode" panose="020B0709000202000203" pitchFamily="49" charset="0"/>
+              </a:rPr>
+              <a:t>i</a:t>
+            </a:r>
+            <a:r>
+              <a:rPr lang="en-US" sz="2400" dirty="0">
+                <a:highlight>
+                  <a:srgbClr val="00FFFF"/>
+                </a:highlight>
+                <a:latin typeface="APL385 Unicode" panose="020B0709000202000203" pitchFamily="49" charset="0"/>
+              </a:rPr>
+              <a:t>⌿⍨(</a:t>
+            </a:r>
+            <a:r>
+              <a:rPr lang="en-US" sz="2400" dirty="0" err="1">
+                <a:highlight>
+                  <a:srgbClr val="00FFFF"/>
+                </a:highlight>
+                <a:latin typeface="APL385 Unicode" panose="020B0709000202000203" pitchFamily="49" charset="0"/>
+              </a:rPr>
+              <a:t>rz</a:t>
+            </a:r>
+            <a:r>
+              <a:rPr lang="en-US" sz="2400" dirty="0">
+                <a:highlight>
+                  <a:srgbClr val="00FFFF"/>
+                </a:highlight>
+                <a:latin typeface="APL385 Unicode" panose="020B0709000202000203" pitchFamily="49" charset="0"/>
+              </a:rPr>
+              <a:t>[</a:t>
+            </a:r>
+            <a:r>
+              <a:rPr lang="en-US" sz="2400" dirty="0" err="1">
+                <a:highlight>
+                  <a:srgbClr val="00FFFF"/>
+                </a:highlight>
+                <a:latin typeface="APL385 Unicode" panose="020B0709000202000203" pitchFamily="49" charset="0"/>
+              </a:rPr>
+              <a:t>i</a:t>
+            </a:r>
+            <a:r>
+              <a:rPr lang="en-US" sz="2400" dirty="0">
+                <a:highlight>
+                  <a:srgbClr val="00FFFF"/>
+                </a:highlight>
+                <a:latin typeface="APL385 Unicode" panose="020B0709000202000203" pitchFamily="49" charset="0"/>
+              </a:rPr>
+              <a:t>]&lt;</a:t>
+            </a:r>
+            <a:r>
+              <a:rPr lang="en-US" sz="2400" dirty="0" err="1">
+                <a:highlight>
+                  <a:srgbClr val="00FFFF"/>
+                </a:highlight>
+                <a:latin typeface="APL385 Unicode" panose="020B0709000202000203" pitchFamily="49" charset="0"/>
+              </a:rPr>
+              <a:t>rz</a:t>
+            </a:r>
+            <a:r>
+              <a:rPr lang="en-US" sz="2400" dirty="0">
+                <a:highlight>
+                  <a:srgbClr val="00FFFF"/>
+                </a:highlight>
+                <a:latin typeface="APL385 Unicode" panose="020B0709000202000203" pitchFamily="49" charset="0"/>
+              </a:rPr>
+              <a:t>[b])∨(</a:t>
+            </a:r>
+            <a:r>
+              <a:rPr lang="en-US" sz="2400" dirty="0" err="1">
+                <a:highlight>
+                  <a:srgbClr val="00FFFF"/>
+                </a:highlight>
+                <a:latin typeface="APL385 Unicode" panose="020B0709000202000203" pitchFamily="49" charset="0"/>
+              </a:rPr>
+              <a:t>rz</a:t>
+            </a:r>
+            <a:r>
+              <a:rPr lang="en-US" sz="2400" dirty="0">
+                <a:highlight>
+                  <a:srgbClr val="00FFFF"/>
+                </a:highlight>
+                <a:latin typeface="APL385 Unicode" panose="020B0709000202000203" pitchFamily="49" charset="0"/>
+              </a:rPr>
+              <a:t>[</a:t>
+            </a:r>
+            <a:r>
+              <a:rPr lang="en-US" sz="2400" dirty="0" err="1">
+                <a:highlight>
+                  <a:srgbClr val="00FFFF"/>
+                </a:highlight>
+                <a:latin typeface="APL385 Unicode" panose="020B0709000202000203" pitchFamily="49" charset="0"/>
+              </a:rPr>
+              <a:t>i</a:t>
+            </a:r>
+            <a:r>
+              <a:rPr lang="en-US" sz="2400" dirty="0">
+                <a:highlight>
+                  <a:srgbClr val="00FFFF"/>
+                </a:highlight>
+                <a:latin typeface="APL385 Unicode" panose="020B0709000202000203" pitchFamily="49" charset="0"/>
+              </a:rPr>
+              <a:t>]=</a:t>
+            </a:r>
+            <a:r>
+              <a:rPr lang="en-US" sz="2400" dirty="0" err="1">
+                <a:highlight>
+                  <a:srgbClr val="00FFFF"/>
+                </a:highlight>
+                <a:latin typeface="APL385 Unicode" panose="020B0709000202000203" pitchFamily="49" charset="0"/>
+              </a:rPr>
+              <a:t>rz</a:t>
+            </a:r>
+            <a:r>
+              <a:rPr lang="en-US" sz="2400" dirty="0">
+                <a:highlight>
+                  <a:srgbClr val="00FFFF"/>
+                </a:highlight>
+                <a:latin typeface="APL385 Unicode" panose="020B0709000202000203" pitchFamily="49" charset="0"/>
+              </a:rPr>
+              <a:t>[b])∧</a:t>
+            </a:r>
+            <a:r>
+              <a:rPr lang="en-US" sz="2400" dirty="0" err="1">
+                <a:highlight>
+                  <a:srgbClr val="00FFFF"/>
+                </a:highlight>
+                <a:latin typeface="APL385 Unicode" panose="020B0709000202000203" pitchFamily="49" charset="0"/>
+              </a:rPr>
+              <a:t>i≥b</a:t>
+            </a:r>
+            <a:r>
+              <a:rPr lang="en-US" sz="2400" dirty="0">
+                <a:highlight>
+                  <a:srgbClr val="00FFFF"/>
+                </a:highlight>
+                <a:latin typeface="APL385 Unicode" panose="020B0709000202000203" pitchFamily="49" charset="0"/>
+              </a:rPr>
+              <a:t>]←¯1</a:t>
+            </a:r>
+          </a:p>
+          <a:p>
+            <a:pPr algn="l">
+              <a:spcBef>
+                <a:spcPts val="0"/>
+              </a:spcBef>
+            </a:pPr>
+            <a:endParaRPr lang="en-US" sz="2400" dirty="0">
+              <a:latin typeface="APL385 Unicode" panose="020B0709000202000203" pitchFamily="49" charset="0"/>
+            </a:endParaRPr>
+          </a:p>
+          <a:p>
+            <a:pPr algn="l">
+              <a:spcBef>
+                <a:spcPts val="0"/>
+              </a:spcBef>
+            </a:pPr>
+            <a:r>
+              <a:rPr lang="en-US" sz="2400" dirty="0">
+                <a:latin typeface="APL385 Unicode" panose="020B0709000202000203" pitchFamily="49" charset="0"/>
+              </a:rPr>
+              <a:t>		⍝ Mark free variables with their scope before binding</a:t>
+            </a:r>
+          </a:p>
+          <a:p>
+            <a:pPr algn="l">
+              <a:spcBef>
+                <a:spcPts val="0"/>
+              </a:spcBef>
+            </a:pPr>
+            <a:r>
+              <a:rPr lang="en-US" sz="2400" dirty="0">
+                <a:latin typeface="APL385 Unicode" panose="020B0709000202000203" pitchFamily="49" charset="0"/>
+              </a:rPr>
+              <a:t>		lx[</a:t>
+            </a:r>
+            <a:r>
+              <a:rPr lang="en-US" sz="2400" dirty="0" err="1">
+                <a:latin typeface="APL385 Unicode" panose="020B0709000202000203" pitchFamily="49" charset="0"/>
+              </a:rPr>
+              <a:t>i</a:t>
+            </a:r>
+            <a:r>
+              <a:rPr lang="en-US" sz="2400" dirty="0">
+                <a:latin typeface="APL385 Unicode" panose="020B0709000202000203" pitchFamily="49" charset="0"/>
+              </a:rPr>
+              <a:t>←⍸(t=V)∧</a:t>
+            </a:r>
+            <a:r>
+              <a:rPr lang="en-US" sz="2400" dirty="0" err="1">
+                <a:latin typeface="APL385 Unicode" panose="020B0709000202000203" pitchFamily="49" charset="0"/>
+              </a:rPr>
+              <a:t>vb</a:t>
+            </a:r>
+            <a:r>
+              <a:rPr lang="en-US" sz="2400" dirty="0">
+                <a:latin typeface="APL385 Unicode" panose="020B0709000202000203" pitchFamily="49" charset="0"/>
+              </a:rPr>
+              <a:t>=¯1]←1</a:t>
+            </a:r>
+          </a:p>
+          <a:p>
+            <a:pPr algn="l">
+              <a:spcBef>
+                <a:spcPts val="0"/>
+              </a:spcBef>
+            </a:pPr>
+            <a:r>
+              <a:rPr lang="en-US" sz="2400" dirty="0">
+                <a:latin typeface="APL385 Unicode" panose="020B0709000202000203" pitchFamily="49" charset="0"/>
+              </a:rPr>
+              <a:t>		</a:t>
+            </a:r>
+          </a:p>
+          <a:p>
+            <a:pPr algn="l">
+              <a:spcBef>
+                <a:spcPts val="0"/>
+              </a:spcBef>
+            </a:pPr>
+            <a:r>
+              <a:rPr lang="en-US" sz="2400" dirty="0">
+                <a:latin typeface="APL385 Unicode" panose="020B0709000202000203" pitchFamily="49" charset="0"/>
+              </a:rPr>
+              <a:t>		⍝ Add free variables to closures</a:t>
+            </a:r>
+          </a:p>
+          <a:p>
+            <a:pPr algn="l">
+              <a:spcBef>
+                <a:spcPts val="0"/>
+              </a:spcBef>
+            </a:pPr>
+            <a:r>
+              <a:rPr lang="en-US" sz="2400" dirty="0">
+                <a:latin typeface="APL385 Unicode" panose="020B0709000202000203" pitchFamily="49" charset="0"/>
+              </a:rPr>
+              <a:t>		</a:t>
+            </a:r>
+            <a:r>
+              <a:rPr lang="en-US" sz="2400" dirty="0" err="1">
+                <a:latin typeface="APL385 Unicode" panose="020B0709000202000203" pitchFamily="49" charset="0"/>
+              </a:rPr>
+              <a:t>i←i</a:t>
+            </a:r>
+            <a:r>
+              <a:rPr lang="en-US" sz="2400" dirty="0">
+                <a:latin typeface="APL385 Unicode" panose="020B0709000202000203" pitchFamily="49" charset="0"/>
+              </a:rPr>
+              <a:t>⌿⍨k[</a:t>
+            </a:r>
+            <a:r>
+              <a:rPr lang="en-US" sz="2400" dirty="0" err="1">
+                <a:latin typeface="APL385 Unicode" panose="020B0709000202000203" pitchFamily="49" charset="0"/>
+              </a:rPr>
+              <a:t>rfn</a:t>
+            </a:r>
+            <a:r>
+              <a:rPr lang="en-US" sz="2400" dirty="0">
+                <a:latin typeface="APL385 Unicode" panose="020B0709000202000203" pitchFamily="49" charset="0"/>
+              </a:rPr>
+              <a:t>[</a:t>
+            </a:r>
+            <a:r>
+              <a:rPr lang="en-US" sz="2400" dirty="0" err="1">
+                <a:latin typeface="APL385 Unicode" panose="020B0709000202000203" pitchFamily="49" charset="0"/>
+              </a:rPr>
+              <a:t>i</a:t>
+            </a:r>
+            <a:r>
+              <a:rPr lang="en-US" sz="2400" dirty="0">
+                <a:latin typeface="APL385 Unicode" panose="020B0709000202000203" pitchFamily="49" charset="0"/>
+              </a:rPr>
+              <a:t>]]≠0 ⋄ </a:t>
+            </a:r>
+            <a:r>
+              <a:rPr lang="en-US" sz="2400" dirty="0" err="1">
+                <a:latin typeface="APL385 Unicode" panose="020B0709000202000203" pitchFamily="49" charset="0"/>
+              </a:rPr>
+              <a:t>ci←p</a:t>
+            </a:r>
+            <a:r>
+              <a:rPr lang="en-US" sz="2400" dirty="0">
+                <a:latin typeface="APL385 Unicode" panose="020B0709000202000203" pitchFamily="49" charset="0"/>
+              </a:rPr>
+              <a:t>[</a:t>
+            </a:r>
+            <a:r>
+              <a:rPr lang="en-US" sz="2400" dirty="0" err="1">
+                <a:latin typeface="APL385 Unicode" panose="020B0709000202000203" pitchFamily="49" charset="0"/>
+              </a:rPr>
+              <a:t>rfn</a:t>
+            </a:r>
+            <a:r>
+              <a:rPr lang="en-US" sz="2400" dirty="0">
+                <a:latin typeface="APL385 Unicode" panose="020B0709000202000203" pitchFamily="49" charset="0"/>
+              </a:rPr>
+              <a:t>[</a:t>
+            </a:r>
+            <a:r>
+              <a:rPr lang="en-US" sz="2400" dirty="0" err="1">
+                <a:latin typeface="APL385 Unicode" panose="020B0709000202000203" pitchFamily="49" charset="0"/>
+              </a:rPr>
+              <a:t>i</a:t>
+            </a:r>
+            <a:r>
+              <a:rPr lang="en-US" sz="2400" dirty="0">
+                <a:latin typeface="APL385 Unicode" panose="020B0709000202000203" pitchFamily="49" charset="0"/>
+              </a:rPr>
+              <a:t>]] ⋄ </a:t>
+            </a:r>
+            <a:r>
+              <a:rPr lang="en-US" sz="2400" dirty="0" err="1">
+                <a:latin typeface="APL385 Unicode" panose="020B0709000202000203" pitchFamily="49" charset="0"/>
+              </a:rPr>
+              <a:t>vb</a:t>
+            </a:r>
+            <a:r>
+              <a:rPr lang="en-US" sz="2400" dirty="0">
+                <a:latin typeface="APL385 Unicode" panose="020B0709000202000203" pitchFamily="49" charset="0"/>
+              </a:rPr>
+              <a:t>[</a:t>
+            </a:r>
+            <a:r>
+              <a:rPr lang="en-US" sz="2400" dirty="0" err="1">
+                <a:latin typeface="APL385 Unicode" panose="020B0709000202000203" pitchFamily="49" charset="0"/>
+              </a:rPr>
+              <a:t>i</a:t>
+            </a:r>
+            <a:r>
+              <a:rPr lang="en-US" sz="2400" dirty="0">
+                <a:latin typeface="APL385 Unicode" panose="020B0709000202000203" pitchFamily="49" charset="0"/>
+              </a:rPr>
+              <a:t>]←(≢p)+⍳≢</a:t>
+            </a:r>
+            <a:r>
+              <a:rPr lang="en-US" sz="2400" dirty="0" err="1">
+                <a:latin typeface="APL385 Unicode" panose="020B0709000202000203" pitchFamily="49" charset="0"/>
+              </a:rPr>
+              <a:t>i</a:t>
+            </a:r>
+            <a:endParaRPr lang="en-US" sz="2400" dirty="0">
+              <a:latin typeface="APL385 Unicode" panose="020B0709000202000203" pitchFamily="49" charset="0"/>
+            </a:endParaRPr>
+          </a:p>
+          <a:p>
+            <a:pPr algn="l">
+              <a:spcBef>
+                <a:spcPts val="0"/>
+              </a:spcBef>
+            </a:pPr>
+            <a:r>
+              <a:rPr lang="en-US" sz="2400" dirty="0">
+                <a:latin typeface="APL385 Unicode" panose="020B0709000202000203" pitchFamily="49" charset="0"/>
+              </a:rPr>
+              <a:t>		</a:t>
+            </a:r>
+            <a:r>
+              <a:rPr lang="en-US" sz="2400" dirty="0" err="1">
+                <a:latin typeface="APL385 Unicode" panose="020B0709000202000203" pitchFamily="49" charset="0"/>
+              </a:rPr>
+              <a:t>p,←ci</a:t>
+            </a:r>
+            <a:r>
+              <a:rPr lang="en-US" sz="2400" dirty="0">
+                <a:latin typeface="APL385 Unicode" panose="020B0709000202000203" pitchFamily="49" charset="0"/>
+              </a:rPr>
+              <a:t> ⋄ </a:t>
+            </a:r>
+            <a:r>
+              <a:rPr lang="en-US" sz="2400" dirty="0" err="1">
+                <a:latin typeface="APL385 Unicode" panose="020B0709000202000203" pitchFamily="49" charset="0"/>
+              </a:rPr>
+              <a:t>vb</a:t>
+            </a:r>
+            <a:r>
+              <a:rPr lang="en-US" sz="2400" dirty="0">
+                <a:latin typeface="APL385 Unicode" panose="020B0709000202000203" pitchFamily="49" charset="0"/>
+              </a:rPr>
+              <a:t> lx,←(≢ci)⍴¨¯1 0 ⋄ rf </a:t>
+            </a:r>
+            <a:r>
+              <a:rPr lang="en-US" sz="2400" dirty="0" err="1">
+                <a:latin typeface="APL385 Unicode" panose="020B0709000202000203" pitchFamily="49" charset="0"/>
+              </a:rPr>
+              <a:t>rfn</a:t>
+            </a:r>
+            <a:r>
+              <a:rPr lang="en-US" sz="2400" dirty="0">
+                <a:latin typeface="APL385 Unicode" panose="020B0709000202000203" pitchFamily="49" charset="0"/>
+              </a:rPr>
+              <a:t>(⊣,I)←⊂ci</a:t>
+            </a:r>
+          </a:p>
+          <a:p>
+            <a:pPr algn="l">
+              <a:spcBef>
+                <a:spcPts val="0"/>
+              </a:spcBef>
+            </a:pPr>
+            <a:r>
+              <a:rPr lang="en-US" sz="2400" dirty="0">
+                <a:latin typeface="APL385 Unicode" panose="020B0709000202000203" pitchFamily="49" charset="0"/>
+              </a:rPr>
+              <a:t>		t k n pos end(⊣,I)←⊂</a:t>
+            </a:r>
+            <a:r>
+              <a:rPr lang="en-US" sz="2400" dirty="0" err="1">
+                <a:latin typeface="APL385 Unicode" panose="020B0709000202000203" pitchFamily="49" charset="0"/>
+              </a:rPr>
+              <a:t>i</a:t>
+            </a:r>
+            <a:endParaRPr lang="en-US" sz="2400" dirty="0">
+              <a:latin typeface="APL385 Unicode" panose="020B0709000202000203" pitchFamily="49" charset="0"/>
+            </a:endParaRPr>
+          </a:p>
+          <a:p>
+            <a:pPr algn="l">
+              <a:spcBef>
+                <a:spcPts val="0"/>
+              </a:spcBef>
+            </a:pPr>
+            <a:r>
+              <a:rPr lang="en-US" sz="2400" dirty="0">
+                <a:latin typeface="APL385 Unicode" panose="020B0709000202000203" pitchFamily="49" charset="0"/>
+              </a:rPr>
+              <a:t>	</a:t>
+            </a:r>
+            <a:r>
+              <a:rPr lang="en-US" sz="2400" dirty="0" err="1">
+                <a:latin typeface="APL385 Unicode" panose="020B0709000202000203" pitchFamily="49" charset="0"/>
+              </a:rPr>
+              <a:t>i</a:t>
+            </a:r>
+            <a:r>
+              <a:rPr lang="en-US" sz="2400" dirty="0">
+                <a:latin typeface="APL385 Unicode" panose="020B0709000202000203" pitchFamily="49" charset="0"/>
+              </a:rPr>
+              <a:t>}⍣{0=≢⍺}⍬</a:t>
             </a:r>
           </a:p>
         </p:txBody>
@@ -14325,7 +13406,7 @@
     </p:spTree>
     <p:extLst>
       <p:ext uri="{BB962C8B-B14F-4D97-AF65-F5344CB8AC3E}">
-        <p14:creationId xmlns:p14="http://schemas.microsoft.com/office/powerpoint/2010/main" val="1476087283"/>
+        <p14:creationId xmlns:p14="http://schemas.microsoft.com/office/powerpoint/2010/main" val="1041564516"/>
       </p:ext>
     </p:extLst>
   </p:cSld>
@@ -14384,7 +13465,7 @@
               <a:rPr lang="en-US" sz="2400" dirty="0">
                 <a:latin typeface="APL385 Unicode" panose="020B0709000202000203" pitchFamily="49" charset="0"/>
               </a:rPr>
-              <a:t>	⍝ Parse plural value sequences to A7 nodes</a:t>
+              <a:t>	⍝ Link variables to their bindings</a:t>
             </a:r>
           </a:p>
           <a:p>
@@ -14403,13 +13484,137 @@
               <a:rPr lang="en-US" sz="2400" dirty="0" err="1">
                 <a:latin typeface="APL385 Unicode" panose="020B0709000202000203" pitchFamily="49" charset="0"/>
               </a:rPr>
+              <a:t>mk</a:t>
+            </a:r>
+            <a:r>
+              <a:rPr lang="en-US" sz="2400" dirty="0">
+                <a:latin typeface="APL385 Unicode" panose="020B0709000202000203" pitchFamily="49" charset="0"/>
+              </a:rPr>
+              <a:t>←{⍺[⍵],⍪n[⍵]}</a:t>
+            </a:r>
+          </a:p>
+          <a:p>
+            <a:pPr algn="l">
+              <a:spcBef>
+                <a:spcPts val="0"/>
+              </a:spcBef>
+            </a:pPr>
+            <a:r>
+              <a:rPr lang="en-US" sz="2400" dirty="0">
+                <a:latin typeface="APL385 Unicode" panose="020B0709000202000203" pitchFamily="49" charset="0"/>
+              </a:rPr>
+              <a:t> 	_←{</a:t>
+            </a:r>
+          </a:p>
+          <a:p>
+            <a:pPr algn="l">
+              <a:spcBef>
+                <a:spcPts val="0"/>
+              </a:spcBef>
+            </a:pPr>
+            <a:r>
+              <a:rPr lang="en-US" sz="2400" dirty="0">
+                <a:latin typeface="APL385 Unicode" panose="020B0709000202000203" pitchFamily="49" charset="0"/>
+              </a:rPr>
+              <a:t>		⍝ Link local variables with their local bindings</a:t>
+            </a:r>
+          </a:p>
+          <a:p>
+            <a:pPr algn="l">
+              <a:spcBef>
+                <a:spcPts val="0"/>
+              </a:spcBef>
+            </a:pPr>
+            <a:r>
+              <a:rPr lang="en-US" sz="2400" dirty="0">
+                <a:latin typeface="APL385 Unicode" panose="020B0709000202000203" pitchFamily="49" charset="0"/>
+              </a:rPr>
+              <a:t>		</a:t>
+            </a:r>
+            <a:r>
+              <a:rPr lang="en-US" sz="2400" dirty="0" err="1">
+                <a:latin typeface="APL385 Unicode" panose="020B0709000202000203" pitchFamily="49" charset="0"/>
+              </a:rPr>
+              <a:t>vb</a:t>
+            </a:r>
+            <a:r>
+              <a:rPr lang="en-US" sz="2400" dirty="0">
+                <a:latin typeface="APL385 Unicode" panose="020B0709000202000203" pitchFamily="49" charset="0"/>
+              </a:rPr>
+              <a:t>[</a:t>
+            </a:r>
+            <a:r>
+              <a:rPr lang="en-US" sz="2400" dirty="0" err="1">
+                <a:latin typeface="APL385 Unicode" panose="020B0709000202000203" pitchFamily="49" charset="0"/>
+              </a:rPr>
               <a:t>i</a:t>
             </a:r>
             <a:r>
               <a:rPr lang="en-US" sz="2400" dirty="0">
                 <a:latin typeface="APL385 Unicode" panose="020B0709000202000203" pitchFamily="49" charset="0"/>
               </a:rPr>
-              <a:t>←|i⊣km←0&lt;</a:t>
+              <a:t>]←fb[</a:t>
+            </a:r>
+            <a:r>
+              <a:rPr lang="en-US" sz="2400" dirty="0" err="1">
+                <a:latin typeface="APL385 Unicode" panose="020B0709000202000203" pitchFamily="49" charset="0"/>
+              </a:rPr>
+              <a:t>fr⍳rf</a:t>
+            </a:r>
+            <a:r>
+              <a:rPr lang="en-US" sz="2400" dirty="0">
+                <a:latin typeface="APL385 Unicode" panose="020B0709000202000203" pitchFamily="49" charset="0"/>
+              </a:rPr>
+              <a:t> </a:t>
+            </a:r>
+            <a:r>
+              <a:rPr lang="en-US" sz="2400" dirty="0" err="1">
+                <a:latin typeface="APL385 Unicode" panose="020B0709000202000203" pitchFamily="49" charset="0"/>
+              </a:rPr>
+              <a:t>mk⊢i</a:t>
+            </a:r>
+            <a:r>
+              <a:rPr lang="en-US" sz="2400" dirty="0">
+                <a:latin typeface="APL385 Unicode" panose="020B0709000202000203" pitchFamily="49" charset="0"/>
+              </a:rPr>
+              <a:t>←⍸(t=V)∧</a:t>
+            </a:r>
+            <a:r>
+              <a:rPr lang="en-US" sz="2400" dirty="0" err="1">
+                <a:latin typeface="APL385 Unicode" panose="020B0709000202000203" pitchFamily="49" charset="0"/>
+              </a:rPr>
+              <a:t>vb</a:t>
+            </a:r>
+            <a:r>
+              <a:rPr lang="en-US" sz="2400" dirty="0">
+                <a:latin typeface="APL385 Unicode" panose="020B0709000202000203" pitchFamily="49" charset="0"/>
+              </a:rPr>
+              <a:t>=¯1]</a:t>
+            </a:r>
+          </a:p>
+          <a:p>
+            <a:pPr algn="l">
+              <a:spcBef>
+                <a:spcPts val="0"/>
+              </a:spcBef>
+            </a:pPr>
+            <a:r>
+              <a:rPr lang="en-US" sz="2400" dirty="0">
+                <a:latin typeface="APL385 Unicode" panose="020B0709000202000203" pitchFamily="49" charset="0"/>
+              </a:rPr>
+              <a:t>		</a:t>
+            </a:r>
+            <a:r>
+              <a:rPr lang="en-US" sz="2400" dirty="0" err="1">
+                <a:latin typeface="APL385 Unicode" panose="020B0709000202000203" pitchFamily="49" charset="0"/>
+              </a:rPr>
+              <a:t>vb</a:t>
+            </a:r>
+            <a:r>
+              <a:rPr lang="en-US" sz="2400" dirty="0">
+                <a:latin typeface="APL385 Unicode" panose="020B0709000202000203" pitchFamily="49" charset="0"/>
+              </a:rPr>
+              <a:t>[</a:t>
             </a:r>
             <a:r>
               <a:rPr lang="en-US" sz="2400" dirty="0" err="1">
@@ -14421,7 +13626,92 @@
               <a:rPr lang="en-US" sz="2400" dirty="0">
                 <a:latin typeface="APL385 Unicode" panose="020B0709000202000203" pitchFamily="49" charset="0"/>
               </a:rPr>
-              <a:t>←∊p[</a:t>
+              <a:t>]←fb[</a:t>
+            </a:r>
+            <a:r>
+              <a:rPr lang="en-US" sz="2400" dirty="0" err="1">
+                <a:latin typeface="APL385 Unicode" panose="020B0709000202000203" pitchFamily="49" charset="0"/>
+              </a:rPr>
+              <a:t>fr⍳rfn</a:t>
+            </a:r>
+            <a:r>
+              <a:rPr lang="en-US" sz="2400" dirty="0">
+                <a:latin typeface="APL385 Unicode" panose="020B0709000202000203" pitchFamily="49" charset="0"/>
+              </a:rPr>
+              <a:t> </a:t>
+            </a:r>
+            <a:r>
+              <a:rPr lang="en-US" sz="2400" dirty="0" err="1">
+                <a:latin typeface="APL385 Unicode" panose="020B0709000202000203" pitchFamily="49" charset="0"/>
+              </a:rPr>
+              <a:t>mk⊢i</a:t>
+            </a:r>
+            <a:r>
+              <a:rPr lang="en-US" sz="2400" dirty="0">
+                <a:latin typeface="APL385 Unicode" panose="020B0709000202000203" pitchFamily="49" charset="0"/>
+              </a:rPr>
+              <a:t>←⍸(t=V)∧</a:t>
+            </a:r>
+            <a:r>
+              <a:rPr lang="en-US" sz="2400" dirty="0" err="1">
+                <a:latin typeface="APL385 Unicode" panose="020B0709000202000203" pitchFamily="49" charset="0"/>
+              </a:rPr>
+              <a:t>vb</a:t>
+            </a:r>
+            <a:r>
+              <a:rPr lang="en-US" sz="2400" dirty="0">
+                <a:latin typeface="APL385 Unicode" panose="020B0709000202000203" pitchFamily="49" charset="0"/>
+              </a:rPr>
+              <a:t>=¯1]</a:t>
+            </a:r>
+          </a:p>
+          <a:p>
+            <a:pPr algn="l">
+              <a:spcBef>
+                <a:spcPts val="0"/>
+              </a:spcBef>
+            </a:pPr>
+            <a:r>
+              <a:rPr lang="en-US" sz="2400" dirty="0">
+                <a:latin typeface="APL385 Unicode" panose="020B0709000202000203" pitchFamily="49" charset="0"/>
+              </a:rPr>
+              <a:t>		</a:t>
+            </a:r>
+            <a:r>
+              <a:rPr lang="en-US" sz="2400" dirty="0" err="1">
+                <a:latin typeface="APL385 Unicode" panose="020B0709000202000203" pitchFamily="49" charset="0"/>
+              </a:rPr>
+              <a:t>b←vb</a:t>
+            </a:r>
+            <a:r>
+              <a:rPr lang="en-US" sz="2400" dirty="0">
+                <a:latin typeface="APL385 Unicode" panose="020B0709000202000203" pitchFamily="49" charset="0"/>
+              </a:rPr>
+              <a:t>[</a:t>
+            </a:r>
+            <a:r>
+              <a:rPr lang="en-US" sz="2400" dirty="0" err="1">
+                <a:latin typeface="APL385 Unicode" panose="020B0709000202000203" pitchFamily="49" charset="0"/>
+              </a:rPr>
+              <a:t>i←i</a:t>
+            </a:r>
+            <a:r>
+              <a:rPr lang="en-US" sz="2400" dirty="0">
+                <a:latin typeface="APL385 Unicode" panose="020B0709000202000203" pitchFamily="49" charset="0"/>
+              </a:rPr>
+              <a:t>⌿⍨</a:t>
+            </a:r>
+            <a:r>
+              <a:rPr lang="en-US" sz="2400" dirty="0" err="1">
+                <a:latin typeface="APL385 Unicode" panose="020B0709000202000203" pitchFamily="49" charset="0"/>
+              </a:rPr>
+              <a:t>vb</a:t>
+            </a:r>
+            <a:r>
+              <a:rPr lang="en-US" sz="2400" dirty="0">
+                <a:latin typeface="APL385 Unicode" panose="020B0709000202000203" pitchFamily="49" charset="0"/>
+              </a:rPr>
+              <a:t>[</a:t>
             </a:r>
             <a:r>
               <a:rPr lang="en-US" sz="2400" dirty="0" err="1">
@@ -14433,7 +13723,32 @@
               <a:rPr lang="en-US" sz="2400" dirty="0">
                 <a:latin typeface="APL385 Unicode" panose="020B0709000202000203" pitchFamily="49" charset="0"/>
               </a:rPr>
-              <a:t>](⊂-⍤⊣,⊢)⌸</a:t>
+              <a:t>]≠¯1]</a:t>
+            </a:r>
+          </a:p>
+          <a:p>
+            <a:pPr algn="l">
+              <a:spcBef>
+                <a:spcPts val="0"/>
+              </a:spcBef>
+            </a:pPr>
+            <a:r>
+              <a:rPr lang="en-US" sz="2400" dirty="0">
+                <a:latin typeface="APL385 Unicode" panose="020B0709000202000203" pitchFamily="49" charset="0"/>
+              </a:rPr>
+              <a:t>		</a:t>
+            </a:r>
+            <a:r>
+              <a:rPr lang="en-US" sz="2400" dirty="0" err="1">
+                <a:latin typeface="APL385 Unicode" panose="020B0709000202000203" pitchFamily="49" charset="0"/>
+              </a:rPr>
+              <a:t>vb</a:t>
+            </a:r>
+            <a:r>
+              <a:rPr lang="en-US" sz="2400" dirty="0">
+                <a:latin typeface="APL385 Unicode" panose="020B0709000202000203" pitchFamily="49" charset="0"/>
+              </a:rPr>
+              <a:t>[</a:t>
             </a:r>
             <a:r>
               <a:rPr lang="en-US" sz="2400" dirty="0" err="1">
@@ -14445,44 +13760,19 @@
               <a:rPr lang="en-US" sz="2400" dirty="0">
                 <a:latin typeface="APL385 Unicode" panose="020B0709000202000203" pitchFamily="49" charset="0"/>
               </a:rPr>
-              <a:t>←⍸t[p]=Z</a:t>
-            </a:r>
-          </a:p>
-          <a:p>
-            <a:pPr algn="l">
-              <a:spcBef>
-                <a:spcPts val="0"/>
-              </a:spcBef>
-            </a:pPr>
-            <a:r>
-              <a:rPr lang="en-US" sz="2400" dirty="0">
-                <a:latin typeface="APL385 Unicode" panose="020B0709000202000203" pitchFamily="49" charset="0"/>
-              </a:rPr>
-              <a:t>	</a:t>
-            </a:r>
-            <a:r>
-              <a:rPr lang="en-US" sz="2400" dirty="0" err="1">
-                <a:latin typeface="APL385 Unicode" panose="020B0709000202000203" pitchFamily="49" charset="0"/>
-              </a:rPr>
-              <a:t>msk</a:t>
-            </a:r>
-            <a:r>
-              <a:rPr lang="en-US" sz="2400" dirty="0">
-                <a:latin typeface="APL385 Unicode" panose="020B0709000202000203" pitchFamily="49" charset="0"/>
-              </a:rPr>
-              <a:t>∧←⊃1 ¯1∨.⌽⊂</a:t>
-            </a:r>
-            <a:r>
-              <a:rPr lang="en-US" sz="2400" dirty="0" err="1">
-                <a:latin typeface="APL385 Unicode" panose="020B0709000202000203" pitchFamily="49" charset="0"/>
-              </a:rPr>
-              <a:t>msk←km</a:t>
-            </a:r>
-            <a:r>
-              <a:rPr lang="en-US" sz="2400" dirty="0">
-                <a:latin typeface="APL385 Unicode" panose="020B0709000202000203" pitchFamily="49" charset="0"/>
-              </a:rPr>
-              <a:t>∧(t[</a:t>
+              <a:t>⌿⍨(</a:t>
+            </a:r>
+            <a:r>
+              <a:rPr lang="en-US" sz="2400" dirty="0" err="1">
+                <a:latin typeface="APL385 Unicode" panose="020B0709000202000203" pitchFamily="49" charset="0"/>
+              </a:rPr>
+              <a:t>rz</a:t>
+            </a:r>
+            <a:r>
+              <a:rPr lang="en-US" sz="2400" dirty="0">
+                <a:latin typeface="APL385 Unicode" panose="020B0709000202000203" pitchFamily="49" charset="0"/>
+              </a:rPr>
+              <a:t>[</a:t>
             </a:r>
             <a:r>
               <a:rPr lang="en-US" sz="2400" dirty="0" err="1">
@@ -14494,7 +13784,31 @@
               <a:rPr lang="en-US" sz="2400" dirty="0">
                 <a:latin typeface="APL385 Unicode" panose="020B0709000202000203" pitchFamily="49" charset="0"/>
               </a:rPr>
-              <a:t>]=A)∨(t[</a:t>
+              <a:t>]&lt;</a:t>
+            </a:r>
+            <a:r>
+              <a:rPr lang="en-US" sz="2400" dirty="0" err="1">
+                <a:latin typeface="APL385 Unicode" panose="020B0709000202000203" pitchFamily="49" charset="0"/>
+              </a:rPr>
+              <a:t>rz</a:t>
+            </a:r>
+            <a:r>
+              <a:rPr lang="en-US" sz="2400" dirty="0">
+                <a:latin typeface="APL385 Unicode" panose="020B0709000202000203" pitchFamily="49" charset="0"/>
+              </a:rPr>
+              <a:t>[b])∨(</a:t>
+            </a:r>
+            <a:r>
+              <a:rPr lang="en-US" sz="2400" dirty="0" err="1">
+                <a:latin typeface="APL385 Unicode" panose="020B0709000202000203" pitchFamily="49" charset="0"/>
+              </a:rPr>
+              <a:t>rz</a:t>
+            </a:r>
+            <a:r>
+              <a:rPr lang="en-US" sz="2400" dirty="0">
+                <a:latin typeface="APL385 Unicode" panose="020B0709000202000203" pitchFamily="49" charset="0"/>
+              </a:rPr>
+              <a:t>[</a:t>
             </a:r>
             <a:r>
               <a:rPr lang="en-US" sz="2400" dirty="0" err="1">
@@ -14506,63 +13820,39 @@
               <a:rPr lang="en-US" sz="2400" dirty="0">
                 <a:latin typeface="APL385 Unicode" panose="020B0709000202000203" pitchFamily="49" charset="0"/>
               </a:rPr>
-              <a:t>]∊P V Z)∧k[</a:t>
-            </a:r>
-            <a:r>
-              <a:rPr lang="en-US" sz="2400" dirty="0" err="1">
-                <a:latin typeface="APL385 Unicode" panose="020B0709000202000203" pitchFamily="49" charset="0"/>
-              </a:rPr>
-              <a:t>i</a:t>
-            </a:r>
-            <a:r>
-              <a:rPr lang="en-US" sz="2400" dirty="0">
-                <a:latin typeface="APL385 Unicode" panose="020B0709000202000203" pitchFamily="49" charset="0"/>
-              </a:rPr>
-              <a:t>]=1</a:t>
-            </a:r>
-          </a:p>
-          <a:p>
-            <a:pPr algn="l">
-              <a:spcBef>
-                <a:spcPts val="0"/>
-              </a:spcBef>
-            </a:pPr>
-            <a:r>
-              <a:rPr lang="en-US" sz="2400" dirty="0">
-                <a:latin typeface="APL385 Unicode" panose="020B0709000202000203" pitchFamily="49" charset="0"/>
-              </a:rPr>
-              <a:t>	np←(≢p)+⍳≢</a:t>
-            </a:r>
-            <a:r>
-              <a:rPr lang="en-US" sz="2400" dirty="0" err="1">
-                <a:latin typeface="APL385 Unicode" panose="020B0709000202000203" pitchFamily="49" charset="0"/>
-              </a:rPr>
-              <a:t>ai←i</a:t>
-            </a:r>
-            <a:r>
-              <a:rPr lang="en-US" sz="2400" dirty="0">
-                <a:latin typeface="APL385 Unicode" panose="020B0709000202000203" pitchFamily="49" charset="0"/>
-              </a:rPr>
-              <a:t>⌿⍨am←2&gt;⌿msk⍪0 ⋄ p←(</a:t>
-            </a:r>
-            <a:r>
-              <a:rPr lang="en-US" sz="2400" dirty="0" err="1">
-                <a:latin typeface="APL385 Unicode" panose="020B0709000202000203" pitchFamily="49" charset="0"/>
-              </a:rPr>
-              <a:t>np@ai</a:t>
-            </a:r>
-            <a:r>
-              <a:rPr lang="en-US" sz="2400" dirty="0">
-                <a:latin typeface="APL385 Unicode" panose="020B0709000202000203" pitchFamily="49" charset="0"/>
-              </a:rPr>
-              <a:t>⍳≢p)[p] ⋄ </a:t>
-            </a:r>
-            <a:r>
-              <a:rPr lang="en-US" sz="2400" dirty="0" err="1">
-                <a:latin typeface="APL385 Unicode" panose="020B0709000202000203" pitchFamily="49" charset="0"/>
-              </a:rPr>
-              <a:t>p,←ai</a:t>
-            </a:r>
+              <a:t>]=</a:t>
+            </a:r>
+            <a:r>
+              <a:rPr lang="en-US" sz="2400" dirty="0" err="1">
+                <a:latin typeface="APL385 Unicode" panose="020B0709000202000203" pitchFamily="49" charset="0"/>
+              </a:rPr>
+              <a:t>rz</a:t>
+            </a:r>
+            <a:r>
+              <a:rPr lang="en-US" sz="2400" dirty="0">
+                <a:latin typeface="APL385 Unicode" panose="020B0709000202000203" pitchFamily="49" charset="0"/>
+              </a:rPr>
+              <a:t>[b])∧</a:t>
+            </a:r>
+            <a:r>
+              <a:rPr lang="en-US" sz="2400" dirty="0" err="1">
+                <a:latin typeface="APL385 Unicode" panose="020B0709000202000203" pitchFamily="49" charset="0"/>
+              </a:rPr>
+              <a:t>i≥b</a:t>
+            </a:r>
+            <a:r>
+              <a:rPr lang="en-US" sz="2400" dirty="0">
+                <a:latin typeface="APL385 Unicode" panose="020B0709000202000203" pitchFamily="49" charset="0"/>
+              </a:rPr>
+              <a:t>]←¯1</a:t>
+            </a:r>
+          </a:p>
+          <a:p>
+            <a:pPr algn="l">
+              <a:spcBef>
+                <a:spcPts val="0"/>
+              </a:spcBef>
+            </a:pPr>
             <a:endParaRPr lang="en-US" sz="2400" dirty="0">
               <a:latin typeface="APL385 Unicode" panose="020B0709000202000203" pitchFamily="49" charset="0"/>
             </a:endParaRPr>
@@ -14577,69 +13867,323 @@
               <a:rPr lang="en-US" sz="2400" dirty="0">
                 <a:latin typeface="APL385 Unicode" panose="020B0709000202000203" pitchFamily="49" charset="0"/>
               </a:rPr>
-              <a:t>	t k n lx pos end(⊣,I)←⊂ai</a:t>
-            </a:r>
-          </a:p>
-          <a:p>
-            <a:pPr algn="l">
-              <a:spcBef>
-                <a:spcPts val="0"/>
-              </a:spcBef>
-            </a:pPr>
-            <a:r>
-              <a:rPr lang="en-US" sz="2400" dirty="0">
-                <a:latin typeface="APL385 Unicode" panose="020B0709000202000203" pitchFamily="49" charset="0"/>
-              </a:rPr>
-              <a:t>	t k n lx pos(⊣@ai⍨)←A 7(⊂'')0(pos[</a:t>
-            </a:r>
-            <a:r>
-              <a:rPr lang="en-US" sz="2400" dirty="0" err="1">
+              <a:t>		⍝ Mark free variables with their scope before binding</a:t>
+            </a:r>
+          </a:p>
+          <a:p>
+            <a:pPr algn="l">
+              <a:spcBef>
+                <a:spcPts val="0"/>
+              </a:spcBef>
+            </a:pPr>
+            <a:r>
+              <a:rPr lang="en-US" sz="2400" dirty="0">
+                <a:latin typeface="APL385 Unicode" panose="020B0709000202000203" pitchFamily="49" charset="0"/>
+              </a:rPr>
+              <a:t>		</a:t>
+            </a:r>
+            <a:r>
+              <a:rPr lang="en-US" sz="2400" dirty="0">
+                <a:highlight>
+                  <a:srgbClr val="00FFFF"/>
+                </a:highlight>
+                <a:latin typeface="APL385 Unicode" panose="020B0709000202000203" pitchFamily="49" charset="0"/>
+              </a:rPr>
+              <a:t>lx[</a:t>
+            </a:r>
+            <a:r>
+              <a:rPr lang="en-US" sz="2400" dirty="0" err="1">
+                <a:highlight>
+                  <a:srgbClr val="00FFFF"/>
+                </a:highlight>
                 <a:latin typeface="APL385 Unicode" panose="020B0709000202000203" pitchFamily="49" charset="0"/>
               </a:rPr>
               <a:t>i</a:t>
             </a:r>
             <a:r>
               <a:rPr lang="en-US" sz="2400" dirty="0">
-                <a:latin typeface="APL385 Unicode" panose="020B0709000202000203" pitchFamily="49" charset="0"/>
-              </a:rPr>
-              <a:t>⌿⍨km←2&lt;⌿0⍪msk])</a:t>
-            </a:r>
-          </a:p>
-          <a:p>
-            <a:pPr algn="l">
-              <a:spcBef>
-                <a:spcPts val="0"/>
-              </a:spcBef>
-            </a:pPr>
-            <a:r>
-              <a:rPr lang="en-US" sz="2400" dirty="0">
-                <a:latin typeface="APL385 Unicode" panose="020B0709000202000203" pitchFamily="49" charset="0"/>
-              </a:rPr>
-              <a:t>	p[</a:t>
-            </a:r>
-            <a:r>
-              <a:rPr lang="en-US" sz="2400" dirty="0" err="1">
-                <a:latin typeface="APL385 Unicode" panose="020B0709000202000203" pitchFamily="49" charset="0"/>
-              </a:rPr>
-              <a:t>msk⌿i</a:t>
-            </a:r>
-            <a:r>
-              <a:rPr lang="en-US" sz="2400" dirty="0">
-                <a:latin typeface="APL385 Unicode" panose="020B0709000202000203" pitchFamily="49" charset="0"/>
-              </a:rPr>
-              <a:t>]←ai[¯1++⍀km⌿⍨</a:t>
-            </a:r>
-            <a:r>
-              <a:rPr lang="en-US" sz="2400" dirty="0" err="1">
-                <a:latin typeface="APL385 Unicode" panose="020B0709000202000203" pitchFamily="49" charset="0"/>
-              </a:rPr>
-              <a:t>msk←msk</a:t>
-            </a:r>
-            <a:r>
-              <a:rPr lang="en-US" sz="2400" dirty="0">
-                <a:latin typeface="APL385 Unicode" panose="020B0709000202000203" pitchFamily="49" charset="0"/>
-              </a:rPr>
-              <a:t>∧~am]	</a:t>
+                <a:highlight>
+                  <a:srgbClr val="00FFFF"/>
+                </a:highlight>
+                <a:latin typeface="APL385 Unicode" panose="020B0709000202000203" pitchFamily="49" charset="0"/>
+              </a:rPr>
+              <a:t>←⍸(t=V)∧</a:t>
+            </a:r>
+            <a:r>
+              <a:rPr lang="en-US" sz="2400" dirty="0" err="1">
+                <a:highlight>
+                  <a:srgbClr val="00FFFF"/>
+                </a:highlight>
+                <a:latin typeface="APL385 Unicode" panose="020B0709000202000203" pitchFamily="49" charset="0"/>
+              </a:rPr>
+              <a:t>vb</a:t>
+            </a:r>
+            <a:r>
+              <a:rPr lang="en-US" sz="2400" dirty="0">
+                <a:highlight>
+                  <a:srgbClr val="00FFFF"/>
+                </a:highlight>
+                <a:latin typeface="APL385 Unicode" panose="020B0709000202000203" pitchFamily="49" charset="0"/>
+              </a:rPr>
+              <a:t>=¯1]←1</a:t>
+            </a:r>
+          </a:p>
+          <a:p>
+            <a:pPr algn="l">
+              <a:spcBef>
+                <a:spcPts val="0"/>
+              </a:spcBef>
+            </a:pPr>
+            <a:r>
+              <a:rPr lang="en-US" sz="2400" dirty="0">
+                <a:latin typeface="APL385 Unicode" panose="020B0709000202000203" pitchFamily="49" charset="0"/>
+              </a:rPr>
+              <a:t>		</a:t>
+            </a:r>
+          </a:p>
+          <a:p>
+            <a:pPr algn="l">
+              <a:spcBef>
+                <a:spcPts val="0"/>
+              </a:spcBef>
+            </a:pPr>
+            <a:r>
+              <a:rPr lang="en-US" sz="2400" dirty="0">
+                <a:latin typeface="APL385 Unicode" panose="020B0709000202000203" pitchFamily="49" charset="0"/>
+              </a:rPr>
+              <a:t>		⍝ Add free variables to closures</a:t>
+            </a:r>
+          </a:p>
+          <a:p>
+            <a:pPr algn="l">
+              <a:spcBef>
+                <a:spcPts val="0"/>
+              </a:spcBef>
+            </a:pPr>
+            <a:r>
+              <a:rPr lang="en-US" sz="2400" dirty="0">
+                <a:latin typeface="APL385 Unicode" panose="020B0709000202000203" pitchFamily="49" charset="0"/>
+              </a:rPr>
+              <a:t>		</a:t>
+            </a:r>
+            <a:r>
+              <a:rPr lang="en-US" sz="2400" dirty="0" err="1">
+                <a:latin typeface="APL385 Unicode" panose="020B0709000202000203" pitchFamily="49" charset="0"/>
+              </a:rPr>
+              <a:t>i←i</a:t>
+            </a:r>
+            <a:r>
+              <a:rPr lang="en-US" sz="2400" dirty="0">
+                <a:latin typeface="APL385 Unicode" panose="020B0709000202000203" pitchFamily="49" charset="0"/>
+              </a:rPr>
+              <a:t>⌿⍨k[</a:t>
+            </a:r>
+            <a:r>
+              <a:rPr lang="en-US" sz="2400" dirty="0" err="1">
+                <a:latin typeface="APL385 Unicode" panose="020B0709000202000203" pitchFamily="49" charset="0"/>
+              </a:rPr>
+              <a:t>rfn</a:t>
+            </a:r>
+            <a:r>
+              <a:rPr lang="en-US" sz="2400" dirty="0">
+                <a:latin typeface="APL385 Unicode" panose="020B0709000202000203" pitchFamily="49" charset="0"/>
+              </a:rPr>
+              <a:t>[</a:t>
+            </a:r>
+            <a:r>
+              <a:rPr lang="en-US" sz="2400" dirty="0" err="1">
+                <a:latin typeface="APL385 Unicode" panose="020B0709000202000203" pitchFamily="49" charset="0"/>
+              </a:rPr>
+              <a:t>i</a:t>
+            </a:r>
+            <a:r>
+              <a:rPr lang="en-US" sz="2400" dirty="0">
+                <a:latin typeface="APL385 Unicode" panose="020B0709000202000203" pitchFamily="49" charset="0"/>
+              </a:rPr>
+              <a:t>]]≠0 ⋄ </a:t>
+            </a:r>
+            <a:r>
+              <a:rPr lang="en-US" sz="2400" dirty="0" err="1">
+                <a:latin typeface="APL385 Unicode" panose="020B0709000202000203" pitchFamily="49" charset="0"/>
+              </a:rPr>
+              <a:t>ci←p</a:t>
+            </a:r>
+            <a:r>
+              <a:rPr lang="en-US" sz="2400" dirty="0">
+                <a:latin typeface="APL385 Unicode" panose="020B0709000202000203" pitchFamily="49" charset="0"/>
+              </a:rPr>
+              <a:t>[</a:t>
+            </a:r>
+            <a:r>
+              <a:rPr lang="en-US" sz="2400" dirty="0" err="1">
+                <a:latin typeface="APL385 Unicode" panose="020B0709000202000203" pitchFamily="49" charset="0"/>
+              </a:rPr>
+              <a:t>rfn</a:t>
+            </a:r>
+            <a:r>
+              <a:rPr lang="en-US" sz="2400" dirty="0">
+                <a:latin typeface="APL385 Unicode" panose="020B0709000202000203" pitchFamily="49" charset="0"/>
+              </a:rPr>
+              <a:t>[</a:t>
+            </a:r>
+            <a:r>
+              <a:rPr lang="en-US" sz="2400" dirty="0" err="1">
+                <a:latin typeface="APL385 Unicode" panose="020B0709000202000203" pitchFamily="49" charset="0"/>
+              </a:rPr>
+              <a:t>i</a:t>
+            </a:r>
+            <a:r>
+              <a:rPr lang="en-US" sz="2400" dirty="0">
+                <a:latin typeface="APL385 Unicode" panose="020B0709000202000203" pitchFamily="49" charset="0"/>
+              </a:rPr>
+              <a:t>]] ⋄ </a:t>
+            </a:r>
+            <a:r>
+              <a:rPr lang="en-US" sz="2400" dirty="0" err="1">
+                <a:highlight>
+                  <a:srgbClr val="00FFFF"/>
+                </a:highlight>
+                <a:latin typeface="APL385 Unicode" panose="020B0709000202000203" pitchFamily="49" charset="0"/>
+              </a:rPr>
+              <a:t>vb</a:t>
+            </a:r>
+            <a:r>
+              <a:rPr lang="en-US" sz="2400" dirty="0">
+                <a:highlight>
+                  <a:srgbClr val="00FFFF"/>
+                </a:highlight>
+                <a:latin typeface="APL385 Unicode" panose="020B0709000202000203" pitchFamily="49" charset="0"/>
+              </a:rPr>
+              <a:t>[</a:t>
+            </a:r>
+            <a:r>
+              <a:rPr lang="en-US" sz="2400" dirty="0" err="1">
+                <a:highlight>
+                  <a:srgbClr val="00FFFF"/>
+                </a:highlight>
+                <a:latin typeface="APL385 Unicode" panose="020B0709000202000203" pitchFamily="49" charset="0"/>
+              </a:rPr>
+              <a:t>i</a:t>
+            </a:r>
+            <a:r>
+              <a:rPr lang="en-US" sz="2400" dirty="0">
+                <a:highlight>
+                  <a:srgbClr val="00FFFF"/>
+                </a:highlight>
+                <a:latin typeface="APL385 Unicode" panose="020B0709000202000203" pitchFamily="49" charset="0"/>
+              </a:rPr>
+              <a:t>]←(≢p)+⍳≢</a:t>
+            </a:r>
+            <a:r>
+              <a:rPr lang="en-US" sz="2400" dirty="0" err="1">
+                <a:highlight>
+                  <a:srgbClr val="00FFFF"/>
+                </a:highlight>
+                <a:latin typeface="APL385 Unicode" panose="020B0709000202000203" pitchFamily="49" charset="0"/>
+              </a:rPr>
+              <a:t>i</a:t>
+            </a:r>
+            <a:endParaRPr lang="en-US" sz="2400" dirty="0">
+              <a:highlight>
+                <a:srgbClr val="00FFFF"/>
+              </a:highlight>
+              <a:latin typeface="APL385 Unicode" panose="020B0709000202000203" pitchFamily="49" charset="0"/>
+            </a:endParaRPr>
+          </a:p>
+          <a:p>
+            <a:pPr algn="l">
+              <a:spcBef>
+                <a:spcPts val="0"/>
+              </a:spcBef>
+            </a:pPr>
+            <a:r>
+              <a:rPr lang="en-US" sz="2400" dirty="0">
+                <a:latin typeface="APL385 Unicode" panose="020B0709000202000203" pitchFamily="49" charset="0"/>
+              </a:rPr>
+              <a:t>		</a:t>
+            </a:r>
+            <a:r>
+              <a:rPr lang="en-US" sz="2400" dirty="0" err="1">
+                <a:latin typeface="APL385 Unicode" panose="020B0709000202000203" pitchFamily="49" charset="0"/>
+              </a:rPr>
+              <a:t>p,←ci</a:t>
+            </a:r>
+            <a:r>
+              <a:rPr lang="en-US" sz="2400" dirty="0">
+                <a:latin typeface="APL385 Unicode" panose="020B0709000202000203" pitchFamily="49" charset="0"/>
+              </a:rPr>
+              <a:t> ⋄ </a:t>
+            </a:r>
+            <a:r>
+              <a:rPr lang="en-US" sz="2400" dirty="0" err="1">
+                <a:latin typeface="APL385 Unicode" panose="020B0709000202000203" pitchFamily="49" charset="0"/>
+              </a:rPr>
+              <a:t>vb</a:t>
+            </a:r>
+            <a:r>
+              <a:rPr lang="en-US" sz="2400" dirty="0">
+                <a:latin typeface="APL385 Unicode" panose="020B0709000202000203" pitchFamily="49" charset="0"/>
+              </a:rPr>
+              <a:t> lx,←(≢ci)⍴¨¯1 0 ⋄ rf </a:t>
+            </a:r>
+            <a:r>
+              <a:rPr lang="en-US" sz="2400" dirty="0" err="1">
+                <a:latin typeface="APL385 Unicode" panose="020B0709000202000203" pitchFamily="49" charset="0"/>
+              </a:rPr>
+              <a:t>rfn</a:t>
+            </a:r>
+            <a:r>
+              <a:rPr lang="en-US" sz="2400" dirty="0">
+                <a:latin typeface="APL385 Unicode" panose="020B0709000202000203" pitchFamily="49" charset="0"/>
+              </a:rPr>
+              <a:t>(⊣,I)←⊂ci</a:t>
+            </a:r>
+          </a:p>
+          <a:p>
+            <a:pPr algn="l">
+              <a:spcBef>
+                <a:spcPts val="0"/>
+              </a:spcBef>
+            </a:pPr>
+            <a:r>
+              <a:rPr lang="en-US" sz="2400" dirty="0">
+                <a:latin typeface="APL385 Unicode" panose="020B0709000202000203" pitchFamily="49" charset="0"/>
+              </a:rPr>
+              <a:t>		t k n pos end(⊣,I)←⊂</a:t>
+            </a:r>
+            <a:r>
+              <a:rPr lang="en-US" sz="2400" dirty="0" err="1">
+                <a:latin typeface="APL385 Unicode" panose="020B0709000202000203" pitchFamily="49" charset="0"/>
+              </a:rPr>
+              <a:t>i</a:t>
+            </a:r>
+            <a:endParaRPr lang="en-US" sz="2400" dirty="0">
+              <a:latin typeface="APL385 Unicode" panose="020B0709000202000203" pitchFamily="49" charset="0"/>
+            </a:endParaRPr>
+          </a:p>
+          <a:p>
+            <a:pPr algn="l">
+              <a:spcBef>
+                <a:spcPts val="0"/>
+              </a:spcBef>
+            </a:pPr>
+            <a:r>
+              <a:rPr lang="en-US" sz="2400" dirty="0">
+                <a:latin typeface="APL385 Unicode" panose="020B0709000202000203" pitchFamily="49" charset="0"/>
+              </a:rPr>
+              <a:t>	</a:t>
+            </a:r>
+            <a:r>
+              <a:rPr lang="en-US" sz="2400" dirty="0" err="1">
+                <a:latin typeface="APL385 Unicode" panose="020B0709000202000203" pitchFamily="49" charset="0"/>
+              </a:rPr>
+              <a:t>i</a:t>
+            </a:r>
+            <a:r>
+              <a:rPr lang="en-US" sz="2400" dirty="0">
+                <a:latin typeface="APL385 Unicode" panose="020B0709000202000203" pitchFamily="49" charset="0"/>
+              </a:rPr>
+              <a:t>}⍣{0=≢⍺}⍬</a:t>
             </a:r>
           </a:p>
         </p:txBody>
@@ -14647,7 +14191,7 @@
     </p:spTree>
     <p:extLst>
       <p:ext uri="{BB962C8B-B14F-4D97-AF65-F5344CB8AC3E}">
-        <p14:creationId xmlns:p14="http://schemas.microsoft.com/office/powerpoint/2010/main" val="529927400"/>
+        <p14:creationId xmlns:p14="http://schemas.microsoft.com/office/powerpoint/2010/main" val="1061349776"/>
       </p:ext>
     </p:extLst>
   </p:cSld>
@@ -14679,7 +14223,7 @@
           <p:cNvPr id="2" name="Text Placeholder 1">
             <a:extLst>
               <a:ext uri="{FF2B5EF4-FFF2-40B4-BE49-F238E27FC236}">
-                <a16:creationId xmlns:a16="http://schemas.microsoft.com/office/drawing/2014/main" id="{207AF484-C0CF-C30A-C206-2901991C8C49}"/>
+                <a16:creationId xmlns:a16="http://schemas.microsoft.com/office/drawing/2014/main" id="{BCC310F7-0ABB-A18A-FF79-09213C9AFCFE}"/>
               </a:ext>
             </a:extLst>
           </p:cNvPr>
@@ -14690,9 +14234,14 @@
             <p:ph type="body" sz="quarter" idx="10"/>
           </p:nvPr>
         </p:nvSpPr>
-        <p:spPr/>
+        <p:spPr>
+          <a:xfrm>
+            <a:off x="238990" y="353290"/>
+            <a:ext cx="11953009" cy="6504709"/>
+          </a:xfrm>
+        </p:spPr>
         <p:txBody>
-          <a:bodyPr>
+          <a:bodyPr numCol="2">
             <a:normAutofit/>
           </a:bodyPr>
           <a:lstStyle/>
@@ -14703,10 +14252,259 @@
               </a:spcBef>
             </a:pPr>
             <a:r>
-              <a:rPr lang="en-US" sz="2400" dirty="0">
-                <a:latin typeface="APL385 Unicode" panose="020B0709000202000203" pitchFamily="49" charset="0"/>
-              </a:rPr>
-              <a:t>	⍝ Parse plural value sequences to A7 nodes</a:t>
+              <a:rPr lang="en-US" sz="2400" dirty="0"/>
+              <a:t>Compute parent vector from d</a:t>
+            </a:r>
+          </a:p>
+          <a:p>
+            <a:pPr algn="l">
+              <a:spcBef>
+                <a:spcPts val="0"/>
+              </a:spcBef>
+            </a:pPr>
+            <a:r>
+              <a:rPr lang="en-US" sz="2400" dirty="0"/>
+              <a:t>Compute the </a:t>
+            </a:r>
+            <a:r>
+              <a:rPr lang="en-US" sz="2400" dirty="0" err="1"/>
+              <a:t>nameclass</a:t>
+            </a:r>
+            <a:r>
+              <a:rPr lang="en-US" sz="2400" dirty="0"/>
+              <a:t> of dfns</a:t>
+            </a:r>
+          </a:p>
+          <a:p>
+            <a:pPr algn="l">
+              <a:spcBef>
+                <a:spcPts val="0"/>
+              </a:spcBef>
+            </a:pPr>
+            <a:r>
+              <a:rPr lang="en-US" sz="2400" dirty="0"/>
+              <a:t>Nest top-level root lines as Z nodes</a:t>
+            </a:r>
+          </a:p>
+          <a:p>
+            <a:pPr algn="l">
+              <a:spcBef>
+                <a:spcPts val="0"/>
+              </a:spcBef>
+            </a:pPr>
+            <a:r>
+              <a:rPr lang="en-US" sz="2400" dirty="0"/>
+              <a:t>Wrap all dfns expression bodies </a:t>
+            </a:r>
+          </a:p>
+          <a:p>
+            <a:pPr algn="l">
+              <a:spcBef>
+                <a:spcPts val="0"/>
+              </a:spcBef>
+            </a:pPr>
+            <a:r>
+              <a:rPr lang="en-US" sz="2400" dirty="0"/>
+              <a:t>Drop any Z nodes that are empty</a:t>
+            </a:r>
+          </a:p>
+          <a:p>
+            <a:pPr algn="l">
+              <a:spcBef>
+                <a:spcPts val="0"/>
+              </a:spcBef>
+            </a:pPr>
+            <a:r>
+              <a:rPr lang="en-US" sz="2400" dirty="0"/>
+              <a:t>Parse :Namespace </a:t>
+            </a:r>
+          </a:p>
+          <a:p>
+            <a:pPr algn="l">
+              <a:spcBef>
+                <a:spcPts val="0"/>
+              </a:spcBef>
+            </a:pPr>
+            <a:r>
+              <a:rPr lang="en-US" sz="2400" dirty="0"/>
+              <a:t>Parse guards</a:t>
+            </a:r>
+          </a:p>
+          <a:p>
+            <a:pPr algn="l">
+              <a:spcBef>
+                <a:spcPts val="0"/>
+              </a:spcBef>
+            </a:pPr>
+            <a:r>
+              <a:rPr lang="en-US" sz="2400" dirty="0"/>
+              <a:t>Parse brackets and parentheses</a:t>
+            </a:r>
+          </a:p>
+          <a:p>
+            <a:pPr algn="l">
+              <a:spcBef>
+                <a:spcPts val="0"/>
+              </a:spcBef>
+            </a:pPr>
+            <a:r>
+              <a:rPr lang="en-US" sz="2400" dirty="0"/>
+              <a:t>Parse ;</a:t>
+            </a:r>
+          </a:p>
+          <a:p>
+            <a:pPr algn="l">
+              <a:spcBef>
+                <a:spcPts val="0"/>
+              </a:spcBef>
+            </a:pPr>
+            <a:r>
+              <a:rPr lang="en-US" sz="2400" dirty="0"/>
+              <a:t>Mark system variables</a:t>
+            </a:r>
+          </a:p>
+          <a:p>
+            <a:pPr algn="l">
+              <a:spcBef>
+                <a:spcPts val="0"/>
+              </a:spcBef>
+            </a:pPr>
+            <a:r>
+              <a:rPr lang="en-US" sz="2400" dirty="0"/>
+              <a:t>Mark primitives</a:t>
+            </a:r>
+          </a:p>
+          <a:p>
+            <a:pPr algn="l">
+              <a:spcBef>
+                <a:spcPts val="0"/>
+              </a:spcBef>
+            </a:pPr>
+            <a:r>
+              <a:rPr lang="en-US" sz="2400" dirty="0"/>
+              <a:t>Parse niladic tokens</a:t>
+            </a:r>
+          </a:p>
+          <a:p>
+            <a:pPr algn="l">
+              <a:spcBef>
+                <a:spcPts val="0"/>
+              </a:spcBef>
+            </a:pPr>
+            <a:endParaRPr lang="en-US" sz="2400" dirty="0"/>
+          </a:p>
+          <a:p>
+            <a:pPr algn="l">
+              <a:spcBef>
+                <a:spcPts val="0"/>
+              </a:spcBef>
+            </a:pPr>
+            <a:endParaRPr lang="en-US" sz="2400" dirty="0"/>
+          </a:p>
+          <a:p>
+            <a:pPr algn="l">
+              <a:spcBef>
+                <a:spcPts val="0"/>
+              </a:spcBef>
+            </a:pPr>
+            <a:endParaRPr lang="en-US" sz="2400" dirty="0"/>
+          </a:p>
+          <a:p>
+            <a:pPr algn="l">
+              <a:spcBef>
+                <a:spcPts val="0"/>
+              </a:spcBef>
+            </a:pPr>
+            <a:endParaRPr lang="en-US" sz="2400" dirty="0"/>
+          </a:p>
+          <a:p>
+            <a:pPr algn="l">
+              <a:spcBef>
+                <a:spcPts val="0"/>
+              </a:spcBef>
+            </a:pPr>
+            <a:endParaRPr lang="en-US" sz="2400" dirty="0"/>
+          </a:p>
+          <a:p>
+            <a:pPr algn="l">
+              <a:spcBef>
+                <a:spcPts val="0"/>
+              </a:spcBef>
+            </a:pPr>
+            <a:endParaRPr lang="en-US" sz="2400" dirty="0"/>
+          </a:p>
+          <a:p>
+            <a:pPr algn="l">
+              <a:spcBef>
+                <a:spcPts val="0"/>
+              </a:spcBef>
+            </a:pPr>
+            <a:endParaRPr lang="en-US" sz="2400" dirty="0"/>
+          </a:p>
+          <a:p>
+            <a:pPr algn="l">
+              <a:spcBef>
+                <a:spcPts val="0"/>
+              </a:spcBef>
+            </a:pPr>
+            <a:r>
+              <a:rPr lang="en-US" sz="2400" dirty="0"/>
+              <a:t>Unify atomic array values</a:t>
+            </a:r>
+          </a:p>
+          <a:p>
+            <a:pPr algn="l">
+              <a:spcBef>
+                <a:spcPts val="0"/>
+              </a:spcBef>
+            </a:pPr>
+            <a:r>
+              <a:rPr lang="en-US" sz="2400" dirty="0"/>
+              <a:t>Mark bindable nodes</a:t>
+            </a:r>
+          </a:p>
+          <a:p>
+            <a:pPr algn="l">
+              <a:spcBef>
+                <a:spcPts val="0"/>
+              </a:spcBef>
+            </a:pPr>
+            <a:r>
+              <a:rPr lang="en-US" sz="2400" dirty="0"/>
+              <a:t>Wrap bindings into B nodes</a:t>
+            </a:r>
+          </a:p>
+          <a:p>
+            <a:pPr algn="l">
+              <a:spcBef>
+                <a:spcPts val="0"/>
+              </a:spcBef>
+            </a:pPr>
+            <a:r>
+              <a:rPr lang="en-US" sz="2400" dirty="0"/>
+              <a:t>Wrap functions as closures</a:t>
+            </a:r>
+          </a:p>
+          <a:p>
+            <a:pPr algn="l">
+              <a:spcBef>
+                <a:spcPts val="0"/>
+              </a:spcBef>
+            </a:pPr>
+            <a:r>
+              <a:rPr lang="en-US" sz="2400" dirty="0"/>
+              <a:t>Link variables to their bindings</a:t>
+            </a:r>
+          </a:p>
+          <a:p>
+            <a:pPr algn="l">
+              <a:spcBef>
+                <a:spcPts val="0"/>
+              </a:spcBef>
+            </a:pPr>
+            <a:r>
+              <a:rPr lang="en-US" sz="2400" dirty="0"/>
+              <a:t>Infer types of bindings</a:t>
             </a:r>
           </a:p>
           <a:p>
@@ -14720,275 +14518,63 @@
                 <a:highlight>
                   <a:srgbClr val="00FFFF"/>
                 </a:highlight>
-                <a:latin typeface="APL385 Unicode" panose="020B0709000202000203" pitchFamily="49" charset="0"/>
-              </a:rPr>
-              <a:t>	</a:t>
-            </a:r>
-            <a:r>
-              <a:rPr lang="en-US" sz="2400" dirty="0" err="1">
-                <a:highlight>
-                  <a:srgbClr val="00FFFF"/>
-                </a:highlight>
-                <a:latin typeface="APL385 Unicode" panose="020B0709000202000203" pitchFamily="49" charset="0"/>
-              </a:rPr>
-              <a:t>i</a:t>
-            </a:r>
-            <a:r>
-              <a:rPr lang="en-US" sz="2400" dirty="0">
-                <a:highlight>
-                  <a:srgbClr val="00FFFF"/>
-                </a:highlight>
-                <a:latin typeface="APL385 Unicode" panose="020B0709000202000203" pitchFamily="49" charset="0"/>
-              </a:rPr>
-              <a:t>←|i⊣km←0&lt;</a:t>
-            </a:r>
-            <a:r>
-              <a:rPr lang="en-US" sz="2400" dirty="0" err="1">
-                <a:highlight>
-                  <a:srgbClr val="00FFFF"/>
-                </a:highlight>
-                <a:latin typeface="APL385 Unicode" panose="020B0709000202000203" pitchFamily="49" charset="0"/>
-              </a:rPr>
-              <a:t>i</a:t>
-            </a:r>
-            <a:r>
-              <a:rPr lang="en-US" sz="2400" dirty="0">
-                <a:highlight>
-                  <a:srgbClr val="00FFFF"/>
-                </a:highlight>
-                <a:latin typeface="APL385 Unicode" panose="020B0709000202000203" pitchFamily="49" charset="0"/>
-              </a:rPr>
-              <a:t>←∊p[</a:t>
-            </a:r>
-            <a:r>
-              <a:rPr lang="en-US" sz="2400" dirty="0" err="1">
-                <a:highlight>
-                  <a:srgbClr val="00FFFF"/>
-                </a:highlight>
-                <a:latin typeface="APL385 Unicode" panose="020B0709000202000203" pitchFamily="49" charset="0"/>
-              </a:rPr>
-              <a:t>i</a:t>
-            </a:r>
-            <a:r>
-              <a:rPr lang="en-US" sz="2400" dirty="0">
-                <a:highlight>
-                  <a:srgbClr val="00FFFF"/>
-                </a:highlight>
-                <a:latin typeface="APL385 Unicode" panose="020B0709000202000203" pitchFamily="49" charset="0"/>
-              </a:rPr>
-              <a:t>](⊂-⍤⊣,⊢)⌸</a:t>
-            </a:r>
-            <a:r>
-              <a:rPr lang="en-US" sz="2400" dirty="0" err="1">
-                <a:highlight>
-                  <a:srgbClr val="00FFFF"/>
-                </a:highlight>
-                <a:latin typeface="APL385 Unicode" panose="020B0709000202000203" pitchFamily="49" charset="0"/>
-              </a:rPr>
-              <a:t>i</a:t>
-            </a:r>
-            <a:r>
-              <a:rPr lang="en-US" sz="2400" dirty="0">
-                <a:highlight>
-                  <a:srgbClr val="00FFFF"/>
-                </a:highlight>
-                <a:latin typeface="APL385 Unicode" panose="020B0709000202000203" pitchFamily="49" charset="0"/>
-              </a:rPr>
-              <a:t>←⍸t[p]=Z</a:t>
-            </a:r>
-          </a:p>
-          <a:p>
-            <a:pPr algn="l">
-              <a:spcBef>
-                <a:spcPts val="0"/>
-              </a:spcBef>
-            </a:pPr>
-            <a:r>
-              <a:rPr lang="en-US" sz="2400" dirty="0">
-                <a:latin typeface="APL385 Unicode" panose="020B0709000202000203" pitchFamily="49" charset="0"/>
-              </a:rPr>
-              <a:t>	</a:t>
-            </a:r>
-            <a:r>
-              <a:rPr lang="en-US" sz="2400" dirty="0" err="1">
-                <a:latin typeface="APL385 Unicode" panose="020B0709000202000203" pitchFamily="49" charset="0"/>
-              </a:rPr>
-              <a:t>msk</a:t>
-            </a:r>
-            <a:r>
-              <a:rPr lang="en-US" sz="2400" dirty="0">
-                <a:latin typeface="APL385 Unicode" panose="020B0709000202000203" pitchFamily="49" charset="0"/>
-              </a:rPr>
-              <a:t>∧←⊃1 ¯1∨.⌽⊂</a:t>
-            </a:r>
-            <a:r>
-              <a:rPr lang="en-US" sz="2400" dirty="0" err="1">
-                <a:latin typeface="APL385 Unicode" panose="020B0709000202000203" pitchFamily="49" charset="0"/>
-              </a:rPr>
-              <a:t>msk←km</a:t>
-            </a:r>
-            <a:r>
-              <a:rPr lang="en-US" sz="2400" dirty="0">
-                <a:latin typeface="APL385 Unicode" panose="020B0709000202000203" pitchFamily="49" charset="0"/>
-              </a:rPr>
-              <a:t>∧(t[</a:t>
-            </a:r>
-            <a:r>
-              <a:rPr lang="en-US" sz="2400" dirty="0" err="1">
-                <a:latin typeface="APL385 Unicode" panose="020B0709000202000203" pitchFamily="49" charset="0"/>
-              </a:rPr>
-              <a:t>i</a:t>
-            </a:r>
-            <a:r>
-              <a:rPr lang="en-US" sz="2400" dirty="0">
-                <a:latin typeface="APL385 Unicode" panose="020B0709000202000203" pitchFamily="49" charset="0"/>
-              </a:rPr>
-              <a:t>]=A)∨(t[</a:t>
-            </a:r>
-            <a:r>
-              <a:rPr lang="en-US" sz="2400" dirty="0" err="1">
-                <a:latin typeface="APL385 Unicode" panose="020B0709000202000203" pitchFamily="49" charset="0"/>
-              </a:rPr>
-              <a:t>i</a:t>
-            </a:r>
-            <a:r>
-              <a:rPr lang="en-US" sz="2400" dirty="0">
-                <a:latin typeface="APL385 Unicode" panose="020B0709000202000203" pitchFamily="49" charset="0"/>
-              </a:rPr>
-              <a:t>]∊P V Z)∧k[</a:t>
-            </a:r>
-            <a:r>
-              <a:rPr lang="en-US" sz="2400" dirty="0" err="1">
-                <a:latin typeface="APL385 Unicode" panose="020B0709000202000203" pitchFamily="49" charset="0"/>
-              </a:rPr>
-              <a:t>i</a:t>
-            </a:r>
-            <a:r>
-              <a:rPr lang="en-US" sz="2400" dirty="0">
-                <a:latin typeface="APL385 Unicode" panose="020B0709000202000203" pitchFamily="49" charset="0"/>
-              </a:rPr>
-              <a:t>]=1</a:t>
-            </a:r>
-          </a:p>
-          <a:p>
-            <a:pPr algn="l">
-              <a:spcBef>
-                <a:spcPts val="0"/>
-              </a:spcBef>
-            </a:pPr>
-            <a:r>
-              <a:rPr lang="en-US" sz="2400" dirty="0">
-                <a:latin typeface="APL385 Unicode" panose="020B0709000202000203" pitchFamily="49" charset="0"/>
-              </a:rPr>
-              <a:t>	np←(≢p)+⍳≢</a:t>
-            </a:r>
-            <a:r>
-              <a:rPr lang="en-US" sz="2400" dirty="0" err="1">
-                <a:latin typeface="APL385 Unicode" panose="020B0709000202000203" pitchFamily="49" charset="0"/>
-              </a:rPr>
-              <a:t>ai←i</a:t>
-            </a:r>
-            <a:r>
-              <a:rPr lang="en-US" sz="2400" dirty="0">
-                <a:latin typeface="APL385 Unicode" panose="020B0709000202000203" pitchFamily="49" charset="0"/>
-              </a:rPr>
-              <a:t>⌿⍨am←2&gt;⌿msk⍪0 ⋄ p←(</a:t>
-            </a:r>
-            <a:r>
-              <a:rPr lang="en-US" sz="2400" dirty="0" err="1">
-                <a:latin typeface="APL385 Unicode" panose="020B0709000202000203" pitchFamily="49" charset="0"/>
-              </a:rPr>
-              <a:t>np@ai</a:t>
-            </a:r>
-            <a:r>
-              <a:rPr lang="en-US" sz="2400" dirty="0">
-                <a:latin typeface="APL385 Unicode" panose="020B0709000202000203" pitchFamily="49" charset="0"/>
-              </a:rPr>
-              <a:t>⍳≢p)[p] ⋄ </a:t>
-            </a:r>
-            <a:r>
-              <a:rPr lang="en-US" sz="2400" dirty="0" err="1">
-                <a:latin typeface="APL385 Unicode" panose="020B0709000202000203" pitchFamily="49" charset="0"/>
-              </a:rPr>
-              <a:t>p,←ai</a:t>
-            </a:r>
-            <a:endParaRPr lang="en-US" sz="2400" dirty="0">
-              <a:latin typeface="APL385 Unicode" panose="020B0709000202000203" pitchFamily="49" charset="0"/>
-            </a:endParaRPr>
-          </a:p>
-          <a:p>
-            <a:pPr algn="l">
-              <a:spcBef>
-                <a:spcPts val="0"/>
-              </a:spcBef>
-            </a:pPr>
-            <a:r>
-              <a:rPr lang="en-US" sz="2400" dirty="0">
-                <a:latin typeface="APL385 Unicode" panose="020B0709000202000203" pitchFamily="49" charset="0"/>
-              </a:rPr>
-              <a:t>	t k n lx pos end(⊣,I)←⊂ai</a:t>
-            </a:r>
-          </a:p>
-          <a:p>
-            <a:pPr algn="l">
-              <a:spcBef>
-                <a:spcPts val="0"/>
-              </a:spcBef>
-            </a:pPr>
-            <a:r>
-              <a:rPr lang="en-US" sz="2400" dirty="0">
-                <a:latin typeface="APL385 Unicode" panose="020B0709000202000203" pitchFamily="49" charset="0"/>
-              </a:rPr>
-              <a:t>	t k n lx pos(⊣@ai⍨)←A 7(⊂'')0(pos[</a:t>
-            </a:r>
-            <a:r>
-              <a:rPr lang="en-US" sz="2400" dirty="0" err="1">
-                <a:latin typeface="APL385 Unicode" panose="020B0709000202000203" pitchFamily="49" charset="0"/>
-              </a:rPr>
-              <a:t>i</a:t>
-            </a:r>
-            <a:r>
-              <a:rPr lang="en-US" sz="2400" dirty="0">
-                <a:latin typeface="APL385 Unicode" panose="020B0709000202000203" pitchFamily="49" charset="0"/>
-              </a:rPr>
-              <a:t>⌿⍨km←2&lt;⌿0⍪msk])</a:t>
-            </a:r>
-          </a:p>
-          <a:p>
-            <a:pPr algn="l">
-              <a:spcBef>
-                <a:spcPts val="0"/>
-              </a:spcBef>
-            </a:pPr>
-            <a:r>
-              <a:rPr lang="en-US" sz="2400" dirty="0">
-                <a:latin typeface="APL385 Unicode" panose="020B0709000202000203" pitchFamily="49" charset="0"/>
-              </a:rPr>
-              <a:t>	p[</a:t>
-            </a:r>
-            <a:r>
-              <a:rPr lang="en-US" sz="2400" dirty="0" err="1">
-                <a:latin typeface="APL385 Unicode" panose="020B0709000202000203" pitchFamily="49" charset="0"/>
-              </a:rPr>
-              <a:t>msk⌿i</a:t>
-            </a:r>
-            <a:r>
-              <a:rPr lang="en-US" sz="2400" dirty="0">
-                <a:latin typeface="APL385 Unicode" panose="020B0709000202000203" pitchFamily="49" charset="0"/>
-              </a:rPr>
-              <a:t>]←ai[¯1++⍀km⌿⍨</a:t>
-            </a:r>
-            <a:r>
-              <a:rPr lang="en-US" sz="2400" dirty="0" err="1">
-                <a:latin typeface="APL385 Unicode" panose="020B0709000202000203" pitchFamily="49" charset="0"/>
-              </a:rPr>
-              <a:t>msk←msk</a:t>
-            </a:r>
-            <a:r>
-              <a:rPr lang="en-US" sz="2400" dirty="0">
-                <a:latin typeface="APL385 Unicode" panose="020B0709000202000203" pitchFamily="49" charset="0"/>
-              </a:rPr>
-              <a:t>∧~am]	</a:t>
+              </a:rPr>
+              <a:t>Parse strands</a:t>
+            </a:r>
+          </a:p>
+          <a:p>
+            <a:pPr algn="l">
+              <a:spcBef>
+                <a:spcPts val="0"/>
+              </a:spcBef>
+            </a:pPr>
+            <a:r>
+              <a:rPr lang="en-US" sz="2400" dirty="0"/>
+              <a:t>Parse [] operator</a:t>
+            </a:r>
+          </a:p>
+          <a:p>
+            <a:pPr algn="l">
+              <a:spcBef>
+                <a:spcPts val="0"/>
+              </a:spcBef>
+            </a:pPr>
+            <a:r>
+              <a:rPr lang="en-US" sz="2400" dirty="0"/>
+              <a:t>Parse function expressions</a:t>
+            </a:r>
+          </a:p>
+          <a:p>
+            <a:pPr algn="l">
+              <a:spcBef>
+                <a:spcPts val="0"/>
+              </a:spcBef>
+            </a:pPr>
+            <a:r>
+              <a:rPr lang="en-US" sz="2400" dirty="0"/>
+              <a:t>Parse assignments</a:t>
+            </a:r>
+          </a:p>
+          <a:p>
+            <a:pPr algn="l">
+              <a:spcBef>
+                <a:spcPts val="0"/>
+              </a:spcBef>
+            </a:pPr>
+            <a:r>
+              <a:rPr lang="en-US" sz="2400" dirty="0"/>
+              <a:t>Parse expressions</a:t>
+            </a:r>
+          </a:p>
+          <a:p>
+            <a:pPr algn="l">
+              <a:spcBef>
+                <a:spcPts val="0"/>
+              </a:spcBef>
+            </a:pPr>
+            <a:r>
+              <a:rPr lang="en-US" sz="2400" dirty="0"/>
+              <a:t>Simplify and Optimize the AST</a:t>
             </a:r>
           </a:p>
         </p:txBody>
@@ -14996,7 +14582,7 @@
     </p:spTree>
     <p:extLst>
       <p:ext uri="{BB962C8B-B14F-4D97-AF65-F5344CB8AC3E}">
-        <p14:creationId xmlns:p14="http://schemas.microsoft.com/office/powerpoint/2010/main" val="3095862994"/>
+        <p14:creationId xmlns:p14="http://schemas.microsoft.com/office/powerpoint/2010/main" val="1476087283"/>
       </p:ext>
     </p:extLst>
   </p:cSld>
@@ -15127,99 +14713,66 @@
             </a:pPr>
             <a:r>
               <a:rPr lang="en-US" sz="2400" dirty="0">
-                <a:highlight>
-                  <a:srgbClr val="00FFFF"/>
-                </a:highlight>
                 <a:latin typeface="APL385 Unicode" panose="020B0709000202000203" pitchFamily="49" charset="0"/>
               </a:rPr>
               <a:t>	</a:t>
             </a:r>
             <a:r>
               <a:rPr lang="en-US" sz="2400" dirty="0" err="1">
-                <a:highlight>
-                  <a:srgbClr val="00FFFF"/>
-                </a:highlight>
                 <a:latin typeface="APL385 Unicode" panose="020B0709000202000203" pitchFamily="49" charset="0"/>
               </a:rPr>
               <a:t>msk</a:t>
             </a:r>
             <a:r>
               <a:rPr lang="en-US" sz="2400" dirty="0">
-                <a:highlight>
-                  <a:srgbClr val="00FFFF"/>
-                </a:highlight>
                 <a:latin typeface="APL385 Unicode" panose="020B0709000202000203" pitchFamily="49" charset="0"/>
               </a:rPr>
               <a:t>∧←⊃1 ¯1∨.⌽⊂</a:t>
             </a:r>
             <a:r>
               <a:rPr lang="en-US" sz="2400" dirty="0" err="1">
-                <a:highlight>
-                  <a:srgbClr val="00FFFF"/>
-                </a:highlight>
                 <a:latin typeface="APL385 Unicode" panose="020B0709000202000203" pitchFamily="49" charset="0"/>
               </a:rPr>
               <a:t>msk←km</a:t>
             </a:r>
             <a:r>
               <a:rPr lang="en-US" sz="2400" dirty="0">
-                <a:highlight>
-                  <a:srgbClr val="00FFFF"/>
-                </a:highlight>
                 <a:latin typeface="APL385 Unicode" panose="020B0709000202000203" pitchFamily="49" charset="0"/>
               </a:rPr>
               <a:t>∧(t[</a:t>
             </a:r>
             <a:r>
               <a:rPr lang="en-US" sz="2400" dirty="0" err="1">
-                <a:highlight>
-                  <a:srgbClr val="00FFFF"/>
-                </a:highlight>
                 <a:latin typeface="APL385 Unicode" panose="020B0709000202000203" pitchFamily="49" charset="0"/>
               </a:rPr>
               <a:t>i</a:t>
             </a:r>
             <a:r>
               <a:rPr lang="en-US" sz="2400" dirty="0">
-                <a:highlight>
-                  <a:srgbClr val="00FFFF"/>
-                </a:highlight>
                 <a:latin typeface="APL385 Unicode" panose="020B0709000202000203" pitchFamily="49" charset="0"/>
               </a:rPr>
               <a:t>]=A)∨(t[</a:t>
             </a:r>
             <a:r>
               <a:rPr lang="en-US" sz="2400" dirty="0" err="1">
-                <a:highlight>
-                  <a:srgbClr val="00FFFF"/>
-                </a:highlight>
                 <a:latin typeface="APL385 Unicode" panose="020B0709000202000203" pitchFamily="49" charset="0"/>
               </a:rPr>
               <a:t>i</a:t>
             </a:r>
             <a:r>
               <a:rPr lang="en-US" sz="2400" dirty="0">
-                <a:highlight>
-                  <a:srgbClr val="00FFFF"/>
-                </a:highlight>
                 <a:latin typeface="APL385 Unicode" panose="020B0709000202000203" pitchFamily="49" charset="0"/>
               </a:rPr>
               <a:t>]∊P V Z)∧k[</a:t>
             </a:r>
             <a:r>
               <a:rPr lang="en-US" sz="2400" dirty="0" err="1">
-                <a:highlight>
-                  <a:srgbClr val="00FFFF"/>
-                </a:highlight>
                 <a:latin typeface="APL385 Unicode" panose="020B0709000202000203" pitchFamily="49" charset="0"/>
               </a:rPr>
               <a:t>i</a:t>
             </a:r>
             <a:r>
               <a:rPr lang="en-US" sz="2400" dirty="0">
-                <a:highlight>
-                  <a:srgbClr val="00FFFF"/>
-                </a:highlight>
                 <a:latin typeface="APL385 Unicode" panose="020B0709000202000203" pitchFamily="49" charset="0"/>
               </a:rPr>
               <a:t>]=1</a:t>
@@ -15351,7 +14904,7 @@
     </p:spTree>
     <p:extLst>
       <p:ext uri="{BB962C8B-B14F-4D97-AF65-F5344CB8AC3E}">
-        <p14:creationId xmlns:p14="http://schemas.microsoft.com/office/powerpoint/2010/main" val="2658646053"/>
+        <p14:creationId xmlns:p14="http://schemas.microsoft.com/office/powerpoint/2010/main" val="529927400"/>
       </p:ext>
     </p:extLst>
   </p:cSld>
@@ -15421,6 +14974,710 @@
             </a:pPr>
             <a:r>
               <a:rPr lang="en-US" sz="2400" dirty="0">
+                <a:highlight>
+                  <a:srgbClr val="00FFFF"/>
+                </a:highlight>
+                <a:latin typeface="APL385 Unicode" panose="020B0709000202000203" pitchFamily="49" charset="0"/>
+              </a:rPr>
+              <a:t>	</a:t>
+            </a:r>
+            <a:r>
+              <a:rPr lang="en-US" sz="2400" dirty="0" err="1">
+                <a:highlight>
+                  <a:srgbClr val="00FFFF"/>
+                </a:highlight>
+                <a:latin typeface="APL385 Unicode" panose="020B0709000202000203" pitchFamily="49" charset="0"/>
+              </a:rPr>
+              <a:t>i</a:t>
+            </a:r>
+            <a:r>
+              <a:rPr lang="en-US" sz="2400" dirty="0">
+                <a:highlight>
+                  <a:srgbClr val="00FFFF"/>
+                </a:highlight>
+                <a:latin typeface="APL385 Unicode" panose="020B0709000202000203" pitchFamily="49" charset="0"/>
+              </a:rPr>
+              <a:t>←|i⊣km←0&lt;</a:t>
+            </a:r>
+            <a:r>
+              <a:rPr lang="en-US" sz="2400" dirty="0" err="1">
+                <a:highlight>
+                  <a:srgbClr val="00FFFF"/>
+                </a:highlight>
+                <a:latin typeface="APL385 Unicode" panose="020B0709000202000203" pitchFamily="49" charset="0"/>
+              </a:rPr>
+              <a:t>i</a:t>
+            </a:r>
+            <a:r>
+              <a:rPr lang="en-US" sz="2400" dirty="0">
+                <a:highlight>
+                  <a:srgbClr val="00FFFF"/>
+                </a:highlight>
+                <a:latin typeface="APL385 Unicode" panose="020B0709000202000203" pitchFamily="49" charset="0"/>
+              </a:rPr>
+              <a:t>←∊p[</a:t>
+            </a:r>
+            <a:r>
+              <a:rPr lang="en-US" sz="2400" dirty="0" err="1">
+                <a:highlight>
+                  <a:srgbClr val="00FFFF"/>
+                </a:highlight>
+                <a:latin typeface="APL385 Unicode" panose="020B0709000202000203" pitchFamily="49" charset="0"/>
+              </a:rPr>
+              <a:t>i</a:t>
+            </a:r>
+            <a:r>
+              <a:rPr lang="en-US" sz="2400" dirty="0">
+                <a:highlight>
+                  <a:srgbClr val="00FFFF"/>
+                </a:highlight>
+                <a:latin typeface="APL385 Unicode" panose="020B0709000202000203" pitchFamily="49" charset="0"/>
+              </a:rPr>
+              <a:t>](⊂-⍤⊣,⊢)⌸</a:t>
+            </a:r>
+            <a:r>
+              <a:rPr lang="en-US" sz="2400" dirty="0" err="1">
+                <a:highlight>
+                  <a:srgbClr val="00FFFF"/>
+                </a:highlight>
+                <a:latin typeface="APL385 Unicode" panose="020B0709000202000203" pitchFamily="49" charset="0"/>
+              </a:rPr>
+              <a:t>i</a:t>
+            </a:r>
+            <a:r>
+              <a:rPr lang="en-US" sz="2400" dirty="0">
+                <a:highlight>
+                  <a:srgbClr val="00FFFF"/>
+                </a:highlight>
+                <a:latin typeface="APL385 Unicode" panose="020B0709000202000203" pitchFamily="49" charset="0"/>
+              </a:rPr>
+              <a:t>←⍸t[p]=Z</a:t>
+            </a:r>
+          </a:p>
+          <a:p>
+            <a:pPr algn="l">
+              <a:spcBef>
+                <a:spcPts val="0"/>
+              </a:spcBef>
+            </a:pPr>
+            <a:r>
+              <a:rPr lang="en-US" sz="2400" dirty="0">
+                <a:latin typeface="APL385 Unicode" panose="020B0709000202000203" pitchFamily="49" charset="0"/>
+              </a:rPr>
+              <a:t>	</a:t>
+            </a:r>
+            <a:r>
+              <a:rPr lang="en-US" sz="2400" dirty="0" err="1">
+                <a:latin typeface="APL385 Unicode" panose="020B0709000202000203" pitchFamily="49" charset="0"/>
+              </a:rPr>
+              <a:t>msk</a:t>
+            </a:r>
+            <a:r>
+              <a:rPr lang="en-US" sz="2400" dirty="0">
+                <a:latin typeface="APL385 Unicode" panose="020B0709000202000203" pitchFamily="49" charset="0"/>
+              </a:rPr>
+              <a:t>∧←⊃1 ¯1∨.⌽⊂</a:t>
+            </a:r>
+            <a:r>
+              <a:rPr lang="en-US" sz="2400" dirty="0" err="1">
+                <a:latin typeface="APL385 Unicode" panose="020B0709000202000203" pitchFamily="49" charset="0"/>
+              </a:rPr>
+              <a:t>msk←km</a:t>
+            </a:r>
+            <a:r>
+              <a:rPr lang="en-US" sz="2400" dirty="0">
+                <a:latin typeface="APL385 Unicode" panose="020B0709000202000203" pitchFamily="49" charset="0"/>
+              </a:rPr>
+              <a:t>∧(t[</a:t>
+            </a:r>
+            <a:r>
+              <a:rPr lang="en-US" sz="2400" dirty="0" err="1">
+                <a:latin typeface="APL385 Unicode" panose="020B0709000202000203" pitchFamily="49" charset="0"/>
+              </a:rPr>
+              <a:t>i</a:t>
+            </a:r>
+            <a:r>
+              <a:rPr lang="en-US" sz="2400" dirty="0">
+                <a:latin typeface="APL385 Unicode" panose="020B0709000202000203" pitchFamily="49" charset="0"/>
+              </a:rPr>
+              <a:t>]=A)∨(t[</a:t>
+            </a:r>
+            <a:r>
+              <a:rPr lang="en-US" sz="2400" dirty="0" err="1">
+                <a:latin typeface="APL385 Unicode" panose="020B0709000202000203" pitchFamily="49" charset="0"/>
+              </a:rPr>
+              <a:t>i</a:t>
+            </a:r>
+            <a:r>
+              <a:rPr lang="en-US" sz="2400" dirty="0">
+                <a:latin typeface="APL385 Unicode" panose="020B0709000202000203" pitchFamily="49" charset="0"/>
+              </a:rPr>
+              <a:t>]∊P V Z)∧k[</a:t>
+            </a:r>
+            <a:r>
+              <a:rPr lang="en-US" sz="2400" dirty="0" err="1">
+                <a:latin typeface="APL385 Unicode" panose="020B0709000202000203" pitchFamily="49" charset="0"/>
+              </a:rPr>
+              <a:t>i</a:t>
+            </a:r>
+            <a:r>
+              <a:rPr lang="en-US" sz="2400" dirty="0">
+                <a:latin typeface="APL385 Unicode" panose="020B0709000202000203" pitchFamily="49" charset="0"/>
+              </a:rPr>
+              <a:t>]=1</a:t>
+            </a:r>
+          </a:p>
+          <a:p>
+            <a:pPr algn="l">
+              <a:spcBef>
+                <a:spcPts val="0"/>
+              </a:spcBef>
+            </a:pPr>
+            <a:r>
+              <a:rPr lang="en-US" sz="2400" dirty="0">
+                <a:latin typeface="APL385 Unicode" panose="020B0709000202000203" pitchFamily="49" charset="0"/>
+              </a:rPr>
+              <a:t>	np←(≢p)+⍳≢</a:t>
+            </a:r>
+            <a:r>
+              <a:rPr lang="en-US" sz="2400" dirty="0" err="1">
+                <a:latin typeface="APL385 Unicode" panose="020B0709000202000203" pitchFamily="49" charset="0"/>
+              </a:rPr>
+              <a:t>ai←i</a:t>
+            </a:r>
+            <a:r>
+              <a:rPr lang="en-US" sz="2400" dirty="0">
+                <a:latin typeface="APL385 Unicode" panose="020B0709000202000203" pitchFamily="49" charset="0"/>
+              </a:rPr>
+              <a:t>⌿⍨am←2&gt;⌿msk⍪0 ⋄ p←(</a:t>
+            </a:r>
+            <a:r>
+              <a:rPr lang="en-US" sz="2400" dirty="0" err="1">
+                <a:latin typeface="APL385 Unicode" panose="020B0709000202000203" pitchFamily="49" charset="0"/>
+              </a:rPr>
+              <a:t>np@ai</a:t>
+            </a:r>
+            <a:r>
+              <a:rPr lang="en-US" sz="2400" dirty="0">
+                <a:latin typeface="APL385 Unicode" panose="020B0709000202000203" pitchFamily="49" charset="0"/>
+              </a:rPr>
+              <a:t>⍳≢p)[p] ⋄ </a:t>
+            </a:r>
+            <a:r>
+              <a:rPr lang="en-US" sz="2400" dirty="0" err="1">
+                <a:latin typeface="APL385 Unicode" panose="020B0709000202000203" pitchFamily="49" charset="0"/>
+              </a:rPr>
+              <a:t>p,←ai</a:t>
+            </a:r>
+            <a:endParaRPr lang="en-US" sz="2400" dirty="0">
+              <a:latin typeface="APL385 Unicode" panose="020B0709000202000203" pitchFamily="49" charset="0"/>
+            </a:endParaRPr>
+          </a:p>
+          <a:p>
+            <a:pPr algn="l">
+              <a:spcBef>
+                <a:spcPts val="0"/>
+              </a:spcBef>
+            </a:pPr>
+            <a:r>
+              <a:rPr lang="en-US" sz="2400" dirty="0">
+                <a:latin typeface="APL385 Unicode" panose="020B0709000202000203" pitchFamily="49" charset="0"/>
+              </a:rPr>
+              <a:t>	t k n lx pos end(⊣,I)←⊂ai</a:t>
+            </a:r>
+          </a:p>
+          <a:p>
+            <a:pPr algn="l">
+              <a:spcBef>
+                <a:spcPts val="0"/>
+              </a:spcBef>
+            </a:pPr>
+            <a:r>
+              <a:rPr lang="en-US" sz="2400" dirty="0">
+                <a:latin typeface="APL385 Unicode" panose="020B0709000202000203" pitchFamily="49" charset="0"/>
+              </a:rPr>
+              <a:t>	t k n lx pos(⊣@ai⍨)←A 7(⊂'')0(pos[</a:t>
+            </a:r>
+            <a:r>
+              <a:rPr lang="en-US" sz="2400" dirty="0" err="1">
+                <a:latin typeface="APL385 Unicode" panose="020B0709000202000203" pitchFamily="49" charset="0"/>
+              </a:rPr>
+              <a:t>i</a:t>
+            </a:r>
+            <a:r>
+              <a:rPr lang="en-US" sz="2400" dirty="0">
+                <a:latin typeface="APL385 Unicode" panose="020B0709000202000203" pitchFamily="49" charset="0"/>
+              </a:rPr>
+              <a:t>⌿⍨km←2&lt;⌿0⍪msk])</a:t>
+            </a:r>
+          </a:p>
+          <a:p>
+            <a:pPr algn="l">
+              <a:spcBef>
+                <a:spcPts val="0"/>
+              </a:spcBef>
+            </a:pPr>
+            <a:r>
+              <a:rPr lang="en-US" sz="2400" dirty="0">
+                <a:latin typeface="APL385 Unicode" panose="020B0709000202000203" pitchFamily="49" charset="0"/>
+              </a:rPr>
+              <a:t>	p[</a:t>
+            </a:r>
+            <a:r>
+              <a:rPr lang="en-US" sz="2400" dirty="0" err="1">
+                <a:latin typeface="APL385 Unicode" panose="020B0709000202000203" pitchFamily="49" charset="0"/>
+              </a:rPr>
+              <a:t>msk⌿i</a:t>
+            </a:r>
+            <a:r>
+              <a:rPr lang="en-US" sz="2400" dirty="0">
+                <a:latin typeface="APL385 Unicode" panose="020B0709000202000203" pitchFamily="49" charset="0"/>
+              </a:rPr>
+              <a:t>]←ai[¯1++⍀km⌿⍨</a:t>
+            </a:r>
+            <a:r>
+              <a:rPr lang="en-US" sz="2400" dirty="0" err="1">
+                <a:latin typeface="APL385 Unicode" panose="020B0709000202000203" pitchFamily="49" charset="0"/>
+              </a:rPr>
+              <a:t>msk←msk</a:t>
+            </a:r>
+            <a:r>
+              <a:rPr lang="en-US" sz="2400" dirty="0">
+                <a:latin typeface="APL385 Unicode" panose="020B0709000202000203" pitchFamily="49" charset="0"/>
+              </a:rPr>
+              <a:t>∧~am]	</a:t>
+            </a:r>
+          </a:p>
+        </p:txBody>
+      </p:sp>
+    </p:spTree>
+    <p:extLst>
+      <p:ext uri="{BB962C8B-B14F-4D97-AF65-F5344CB8AC3E}">
+        <p14:creationId xmlns:p14="http://schemas.microsoft.com/office/powerpoint/2010/main" val="3095862994"/>
+      </p:ext>
+    </p:extLst>
+  </p:cSld>
+  <p:clrMapOvr>
+    <a:masterClrMapping/>
+  </p:clrMapOvr>
+</p:sld>
+</file>
+
+<file path=ppt/slides/slide46.xml><?xml version="1.0" encoding="utf-8"?>
+<p:sld xmlns:a="http://schemas.openxmlformats.org/drawingml/2006/main" xmlns:r="http://schemas.openxmlformats.org/officeDocument/2006/relationships" xmlns:p="http://schemas.openxmlformats.org/presentationml/2006/main">
+  <p:cSld>
+    <p:spTree>
+      <p:nvGrpSpPr>
+        <p:cNvPr id="1" name=""/>
+        <p:cNvGrpSpPr/>
+        <p:nvPr/>
+      </p:nvGrpSpPr>
+      <p:grpSpPr>
+        <a:xfrm>
+          <a:off x="0" y="0"/>
+          <a:ext cx="0" cy="0"/>
+          <a:chOff x="0" y="0"/>
+          <a:chExt cx="0" cy="0"/>
+        </a:xfrm>
+      </p:grpSpPr>
+      <p:sp>
+        <p:nvSpPr>
+          <p:cNvPr id="2" name="Text Placeholder 1">
+            <a:extLst>
+              <a:ext uri="{FF2B5EF4-FFF2-40B4-BE49-F238E27FC236}">
+                <a16:creationId xmlns:a16="http://schemas.microsoft.com/office/drawing/2014/main" id="{207AF484-C0CF-C30A-C206-2901991C8C49}"/>
+              </a:ext>
+            </a:extLst>
+          </p:cNvPr>
+          <p:cNvSpPr>
+            <a:spLocks noGrp="1"/>
+          </p:cNvSpPr>
+          <p:nvPr>
+            <p:ph type="body" sz="quarter" idx="10"/>
+          </p:nvPr>
+        </p:nvSpPr>
+        <p:spPr/>
+        <p:txBody>
+          <a:bodyPr>
+            <a:normAutofit/>
+          </a:bodyPr>
+          <a:lstStyle/>
+          <a:p>
+            <a:pPr algn="l">
+              <a:spcBef>
+                <a:spcPts val="0"/>
+              </a:spcBef>
+            </a:pPr>
+            <a:r>
+              <a:rPr lang="en-US" sz="2400" dirty="0">
+                <a:latin typeface="APL385 Unicode" panose="020B0709000202000203" pitchFamily="49" charset="0"/>
+              </a:rPr>
+              <a:t>	⍝ Parse plural value sequences to A7 nodes</a:t>
+            </a:r>
+          </a:p>
+          <a:p>
+            <a:pPr algn="l">
+              <a:spcBef>
+                <a:spcPts val="0"/>
+              </a:spcBef>
+            </a:pPr>
+            <a:r>
+              <a:rPr lang="en-US" sz="2400" dirty="0">
+                <a:latin typeface="APL385 Unicode" panose="020B0709000202000203" pitchFamily="49" charset="0"/>
+              </a:rPr>
+              <a:t>	</a:t>
+            </a:r>
+            <a:r>
+              <a:rPr lang="en-US" sz="2400" dirty="0" err="1">
+                <a:latin typeface="APL385 Unicode" panose="020B0709000202000203" pitchFamily="49" charset="0"/>
+              </a:rPr>
+              <a:t>i</a:t>
+            </a:r>
+            <a:r>
+              <a:rPr lang="en-US" sz="2400" dirty="0">
+                <a:latin typeface="APL385 Unicode" panose="020B0709000202000203" pitchFamily="49" charset="0"/>
+              </a:rPr>
+              <a:t>←|i⊣km←0&lt;</a:t>
+            </a:r>
+            <a:r>
+              <a:rPr lang="en-US" sz="2400" dirty="0" err="1">
+                <a:latin typeface="APL385 Unicode" panose="020B0709000202000203" pitchFamily="49" charset="0"/>
+              </a:rPr>
+              <a:t>i</a:t>
+            </a:r>
+            <a:r>
+              <a:rPr lang="en-US" sz="2400" dirty="0">
+                <a:latin typeface="APL385 Unicode" panose="020B0709000202000203" pitchFamily="49" charset="0"/>
+              </a:rPr>
+              <a:t>←∊p[</a:t>
+            </a:r>
+            <a:r>
+              <a:rPr lang="en-US" sz="2400" dirty="0" err="1">
+                <a:latin typeface="APL385 Unicode" panose="020B0709000202000203" pitchFamily="49" charset="0"/>
+              </a:rPr>
+              <a:t>i</a:t>
+            </a:r>
+            <a:r>
+              <a:rPr lang="en-US" sz="2400" dirty="0">
+                <a:latin typeface="APL385 Unicode" panose="020B0709000202000203" pitchFamily="49" charset="0"/>
+              </a:rPr>
+              <a:t>](⊂-⍤⊣,⊢)⌸</a:t>
+            </a:r>
+            <a:r>
+              <a:rPr lang="en-US" sz="2400" dirty="0" err="1">
+                <a:latin typeface="APL385 Unicode" panose="020B0709000202000203" pitchFamily="49" charset="0"/>
+              </a:rPr>
+              <a:t>i</a:t>
+            </a:r>
+            <a:r>
+              <a:rPr lang="en-US" sz="2400" dirty="0">
+                <a:latin typeface="APL385 Unicode" panose="020B0709000202000203" pitchFamily="49" charset="0"/>
+              </a:rPr>
+              <a:t>←⍸t[p]=Z</a:t>
+            </a:r>
+          </a:p>
+          <a:p>
+            <a:pPr algn="l">
+              <a:spcBef>
+                <a:spcPts val="0"/>
+              </a:spcBef>
+            </a:pPr>
+            <a:r>
+              <a:rPr lang="en-US" sz="2400" dirty="0">
+                <a:highlight>
+                  <a:srgbClr val="00FFFF"/>
+                </a:highlight>
+                <a:latin typeface="APL385 Unicode" panose="020B0709000202000203" pitchFamily="49" charset="0"/>
+              </a:rPr>
+              <a:t>	</a:t>
+            </a:r>
+            <a:r>
+              <a:rPr lang="en-US" sz="2400" dirty="0" err="1">
+                <a:highlight>
+                  <a:srgbClr val="00FFFF"/>
+                </a:highlight>
+                <a:latin typeface="APL385 Unicode" panose="020B0709000202000203" pitchFamily="49" charset="0"/>
+              </a:rPr>
+              <a:t>msk</a:t>
+            </a:r>
+            <a:r>
+              <a:rPr lang="en-US" sz="2400" dirty="0">
+                <a:highlight>
+                  <a:srgbClr val="00FFFF"/>
+                </a:highlight>
+                <a:latin typeface="APL385 Unicode" panose="020B0709000202000203" pitchFamily="49" charset="0"/>
+              </a:rPr>
+              <a:t>∧←⊃1 ¯1∨.⌽⊂</a:t>
+            </a:r>
+            <a:r>
+              <a:rPr lang="en-US" sz="2400" dirty="0" err="1">
+                <a:highlight>
+                  <a:srgbClr val="00FFFF"/>
+                </a:highlight>
+                <a:latin typeface="APL385 Unicode" panose="020B0709000202000203" pitchFamily="49" charset="0"/>
+              </a:rPr>
+              <a:t>msk←km</a:t>
+            </a:r>
+            <a:r>
+              <a:rPr lang="en-US" sz="2400" dirty="0">
+                <a:highlight>
+                  <a:srgbClr val="00FFFF"/>
+                </a:highlight>
+                <a:latin typeface="APL385 Unicode" panose="020B0709000202000203" pitchFamily="49" charset="0"/>
+              </a:rPr>
+              <a:t>∧(t[</a:t>
+            </a:r>
+            <a:r>
+              <a:rPr lang="en-US" sz="2400" dirty="0" err="1">
+                <a:highlight>
+                  <a:srgbClr val="00FFFF"/>
+                </a:highlight>
+                <a:latin typeface="APL385 Unicode" panose="020B0709000202000203" pitchFamily="49" charset="0"/>
+              </a:rPr>
+              <a:t>i</a:t>
+            </a:r>
+            <a:r>
+              <a:rPr lang="en-US" sz="2400" dirty="0">
+                <a:highlight>
+                  <a:srgbClr val="00FFFF"/>
+                </a:highlight>
+                <a:latin typeface="APL385 Unicode" panose="020B0709000202000203" pitchFamily="49" charset="0"/>
+              </a:rPr>
+              <a:t>]=A)∨(t[</a:t>
+            </a:r>
+            <a:r>
+              <a:rPr lang="en-US" sz="2400" dirty="0" err="1">
+                <a:highlight>
+                  <a:srgbClr val="00FFFF"/>
+                </a:highlight>
+                <a:latin typeface="APL385 Unicode" panose="020B0709000202000203" pitchFamily="49" charset="0"/>
+              </a:rPr>
+              <a:t>i</a:t>
+            </a:r>
+            <a:r>
+              <a:rPr lang="en-US" sz="2400" dirty="0">
+                <a:highlight>
+                  <a:srgbClr val="00FFFF"/>
+                </a:highlight>
+                <a:latin typeface="APL385 Unicode" panose="020B0709000202000203" pitchFamily="49" charset="0"/>
+              </a:rPr>
+              <a:t>]∊P V Z)∧k[</a:t>
+            </a:r>
+            <a:r>
+              <a:rPr lang="en-US" sz="2400" dirty="0" err="1">
+                <a:highlight>
+                  <a:srgbClr val="00FFFF"/>
+                </a:highlight>
+                <a:latin typeface="APL385 Unicode" panose="020B0709000202000203" pitchFamily="49" charset="0"/>
+              </a:rPr>
+              <a:t>i</a:t>
+            </a:r>
+            <a:r>
+              <a:rPr lang="en-US" sz="2400" dirty="0">
+                <a:highlight>
+                  <a:srgbClr val="00FFFF"/>
+                </a:highlight>
+                <a:latin typeface="APL385 Unicode" panose="020B0709000202000203" pitchFamily="49" charset="0"/>
+              </a:rPr>
+              <a:t>]=1</a:t>
+            </a:r>
+          </a:p>
+          <a:p>
+            <a:pPr algn="l">
+              <a:spcBef>
+                <a:spcPts val="0"/>
+              </a:spcBef>
+            </a:pPr>
+            <a:r>
+              <a:rPr lang="en-US" sz="2400" dirty="0">
+                <a:latin typeface="APL385 Unicode" panose="020B0709000202000203" pitchFamily="49" charset="0"/>
+              </a:rPr>
+              <a:t>	np←(≢p)+⍳≢</a:t>
+            </a:r>
+            <a:r>
+              <a:rPr lang="en-US" sz="2400" dirty="0" err="1">
+                <a:latin typeface="APL385 Unicode" panose="020B0709000202000203" pitchFamily="49" charset="0"/>
+              </a:rPr>
+              <a:t>ai←i</a:t>
+            </a:r>
+            <a:r>
+              <a:rPr lang="en-US" sz="2400" dirty="0">
+                <a:latin typeface="APL385 Unicode" panose="020B0709000202000203" pitchFamily="49" charset="0"/>
+              </a:rPr>
+              <a:t>⌿⍨am←2&gt;⌿msk⍪0 ⋄ p←(</a:t>
+            </a:r>
+            <a:r>
+              <a:rPr lang="en-US" sz="2400" dirty="0" err="1">
+                <a:latin typeface="APL385 Unicode" panose="020B0709000202000203" pitchFamily="49" charset="0"/>
+              </a:rPr>
+              <a:t>np@ai</a:t>
+            </a:r>
+            <a:r>
+              <a:rPr lang="en-US" sz="2400" dirty="0">
+                <a:latin typeface="APL385 Unicode" panose="020B0709000202000203" pitchFamily="49" charset="0"/>
+              </a:rPr>
+              <a:t>⍳≢p)[p] ⋄ </a:t>
+            </a:r>
+            <a:r>
+              <a:rPr lang="en-US" sz="2400" dirty="0" err="1">
+                <a:latin typeface="APL385 Unicode" panose="020B0709000202000203" pitchFamily="49" charset="0"/>
+              </a:rPr>
+              <a:t>p,←ai</a:t>
+            </a:r>
+            <a:endParaRPr lang="en-US" sz="2400" dirty="0">
+              <a:latin typeface="APL385 Unicode" panose="020B0709000202000203" pitchFamily="49" charset="0"/>
+            </a:endParaRPr>
+          </a:p>
+          <a:p>
+            <a:pPr algn="l">
+              <a:spcBef>
+                <a:spcPts val="0"/>
+              </a:spcBef>
+            </a:pPr>
+            <a:r>
+              <a:rPr lang="en-US" sz="2400" dirty="0">
+                <a:latin typeface="APL385 Unicode" panose="020B0709000202000203" pitchFamily="49" charset="0"/>
+              </a:rPr>
+              <a:t>	t k n lx pos end(⊣,I)←⊂ai</a:t>
+            </a:r>
+          </a:p>
+          <a:p>
+            <a:pPr algn="l">
+              <a:spcBef>
+                <a:spcPts val="0"/>
+              </a:spcBef>
+            </a:pPr>
+            <a:r>
+              <a:rPr lang="en-US" sz="2400" dirty="0">
+                <a:latin typeface="APL385 Unicode" panose="020B0709000202000203" pitchFamily="49" charset="0"/>
+              </a:rPr>
+              <a:t>	t k n lx pos(⊣@ai⍨)←A 7(⊂'')0(pos[</a:t>
+            </a:r>
+            <a:r>
+              <a:rPr lang="en-US" sz="2400" dirty="0" err="1">
+                <a:latin typeface="APL385 Unicode" panose="020B0709000202000203" pitchFamily="49" charset="0"/>
+              </a:rPr>
+              <a:t>i</a:t>
+            </a:r>
+            <a:r>
+              <a:rPr lang="en-US" sz="2400" dirty="0">
+                <a:latin typeface="APL385 Unicode" panose="020B0709000202000203" pitchFamily="49" charset="0"/>
+              </a:rPr>
+              <a:t>⌿⍨km←2&lt;⌿0⍪msk])</a:t>
+            </a:r>
+          </a:p>
+          <a:p>
+            <a:pPr algn="l">
+              <a:spcBef>
+                <a:spcPts val="0"/>
+              </a:spcBef>
+            </a:pPr>
+            <a:r>
+              <a:rPr lang="en-US" sz="2400" dirty="0">
+                <a:latin typeface="APL385 Unicode" panose="020B0709000202000203" pitchFamily="49" charset="0"/>
+              </a:rPr>
+              <a:t>	p[</a:t>
+            </a:r>
+            <a:r>
+              <a:rPr lang="en-US" sz="2400" dirty="0" err="1">
+                <a:latin typeface="APL385 Unicode" panose="020B0709000202000203" pitchFamily="49" charset="0"/>
+              </a:rPr>
+              <a:t>msk⌿i</a:t>
+            </a:r>
+            <a:r>
+              <a:rPr lang="en-US" sz="2400" dirty="0">
+                <a:latin typeface="APL385 Unicode" panose="020B0709000202000203" pitchFamily="49" charset="0"/>
+              </a:rPr>
+              <a:t>]←ai[¯1++⍀km⌿⍨</a:t>
+            </a:r>
+            <a:r>
+              <a:rPr lang="en-US" sz="2400" dirty="0" err="1">
+                <a:latin typeface="APL385 Unicode" panose="020B0709000202000203" pitchFamily="49" charset="0"/>
+              </a:rPr>
+              <a:t>msk←msk</a:t>
+            </a:r>
+            <a:r>
+              <a:rPr lang="en-US" sz="2400" dirty="0">
+                <a:latin typeface="APL385 Unicode" panose="020B0709000202000203" pitchFamily="49" charset="0"/>
+              </a:rPr>
+              <a:t>∧~am]	</a:t>
+            </a:r>
+          </a:p>
+        </p:txBody>
+      </p:sp>
+    </p:spTree>
+    <p:extLst>
+      <p:ext uri="{BB962C8B-B14F-4D97-AF65-F5344CB8AC3E}">
+        <p14:creationId xmlns:p14="http://schemas.microsoft.com/office/powerpoint/2010/main" val="2658646053"/>
+      </p:ext>
+    </p:extLst>
+  </p:cSld>
+  <p:clrMapOvr>
+    <a:masterClrMapping/>
+  </p:clrMapOvr>
+</p:sld>
+</file>
+
+<file path=ppt/slides/slide47.xml><?xml version="1.0" encoding="utf-8"?>
+<p:sld xmlns:a="http://schemas.openxmlformats.org/drawingml/2006/main" xmlns:r="http://schemas.openxmlformats.org/officeDocument/2006/relationships" xmlns:p="http://schemas.openxmlformats.org/presentationml/2006/main">
+  <p:cSld>
+    <p:spTree>
+      <p:nvGrpSpPr>
+        <p:cNvPr id="1" name=""/>
+        <p:cNvGrpSpPr/>
+        <p:nvPr/>
+      </p:nvGrpSpPr>
+      <p:grpSpPr>
+        <a:xfrm>
+          <a:off x="0" y="0"/>
+          <a:ext cx="0" cy="0"/>
+          <a:chOff x="0" y="0"/>
+          <a:chExt cx="0" cy="0"/>
+        </a:xfrm>
+      </p:grpSpPr>
+      <p:sp>
+        <p:nvSpPr>
+          <p:cNvPr id="2" name="Text Placeholder 1">
+            <a:extLst>
+              <a:ext uri="{FF2B5EF4-FFF2-40B4-BE49-F238E27FC236}">
+                <a16:creationId xmlns:a16="http://schemas.microsoft.com/office/drawing/2014/main" id="{207AF484-C0CF-C30A-C206-2901991C8C49}"/>
+              </a:ext>
+            </a:extLst>
+          </p:cNvPr>
+          <p:cNvSpPr>
+            <a:spLocks noGrp="1"/>
+          </p:cNvSpPr>
+          <p:nvPr>
+            <p:ph type="body" sz="quarter" idx="10"/>
+          </p:nvPr>
+        </p:nvSpPr>
+        <p:spPr/>
+        <p:txBody>
+          <a:bodyPr>
+            <a:normAutofit/>
+          </a:bodyPr>
+          <a:lstStyle/>
+          <a:p>
+            <a:pPr algn="l">
+              <a:spcBef>
+                <a:spcPts val="0"/>
+              </a:spcBef>
+            </a:pPr>
+            <a:r>
+              <a:rPr lang="en-US" sz="2400" dirty="0">
+                <a:latin typeface="APL385 Unicode" panose="020B0709000202000203" pitchFamily="49" charset="0"/>
+              </a:rPr>
+              <a:t>	⍝ Parse plural value sequences to A7 nodes</a:t>
+            </a:r>
+          </a:p>
+          <a:p>
+            <a:pPr algn="l">
+              <a:spcBef>
+                <a:spcPts val="0"/>
+              </a:spcBef>
+            </a:pPr>
+            <a:r>
+              <a:rPr lang="en-US" sz="2400" dirty="0">
                 <a:latin typeface="APL385 Unicode" panose="020B0709000202000203" pitchFamily="49" charset="0"/>
               </a:rPr>
               <a:t>	</a:t>
@@ -15731,7 +15988,7 @@
 </p:sld>
 </file>
 
-<file path=ppt/slides/slide46.xml><?xml version="1.0" encoding="utf-8"?>
+<file path=ppt/slides/slide48.xml><?xml version="1.0" encoding="utf-8"?>
 <p:sld xmlns:a="http://schemas.openxmlformats.org/drawingml/2006/main" xmlns:r="http://schemas.openxmlformats.org/officeDocument/2006/relationships" xmlns:p="http://schemas.openxmlformats.org/presentationml/2006/main">
   <p:cSld>
     <p:spTree>
@@ -15797,7 +16054,7 @@
 </p:sld>
 </file>
 
-<file path=ppt/slides/slide47.xml><?xml version="1.0" encoding="utf-8"?>
+<file path=ppt/slides/slide49.xml><?xml version="1.0" encoding="utf-8"?>
 <p:sld xmlns:a="http://schemas.openxmlformats.org/drawingml/2006/main" xmlns:r="http://schemas.openxmlformats.org/officeDocument/2006/relationships" xmlns:p="http://schemas.openxmlformats.org/presentationml/2006/main">
   <p:cSld>
     <p:spTree>
@@ -15869,7 +16126,72 @@
 </p:sld>
 </file>
 
-<file path=ppt/slides/slide48.xml><?xml version="1.0" encoding="utf-8"?>
+<file path=ppt/slides/slide5.xml><?xml version="1.0" encoding="utf-8"?>
+<p:sld xmlns:a="http://schemas.openxmlformats.org/drawingml/2006/main" xmlns:r="http://schemas.openxmlformats.org/officeDocument/2006/relationships" xmlns:p="http://schemas.openxmlformats.org/presentationml/2006/main">
+  <p:cSld>
+    <p:spTree>
+      <p:nvGrpSpPr>
+        <p:cNvPr id="1" name=""/>
+        <p:cNvGrpSpPr/>
+        <p:nvPr/>
+      </p:nvGrpSpPr>
+      <p:grpSpPr>
+        <a:xfrm>
+          <a:off x="0" y="0"/>
+          <a:ext cx="0" cy="0"/>
+          <a:chOff x="0" y="0"/>
+          <a:chExt cx="0" cy="0"/>
+        </a:xfrm>
+      </p:grpSpPr>
+      <p:sp>
+        <p:nvSpPr>
+          <p:cNvPr id="2" name="Text Placeholder 1">
+            <a:extLst>
+              <a:ext uri="{FF2B5EF4-FFF2-40B4-BE49-F238E27FC236}">
+                <a16:creationId xmlns:a16="http://schemas.microsoft.com/office/drawing/2014/main" id="{402975E3-E104-0741-F6A3-968971140D19}"/>
+              </a:ext>
+            </a:extLst>
+          </p:cNvPr>
+          <p:cNvSpPr>
+            <a:spLocks noGrp="1"/>
+          </p:cNvSpPr>
+          <p:nvPr>
+            <p:ph type="body" sz="quarter" idx="10"/>
+          </p:nvPr>
+        </p:nvSpPr>
+        <p:spPr/>
+        <p:txBody>
+          <a:bodyPr>
+            <a:normAutofit/>
+          </a:bodyPr>
+          <a:lstStyle/>
+          <a:p>
+            <a:r>
+              <a:rPr lang="en-US" sz="8000" dirty="0"/>
+              <a:t>IN </a:t>
+            </a:r>
+            <a:r>
+              <a:rPr lang="en-US" sz="8000"/>
+              <a:t>→ Trees</a:t>
+            </a:r>
+            <a:endParaRPr lang="en-US" sz="8000" dirty="0"/>
+          </a:p>
+        </p:txBody>
+      </p:sp>
+    </p:spTree>
+    <p:extLst>
+      <p:ext uri="{BB962C8B-B14F-4D97-AF65-F5344CB8AC3E}">
+        <p14:creationId xmlns:p14="http://schemas.microsoft.com/office/powerpoint/2010/main" val="1560250901"/>
+      </p:ext>
+    </p:extLst>
+  </p:cSld>
+  <p:clrMapOvr>
+    <a:masterClrMapping/>
+  </p:clrMapOvr>
+</p:sld>
+</file>
+
+<file path=ppt/slides/slide50.xml><?xml version="1.0" encoding="utf-8"?>
 <p:sld xmlns:a="http://schemas.openxmlformats.org/drawingml/2006/main" xmlns:r="http://schemas.openxmlformats.org/officeDocument/2006/relationships" xmlns:p="http://schemas.openxmlformats.org/presentationml/2006/main">
   <p:cSld>
     <p:spTree>
@@ -15929,7 +16251,7 @@
 </p:sld>
 </file>
 
-<file path=ppt/slides/slide49.xml><?xml version="1.0" encoding="utf-8"?>
+<file path=ppt/slides/slide51.xml><?xml version="1.0" encoding="utf-8"?>
 <p:sld xmlns:a="http://schemas.openxmlformats.org/drawingml/2006/main" xmlns:r="http://schemas.openxmlformats.org/officeDocument/2006/relationships" xmlns:p="http://schemas.openxmlformats.org/presentationml/2006/main">
   <p:cSld>
     <p:spTree>
@@ -15971,7 +16293,7 @@
           <a:p>
             <a:r>
               <a:rPr lang="en-US" sz="13800" dirty="0"/>
-              <a:t>Let’s play!</a:t>
+              <a:t>Fear not.</a:t>
             </a:r>
           </a:p>
         </p:txBody>
@@ -15989,7 +16311,129 @@
 </p:sld>
 </file>
 
-<file path=ppt/slides/slide5.xml><?xml version="1.0" encoding="utf-8"?>
+<file path=ppt/slides/slide52.xml><?xml version="1.0" encoding="utf-8"?>
+<p:sld xmlns:a="http://schemas.openxmlformats.org/drawingml/2006/main" xmlns:r="http://schemas.openxmlformats.org/officeDocument/2006/relationships" xmlns:p="http://schemas.openxmlformats.org/presentationml/2006/main">
+  <p:cSld>
+    <p:spTree>
+      <p:nvGrpSpPr>
+        <p:cNvPr id="1" name=""/>
+        <p:cNvGrpSpPr/>
+        <p:nvPr/>
+      </p:nvGrpSpPr>
+      <p:grpSpPr>
+        <a:xfrm>
+          <a:off x="0" y="0"/>
+          <a:ext cx="0" cy="0"/>
+          <a:chOff x="0" y="0"/>
+          <a:chExt cx="0" cy="0"/>
+        </a:xfrm>
+      </p:grpSpPr>
+      <p:sp>
+        <p:nvSpPr>
+          <p:cNvPr id="2" name="Text Placeholder 1">
+            <a:extLst>
+              <a:ext uri="{FF2B5EF4-FFF2-40B4-BE49-F238E27FC236}">
+                <a16:creationId xmlns:a16="http://schemas.microsoft.com/office/drawing/2014/main" id="{3DCC8B4E-1B77-5153-0807-298EF54E2518}"/>
+              </a:ext>
+            </a:extLst>
+          </p:cNvPr>
+          <p:cNvSpPr>
+            <a:spLocks noGrp="1"/>
+          </p:cNvSpPr>
+          <p:nvPr>
+            <p:ph type="body" sz="quarter" idx="10"/>
+          </p:nvPr>
+        </p:nvSpPr>
+        <p:spPr/>
+        <p:txBody>
+          <a:bodyPr>
+            <a:normAutofit/>
+          </a:bodyPr>
+          <a:lstStyle/>
+          <a:p>
+            <a:r>
+              <a:rPr lang="en-US" sz="12400" dirty="0"/>
+              <a:t>Thank you.</a:t>
+            </a:r>
+          </a:p>
+        </p:txBody>
+      </p:sp>
+    </p:spTree>
+    <p:extLst>
+      <p:ext uri="{BB962C8B-B14F-4D97-AF65-F5344CB8AC3E}">
+        <p14:creationId xmlns:p14="http://schemas.microsoft.com/office/powerpoint/2010/main" val="1852376800"/>
+      </p:ext>
+    </p:extLst>
+  </p:cSld>
+  <p:clrMapOvr>
+    <a:masterClrMapping/>
+  </p:clrMapOvr>
+</p:sld>
+</file>
+
+<file path=ppt/slides/slide6.xml><?xml version="1.0" encoding="utf-8"?>
+<p:sld xmlns:a="http://schemas.openxmlformats.org/drawingml/2006/main" xmlns:r="http://schemas.openxmlformats.org/officeDocument/2006/relationships" xmlns:p="http://schemas.openxmlformats.org/presentationml/2006/main">
+  <p:cSld>
+    <p:spTree>
+      <p:nvGrpSpPr>
+        <p:cNvPr id="1" name=""/>
+        <p:cNvGrpSpPr/>
+        <p:nvPr/>
+      </p:nvGrpSpPr>
+      <p:grpSpPr>
+        <a:xfrm>
+          <a:off x="0" y="0"/>
+          <a:ext cx="0" cy="0"/>
+          <a:chOff x="0" y="0"/>
+          <a:chExt cx="0" cy="0"/>
+        </a:xfrm>
+      </p:grpSpPr>
+      <p:sp>
+        <p:nvSpPr>
+          <p:cNvPr id="2" name="Text Placeholder 1">
+            <a:extLst>
+              <a:ext uri="{FF2B5EF4-FFF2-40B4-BE49-F238E27FC236}">
+                <a16:creationId xmlns:a16="http://schemas.microsoft.com/office/drawing/2014/main" id="{9647FA02-6405-C47E-C775-37A2BE032C44}"/>
+              </a:ext>
+            </a:extLst>
+          </p:cNvPr>
+          <p:cNvSpPr>
+            <a:spLocks noGrp="1"/>
+          </p:cNvSpPr>
+          <p:nvPr>
+            <p:ph type="body" sz="quarter" idx="10"/>
+          </p:nvPr>
+        </p:nvSpPr>
+        <p:spPr/>
+        <p:txBody>
+          <a:bodyPr>
+            <a:normAutofit/>
+          </a:bodyPr>
+          <a:lstStyle/>
+          <a:p>
+            <a:r>
+              <a:rPr lang="en-US" sz="14900" dirty="0">
+                <a:latin typeface="APL385 Unicode" panose="020B0709000202000203" pitchFamily="49" charset="0"/>
+              </a:rPr>
+              <a:t>⎕S ⎕R</a:t>
+            </a:r>
+          </a:p>
+        </p:txBody>
+      </p:sp>
+    </p:spTree>
+    <p:extLst>
+      <p:ext uri="{BB962C8B-B14F-4D97-AF65-F5344CB8AC3E}">
+        <p14:creationId xmlns:p14="http://schemas.microsoft.com/office/powerpoint/2010/main" val="1457423823"/>
+      </p:ext>
+    </p:extLst>
+  </p:cSld>
+  <p:clrMapOvr>
+    <a:masterClrMapping/>
+  </p:clrMapOvr>
+</p:sld>
+</file>
+
+<file path=ppt/slides/slide7.xml><?xml version="1.0" encoding="utf-8"?>
 <p:sld xmlns:a="http://schemas.openxmlformats.org/drawingml/2006/main" xmlns:r="http://schemas.openxmlformats.org/officeDocument/2006/relationships" xmlns:p="http://schemas.openxmlformats.org/presentationml/2006/main">
   <p:cSld>
     <p:spTree>
@@ -16049,67 +16493,7 @@
 </p:sld>
 </file>
 
-<file path=ppt/slides/slide50.xml><?xml version="1.0" encoding="utf-8"?>
-<p:sld xmlns:a="http://schemas.openxmlformats.org/drawingml/2006/main" xmlns:r="http://schemas.openxmlformats.org/officeDocument/2006/relationships" xmlns:p="http://schemas.openxmlformats.org/presentationml/2006/main">
-  <p:cSld>
-    <p:spTree>
-      <p:nvGrpSpPr>
-        <p:cNvPr id="1" name=""/>
-        <p:cNvGrpSpPr/>
-        <p:nvPr/>
-      </p:nvGrpSpPr>
-      <p:grpSpPr>
-        <a:xfrm>
-          <a:off x="0" y="0"/>
-          <a:ext cx="0" cy="0"/>
-          <a:chOff x="0" y="0"/>
-          <a:chExt cx="0" cy="0"/>
-        </a:xfrm>
-      </p:grpSpPr>
-      <p:sp>
-        <p:nvSpPr>
-          <p:cNvPr id="2" name="Text Placeholder 1">
-            <a:extLst>
-              <a:ext uri="{FF2B5EF4-FFF2-40B4-BE49-F238E27FC236}">
-                <a16:creationId xmlns:a16="http://schemas.microsoft.com/office/drawing/2014/main" id="{3DCC8B4E-1B77-5153-0807-298EF54E2518}"/>
-              </a:ext>
-            </a:extLst>
-          </p:cNvPr>
-          <p:cNvSpPr>
-            <a:spLocks noGrp="1"/>
-          </p:cNvSpPr>
-          <p:nvPr>
-            <p:ph type="body" sz="quarter" idx="10"/>
-          </p:nvPr>
-        </p:nvSpPr>
-        <p:spPr/>
-        <p:txBody>
-          <a:bodyPr>
-            <a:normAutofit/>
-          </a:bodyPr>
-          <a:lstStyle/>
-          <a:p>
-            <a:r>
-              <a:rPr lang="en-US" sz="12400" dirty="0"/>
-              <a:t>Thank you.</a:t>
-            </a:r>
-          </a:p>
-        </p:txBody>
-      </p:sp>
-    </p:spTree>
-    <p:extLst>
-      <p:ext uri="{BB962C8B-B14F-4D97-AF65-F5344CB8AC3E}">
-        <p14:creationId xmlns:p14="http://schemas.microsoft.com/office/powerpoint/2010/main" val="1852376800"/>
-      </p:ext>
-    </p:extLst>
-  </p:cSld>
-  <p:clrMapOvr>
-    <a:masterClrMapping/>
-  </p:clrMapOvr>
-</p:sld>
-</file>
-
-<file path=ppt/slides/slide6.xml><?xml version="1.0" encoding="utf-8"?>
+<file path=ppt/slides/slide8.xml><?xml version="1.0" encoding="utf-8"?>
 <p:sld xmlns:a="http://schemas.openxmlformats.org/drawingml/2006/main" xmlns:r="http://schemas.openxmlformats.org/officeDocument/2006/relationships" xmlns:p="http://schemas.openxmlformats.org/presentationml/2006/main">
   <p:cSld>
     <p:spTree>
@@ -16169,7 +16553,7 @@
 </p:sld>
 </file>
 
-<file path=ppt/slides/slide7.xml><?xml version="1.0" encoding="utf-8"?>
+<file path=ppt/slides/slide9.xml><?xml version="1.0" encoding="utf-8"?>
 <p:sld xmlns:a="http://schemas.openxmlformats.org/drawingml/2006/main" xmlns:r="http://schemas.openxmlformats.org/officeDocument/2006/relationships" xmlns:p="http://schemas.openxmlformats.org/presentationml/2006/main">
   <p:cSld>
     <p:spTree>
@@ -16220,126 +16604,6 @@
     <p:extLst>
       <p:ext uri="{BB962C8B-B14F-4D97-AF65-F5344CB8AC3E}">
         <p14:creationId xmlns:p14="http://schemas.microsoft.com/office/powerpoint/2010/main" val="2493263990"/>
-      </p:ext>
-    </p:extLst>
-  </p:cSld>
-  <p:clrMapOvr>
-    <a:masterClrMapping/>
-  </p:clrMapOvr>
-</p:sld>
-</file>
-
-<file path=ppt/slides/slide8.xml><?xml version="1.0" encoding="utf-8"?>
-<p:sld xmlns:a="http://schemas.openxmlformats.org/drawingml/2006/main" xmlns:r="http://schemas.openxmlformats.org/officeDocument/2006/relationships" xmlns:p="http://schemas.openxmlformats.org/presentationml/2006/main">
-  <p:cSld>
-    <p:spTree>
-      <p:nvGrpSpPr>
-        <p:cNvPr id="1" name=""/>
-        <p:cNvGrpSpPr/>
-        <p:nvPr/>
-      </p:nvGrpSpPr>
-      <p:grpSpPr>
-        <a:xfrm>
-          <a:off x="0" y="0"/>
-          <a:ext cx="0" cy="0"/>
-          <a:chOff x="0" y="0"/>
-          <a:chExt cx="0" cy="0"/>
-        </a:xfrm>
-      </p:grpSpPr>
-      <p:sp>
-        <p:nvSpPr>
-          <p:cNvPr id="2" name="Text Placeholder 1">
-            <a:extLst>
-              <a:ext uri="{FF2B5EF4-FFF2-40B4-BE49-F238E27FC236}">
-                <a16:creationId xmlns:a16="http://schemas.microsoft.com/office/drawing/2014/main" id="{94974E84-6631-92AA-93D8-82066785BAA1}"/>
-              </a:ext>
-            </a:extLst>
-          </p:cNvPr>
-          <p:cNvSpPr>
-            <a:spLocks noGrp="1"/>
-          </p:cNvSpPr>
-          <p:nvPr>
-            <p:ph type="body" sz="quarter" idx="10"/>
-          </p:nvPr>
-        </p:nvSpPr>
-        <p:spPr/>
-        <p:txBody>
-          <a:bodyPr>
-            <a:normAutofit/>
-          </a:bodyPr>
-          <a:lstStyle/>
-          <a:p>
-            <a:r>
-              <a:rPr lang="en-US" sz="14900" dirty="0"/>
-              <a:t>Grammars</a:t>
-            </a:r>
-          </a:p>
-        </p:txBody>
-      </p:sp>
-    </p:spTree>
-    <p:extLst>
-      <p:ext uri="{BB962C8B-B14F-4D97-AF65-F5344CB8AC3E}">
-        <p14:creationId xmlns:p14="http://schemas.microsoft.com/office/powerpoint/2010/main" val="3825392271"/>
-      </p:ext>
-    </p:extLst>
-  </p:cSld>
-  <p:clrMapOvr>
-    <a:masterClrMapping/>
-  </p:clrMapOvr>
-</p:sld>
-</file>
-
-<file path=ppt/slides/slide9.xml><?xml version="1.0" encoding="utf-8"?>
-<p:sld xmlns:a="http://schemas.openxmlformats.org/drawingml/2006/main" xmlns:r="http://schemas.openxmlformats.org/officeDocument/2006/relationships" xmlns:p="http://schemas.openxmlformats.org/presentationml/2006/main">
-  <p:cSld>
-    <p:spTree>
-      <p:nvGrpSpPr>
-        <p:cNvPr id="1" name=""/>
-        <p:cNvGrpSpPr/>
-        <p:nvPr/>
-      </p:nvGrpSpPr>
-      <p:grpSpPr>
-        <a:xfrm>
-          <a:off x="0" y="0"/>
-          <a:ext cx="0" cy="0"/>
-          <a:chOff x="0" y="0"/>
-          <a:chExt cx="0" cy="0"/>
-        </a:xfrm>
-      </p:grpSpPr>
-      <p:sp>
-        <p:nvSpPr>
-          <p:cNvPr id="2" name="Text Placeholder 1">
-            <a:extLst>
-              <a:ext uri="{FF2B5EF4-FFF2-40B4-BE49-F238E27FC236}">
-                <a16:creationId xmlns:a16="http://schemas.microsoft.com/office/drawing/2014/main" id="{F461B002-A22A-3B73-21BF-C86FB28FDAB1}"/>
-              </a:ext>
-            </a:extLst>
-          </p:cNvPr>
-          <p:cNvSpPr>
-            <a:spLocks noGrp="1"/>
-          </p:cNvSpPr>
-          <p:nvPr>
-            <p:ph type="body" sz="quarter" idx="10"/>
-          </p:nvPr>
-        </p:nvSpPr>
-        <p:spPr/>
-        <p:txBody>
-          <a:bodyPr>
-            <a:normAutofit/>
-          </a:bodyPr>
-          <a:lstStyle/>
-          <a:p>
-            <a:r>
-              <a:rPr lang="en-US" sz="12400" dirty="0"/>
-              <a:t>Context-free</a:t>
-            </a:r>
-          </a:p>
-        </p:txBody>
-      </p:sp>
-    </p:spTree>
-    <p:extLst>
-      <p:ext uri="{BB962C8B-B14F-4D97-AF65-F5344CB8AC3E}">
-        <p14:creationId xmlns:p14="http://schemas.microsoft.com/office/powerpoint/2010/main" val="1200804996"/>
       </p:ext>
     </p:extLst>
   </p:cSld>
